--- a/プレゼン資料.pptx
+++ b/プレゼン資料.pptx
@@ -564,30 +564,14 @@
             </a:r>
             <a:r>
               <a:rPr kumimoji="1" lang="ja-JP" altLang="en-US" dirty="0"/>
-              <a:t>↓湯ノ口</a:t>
+              <a:t>↓赤嶺</a:t>
             </a:r>
             <a:endParaRPr kumimoji="1" lang="en-US" altLang="ja-JP" dirty="0"/>
           </a:p>
           <a:p>
             <a:r>
               <a:rPr kumimoji="1" lang="ja-JP" altLang="en-US" dirty="0"/>
-              <a:t>これから</a:t>
-            </a:r>
-            <a:r>
-              <a:rPr kumimoji="1" lang="en-US" altLang="ja-JP" dirty="0"/>
-              <a:t>IVY</a:t>
-            </a:r>
-            <a:r>
-              <a:rPr kumimoji="1" lang="ja-JP" altLang="en-US" dirty="0"/>
-              <a:t>　</a:t>
-            </a:r>
-            <a:r>
-              <a:rPr kumimoji="1" lang="en-US" altLang="ja-JP" dirty="0"/>
-              <a:t>AI</a:t>
-            </a:r>
-            <a:r>
-              <a:rPr kumimoji="1" lang="ja-JP" altLang="en-US" dirty="0"/>
-              <a:t>開発部の本屋定期購読者システムの発表を始めます。</a:t>
+              <a:t>これからアイビクションの本屋定期購読者システムの発表を始めます。</a:t>
             </a:r>
             <a:endParaRPr kumimoji="1" lang="en-US" altLang="ja-JP" dirty="0"/>
           </a:p>
@@ -604,8 +588,37 @@
               <a:t>リーダーの</a:t>
             </a:r>
             <a:r>
+              <a:rPr lang="ja-JP" altLang="en-US" sz="1200" dirty="0">
+                <a:latin typeface="HG丸ｺﾞｼｯｸM-PRO" panose="020F0600000000000000" pitchFamily="50" charset="-128"/>
+                <a:ea typeface="HG丸ｺﾞｼｯｸM-PRO" panose="020F0600000000000000" pitchFamily="50" charset="-128"/>
+              </a:rPr>
+              <a:t>赤嶺昂太</a:t>
+            </a:r>
+            <a:r>
               <a:rPr lang="ja-JP" altLang="en-US" sz="1200" dirty="0"/>
-              <a:t>幸晴一です。サブリーダーの湯ノ口光輝です。メンバーの馬場陸翔です。メンバーの松永健吾です。</a:t>
+              <a:t>です。サブリーダーの</a:t>
+            </a:r>
+            <a:r>
+              <a:rPr lang="ja-JP" altLang="en-US" sz="1200" dirty="0">
+                <a:latin typeface="HG丸ｺﾞｼｯｸM-PRO" panose="020F0600000000000000" pitchFamily="50" charset="-128"/>
+                <a:ea typeface="HG丸ｺﾞｼｯｸM-PRO" panose="020F0600000000000000" pitchFamily="50" charset="-128"/>
+              </a:rPr>
+              <a:t>鹿島翔太　上原芙沙</a:t>
+            </a:r>
+            <a:r>
+              <a:rPr lang="ja-JP" altLang="en-US" sz="1200" dirty="0"/>
+              <a:t>です。メンバーの</a:t>
+            </a:r>
+            <a:r>
+              <a:rPr lang="ja-JP" altLang="en-US" sz="1200" dirty="0">
+                <a:latin typeface="HG丸ｺﾞｼｯｸM-PRO" panose="020F0600000000000000" pitchFamily="50" charset="-128"/>
+                <a:ea typeface="HG丸ｺﾞｼｯｸM-PRO" panose="020F0600000000000000" pitchFamily="50" charset="-128"/>
+              </a:rPr>
+              <a:t>板井駿佳　牧紫　堤慎吾</a:t>
+            </a:r>
+            <a:r>
+              <a:rPr lang="ja-JP" altLang="en-US" sz="1200" dirty="0"/>
+              <a:t>です。</a:t>
             </a:r>
             <a:endParaRPr lang="en-US" altLang="ja-JP" sz="1200" dirty="0"/>
           </a:p>
@@ -9101,6 +9114,42 @@
           <a:chExt cx="0" cy="0"/>
         </a:xfrm>
       </p:grpSpPr>
+      <p:pic>
+        <p:nvPicPr>
+          <p:cNvPr id="4" name="図 3">
+            <a:extLst>
+              <a:ext uri="{FF2B5EF4-FFF2-40B4-BE49-F238E27FC236}">
+                <a16:creationId xmlns:a16="http://schemas.microsoft.com/office/drawing/2014/main" id="{74B1C0F4-C433-4ABA-8637-CD3E810BE1B2}"/>
+              </a:ext>
+            </a:extLst>
+          </p:cNvPr>
+          <p:cNvPicPr>
+            <a:picLocks noChangeAspect="1"/>
+          </p:cNvPicPr>
+          <p:nvPr/>
+        </p:nvPicPr>
+        <p:blipFill>
+          <a:blip r:embed="rId3">
+            <a:extLst>
+              <a:ext uri="{28A0092B-C50C-407E-A947-70E740481C1C}">
+                <a14:useLocalDpi xmlns:a14="http://schemas.microsoft.com/office/drawing/2010/main" val="0"/>
+              </a:ext>
+            </a:extLst>
+          </a:blip>
+          <a:stretch>
+            <a:fillRect/>
+          </a:stretch>
+        </p:blipFill>
+        <p:spPr>
+          <a:xfrm>
+            <a:off x="0" y="0"/>
+            <a:ext cx="12192000" cy="6858000"/>
+          </a:xfrm>
+          <a:prstGeom prst="rect">
+            <a:avLst/>
+          </a:prstGeom>
+        </p:spPr>
+      </p:pic>
       <p:sp>
         <p:nvSpPr>
           <p:cNvPr id="2" name="タイトル 1"/>
@@ -9122,17 +9171,29 @@
           <a:lstStyle/>
           <a:p>
             <a:r>
-              <a:rPr lang="ja-JP" altLang="en-US" dirty="0"/>
+              <a:rPr lang="ja-JP" altLang="en-US" dirty="0">
+                <a:latin typeface="HG丸ｺﾞｼｯｸM-PRO" panose="020F0600000000000000" pitchFamily="50" charset="-128"/>
+                <a:ea typeface="HG丸ｺﾞｼｯｸM-PRO" panose="020F0600000000000000" pitchFamily="50" charset="-128"/>
+              </a:rPr>
               <a:t>ご清聴</a:t>
             </a:r>
             <a:br>
-              <a:rPr lang="en-US" altLang="ja-JP" dirty="0"/>
+              <a:rPr lang="en-US" altLang="ja-JP" dirty="0">
+                <a:latin typeface="HG丸ｺﾞｼｯｸM-PRO" panose="020F0600000000000000" pitchFamily="50" charset="-128"/>
+                <a:ea typeface="HG丸ｺﾞｼｯｸM-PRO" panose="020F0600000000000000" pitchFamily="50" charset="-128"/>
+              </a:rPr>
             </a:br>
             <a:r>
-              <a:rPr lang="ja-JP" altLang="en-US" dirty="0"/>
+              <a:rPr lang="ja-JP" altLang="en-US" dirty="0">
+                <a:latin typeface="HG丸ｺﾞｼｯｸM-PRO" panose="020F0600000000000000" pitchFamily="50" charset="-128"/>
+                <a:ea typeface="HG丸ｺﾞｼｯｸM-PRO" panose="020F0600000000000000" pitchFamily="50" charset="-128"/>
+              </a:rPr>
               <a:t>ありがとうございました</a:t>
             </a:r>
-            <a:endParaRPr kumimoji="1" lang="ja-JP" altLang="en-US" dirty="0"/>
+            <a:endParaRPr kumimoji="1" lang="ja-JP" altLang="en-US" dirty="0">
+              <a:latin typeface="HG丸ｺﾞｼｯｸM-PRO" panose="020F0600000000000000" pitchFamily="50" charset="-128"/>
+              <a:ea typeface="HG丸ｺﾞｼｯｸM-PRO" panose="020F0600000000000000" pitchFamily="50" charset="-128"/>
+            </a:endParaRPr>
           </a:p>
         </p:txBody>
       </p:sp>
@@ -9225,10 +9286,16 @@
           <a:lstStyle/>
           <a:p>
             <a:r>
-              <a:rPr lang="ja-JP" altLang="en-US" dirty="0"/>
+              <a:rPr lang="ja-JP" altLang="en-US" dirty="0">
+                <a:latin typeface="HG丸ｺﾞｼｯｸM-PRO" panose="020F0600000000000000" pitchFamily="50" charset="-128"/>
+                <a:ea typeface="HG丸ｺﾞｼｯｸM-PRO" panose="020F0600000000000000" pitchFamily="50" charset="-128"/>
+              </a:rPr>
               <a:t>書籍管理システムとは？</a:t>
             </a:r>
-            <a:endParaRPr kumimoji="1" lang="ja-JP" altLang="en-US" dirty="0"/>
+            <a:endParaRPr kumimoji="1" lang="ja-JP" altLang="en-US" dirty="0">
+              <a:latin typeface="HG丸ｺﾞｼｯｸM-PRO" panose="020F0600000000000000" pitchFamily="50" charset="-128"/>
+              <a:ea typeface="HG丸ｺﾞｼｯｸM-PRO" panose="020F0600000000000000" pitchFamily="50" charset="-128"/>
+            </a:endParaRPr>
           </a:p>
         </p:txBody>
       </p:sp>
@@ -9255,24 +9322,42 @@
           <a:lstStyle/>
           <a:p>
             <a:r>
-              <a:rPr kumimoji="1" lang="ja-JP" altLang="en-US" sz="4800" dirty="0"/>
+              <a:rPr kumimoji="1" lang="ja-JP" altLang="en-US" sz="4800" dirty="0">
+                <a:latin typeface="HG丸ｺﾞｼｯｸM-PRO" panose="020F0600000000000000" pitchFamily="50" charset="-128"/>
+                <a:ea typeface="HG丸ｺﾞｼｯｸM-PRO" panose="020F0600000000000000" pitchFamily="50" charset="-128"/>
+              </a:rPr>
               <a:t>本屋での</a:t>
             </a:r>
-            <a:endParaRPr kumimoji="1" lang="en-US" altLang="ja-JP" sz="4800" dirty="0"/>
-          </a:p>
-          <a:p>
-            <a:r>
-              <a:rPr kumimoji="1" lang="ja-JP" altLang="en-US" sz="4800" b="1" dirty="0"/>
+            <a:endParaRPr kumimoji="1" lang="en-US" altLang="ja-JP" sz="4800" dirty="0">
+              <a:latin typeface="HG丸ｺﾞｼｯｸM-PRO" panose="020F0600000000000000" pitchFamily="50" charset="-128"/>
+              <a:ea typeface="HG丸ｺﾞｼｯｸM-PRO" panose="020F0600000000000000" pitchFamily="50" charset="-128"/>
+            </a:endParaRPr>
+          </a:p>
+          <a:p>
+            <a:r>
+              <a:rPr kumimoji="1" lang="ja-JP" altLang="en-US" sz="4800" b="1" dirty="0">
+                <a:latin typeface="HG丸ｺﾞｼｯｸM-PRO" panose="020F0600000000000000" pitchFamily="50" charset="-128"/>
+                <a:ea typeface="HG丸ｺﾞｼｯｸM-PRO" panose="020F0600000000000000" pitchFamily="50" charset="-128"/>
+              </a:rPr>
               <a:t>書籍注文管理の補助</a:t>
             </a:r>
-            <a:endParaRPr kumimoji="1" lang="en-US" altLang="ja-JP" sz="4800" b="1" dirty="0"/>
-          </a:p>
-          <a:p>
-            <a:r>
-              <a:rPr lang="ja-JP" altLang="en-US" sz="4800" dirty="0"/>
+            <a:endParaRPr kumimoji="1" lang="en-US" altLang="ja-JP" sz="4800" b="1" dirty="0">
+              <a:latin typeface="HG丸ｺﾞｼｯｸM-PRO" panose="020F0600000000000000" pitchFamily="50" charset="-128"/>
+              <a:ea typeface="HG丸ｺﾞｼｯｸM-PRO" panose="020F0600000000000000" pitchFamily="50" charset="-128"/>
+            </a:endParaRPr>
+          </a:p>
+          <a:p>
+            <a:r>
+              <a:rPr lang="ja-JP" altLang="en-US" sz="4800" dirty="0">
+                <a:latin typeface="HG丸ｺﾞｼｯｸM-PRO" panose="020F0600000000000000" pitchFamily="50" charset="-128"/>
+                <a:ea typeface="HG丸ｺﾞｼｯｸM-PRO" panose="020F0600000000000000" pitchFamily="50" charset="-128"/>
+              </a:rPr>
               <a:t>をするシステム</a:t>
             </a:r>
-            <a:endParaRPr kumimoji="1" lang="en-US" altLang="ja-JP" sz="4800" dirty="0"/>
+            <a:endParaRPr kumimoji="1" lang="en-US" altLang="ja-JP" sz="4800" dirty="0">
+              <a:latin typeface="HG丸ｺﾞｼｯｸM-PRO" panose="020F0600000000000000" pitchFamily="50" charset="-128"/>
+              <a:ea typeface="HG丸ｺﾞｼｯｸM-PRO" panose="020F0600000000000000" pitchFamily="50" charset="-128"/>
+            </a:endParaRPr>
           </a:p>
           <a:p>
             <a:endParaRPr kumimoji="1" lang="en-US" altLang="ja-JP" sz="4800" dirty="0"/>
@@ -9368,7 +9453,10 @@
           <a:lstStyle/>
           <a:p>
             <a:r>
-              <a:rPr lang="ja-JP" altLang="en-US" dirty="0"/>
+              <a:rPr lang="ja-JP" altLang="en-US" dirty="0">
+                <a:latin typeface="HG丸ｺﾞｼｯｸM-PRO" panose="020F0600000000000000" pitchFamily="50" charset="-128"/>
+                <a:ea typeface="HG丸ｺﾞｼｯｸM-PRO" panose="020F0600000000000000" pitchFamily="50" charset="-128"/>
+              </a:rPr>
               <a:t>利用シーン</a:t>
             </a:r>
             <a:br>
@@ -9404,28 +9492,49 @@
           </a:p>
           <a:p>
             <a:r>
-              <a:rPr lang="ja-JP" altLang="en-US" sz="4800" dirty="0"/>
+              <a:rPr lang="ja-JP" altLang="en-US" sz="4800" dirty="0">
+                <a:latin typeface="HG丸ｺﾞｼｯｸM-PRO" panose="020F0600000000000000" pitchFamily="50" charset="-128"/>
+                <a:ea typeface="HG丸ｺﾞｼｯｸM-PRO" panose="020F0600000000000000" pitchFamily="50" charset="-128"/>
+              </a:rPr>
               <a:t>紙媒体で行っていた</a:t>
             </a:r>
-            <a:endParaRPr lang="en-US" altLang="ja-JP" sz="4800" dirty="0"/>
-          </a:p>
-          <a:p>
-            <a:r>
-              <a:rPr lang="ja-JP" altLang="en-US" sz="4800" dirty="0"/>
+            <a:endParaRPr lang="en-US" altLang="ja-JP" sz="4800" dirty="0">
+              <a:latin typeface="HG丸ｺﾞｼｯｸM-PRO" panose="020F0600000000000000" pitchFamily="50" charset="-128"/>
+              <a:ea typeface="HG丸ｺﾞｼｯｸM-PRO" panose="020F0600000000000000" pitchFamily="50" charset="-128"/>
+            </a:endParaRPr>
+          </a:p>
+          <a:p>
+            <a:r>
+              <a:rPr lang="ja-JP" altLang="en-US" sz="4800" dirty="0">
+                <a:latin typeface="HG丸ｺﾞｼｯｸM-PRO" panose="020F0600000000000000" pitchFamily="50" charset="-128"/>
+                <a:ea typeface="HG丸ｺﾞｼｯｸM-PRO" panose="020F0600000000000000" pitchFamily="50" charset="-128"/>
+              </a:rPr>
               <a:t>「顧客管理」「書籍定期購読管理」を</a:t>
             </a:r>
-            <a:endParaRPr lang="en-US" altLang="ja-JP" sz="4800" dirty="0"/>
-          </a:p>
-          <a:p>
-            <a:r>
-              <a:rPr kumimoji="1" lang="ja-JP" altLang="en-US" sz="4800" b="1" dirty="0"/>
+            <a:endParaRPr lang="en-US" altLang="ja-JP" sz="4800" dirty="0">
+              <a:latin typeface="HG丸ｺﾞｼｯｸM-PRO" panose="020F0600000000000000" pitchFamily="50" charset="-128"/>
+              <a:ea typeface="HG丸ｺﾞｼｯｸM-PRO" panose="020F0600000000000000" pitchFamily="50" charset="-128"/>
+            </a:endParaRPr>
+          </a:p>
+          <a:p>
+            <a:r>
+              <a:rPr kumimoji="1" lang="ja-JP" altLang="en-US" sz="4800" b="1" dirty="0">
+                <a:latin typeface="HG丸ｺﾞｼｯｸM-PRO" panose="020F0600000000000000" pitchFamily="50" charset="-128"/>
+                <a:ea typeface="HG丸ｺﾞｼｯｸM-PRO" panose="020F0600000000000000" pitchFamily="50" charset="-128"/>
+              </a:rPr>
               <a:t>データベース</a:t>
             </a:r>
             <a:r>
-              <a:rPr kumimoji="1" lang="ja-JP" altLang="en-US" sz="4800" dirty="0"/>
+              <a:rPr kumimoji="1" lang="ja-JP" altLang="en-US" sz="4800" dirty="0">
+                <a:latin typeface="HG丸ｺﾞｼｯｸM-PRO" panose="020F0600000000000000" pitchFamily="50" charset="-128"/>
+                <a:ea typeface="HG丸ｺﾞｼｯｸM-PRO" panose="020F0600000000000000" pitchFamily="50" charset="-128"/>
+              </a:rPr>
               <a:t>で蓄積、管理</a:t>
             </a:r>
-            <a:endParaRPr kumimoji="1" lang="en-US" altLang="ja-JP" sz="4800" dirty="0"/>
+            <a:endParaRPr kumimoji="1" lang="en-US" altLang="ja-JP" sz="4800" dirty="0">
+              <a:latin typeface="HG丸ｺﾞｼｯｸM-PRO" panose="020F0600000000000000" pitchFamily="50" charset="-128"/>
+              <a:ea typeface="HG丸ｺﾞｼｯｸM-PRO" panose="020F0600000000000000" pitchFamily="50" charset="-128"/>
+            </a:endParaRPr>
           </a:p>
         </p:txBody>
       </p:sp>
@@ -9753,10 +9862,16 @@
           <a:lstStyle/>
           <a:p>
             <a:r>
-              <a:rPr lang="ja-JP" altLang="en-US" dirty="0"/>
+              <a:rPr lang="ja-JP" altLang="en-US" dirty="0">
+                <a:latin typeface="HG丸ｺﾞｼｯｸM-PRO" panose="020F0600000000000000" pitchFamily="50" charset="-128"/>
+                <a:ea typeface="HG丸ｺﾞｼｯｸM-PRO" panose="020F0600000000000000" pitchFamily="50" charset="-128"/>
+              </a:rPr>
               <a:t>メリット</a:t>
             </a:r>
-            <a:endParaRPr kumimoji="1" lang="ja-JP" altLang="en-US" dirty="0"/>
+            <a:endParaRPr kumimoji="1" lang="ja-JP" altLang="en-US" dirty="0">
+              <a:latin typeface="HG丸ｺﾞｼｯｸM-PRO" panose="020F0600000000000000" pitchFamily="50" charset="-128"/>
+              <a:ea typeface="HG丸ｺﾞｼｯｸM-PRO" panose="020F0600000000000000" pitchFamily="50" charset="-128"/>
+            </a:endParaRPr>
           </a:p>
         </p:txBody>
       </p:sp>
@@ -9783,22 +9898,37 @@
           <a:lstStyle/>
           <a:p>
             <a:r>
-              <a:rPr kumimoji="1" lang="ja-JP" altLang="en-US" sz="4800" b="1" dirty="0"/>
+              <a:rPr kumimoji="1" lang="ja-JP" altLang="en-US" sz="4800" b="1" dirty="0">
+                <a:latin typeface="HG丸ｺﾞｼｯｸM-PRO" panose="020F0600000000000000" pitchFamily="50" charset="-128"/>
+                <a:ea typeface="HG丸ｺﾞｼｯｸM-PRO" panose="020F0600000000000000" pitchFamily="50" charset="-128"/>
+              </a:rPr>
               <a:t>記帳時間</a:t>
             </a:r>
             <a:r>
-              <a:rPr kumimoji="1" lang="ja-JP" altLang="en-US" sz="4800" dirty="0"/>
+              <a:rPr kumimoji="1" lang="ja-JP" altLang="en-US" sz="4800" dirty="0">
+                <a:latin typeface="HG丸ｺﾞｼｯｸM-PRO" panose="020F0600000000000000" pitchFamily="50" charset="-128"/>
+                <a:ea typeface="HG丸ｺﾞｼｯｸM-PRO" panose="020F0600000000000000" pitchFamily="50" charset="-128"/>
+              </a:rPr>
               <a:t>の短縮、</a:t>
             </a:r>
             <a:r>
-              <a:rPr lang="ja-JP" altLang="en-US" sz="4800" b="1" dirty="0"/>
+              <a:rPr lang="ja-JP" altLang="en-US" sz="4800" b="1" dirty="0">
+                <a:latin typeface="HG丸ｺﾞｼｯｸM-PRO" panose="020F0600000000000000" pitchFamily="50" charset="-128"/>
+                <a:ea typeface="HG丸ｺﾞｼｯｸM-PRO" panose="020F0600000000000000" pitchFamily="50" charset="-128"/>
+              </a:rPr>
               <a:t>ミス軽減</a:t>
             </a:r>
             <a:r>
-              <a:rPr lang="ja-JP" altLang="en-US" sz="4800" dirty="0"/>
+              <a:rPr lang="ja-JP" altLang="en-US" sz="4800" dirty="0">
+                <a:latin typeface="HG丸ｺﾞｼｯｸM-PRO" panose="020F0600000000000000" pitchFamily="50" charset="-128"/>
+                <a:ea typeface="HG丸ｺﾞｼｯｸM-PRO" panose="020F0600000000000000" pitchFamily="50" charset="-128"/>
+              </a:rPr>
               <a:t>を図る</a:t>
             </a:r>
-            <a:endParaRPr kumimoji="1" lang="en-US" altLang="ja-JP" sz="4800" dirty="0"/>
+            <a:endParaRPr kumimoji="1" lang="en-US" altLang="ja-JP" sz="4800" dirty="0">
+              <a:latin typeface="HG丸ｺﾞｼｯｸM-PRO" panose="020F0600000000000000" pitchFamily="50" charset="-128"/>
+              <a:ea typeface="HG丸ｺﾞｼｯｸM-PRO" panose="020F0600000000000000" pitchFamily="50" charset="-128"/>
+            </a:endParaRPr>
           </a:p>
         </p:txBody>
       </p:sp>
@@ -10100,10 +10230,16 @@
           <a:lstStyle/>
           <a:p>
             <a:r>
-              <a:rPr lang="ja-JP" altLang="en-US" dirty="0"/>
+              <a:rPr lang="ja-JP" altLang="en-US" dirty="0">
+                <a:latin typeface="HG丸ｺﾞｼｯｸM-PRO" panose="020F0600000000000000" pitchFamily="50" charset="-128"/>
+                <a:ea typeface="HG丸ｺﾞｼｯｸM-PRO" panose="020F0600000000000000" pitchFamily="50" charset="-128"/>
+              </a:rPr>
               <a:t>機能・仕様</a:t>
             </a:r>
-            <a:endParaRPr kumimoji="1" lang="ja-JP" altLang="en-US" dirty="0"/>
+            <a:endParaRPr kumimoji="1" lang="ja-JP" altLang="en-US" dirty="0">
+              <a:latin typeface="HG丸ｺﾞｼｯｸM-PRO" panose="020F0600000000000000" pitchFamily="50" charset="-128"/>
+              <a:ea typeface="HG丸ｺﾞｼｯｸM-PRO" panose="020F0600000000000000" pitchFamily="50" charset="-128"/>
+            </a:endParaRPr>
           </a:p>
         </p:txBody>
       </p:sp>
@@ -10130,41 +10266,71 @@
           <a:lstStyle/>
           <a:p>
             <a:r>
-              <a:rPr lang="ja-JP" altLang="en-US" sz="4800" dirty="0"/>
+              <a:rPr lang="ja-JP" altLang="en-US" sz="4800" dirty="0">
+                <a:latin typeface="HG丸ｺﾞｼｯｸM-PRO" panose="020F0600000000000000" pitchFamily="50" charset="-128"/>
+                <a:ea typeface="HG丸ｺﾞｼｯｸM-PRO" panose="020F0600000000000000" pitchFamily="50" charset="-128"/>
+              </a:rPr>
               <a:t>・</a:t>
             </a:r>
             <a:r>
-              <a:rPr lang="ja-JP" altLang="en-US" sz="4800" b="1" dirty="0"/>
+              <a:rPr lang="ja-JP" altLang="en-US" sz="4800" b="1" dirty="0">
+                <a:latin typeface="HG丸ｺﾞｼｯｸM-PRO" panose="020F0600000000000000" pitchFamily="50" charset="-128"/>
+                <a:ea typeface="HG丸ｺﾞｼｯｸM-PRO" panose="020F0600000000000000" pitchFamily="50" charset="-128"/>
+              </a:rPr>
               <a:t>書籍追加</a:t>
             </a:r>
             <a:r>
-              <a:rPr kumimoji="1" lang="ja-JP" altLang="en-US" sz="4800" dirty="0"/>
+              <a:rPr kumimoji="1" lang="ja-JP" altLang="en-US" sz="4800" dirty="0">
+                <a:latin typeface="HG丸ｺﾞｼｯｸM-PRO" panose="020F0600000000000000" pitchFamily="50" charset="-128"/>
+                <a:ea typeface="HG丸ｺﾞｼｯｸM-PRO" panose="020F0600000000000000" pitchFamily="50" charset="-128"/>
+              </a:rPr>
               <a:t>・</a:t>
             </a:r>
             <a:r>
-              <a:rPr kumimoji="1" lang="ja-JP" altLang="en-US" sz="4800" b="1" dirty="0"/>
+              <a:rPr kumimoji="1" lang="ja-JP" altLang="en-US" sz="4800" b="1" dirty="0">
+                <a:latin typeface="HG丸ｺﾞｼｯｸM-PRO" panose="020F0600000000000000" pitchFamily="50" charset="-128"/>
+                <a:ea typeface="HG丸ｺﾞｼｯｸM-PRO" panose="020F0600000000000000" pitchFamily="50" charset="-128"/>
+              </a:rPr>
               <a:t>顧客追加</a:t>
             </a:r>
-            <a:endParaRPr kumimoji="1" lang="en-US" altLang="ja-JP" sz="4800" b="1" dirty="0"/>
-          </a:p>
-          <a:p>
-            <a:r>
-              <a:rPr lang="ja-JP" altLang="en-US" sz="4800" dirty="0"/>
+            <a:endParaRPr kumimoji="1" lang="en-US" altLang="ja-JP" sz="4800" b="1" dirty="0">
+              <a:latin typeface="HG丸ｺﾞｼｯｸM-PRO" panose="020F0600000000000000" pitchFamily="50" charset="-128"/>
+              <a:ea typeface="HG丸ｺﾞｼｯｸM-PRO" panose="020F0600000000000000" pitchFamily="50" charset="-128"/>
+            </a:endParaRPr>
+          </a:p>
+          <a:p>
+            <a:r>
+              <a:rPr lang="ja-JP" altLang="en-US" sz="4800" dirty="0">
+                <a:latin typeface="HG丸ｺﾞｼｯｸM-PRO" panose="020F0600000000000000" pitchFamily="50" charset="-128"/>
+                <a:ea typeface="HG丸ｺﾞｼｯｸM-PRO" panose="020F0600000000000000" pitchFamily="50" charset="-128"/>
+              </a:rPr>
               <a:t>・</a:t>
             </a:r>
             <a:r>
-              <a:rPr lang="ja-JP" altLang="en-US" sz="4800" b="1" dirty="0"/>
+              <a:rPr lang="ja-JP" altLang="en-US" sz="4800" b="1" dirty="0">
+                <a:latin typeface="HG丸ｺﾞｼｯｸM-PRO" panose="020F0600000000000000" pitchFamily="50" charset="-128"/>
+                <a:ea typeface="HG丸ｺﾞｼｯｸM-PRO" panose="020F0600000000000000" pitchFamily="50" charset="-128"/>
+              </a:rPr>
               <a:t>書籍管理</a:t>
             </a:r>
             <a:r>
-              <a:rPr kumimoji="1" lang="ja-JP" altLang="en-US" sz="4800" dirty="0"/>
+              <a:rPr kumimoji="1" lang="ja-JP" altLang="en-US" sz="4800" dirty="0">
+                <a:latin typeface="HG丸ｺﾞｼｯｸM-PRO" panose="020F0600000000000000" pitchFamily="50" charset="-128"/>
+                <a:ea typeface="HG丸ｺﾞｼｯｸM-PRO" panose="020F0600000000000000" pitchFamily="50" charset="-128"/>
+              </a:rPr>
               <a:t>・</a:t>
             </a:r>
             <a:r>
-              <a:rPr kumimoji="1" lang="ja-JP" altLang="en-US" sz="4800" b="1" dirty="0"/>
+              <a:rPr kumimoji="1" lang="ja-JP" altLang="en-US" sz="4800" b="1" dirty="0">
+                <a:latin typeface="HG丸ｺﾞｼｯｸM-PRO" panose="020F0600000000000000" pitchFamily="50" charset="-128"/>
+                <a:ea typeface="HG丸ｺﾞｼｯｸM-PRO" panose="020F0600000000000000" pitchFamily="50" charset="-128"/>
+              </a:rPr>
               <a:t>顧客管理</a:t>
             </a:r>
-            <a:endParaRPr kumimoji="1" lang="en-US" altLang="ja-JP" sz="4800" b="1" dirty="0"/>
+            <a:endParaRPr kumimoji="1" lang="en-US" altLang="ja-JP" sz="4800" b="1" dirty="0">
+              <a:latin typeface="HG丸ｺﾞｼｯｸM-PRO" panose="020F0600000000000000" pitchFamily="50" charset="-128"/>
+              <a:ea typeface="HG丸ｺﾞｼｯｸM-PRO" panose="020F0600000000000000" pitchFamily="50" charset="-128"/>
+            </a:endParaRPr>
           </a:p>
           <a:p>
             <a:pPr algn="r"/>
@@ -10741,7 +10907,10 @@
           <a:lstStyle/>
           <a:p>
             <a:r>
-              <a:rPr kumimoji="1" lang="ja-JP" altLang="en-US" dirty="0"/>
+              <a:rPr kumimoji="1" lang="ja-JP" altLang="en-US" dirty="0">
+                <a:latin typeface="HG丸ｺﾞｼｯｸM-PRO" panose="020F0600000000000000" pitchFamily="50" charset="-128"/>
+                <a:ea typeface="HG丸ｺﾞｼｯｸM-PRO" panose="020F0600000000000000" pitchFamily="50" charset="-128"/>
+              </a:rPr>
               <a:t>特徴</a:t>
             </a:r>
           </a:p>
@@ -10770,24 +10939,42 @@
           <a:lstStyle/>
           <a:p>
             <a:r>
-              <a:rPr lang="ja-JP" altLang="en-US" sz="4800" dirty="0"/>
+              <a:rPr lang="ja-JP" altLang="en-US" sz="4800" dirty="0">
+                <a:latin typeface="HG丸ｺﾞｼｯｸM-PRO" panose="020F0600000000000000" pitchFamily="50" charset="-128"/>
+                <a:ea typeface="HG丸ｺﾞｼｯｸM-PRO" panose="020F0600000000000000" pitchFamily="50" charset="-128"/>
+              </a:rPr>
               <a:t>バックエンドとフロントエンドの分離</a:t>
             </a:r>
-            <a:endParaRPr lang="en-US" altLang="ja-JP" sz="4800" dirty="0"/>
-          </a:p>
-          <a:p>
-            <a:r>
-              <a:rPr lang="ja-JP" altLang="en-US" sz="4800" dirty="0"/>
+            <a:endParaRPr lang="en-US" altLang="ja-JP" sz="4800" dirty="0">
+              <a:latin typeface="HG丸ｺﾞｼｯｸM-PRO" panose="020F0600000000000000" pitchFamily="50" charset="-128"/>
+              <a:ea typeface="HG丸ｺﾞｼｯｸM-PRO" panose="020F0600000000000000" pitchFamily="50" charset="-128"/>
+            </a:endParaRPr>
+          </a:p>
+          <a:p>
+            <a:r>
+              <a:rPr lang="ja-JP" altLang="en-US" sz="4800" dirty="0">
+                <a:latin typeface="HG丸ｺﾞｼｯｸM-PRO" panose="020F0600000000000000" pitchFamily="50" charset="-128"/>
+                <a:ea typeface="HG丸ｺﾞｼｯｸM-PRO" panose="020F0600000000000000" pitchFamily="50" charset="-128"/>
+              </a:rPr>
               <a:t>マルチプラットフォーム</a:t>
             </a:r>
-            <a:endParaRPr lang="en-US" altLang="ja-JP" sz="4800" dirty="0"/>
-          </a:p>
-          <a:p>
-            <a:r>
-              <a:rPr lang="en-US" altLang="ja-JP" sz="4800" dirty="0"/>
+            <a:endParaRPr lang="en-US" altLang="ja-JP" sz="4800" dirty="0">
+              <a:latin typeface="HG丸ｺﾞｼｯｸM-PRO" panose="020F0600000000000000" pitchFamily="50" charset="-128"/>
+              <a:ea typeface="HG丸ｺﾞｼｯｸM-PRO" panose="020F0600000000000000" pitchFamily="50" charset="-128"/>
+            </a:endParaRPr>
+          </a:p>
+          <a:p>
+            <a:r>
+              <a:rPr lang="en-US" altLang="ja-JP" sz="4800" dirty="0">
+                <a:latin typeface="HG丸ｺﾞｼｯｸM-PRO" panose="020F0600000000000000" pitchFamily="50" charset="-128"/>
+                <a:ea typeface="HG丸ｺﾞｼｯｸM-PRO" panose="020F0600000000000000" pitchFamily="50" charset="-128"/>
+              </a:rPr>
               <a:t>REST API</a:t>
             </a:r>
-            <a:endParaRPr kumimoji="1" lang="en-US" altLang="ja-JP" sz="4800" dirty="0"/>
+            <a:endParaRPr kumimoji="1" lang="en-US" altLang="ja-JP" sz="4800" dirty="0">
+              <a:latin typeface="HG丸ｺﾞｼｯｸM-PRO" panose="020F0600000000000000" pitchFamily="50" charset="-128"/>
+              <a:ea typeface="HG丸ｺﾞｼｯｸM-PRO" panose="020F0600000000000000" pitchFamily="50" charset="-128"/>
+            </a:endParaRPr>
           </a:p>
         </p:txBody>
       </p:sp>
@@ -10821,12 +11008,121 @@
           <a:chExt cx="0" cy="0"/>
         </a:xfrm>
       </p:grpSpPr>
-      <p:sp>
-        <p:nvSpPr>
-          <p:cNvPr id="11" name="正方形/長方形 10">
+      <p:pic>
+        <p:nvPicPr>
+          <p:cNvPr id="4" name="図 3">
             <a:extLst>
               <a:ext uri="{FF2B5EF4-FFF2-40B4-BE49-F238E27FC236}">
-                <a16:creationId xmlns:a16="http://schemas.microsoft.com/office/drawing/2014/main" id="{50C56BC9-9983-4493-99BF-F858F6CDBB54}"/>
+                <a16:creationId xmlns:a16="http://schemas.microsoft.com/office/drawing/2014/main" id="{9D5693D8-B2F2-4710-877C-599C8AE652EC}"/>
+              </a:ext>
+            </a:extLst>
+          </p:cNvPr>
+          <p:cNvPicPr>
+            <a:picLocks noChangeAspect="1"/>
+          </p:cNvPicPr>
+          <p:nvPr/>
+        </p:nvPicPr>
+        <p:blipFill>
+          <a:blip r:embed="rId3">
+            <a:extLst>
+              <a:ext uri="{28A0092B-C50C-407E-A947-70E740481C1C}">
+                <a14:useLocalDpi xmlns:a14="http://schemas.microsoft.com/office/drawing/2010/main" val="0"/>
+              </a:ext>
+            </a:extLst>
+          </a:blip>
+          <a:stretch>
+            <a:fillRect/>
+          </a:stretch>
+        </p:blipFill>
+        <p:spPr>
+          <a:xfrm>
+            <a:off x="0" y="-4651"/>
+            <a:ext cx="12192000" cy="6858000"/>
+          </a:xfrm>
+          <a:prstGeom prst="rect">
+            <a:avLst/>
+          </a:prstGeom>
+        </p:spPr>
+      </p:pic>
+      <p:pic>
+        <p:nvPicPr>
+          <p:cNvPr id="13" name="図 12">
+            <a:extLst>
+              <a:ext uri="{FF2B5EF4-FFF2-40B4-BE49-F238E27FC236}">
+                <a16:creationId xmlns:a16="http://schemas.microsoft.com/office/drawing/2014/main" id="{05054DAA-9621-4E8B-80AE-20184A04B7F5}"/>
+              </a:ext>
+            </a:extLst>
+          </p:cNvPr>
+          <p:cNvPicPr>
+            <a:picLocks noChangeAspect="1"/>
+          </p:cNvPicPr>
+          <p:nvPr/>
+        </p:nvPicPr>
+        <p:blipFill>
+          <a:blip r:embed="rId4">
+            <a:extLst>
+              <a:ext uri="{28A0092B-C50C-407E-A947-70E740481C1C}">
+                <a14:useLocalDpi xmlns:a14="http://schemas.microsoft.com/office/drawing/2010/main" val="0"/>
+              </a:ext>
+            </a:extLst>
+          </a:blip>
+          <a:stretch>
+            <a:fillRect/>
+          </a:stretch>
+        </p:blipFill>
+        <p:spPr>
+          <a:xfrm>
+            <a:off x="3807502" y="1853083"/>
+            <a:ext cx="7806122" cy="4703791"/>
+          </a:xfrm>
+          <a:prstGeom prst="rect">
+            <a:avLst/>
+          </a:prstGeom>
+          <a:effectLst>
+            <a:outerShdw blurRad="50800" dist="38100" dir="2700000" algn="tl" rotWithShape="0">
+              <a:prstClr val="black">
+                <a:alpha val="40000"/>
+              </a:prstClr>
+            </a:outerShdw>
+          </a:effectLst>
+        </p:spPr>
+      </p:pic>
+      <p:sp>
+        <p:nvSpPr>
+          <p:cNvPr id="2" name="タイトル 1"/>
+          <p:cNvSpPr>
+            <a:spLocks noGrp="1"/>
+          </p:cNvSpPr>
+          <p:nvPr>
+            <p:ph type="ctrTitle"/>
+          </p:nvPr>
+        </p:nvSpPr>
+        <p:spPr>
+          <a:xfrm>
+            <a:off x="1524000" y="762599"/>
+            <a:ext cx="9144000" cy="1090485"/>
+          </a:xfrm>
+        </p:spPr>
+        <p:txBody>
+          <a:bodyPr anchor="t"/>
+          <a:lstStyle/>
+          <a:p>
+            <a:r>
+              <a:rPr kumimoji="1" lang="ja-JP" altLang="en-US" dirty="0">
+                <a:latin typeface="HG丸ｺﾞｼｯｸM-PRO" panose="020F0600000000000000" pitchFamily="50" charset="-128"/>
+                <a:ea typeface="HG丸ｺﾞｼｯｸM-PRO" panose="020F0600000000000000" pitchFamily="50" charset="-128"/>
+              </a:rPr>
+              <a:t>構成</a:t>
+            </a:r>
+          </a:p>
+        </p:txBody>
+      </p:sp>
+      <p:sp>
+        <p:nvSpPr>
+          <p:cNvPr id="6" name="正方形/長方形 5">
+            <a:extLst>
+              <a:ext uri="{FF2B5EF4-FFF2-40B4-BE49-F238E27FC236}">
+                <a16:creationId xmlns:a16="http://schemas.microsoft.com/office/drawing/2014/main" id="{F01499A4-0445-4EEA-93CA-5B10EBD68551}"/>
               </a:ext>
             </a:extLst>
           </p:cNvPr>
@@ -10835,8 +11131,8 @@
         </p:nvSpPr>
         <p:spPr>
           <a:xfrm>
-            <a:off x="3204107" y="2328332"/>
-            <a:ext cx="8377768" cy="4402667"/>
+            <a:off x="179127" y="2935555"/>
+            <a:ext cx="2486624" cy="977588"/>
           </a:xfrm>
           <a:prstGeom prst="rect">
             <a:avLst/>
@@ -10862,7 +11158,7 @@
           </a:fontRef>
         </p:style>
         <p:txBody>
-          <a:bodyPr rtlCol="0" anchor="t"/>
+          <a:bodyPr rtlCol="0" anchor="ctr"/>
           <a:lstStyle/>
           <a:p>
             <a:pPr marL="0" marR="0" lvl="0" indent="0" algn="ctr" defTabSz="914400" rtl="0" eaLnBrk="1" fontAlgn="auto" latinLnBrk="0" hangingPunct="1">
@@ -10883,128 +11179,6 @@
               <a:defRPr/>
             </a:pPr>
             <a:r>
-              <a:rPr kumimoji="1" lang="en-US" altLang="ja-JP" sz="4000" b="0" i="0" u="none" strike="noStrike" kern="1200" cap="none" spc="0" normalizeH="0" baseline="0" noProof="0" dirty="0">
-                <a:ln>
-                  <a:noFill/>
-                </a:ln>
-                <a:solidFill>
-                  <a:prstClr val="black"/>
-                </a:solidFill>
-                <a:effectLst/>
-                <a:uLnTx/>
-                <a:uFillTx/>
-                <a:latin typeface="游ゴシック" panose="020F0502020204030204"/>
-                <a:ea typeface="游ゴシック" panose="020B0400000000000000" pitchFamily="50" charset="-128"/>
-                <a:cs typeface="+mn-cs"/>
-              </a:rPr>
-              <a:t>XAMPP</a:t>
-            </a:r>
-            <a:endParaRPr kumimoji="1" lang="ja-JP" altLang="en-US" sz="4000" b="0" i="0" u="none" strike="noStrike" kern="1200" cap="none" spc="0" normalizeH="0" baseline="0" noProof="0" dirty="0">
-              <a:ln>
-                <a:noFill/>
-              </a:ln>
-              <a:solidFill>
-                <a:prstClr val="black"/>
-              </a:solidFill>
-              <a:effectLst/>
-              <a:uLnTx/>
-              <a:uFillTx/>
-              <a:latin typeface="游ゴシック" panose="020F0502020204030204"/>
-              <a:ea typeface="游ゴシック" panose="020B0400000000000000" pitchFamily="50" charset="-128"/>
-              <a:cs typeface="+mn-cs"/>
-            </a:endParaRPr>
-          </a:p>
-        </p:txBody>
-      </p:sp>
-      <p:sp>
-        <p:nvSpPr>
-          <p:cNvPr id="2" name="タイトル 1"/>
-          <p:cNvSpPr>
-            <a:spLocks noGrp="1"/>
-          </p:cNvSpPr>
-          <p:nvPr>
-            <p:ph type="ctrTitle"/>
-          </p:nvPr>
-        </p:nvSpPr>
-        <p:spPr>
-          <a:xfrm>
-            <a:off x="1524000" y="1122363"/>
-            <a:ext cx="9144000" cy="1090485"/>
-          </a:xfrm>
-        </p:spPr>
-        <p:txBody>
-          <a:bodyPr anchor="t"/>
-          <a:lstStyle/>
-          <a:p>
-            <a:r>
-              <a:rPr kumimoji="1" lang="ja-JP" altLang="en-US" dirty="0"/>
-              <a:t>構成</a:t>
-            </a:r>
-          </a:p>
-        </p:txBody>
-      </p:sp>
-      <p:sp>
-        <p:nvSpPr>
-          <p:cNvPr id="6" name="正方形/長方形 5">
-            <a:extLst>
-              <a:ext uri="{FF2B5EF4-FFF2-40B4-BE49-F238E27FC236}">
-                <a16:creationId xmlns:a16="http://schemas.microsoft.com/office/drawing/2014/main" id="{F01499A4-0445-4EEA-93CA-5B10EBD68551}"/>
-              </a:ext>
-            </a:extLst>
-          </p:cNvPr>
-          <p:cNvSpPr/>
-          <p:nvPr/>
-        </p:nvSpPr>
-        <p:spPr>
-          <a:xfrm>
-            <a:off x="112185" y="3282302"/>
-            <a:ext cx="2091266" cy="858211"/>
-          </a:xfrm>
-          <a:prstGeom prst="rect">
-            <a:avLst/>
-          </a:prstGeom>
-          <a:solidFill>
-            <a:schemeClr val="bg1"/>
-          </a:solidFill>
-        </p:spPr>
-        <p:style>
-          <a:lnRef idx="2">
-            <a:schemeClr val="accent1">
-              <a:shade val="50000"/>
-            </a:schemeClr>
-          </a:lnRef>
-          <a:fillRef idx="1">
-            <a:schemeClr val="accent1"/>
-          </a:fillRef>
-          <a:effectRef idx="0">
-            <a:schemeClr val="accent1"/>
-          </a:effectRef>
-          <a:fontRef idx="minor">
-            <a:schemeClr val="lt1"/>
-          </a:fontRef>
-        </p:style>
-        <p:txBody>
-          <a:bodyPr rtlCol="0" anchor="ctr"/>
-          <a:lstStyle/>
-          <a:p>
-            <a:pPr marL="0" marR="0" lvl="0" indent="0" algn="ctr" defTabSz="914400" rtl="0" eaLnBrk="1" fontAlgn="auto" latinLnBrk="0" hangingPunct="1">
-              <a:lnSpc>
-                <a:spcPct val="100000"/>
-              </a:lnSpc>
-              <a:spcBef>
-                <a:spcPts val="0"/>
-              </a:spcBef>
-              <a:spcAft>
-                <a:spcPts val="0"/>
-              </a:spcAft>
-              <a:buClrTx/>
-              <a:buSzTx/>
-              <a:buFontTx/>
-              <a:buNone/>
-              <a:tabLst/>
-              <a:defRPr/>
-            </a:pPr>
-            <a:r>
               <a:rPr kumimoji="1" lang="en-US" altLang="ja-JP" sz="3200" b="0" i="0" u="none" strike="noStrike" kern="1200" cap="none" spc="0" normalizeH="0" baseline="0" noProof="0" dirty="0">
                 <a:ln>
                   <a:noFill/>
@@ -11015,11 +11189,41 @@
                 <a:effectLst/>
                 <a:uLnTx/>
                 <a:uFillTx/>
-                <a:latin typeface="游ゴシック" panose="020F0502020204030204"/>
-                <a:ea typeface="游ゴシック" panose="020B0400000000000000" pitchFamily="50" charset="-128"/>
-                <a:cs typeface="+mn-cs"/>
+                <a:latin typeface="HG丸ｺﾞｼｯｸM-PRO" panose="020F0600000000000000" pitchFamily="50" charset="-128"/>
+                <a:ea typeface="HG丸ｺﾞｼｯｸM-PRO" panose="020F0600000000000000" pitchFamily="50" charset="-128"/>
               </a:rPr>
-              <a:t>Flutter</a:t>
+              <a:t> Browser</a:t>
+            </a:r>
+            <a:br>
+              <a:rPr kumimoji="1" lang="en-US" altLang="ja-JP" sz="3200" b="0" i="0" u="none" strike="noStrike" kern="1200" cap="none" spc="0" normalizeH="0" baseline="0" noProof="0" dirty="0">
+                <a:ln>
+                  <a:noFill/>
+                </a:ln>
+                <a:solidFill>
+                  <a:prstClr val="black"/>
+                </a:solidFill>
+                <a:effectLst/>
+                <a:uLnTx/>
+                <a:uFillTx/>
+                <a:latin typeface="HG丸ｺﾞｼｯｸM-PRO" panose="020F0600000000000000" pitchFamily="50" charset="-128"/>
+                <a:ea typeface="HG丸ｺﾞｼｯｸM-PRO" panose="020F0600000000000000" pitchFamily="50" charset="-128"/>
+              </a:rPr>
+            </a:br>
+            <a:r>
+              <a:rPr kumimoji="1" lang="en-US" altLang="ja-JP" sz="3200" b="0" i="0" u="none" strike="noStrike" kern="1200" cap="none" spc="0" normalizeH="0" baseline="0" noProof="0" dirty="0">
+                <a:ln>
+                  <a:noFill/>
+                </a:ln>
+                <a:solidFill>
+                  <a:prstClr val="black"/>
+                </a:solidFill>
+                <a:effectLst/>
+                <a:uLnTx/>
+                <a:uFillTx/>
+                <a:latin typeface="HG丸ｺﾞｼｯｸM-PRO" panose="020F0600000000000000" pitchFamily="50" charset="-128"/>
+                <a:ea typeface="HG丸ｺﾞｼｯｸM-PRO" panose="020F0600000000000000" pitchFamily="50" charset="-128"/>
+              </a:rPr>
+              <a:t>application</a:t>
             </a:r>
             <a:endParaRPr kumimoji="1" lang="ja-JP" altLang="en-US" sz="3200" b="0" i="0" u="none" strike="noStrike" kern="1200" cap="none" spc="0" normalizeH="0" baseline="0" noProof="0" dirty="0">
               <a:ln>
@@ -11031,9 +11235,8 @@
               <a:effectLst/>
               <a:uLnTx/>
               <a:uFillTx/>
-              <a:latin typeface="游ゴシック" panose="020F0502020204030204"/>
-              <a:ea typeface="游ゴシック" panose="020B0400000000000000" pitchFamily="50" charset="-128"/>
-              <a:cs typeface="+mn-cs"/>
+              <a:latin typeface="HG丸ｺﾞｼｯｸM-PRO" panose="020F0600000000000000" pitchFamily="50" charset="-128"/>
+              <a:ea typeface="HG丸ｺﾞｼｯｸM-PRO" panose="020F0600000000000000" pitchFamily="50" charset="-128"/>
             </a:endParaRPr>
           </a:p>
         </p:txBody>
@@ -11052,7 +11255,7 @@
         </p:nvSpPr>
         <p:spPr>
           <a:xfrm>
-            <a:off x="8425397" y="3344577"/>
+            <a:off x="8677199" y="2938177"/>
             <a:ext cx="2565400" cy="812800"/>
           </a:xfrm>
           <a:prstGeom prst="rect">
@@ -11110,9 +11313,8 @@
                 <a:effectLst/>
                 <a:uLnTx/>
                 <a:uFillTx/>
-                <a:latin typeface="游ゴシック" panose="020F0502020204030204"/>
-                <a:ea typeface="游ゴシック" panose="020B0400000000000000" pitchFamily="50" charset="-128"/>
-                <a:cs typeface="+mn-cs"/>
+                <a:latin typeface="HG丸ｺﾞｼｯｸM-PRO" panose="020F0600000000000000" pitchFamily="50" charset="-128"/>
+                <a:ea typeface="HG丸ｺﾞｼｯｸM-PRO" panose="020F0600000000000000" pitchFamily="50" charset="-128"/>
               </a:rPr>
               <a:t>PHP</a:t>
             </a:r>
@@ -11126,9 +11328,8 @@
               <a:effectLst/>
               <a:uLnTx/>
               <a:uFillTx/>
-              <a:latin typeface="游ゴシック" panose="020F0502020204030204"/>
-              <a:ea typeface="游ゴシック" panose="020B0400000000000000" pitchFamily="50" charset="-128"/>
-              <a:cs typeface="+mn-cs"/>
+              <a:latin typeface="HG丸ｺﾞｼｯｸM-PRO" panose="020F0600000000000000" pitchFamily="50" charset="-128"/>
+              <a:ea typeface="HG丸ｺﾞｼｯｸM-PRO" panose="020F0600000000000000" pitchFamily="50" charset="-128"/>
             </a:endParaRPr>
           </a:p>
         </p:txBody>
@@ -11147,7 +11348,7 @@
         </p:nvSpPr>
         <p:spPr>
           <a:xfrm>
-            <a:off x="8458198" y="5735637"/>
+            <a:off x="8677199" y="5604061"/>
             <a:ext cx="2565401" cy="812800"/>
           </a:xfrm>
           <a:prstGeom prst="rect">
@@ -11205,9 +11406,8 @@
                 <a:effectLst/>
                 <a:uLnTx/>
                 <a:uFillTx/>
-                <a:latin typeface="游ゴシック" panose="020F0502020204030204"/>
-                <a:ea typeface="游ゴシック" panose="020B0400000000000000" pitchFamily="50" charset="-128"/>
-                <a:cs typeface="+mn-cs"/>
+                <a:latin typeface="HG丸ｺﾞｼｯｸM-PRO" panose="020F0600000000000000" pitchFamily="50" charset="-128"/>
+                <a:ea typeface="HG丸ｺﾞｼｯｸM-PRO" panose="020F0600000000000000" pitchFamily="50" charset="-128"/>
               </a:rPr>
               <a:t>MySQL</a:t>
             </a:r>
@@ -11221,9 +11421,8 @@
               <a:effectLst/>
               <a:uLnTx/>
               <a:uFillTx/>
-              <a:latin typeface="游ゴシック" panose="020F0502020204030204"/>
-              <a:ea typeface="游ゴシック" panose="020B0400000000000000" pitchFamily="50" charset="-128"/>
-              <a:cs typeface="+mn-cs"/>
+              <a:latin typeface="HG丸ｺﾞｼｯｸM-PRO" panose="020F0600000000000000" pitchFamily="50" charset="-128"/>
+              <a:ea typeface="HG丸ｺﾞｼｯｸM-PRO" panose="020F0600000000000000" pitchFamily="50" charset="-128"/>
             </a:endParaRPr>
           </a:p>
         </p:txBody>
@@ -11242,7 +11441,7 @@
         </p:nvSpPr>
         <p:spPr>
           <a:xfrm>
-            <a:off x="4180416" y="3344577"/>
+            <a:off x="4441577" y="2958559"/>
             <a:ext cx="2243668" cy="812800"/>
           </a:xfrm>
           <a:prstGeom prst="rect">
@@ -11300,9 +11499,8 @@
                 <a:effectLst/>
                 <a:uLnTx/>
                 <a:uFillTx/>
-                <a:latin typeface="游ゴシック" panose="020F0502020204030204"/>
-                <a:ea typeface="游ゴシック" panose="020B0400000000000000" pitchFamily="50" charset="-128"/>
-                <a:cs typeface="+mn-cs"/>
+                <a:latin typeface="HG丸ｺﾞｼｯｸM-PRO" panose="020F0600000000000000" pitchFamily="50" charset="-128"/>
+                <a:ea typeface="HG丸ｺﾞｼｯｸM-PRO" panose="020F0600000000000000" pitchFamily="50" charset="-128"/>
               </a:rPr>
               <a:t>静的サイト</a:t>
             </a:r>
@@ -11316,9 +11514,8 @@
               <a:effectLst/>
               <a:uLnTx/>
               <a:uFillTx/>
-              <a:latin typeface="游ゴシック" panose="020F0502020204030204"/>
-              <a:ea typeface="游ゴシック" panose="020B0400000000000000" pitchFamily="50" charset="-128"/>
-              <a:cs typeface="+mn-cs"/>
+              <a:latin typeface="HG丸ｺﾞｼｯｸM-PRO" panose="020F0600000000000000" pitchFamily="50" charset="-128"/>
+              <a:ea typeface="HG丸ｺﾞｼｯｸM-PRO" panose="020F0600000000000000" pitchFamily="50" charset="-128"/>
             </a:endParaRPr>
           </a:p>
         </p:txBody>
@@ -11337,8 +11534,8 @@
         </p:nvSpPr>
         <p:spPr>
           <a:xfrm>
-            <a:off x="2303464" y="3312563"/>
-            <a:ext cx="1801286" cy="844814"/>
+            <a:off x="2754673" y="3001942"/>
+            <a:ext cx="1510768" cy="844814"/>
           </a:xfrm>
           <a:prstGeom prst="rightArrow">
             <a:avLst/>
@@ -11395,9 +11592,8 @@
                 <a:effectLst/>
                 <a:uLnTx/>
                 <a:uFillTx/>
-                <a:latin typeface="游ゴシック" panose="020F0502020204030204"/>
-                <a:ea typeface="游ゴシック" panose="020B0400000000000000" pitchFamily="50" charset="-128"/>
-                <a:cs typeface="+mn-cs"/>
+                <a:latin typeface="HG丸ｺﾞｼｯｸM-PRO" panose="020F0600000000000000" pitchFamily="50" charset="-128"/>
+                <a:ea typeface="HG丸ｺﾞｼｯｸM-PRO" panose="020F0600000000000000" pitchFamily="50" charset="-128"/>
               </a:rPr>
               <a:t>ビルド</a:t>
             </a:r>
@@ -11418,7 +11614,7 @@
         </p:nvSpPr>
         <p:spPr>
           <a:xfrm>
-            <a:off x="6685245" y="3364959"/>
+            <a:off x="7022072" y="3054338"/>
             <a:ext cx="1478991" cy="740022"/>
           </a:xfrm>
           <a:prstGeom prst="leftRightArrow">
@@ -11496,7 +11692,7 @@
         </p:nvSpPr>
         <p:spPr>
           <a:xfrm>
-            <a:off x="9295866" y="4272861"/>
+            <a:off x="9514867" y="4038814"/>
             <a:ext cx="890063" cy="1395698"/>
           </a:xfrm>
           <a:prstGeom prst="upDownArrow">
@@ -11554,9 +11750,8 @@
                 <a:effectLst/>
                 <a:uLnTx/>
                 <a:uFillTx/>
-                <a:latin typeface="游ゴシック" panose="020F0502020204030204"/>
-                <a:ea typeface="游ゴシック" panose="020B0400000000000000" pitchFamily="50" charset="-128"/>
-                <a:cs typeface="+mn-cs"/>
+                <a:latin typeface="HG丸ｺﾞｼｯｸM-PRO" panose="020F0600000000000000" pitchFamily="50" charset="-128"/>
+                <a:ea typeface="HG丸ｺﾞｼｯｸM-PRO" panose="020F0600000000000000" pitchFamily="50" charset="-128"/>
               </a:rPr>
               <a:t>SQL</a:t>
             </a:r>
@@ -11570,9 +11765,69 @@
               <a:effectLst/>
               <a:uLnTx/>
               <a:uFillTx/>
-              <a:latin typeface="游ゴシック" panose="020F0502020204030204"/>
-              <a:ea typeface="游ゴシック" panose="020B0400000000000000" pitchFamily="50" charset="-128"/>
-              <a:cs typeface="+mn-cs"/>
+              <a:latin typeface="HG丸ｺﾞｼｯｸM-PRO" panose="020F0600000000000000" pitchFamily="50" charset="-128"/>
+              <a:ea typeface="HG丸ｺﾞｼｯｸM-PRO" panose="020F0600000000000000" pitchFamily="50" charset="-128"/>
+            </a:endParaRPr>
+          </a:p>
+        </p:txBody>
+      </p:sp>
+      <p:sp>
+        <p:nvSpPr>
+          <p:cNvPr id="17" name="タイトル 1">
+            <a:extLst>
+              <a:ext uri="{FF2B5EF4-FFF2-40B4-BE49-F238E27FC236}">
+                <a16:creationId xmlns:a16="http://schemas.microsoft.com/office/drawing/2014/main" id="{B0BABBB1-6F67-45DE-94A4-896A036B9826}"/>
+              </a:ext>
+            </a:extLst>
+          </p:cNvPr>
+          <p:cNvSpPr txBox="1">
+            <a:spLocks/>
+          </p:cNvSpPr>
+          <p:nvPr/>
+        </p:nvSpPr>
+        <p:spPr>
+          <a:xfrm>
+            <a:off x="6197313" y="1992631"/>
+            <a:ext cx="2956530" cy="1090485"/>
+          </a:xfrm>
+          <a:prstGeom prst="rect">
+            <a:avLst/>
+          </a:prstGeom>
+        </p:spPr>
+        <p:txBody>
+          <a:bodyPr vert="horz" lIns="91440" tIns="45720" rIns="91440" bIns="45720" rtlCol="0" anchor="t">
+            <a:normAutofit/>
+          </a:bodyPr>
+          <a:lstStyle>
+            <a:lvl1pPr algn="ctr" defTabSz="914400" rtl="0" eaLnBrk="1" latinLnBrk="0" hangingPunct="1">
+              <a:lnSpc>
+                <a:spcPct val="90000"/>
+              </a:lnSpc>
+              <a:spcBef>
+                <a:spcPct val="0"/>
+              </a:spcBef>
+              <a:buNone/>
+              <a:defRPr kumimoji="1" sz="6000" kern="1200">
+                <a:solidFill>
+                  <a:schemeClr val="tx1"/>
+                </a:solidFill>
+                <a:latin typeface="+mj-lt"/>
+                <a:ea typeface="+mj-ea"/>
+                <a:cs typeface="+mj-cs"/>
+              </a:defRPr>
+            </a:lvl1pPr>
+          </a:lstStyle>
+          <a:p>
+            <a:r>
+              <a:rPr lang="en-US" altLang="ja-JP" sz="4000" dirty="0">
+                <a:latin typeface="HG丸ｺﾞｼｯｸM-PRO" panose="020F0600000000000000" pitchFamily="50" charset="-128"/>
+                <a:ea typeface="HG丸ｺﾞｼｯｸM-PRO" panose="020F0600000000000000" pitchFamily="50" charset="-128"/>
+              </a:rPr>
+              <a:t>XAMPP</a:t>
+            </a:r>
+            <a:endParaRPr lang="ja-JP" altLang="en-US" sz="4000" dirty="0">
+              <a:latin typeface="HG丸ｺﾞｼｯｸM-PRO" panose="020F0600000000000000" pitchFamily="50" charset="-128"/>
+              <a:ea typeface="HG丸ｺﾞｼｯｸM-PRO" panose="020F0600000000000000" pitchFamily="50" charset="-128"/>
             </a:endParaRPr>
           </a:p>
         </p:txBody>
@@ -11607,6 +11862,42 @@
           <a:chExt cx="0" cy="0"/>
         </a:xfrm>
       </p:grpSpPr>
+      <p:pic>
+        <p:nvPicPr>
+          <p:cNvPr id="5" name="図 4">
+            <a:extLst>
+              <a:ext uri="{FF2B5EF4-FFF2-40B4-BE49-F238E27FC236}">
+                <a16:creationId xmlns:a16="http://schemas.microsoft.com/office/drawing/2014/main" id="{BB2963D3-19FB-42FA-B982-7D14FEA6FB0C}"/>
+              </a:ext>
+            </a:extLst>
+          </p:cNvPr>
+          <p:cNvPicPr>
+            <a:picLocks noChangeAspect="1"/>
+          </p:cNvPicPr>
+          <p:nvPr/>
+        </p:nvPicPr>
+        <p:blipFill>
+          <a:blip r:embed="rId3">
+            <a:extLst>
+              <a:ext uri="{28A0092B-C50C-407E-A947-70E740481C1C}">
+                <a14:useLocalDpi xmlns:a14="http://schemas.microsoft.com/office/drawing/2010/main" val="0"/>
+              </a:ext>
+            </a:extLst>
+          </a:blip>
+          <a:stretch>
+            <a:fillRect/>
+          </a:stretch>
+        </p:blipFill>
+        <p:spPr>
+          <a:xfrm>
+            <a:off x="0" y="0"/>
+            <a:ext cx="12192000" cy="6858000"/>
+          </a:xfrm>
+          <a:prstGeom prst="rect">
+            <a:avLst/>
+          </a:prstGeom>
+        </p:spPr>
+      </p:pic>
       <p:sp>
         <p:nvSpPr>
           <p:cNvPr id="2" name="タイトル 1"/>
@@ -11628,10 +11919,16 @@
           <a:lstStyle/>
           <a:p>
             <a:r>
-              <a:rPr lang="ja-JP" altLang="en-US" dirty="0"/>
+              <a:rPr lang="ja-JP" altLang="en-US" dirty="0">
+                <a:latin typeface="HG丸ｺﾞｼｯｸM-PRO" panose="020F0600000000000000" pitchFamily="50" charset="-128"/>
+                <a:ea typeface="HG丸ｺﾞｼｯｸM-PRO" panose="020F0600000000000000" pitchFamily="50" charset="-128"/>
+              </a:rPr>
               <a:t>製品  デモ</a:t>
             </a:r>
-            <a:endParaRPr kumimoji="1" lang="ja-JP" altLang="en-US" dirty="0"/>
+            <a:endParaRPr kumimoji="1" lang="ja-JP" altLang="en-US" dirty="0">
+              <a:latin typeface="HG丸ｺﾞｼｯｸM-PRO" panose="020F0600000000000000" pitchFamily="50" charset="-128"/>
+              <a:ea typeface="HG丸ｺﾞｼｯｸM-PRO" panose="020F0600000000000000" pitchFamily="50" charset="-128"/>
+            </a:endParaRPr>
           </a:p>
         </p:txBody>
       </p:sp>
@@ -11690,39 +11987,12 @@
           <a:chExt cx="0" cy="0"/>
         </a:xfrm>
       </p:grpSpPr>
-      <p:sp>
-        <p:nvSpPr>
-          <p:cNvPr id="2" name="タイトル 1"/>
-          <p:cNvSpPr>
-            <a:spLocks noGrp="1"/>
-          </p:cNvSpPr>
-          <p:nvPr>
-            <p:ph type="ctrTitle"/>
-          </p:nvPr>
-        </p:nvSpPr>
-        <p:spPr>
-          <a:xfrm>
-            <a:off x="1621622" y="0"/>
-            <a:ext cx="9144000" cy="2387600"/>
-          </a:xfrm>
-        </p:spPr>
-        <p:txBody>
-          <a:bodyPr anchor="ctr"/>
-          <a:lstStyle/>
-          <a:p>
-            <a:r>
-              <a:rPr kumimoji="1" lang="ja-JP" altLang="en-US" dirty="0"/>
-              <a:t>質疑応答</a:t>
-            </a:r>
-          </a:p>
-        </p:txBody>
-      </p:sp>
       <p:pic>
         <p:nvPicPr>
-          <p:cNvPr id="3" name="図 2">
+          <p:cNvPr id="6" name="図 5">
             <a:extLst>
               <a:ext uri="{FF2B5EF4-FFF2-40B4-BE49-F238E27FC236}">
-                <a16:creationId xmlns:a16="http://schemas.microsoft.com/office/drawing/2014/main" id="{64F65131-8644-4C79-8349-A18998E5F905}"/>
+                <a16:creationId xmlns:a16="http://schemas.microsoft.com/office/drawing/2014/main" id="{973A7DD7-ED0B-4BEF-9CA4-D704076E0132}"/>
               </a:ext>
             </a:extLst>
           </p:cNvPr>
@@ -11732,21 +12002,57 @@
           <p:nvPr/>
         </p:nvPicPr>
         <p:blipFill>
-          <a:blip r:embed="rId3"/>
+          <a:blip r:embed="rId3">
+            <a:extLst>
+              <a:ext uri="{28A0092B-C50C-407E-A947-70E740481C1C}">
+                <a14:useLocalDpi xmlns:a14="http://schemas.microsoft.com/office/drawing/2010/main" val="0"/>
+              </a:ext>
+            </a:extLst>
+          </a:blip>
           <a:stretch>
             <a:fillRect/>
           </a:stretch>
         </p:blipFill>
         <p:spPr>
           <a:xfrm>
-            <a:off x="4086341" y="1571222"/>
-            <a:ext cx="4019317" cy="4019317"/>
+            <a:off x="0" y="0"/>
+            <a:ext cx="12192000" cy="6858000"/>
           </a:xfrm>
           <a:prstGeom prst="rect">
             <a:avLst/>
           </a:prstGeom>
         </p:spPr>
       </p:pic>
+      <p:sp>
+        <p:nvSpPr>
+          <p:cNvPr id="2" name="タイトル 1"/>
+          <p:cNvSpPr>
+            <a:spLocks noGrp="1"/>
+          </p:cNvSpPr>
+          <p:nvPr>
+            <p:ph type="ctrTitle"/>
+          </p:nvPr>
+        </p:nvSpPr>
+        <p:spPr>
+          <a:xfrm>
+            <a:off x="1621622" y="0"/>
+            <a:ext cx="9144000" cy="2387600"/>
+          </a:xfrm>
+        </p:spPr>
+        <p:txBody>
+          <a:bodyPr anchor="ctr"/>
+          <a:lstStyle/>
+          <a:p>
+            <a:r>
+              <a:rPr kumimoji="1" lang="ja-JP" altLang="en-US" dirty="0">
+                <a:latin typeface="HG丸ｺﾞｼｯｸM-PRO" panose="020F0600000000000000" pitchFamily="50" charset="-128"/>
+                <a:ea typeface="HG丸ｺﾞｼｯｸM-PRO" panose="020F0600000000000000" pitchFamily="50" charset="-128"/>
+              </a:rPr>
+              <a:t>質疑応答</a:t>
+            </a:r>
+          </a:p>
+        </p:txBody>
+      </p:sp>
       <p:sp>
         <p:nvSpPr>
           <p:cNvPr id="4" name="サブタイトル 2">
@@ -11939,6 +12245,38 @@
             </a:lvl9pPr>
           </a:lstStyle>
           <a:p>
+            <a:pPr>
+              <a:defRPr/>
+            </a:pPr>
+            <a:r>
+              <a:rPr kumimoji="1" lang="en-US" altLang="ja-JP" sz="4800" b="0" i="0" u="none" strike="noStrike" kern="1200" cap="none" spc="0" normalizeH="0" baseline="0" noProof="0" dirty="0">
+                <a:ln>
+                  <a:noFill/>
+                </a:ln>
+                <a:solidFill>
+                  <a:sysClr val="windowText" lastClr="000000"/>
+                </a:solidFill>
+                <a:effectLst/>
+                <a:uLnTx/>
+                <a:uFillTx/>
+                <a:latin typeface="HG丸ｺﾞｼｯｸM-PRO" panose="020F0600000000000000" pitchFamily="50" charset="-128"/>
+                <a:ea typeface="HG丸ｺﾞｼｯｸM-PRO" panose="020F0600000000000000" pitchFamily="50" charset="-128"/>
+              </a:rPr>
+              <a:t>http://</a:t>
+            </a:r>
+            <a:r>
+              <a:rPr lang="en-US" altLang="ja-JP" sz="4800" dirty="0">
+                <a:latin typeface="HG丸ｺﾞｼｯｸM-PRO" panose="020F0600000000000000" pitchFamily="50" charset="-128"/>
+                <a:ea typeface="HG丸ｺﾞｼｯｸM-PRO" panose="020F0600000000000000" pitchFamily="50" charset="-128"/>
+              </a:rPr>
+              <a:t>172.16.3.136/</a:t>
+            </a:r>
+            <a:endParaRPr lang="ja-JP" altLang="en-US" sz="4800" dirty="0">
+              <a:latin typeface="HG丸ｺﾞｼｯｸM-PRO" panose="020F0600000000000000" pitchFamily="50" charset="-128"/>
+              <a:ea typeface="HG丸ｺﾞｼｯｸM-PRO" panose="020F0600000000000000" pitchFamily="50" charset="-128"/>
+            </a:endParaRPr>
+          </a:p>
+          <a:p>
             <a:pPr marL="0" marR="0" lvl="0" indent="0" algn="ctr" defTabSz="914400" rtl="0" eaLnBrk="1" fontAlgn="auto" latinLnBrk="0" hangingPunct="1">
               <a:lnSpc>
                 <a:spcPct val="90000"/>
@@ -11956,23 +12294,6 @@
               <a:tabLst/>
               <a:defRPr/>
             </a:pPr>
-            <a:r>
-              <a:rPr kumimoji="1" lang="en-US" altLang="ja-JP" sz="4800" b="0" i="0" u="none" strike="noStrike" kern="1200" cap="none" spc="0" normalizeH="0" baseline="0" noProof="0">
-                <a:ln>
-                  <a:noFill/>
-                </a:ln>
-                <a:solidFill>
-                  <a:sysClr val="windowText" lastClr="000000"/>
-                </a:solidFill>
-                <a:effectLst/>
-                <a:uLnTx/>
-                <a:uFillTx/>
-                <a:latin typeface="游ゴシック" panose="020F0502020204030204"/>
-                <a:ea typeface="游ゴシック" panose="020B0400000000000000" pitchFamily="50" charset="-128"/>
-                <a:cs typeface="+mn-cs"/>
-              </a:rPr>
-              <a:t>http://172.16.2.73/</a:t>
-            </a:r>
             <a:endParaRPr kumimoji="1" lang="en-US" altLang="ja-JP" sz="4800" b="0" i="0" u="none" strike="noStrike" kern="1200" cap="none" spc="0" normalizeH="0" baseline="0" noProof="0" dirty="0">
               <a:ln>
                 <a:noFill/>
@@ -11983,13 +12304,55 @@
               <a:effectLst/>
               <a:uLnTx/>
               <a:uFillTx/>
-              <a:latin typeface="游ゴシック" panose="020F0502020204030204"/>
-              <a:ea typeface="游ゴシック" panose="020B0400000000000000" pitchFamily="50" charset="-128"/>
-              <a:cs typeface="+mn-cs"/>
+              <a:latin typeface="HG丸ｺﾞｼｯｸM-PRO" panose="020F0600000000000000" pitchFamily="50" charset="-128"/>
+              <a:ea typeface="HG丸ｺﾞｼｯｸM-PRO" panose="020F0600000000000000" pitchFamily="50" charset="-128"/>
             </a:endParaRPr>
           </a:p>
         </p:txBody>
       </p:sp>
+      <p:pic>
+        <p:nvPicPr>
+          <p:cNvPr id="8" name="図 7">
+            <a:extLst>
+              <a:ext uri="{FF2B5EF4-FFF2-40B4-BE49-F238E27FC236}">
+                <a16:creationId xmlns:a16="http://schemas.microsoft.com/office/drawing/2014/main" id="{5E368D69-3651-4766-9182-D62926C6C32F}"/>
+              </a:ext>
+            </a:extLst>
+          </p:cNvPr>
+          <p:cNvPicPr>
+            <a:picLocks noChangeAspect="1"/>
+          </p:cNvPicPr>
+          <p:nvPr/>
+        </p:nvPicPr>
+        <p:blipFill>
+          <a:blip r:embed="rId4">
+            <a:extLst>
+              <a:ext uri="{28A0092B-C50C-407E-A947-70E740481C1C}">
+                <a14:useLocalDpi xmlns:a14="http://schemas.microsoft.com/office/drawing/2010/main" val="0"/>
+              </a:ext>
+            </a:extLst>
+          </a:blip>
+          <a:stretch>
+            <a:fillRect/>
+          </a:stretch>
+        </p:blipFill>
+        <p:spPr>
+          <a:xfrm>
+            <a:off x="4377547" y="1690291"/>
+            <a:ext cx="3632148" cy="3632148"/>
+          </a:xfrm>
+          <a:prstGeom prst="rect">
+            <a:avLst/>
+          </a:prstGeom>
+          <a:effectLst>
+            <a:outerShdw blurRad="50800" dist="38100" dir="2700000" algn="tl" rotWithShape="0">
+              <a:prstClr val="black">
+                <a:alpha val="40000"/>
+              </a:prstClr>
+            </a:outerShdw>
+          </a:effectLst>
+        </p:spPr>
+      </p:pic>
     </p:spTree>
     <p:extLst>
       <p:ext uri="{BB962C8B-B14F-4D97-AF65-F5344CB8AC3E}">
@@ -12864,6 +13227,17 @@
 </file>
 
 <file path=customXml/item2.xml><?xml version="1.0" encoding="utf-8"?>
+<p:properties xmlns:p="http://schemas.microsoft.com/office/2006/metadata/properties" xmlns:xsi="http://www.w3.org/2001/XMLSchema-instance" xmlns:pc="http://schemas.microsoft.com/office/infopath/2007/PartnerControls">
+  <documentManagement>
+    <lcf76f155ced4ddcb4097134ff3c332f xmlns="86ceb19f-6ae7-4f45-9291-f23dc7cad4a8">
+      <Terms xmlns="http://schemas.microsoft.com/office/infopath/2007/PartnerControls"/>
+    </lcf76f155ced4ddcb4097134ff3c332f>
+    <TaxCatchAll xmlns="d9ddec61-d553-4032-8214-836f20420e5b" xsi:nil="true"/>
+  </documentManagement>
+</p:properties>
+</file>
+
+<file path=customXml/item3.xml><?xml version="1.0" encoding="utf-8"?>
 <ct:contentTypeSchema xmlns:ct="http://schemas.microsoft.com/office/2006/metadata/contentType" xmlns:ma="http://schemas.microsoft.com/office/2006/metadata/properties/metaAttributes" ct:_="" ma:_="" ma:contentTypeName="ドキュメント" ma:contentTypeID="0x010100E01490404992EE4E8DE75A84CE187D61" ma:contentTypeVersion="13" ma:contentTypeDescription="新しいドキュメントを作成します。" ma:contentTypeScope="" ma:versionID="4de2a10b987b0cd1cabba618634b4858">
   <xsd:schema xmlns:xsd="http://www.w3.org/2001/XMLSchema" xmlns:xs="http://www.w3.org/2001/XMLSchema" xmlns:p="http://schemas.microsoft.com/office/2006/metadata/properties" xmlns:ns2="86ceb19f-6ae7-4f45-9291-f23dc7cad4a8" xmlns:ns3="d9ddec61-d553-4032-8214-836f20420e5b" targetNamespace="http://schemas.microsoft.com/office/2006/metadata/properties" ma:root="true" ma:fieldsID="75a65fd2c3f672b3ff036140e68d3afc" ns2:_="" ns3:_="">
     <xsd:import namespace="86ceb19f-6ae7-4f45-9291-f23dc7cad4a8"/>
@@ -13086,17 +13460,6 @@
 </ct:contentTypeSchema>
 </file>
 
-<file path=customXml/item3.xml><?xml version="1.0" encoding="utf-8"?>
-<p:properties xmlns:p="http://schemas.microsoft.com/office/2006/metadata/properties" xmlns:xsi="http://www.w3.org/2001/XMLSchema-instance" xmlns:pc="http://schemas.microsoft.com/office/infopath/2007/PartnerControls">
-  <documentManagement>
-    <lcf76f155ced4ddcb4097134ff3c332f xmlns="86ceb19f-6ae7-4f45-9291-f23dc7cad4a8">
-      <Terms xmlns="http://schemas.microsoft.com/office/infopath/2007/PartnerControls"/>
-    </lcf76f155ced4ddcb4097134ff3c332f>
-    <TaxCatchAll xmlns="d9ddec61-d553-4032-8214-836f20420e5b" xsi:nil="true"/>
-  </documentManagement>
-</p:properties>
-</file>
-
 <file path=customXml/itemProps1.xml><?xml version="1.0" encoding="utf-8"?>
 <ds:datastoreItem xmlns:ds="http://schemas.openxmlformats.org/officeDocument/2006/customXml" ds:itemID="{D1CAAF56-E79E-46EC-85D8-FF1AC3B8584A}">
   <ds:schemaRefs>
@@ -13106,6 +13469,23 @@
 </file>
 
 <file path=customXml/itemProps2.xml><?xml version="1.0" encoding="utf-8"?>
+<ds:datastoreItem xmlns:ds="http://schemas.openxmlformats.org/officeDocument/2006/customXml" ds:itemID="{E512E803-4492-4E48-BC4A-33471278F446}">
+  <ds:schemaRefs>
+    <ds:schemaRef ds:uri="http://purl.org/dc/dcmitype/"/>
+    <ds:schemaRef ds:uri="http://schemas.microsoft.com/office/2006/documentManagement/types"/>
+    <ds:schemaRef ds:uri="http://www.w3.org/XML/1998/namespace"/>
+    <ds:schemaRef ds:uri="d9ddec61-d553-4032-8214-836f20420e5b"/>
+    <ds:schemaRef ds:uri="http://schemas.openxmlformats.org/package/2006/metadata/core-properties"/>
+    <ds:schemaRef ds:uri="http://purl.org/dc/terms/"/>
+    <ds:schemaRef ds:uri="http://schemas.microsoft.com/office/infopath/2007/PartnerControls"/>
+    <ds:schemaRef ds:uri="86ceb19f-6ae7-4f45-9291-f23dc7cad4a8"/>
+    <ds:schemaRef ds:uri="http://schemas.microsoft.com/office/2006/metadata/properties"/>
+    <ds:schemaRef ds:uri="http://purl.org/dc/elements/1.1/"/>
+  </ds:schemaRefs>
+</ds:datastoreItem>
+</file>
+
+<file path=customXml/itemProps3.xml><?xml version="1.0" encoding="utf-8"?>
 <ds:datastoreItem xmlns:ds="http://schemas.openxmlformats.org/officeDocument/2006/customXml" ds:itemID="{3088C02C-7DCC-44F5-9DB3-7F8495DDC635}">
   <ds:schemaRefs>
     <ds:schemaRef ds:uri="http://schemas.microsoft.com/office/2006/metadata/contentType"/>
@@ -13122,21 +13502,4 @@
     <ds:schemaRef ds:uri="http://schemas.microsoft.com/internal/obd"/>
   </ds:schemaRefs>
 </ds:datastoreItem>
-</file>
-
-<file path=customXml/itemProps3.xml><?xml version="1.0" encoding="utf-8"?>
-<ds:datastoreItem xmlns:ds="http://schemas.openxmlformats.org/officeDocument/2006/customXml" ds:itemID="{E512E803-4492-4E48-BC4A-33471278F446}">
-  <ds:schemaRefs>
-    <ds:schemaRef ds:uri="http://purl.org/dc/dcmitype/"/>
-    <ds:schemaRef ds:uri="http://schemas.microsoft.com/office/2006/documentManagement/types"/>
-    <ds:schemaRef ds:uri="http://www.w3.org/XML/1998/namespace"/>
-    <ds:schemaRef ds:uri="d9ddec61-d553-4032-8214-836f20420e5b"/>
-    <ds:schemaRef ds:uri="http://schemas.openxmlformats.org/package/2006/metadata/core-properties"/>
-    <ds:schemaRef ds:uri="http://purl.org/dc/terms/"/>
-    <ds:schemaRef ds:uri="http://schemas.microsoft.com/office/infopath/2007/PartnerControls"/>
-    <ds:schemaRef ds:uri="86ceb19f-6ae7-4f45-9291-f23dc7cad4a8"/>
-    <ds:schemaRef ds:uri="http://schemas.microsoft.com/office/2006/metadata/properties"/>
-    <ds:schemaRef ds:uri="http://purl.org/dc/elements/1.1/"/>
-  </ds:schemaRefs>
-</ds:datastoreItem>
 </file>
--- a/プレゼン資料.pptx
+++ b/プレゼン資料.pptx
@@ -8970,6 +8970,12 @@
           <a:p>
             <a:r>
               <a:rPr lang="ja-JP" altLang="en-US" sz="7200" b="1" dirty="0">
+                <a:solidFill>
+                  <a:schemeClr val="tx1">
+                    <a:lumMod val="65000"/>
+                    <a:lumOff val="35000"/>
+                  </a:schemeClr>
+                </a:solidFill>
                 <a:latin typeface="HG丸ｺﾞｼｯｸM-PRO" panose="020F0600000000000000" pitchFamily="50" charset="-128"/>
                 <a:ea typeface="HG丸ｺﾞｼｯｸM-PRO" panose="020F0600000000000000" pitchFamily="50" charset="-128"/>
               </a:rPr>
@@ -8977,18 +8983,36 @@
             </a:r>
             <a:br>
               <a:rPr lang="en-US" altLang="ja-JP" sz="7200" b="1" dirty="0">
+                <a:solidFill>
+                  <a:schemeClr val="tx1">
+                    <a:lumMod val="65000"/>
+                    <a:lumOff val="35000"/>
+                  </a:schemeClr>
+                </a:solidFill>
                 <a:latin typeface="HG丸ｺﾞｼｯｸM-PRO" panose="020F0600000000000000" pitchFamily="50" charset="-128"/>
                 <a:ea typeface="HG丸ｺﾞｼｯｸM-PRO" panose="020F0600000000000000" pitchFamily="50" charset="-128"/>
               </a:rPr>
             </a:br>
             <a:r>
               <a:rPr lang="ja-JP" altLang="en-US" sz="7200" b="1" dirty="0">
+                <a:solidFill>
+                  <a:schemeClr val="tx1">
+                    <a:lumMod val="65000"/>
+                    <a:lumOff val="35000"/>
+                  </a:schemeClr>
+                </a:solidFill>
                 <a:latin typeface="HG丸ｺﾞｼｯｸM-PRO" panose="020F0600000000000000" pitchFamily="50" charset="-128"/>
                 <a:ea typeface="HG丸ｺﾞｼｯｸM-PRO" panose="020F0600000000000000" pitchFamily="50" charset="-128"/>
               </a:rPr>
               <a:t>システム</a:t>
             </a:r>
             <a:endParaRPr kumimoji="1" lang="ja-JP" altLang="en-US" sz="7200" b="1" dirty="0">
+              <a:solidFill>
+                <a:schemeClr val="tx1">
+                  <a:lumMod val="65000"/>
+                  <a:lumOff val="35000"/>
+                </a:schemeClr>
+              </a:solidFill>
               <a:latin typeface="HG丸ｺﾞｼｯｸM-PRO" panose="020F0600000000000000" pitchFamily="50" charset="-128"/>
               <a:ea typeface="HG丸ｺﾞｼｯｸM-PRO" panose="020F0600000000000000" pitchFamily="50" charset="-128"/>
             </a:endParaRPr>
@@ -9020,12 +9044,24 @@
             <a:pPr algn="l"/>
             <a:r>
               <a:rPr kumimoji="1" lang="ja-JP" altLang="en-US" sz="2800" dirty="0">
+                <a:solidFill>
+                  <a:schemeClr val="tx1">
+                    <a:lumMod val="65000"/>
+                    <a:lumOff val="35000"/>
+                  </a:schemeClr>
+                </a:solidFill>
                 <a:latin typeface="HG丸ｺﾞｼｯｸM-PRO" panose="020F0600000000000000" pitchFamily="50" charset="-128"/>
                 <a:ea typeface="HG丸ｺﾞｼｯｸM-PRO" panose="020F0600000000000000" pitchFamily="50" charset="-128"/>
               </a:rPr>
               <a:t>日付　　　月　日</a:t>
             </a:r>
             <a:endParaRPr lang="en-US" altLang="ja-JP" sz="2800" dirty="0">
+              <a:solidFill>
+                <a:schemeClr val="tx1">
+                  <a:lumMod val="65000"/>
+                  <a:lumOff val="35000"/>
+                </a:schemeClr>
+              </a:solidFill>
               <a:latin typeface="HG丸ｺﾞｼｯｸM-PRO" panose="020F0600000000000000" pitchFamily="50" charset="-128"/>
               <a:ea typeface="HG丸ｺﾞｼｯｸM-PRO" panose="020F0600000000000000" pitchFamily="50" charset="-128"/>
             </a:endParaRPr>
@@ -9034,12 +9070,24 @@
             <a:pPr algn="l"/>
             <a:r>
               <a:rPr lang="ja-JP" altLang="en-US" sz="2800" dirty="0">
+                <a:solidFill>
+                  <a:schemeClr val="tx1">
+                    <a:lumMod val="65000"/>
+                    <a:lumOff val="35000"/>
+                  </a:schemeClr>
+                </a:solidFill>
                 <a:latin typeface="HG丸ｺﾞｼｯｸM-PRO" panose="020F0600000000000000" pitchFamily="50" charset="-128"/>
                 <a:ea typeface="HG丸ｺﾞｼｯｸM-PRO" panose="020F0600000000000000" pitchFamily="50" charset="-128"/>
               </a:rPr>
               <a:t>班名　　アイビクション</a:t>
             </a:r>
             <a:endParaRPr lang="en-US" altLang="ja-JP" sz="2800" dirty="0">
+              <a:solidFill>
+                <a:schemeClr val="tx1">
+                  <a:lumMod val="65000"/>
+                  <a:lumOff val="35000"/>
+                </a:schemeClr>
+              </a:solidFill>
               <a:latin typeface="HG丸ｺﾞｼｯｸM-PRO" panose="020F0600000000000000" pitchFamily="50" charset="-128"/>
               <a:ea typeface="HG丸ｺﾞｼｯｸM-PRO" panose="020F0600000000000000" pitchFamily="50" charset="-128"/>
             </a:endParaRPr>
@@ -9048,12 +9096,24 @@
             <a:pPr algn="l"/>
             <a:r>
               <a:rPr lang="ja-JP" altLang="en-US" sz="2800" dirty="0">
+                <a:solidFill>
+                  <a:schemeClr val="tx1">
+                    <a:lumMod val="65000"/>
+                    <a:lumOff val="35000"/>
+                  </a:schemeClr>
+                </a:solidFill>
                 <a:latin typeface="HG丸ｺﾞｼｯｸM-PRO" panose="020F0600000000000000" pitchFamily="50" charset="-128"/>
                 <a:ea typeface="HG丸ｺﾞｼｯｸM-PRO" panose="020F0600000000000000" pitchFamily="50" charset="-128"/>
               </a:rPr>
               <a:t>班員名　リーダー：赤嶺昂太　サブリーダー：鹿島翔太　上原芙沙</a:t>
             </a:r>
             <a:endParaRPr lang="en-US" altLang="ja-JP" sz="2800" dirty="0">
+              <a:solidFill>
+                <a:schemeClr val="tx1">
+                  <a:lumMod val="65000"/>
+                  <a:lumOff val="35000"/>
+                </a:schemeClr>
+              </a:solidFill>
               <a:latin typeface="HG丸ｺﾞｼｯｸM-PRO" panose="020F0600000000000000" pitchFamily="50" charset="-128"/>
               <a:ea typeface="HG丸ｺﾞｼｯｸM-PRO" panose="020F0600000000000000" pitchFamily="50" charset="-128"/>
             </a:endParaRPr>
@@ -9062,6 +9122,12 @@
             <a:pPr algn="l"/>
             <a:r>
               <a:rPr lang="en-US" altLang="ja-JP" sz="2800" dirty="0">
+                <a:solidFill>
+                  <a:schemeClr val="tx1">
+                    <a:lumMod val="65000"/>
+                    <a:lumOff val="35000"/>
+                  </a:schemeClr>
+                </a:solidFill>
                 <a:latin typeface="HG丸ｺﾞｼｯｸM-PRO" panose="020F0600000000000000" pitchFamily="50" charset="-128"/>
                 <a:ea typeface="HG丸ｺﾞｼｯｸM-PRO" panose="020F0600000000000000" pitchFamily="50" charset="-128"/>
               </a:rPr>
@@ -9069,18 +9135,37 @@
             </a:r>
             <a:r>
               <a:rPr lang="ja-JP" altLang="en-US" sz="2800" dirty="0">
+                <a:solidFill>
+                  <a:schemeClr val="tx1">
+                    <a:lumMod val="65000"/>
+                    <a:lumOff val="35000"/>
+                  </a:schemeClr>
+                </a:solidFill>
                 <a:latin typeface="HG丸ｺﾞｼｯｸM-PRO" panose="020F0600000000000000" pitchFamily="50" charset="-128"/>
                 <a:ea typeface="HG丸ｺﾞｼｯｸM-PRO" panose="020F0600000000000000" pitchFamily="50" charset="-128"/>
               </a:rPr>
               <a:t>　メンバー：板井駿佳　牧紫　堤慎吾</a:t>
             </a:r>
             <a:endParaRPr lang="en-US" altLang="ja-JP" dirty="0">
+              <a:solidFill>
+                <a:schemeClr val="tx1">
+                  <a:lumMod val="65000"/>
+                  <a:lumOff val="35000"/>
+                </a:schemeClr>
+              </a:solidFill>
               <a:latin typeface="HG丸ｺﾞｼｯｸM-PRO" panose="020F0600000000000000" pitchFamily="50" charset="-128"/>
               <a:ea typeface="HG丸ｺﾞｼｯｸM-PRO" panose="020F0600000000000000" pitchFamily="50" charset="-128"/>
             </a:endParaRPr>
           </a:p>
           <a:p>
-            <a:endParaRPr kumimoji="1" lang="ja-JP" altLang="en-US" dirty="0"/>
+            <a:endParaRPr kumimoji="1" lang="ja-JP" altLang="en-US" dirty="0">
+              <a:solidFill>
+                <a:schemeClr val="tx1">
+                  <a:lumMod val="65000"/>
+                  <a:lumOff val="35000"/>
+                </a:schemeClr>
+              </a:solidFill>
+            </a:endParaRPr>
           </a:p>
         </p:txBody>
       </p:sp>
@@ -9162,7 +9247,7 @@
         </p:nvSpPr>
         <p:spPr>
           <a:xfrm>
-            <a:off x="1524000" y="2048257"/>
+            <a:off x="1524000" y="1658517"/>
             <a:ext cx="9144000" cy="3218688"/>
           </a:xfrm>
         </p:spPr>
@@ -9172,6 +9257,12 @@
           <a:p>
             <a:r>
               <a:rPr lang="ja-JP" altLang="en-US" dirty="0">
+                <a:solidFill>
+                  <a:schemeClr val="tx1">
+                    <a:lumMod val="65000"/>
+                    <a:lumOff val="35000"/>
+                  </a:schemeClr>
+                </a:solidFill>
                 <a:latin typeface="HG丸ｺﾞｼｯｸM-PRO" panose="020F0600000000000000" pitchFamily="50" charset="-128"/>
                 <a:ea typeface="HG丸ｺﾞｼｯｸM-PRO" panose="020F0600000000000000" pitchFamily="50" charset="-128"/>
               </a:rPr>
@@ -9179,18 +9270,36 @@
             </a:r>
             <a:br>
               <a:rPr lang="en-US" altLang="ja-JP" dirty="0">
+                <a:solidFill>
+                  <a:schemeClr val="tx1">
+                    <a:lumMod val="65000"/>
+                    <a:lumOff val="35000"/>
+                  </a:schemeClr>
+                </a:solidFill>
                 <a:latin typeface="HG丸ｺﾞｼｯｸM-PRO" panose="020F0600000000000000" pitchFamily="50" charset="-128"/>
                 <a:ea typeface="HG丸ｺﾞｼｯｸM-PRO" panose="020F0600000000000000" pitchFamily="50" charset="-128"/>
               </a:rPr>
             </a:br>
             <a:r>
               <a:rPr lang="ja-JP" altLang="en-US" dirty="0">
+                <a:solidFill>
+                  <a:schemeClr val="tx1">
+                    <a:lumMod val="65000"/>
+                    <a:lumOff val="35000"/>
+                  </a:schemeClr>
+                </a:solidFill>
                 <a:latin typeface="HG丸ｺﾞｼｯｸM-PRO" panose="020F0600000000000000" pitchFamily="50" charset="-128"/>
                 <a:ea typeface="HG丸ｺﾞｼｯｸM-PRO" panose="020F0600000000000000" pitchFamily="50" charset="-128"/>
               </a:rPr>
               <a:t>ありがとうございました</a:t>
             </a:r>
             <a:endParaRPr kumimoji="1" lang="ja-JP" altLang="en-US" dirty="0">
+              <a:solidFill>
+                <a:schemeClr val="tx1">
+                  <a:lumMod val="65000"/>
+                  <a:lumOff val="35000"/>
+                </a:schemeClr>
+              </a:solidFill>
               <a:latin typeface="HG丸ｺﾞｼｯｸM-PRO" panose="020F0600000000000000" pitchFamily="50" charset="-128"/>
               <a:ea typeface="HG丸ｺﾞｼｯｸM-PRO" panose="020F0600000000000000" pitchFamily="50" charset="-128"/>
             </a:endParaRPr>
@@ -9287,12 +9396,24 @@
           <a:p>
             <a:r>
               <a:rPr lang="ja-JP" altLang="en-US" dirty="0">
+                <a:solidFill>
+                  <a:schemeClr val="tx1">
+                    <a:lumMod val="65000"/>
+                    <a:lumOff val="35000"/>
+                  </a:schemeClr>
+                </a:solidFill>
                 <a:latin typeface="HG丸ｺﾞｼｯｸM-PRO" panose="020F0600000000000000" pitchFamily="50" charset="-128"/>
                 <a:ea typeface="HG丸ｺﾞｼｯｸM-PRO" panose="020F0600000000000000" pitchFamily="50" charset="-128"/>
               </a:rPr>
               <a:t>書籍管理システムとは？</a:t>
             </a:r>
             <a:endParaRPr kumimoji="1" lang="ja-JP" altLang="en-US" dirty="0">
+              <a:solidFill>
+                <a:schemeClr val="tx1">
+                  <a:lumMod val="65000"/>
+                  <a:lumOff val="35000"/>
+                </a:schemeClr>
+              </a:solidFill>
               <a:latin typeface="HG丸ｺﾞｼｯｸM-PRO" panose="020F0600000000000000" pitchFamily="50" charset="-128"/>
               <a:ea typeface="HG丸ｺﾞｼｯｸM-PRO" panose="020F0600000000000000" pitchFamily="50" charset="-128"/>
             </a:endParaRPr>
@@ -9311,8 +9432,8 @@
         </p:nvSpPr>
         <p:spPr>
           <a:xfrm>
-            <a:off x="987552" y="2487168"/>
-            <a:ext cx="10430256" cy="3593592"/>
+            <a:off x="3104563" y="2337267"/>
+            <a:ext cx="5982874" cy="2414616"/>
           </a:xfrm>
         </p:spPr>
         <p:txBody>
@@ -9322,45 +9443,88 @@
           <a:lstStyle/>
           <a:p>
             <a:r>
-              <a:rPr kumimoji="1" lang="ja-JP" altLang="en-US" sz="4800" dirty="0">
+              <a:rPr kumimoji="1" lang="ja-JP" altLang="en-US" sz="4400" dirty="0">
+                <a:solidFill>
+                  <a:schemeClr val="tx1">
+                    <a:lumMod val="65000"/>
+                    <a:lumOff val="35000"/>
+                  </a:schemeClr>
+                </a:solidFill>
                 <a:latin typeface="HG丸ｺﾞｼｯｸM-PRO" panose="020F0600000000000000" pitchFamily="50" charset="-128"/>
                 <a:ea typeface="HG丸ｺﾞｼｯｸM-PRO" panose="020F0600000000000000" pitchFamily="50" charset="-128"/>
               </a:rPr>
               <a:t>本屋での</a:t>
             </a:r>
-            <a:endParaRPr kumimoji="1" lang="en-US" altLang="ja-JP" sz="4800" dirty="0">
+            <a:endParaRPr kumimoji="1" lang="en-US" altLang="ja-JP" sz="4400" dirty="0">
+              <a:solidFill>
+                <a:schemeClr val="tx1">
+                  <a:lumMod val="65000"/>
+                  <a:lumOff val="35000"/>
+                </a:schemeClr>
+              </a:solidFill>
               <a:latin typeface="HG丸ｺﾞｼｯｸM-PRO" panose="020F0600000000000000" pitchFamily="50" charset="-128"/>
               <a:ea typeface="HG丸ｺﾞｼｯｸM-PRO" panose="020F0600000000000000" pitchFamily="50" charset="-128"/>
             </a:endParaRPr>
           </a:p>
           <a:p>
             <a:r>
-              <a:rPr kumimoji="1" lang="ja-JP" altLang="en-US" sz="4800" b="1" dirty="0">
+              <a:rPr kumimoji="1" lang="ja-JP" altLang="en-US" sz="4400" b="1" dirty="0">
+                <a:solidFill>
+                  <a:schemeClr val="tx1">
+                    <a:lumMod val="65000"/>
+                    <a:lumOff val="35000"/>
+                  </a:schemeClr>
+                </a:solidFill>
                 <a:latin typeface="HG丸ｺﾞｼｯｸM-PRO" panose="020F0600000000000000" pitchFamily="50" charset="-128"/>
                 <a:ea typeface="HG丸ｺﾞｼｯｸM-PRO" panose="020F0600000000000000" pitchFamily="50" charset="-128"/>
               </a:rPr>
               <a:t>書籍注文管理の補助</a:t>
             </a:r>
-            <a:endParaRPr kumimoji="1" lang="en-US" altLang="ja-JP" sz="4800" b="1" dirty="0">
+            <a:endParaRPr kumimoji="1" lang="en-US" altLang="ja-JP" sz="4400" b="1" dirty="0">
+              <a:solidFill>
+                <a:schemeClr val="tx1">
+                  <a:lumMod val="65000"/>
+                  <a:lumOff val="35000"/>
+                </a:schemeClr>
+              </a:solidFill>
               <a:latin typeface="HG丸ｺﾞｼｯｸM-PRO" panose="020F0600000000000000" pitchFamily="50" charset="-128"/>
               <a:ea typeface="HG丸ｺﾞｼｯｸM-PRO" panose="020F0600000000000000" pitchFamily="50" charset="-128"/>
             </a:endParaRPr>
           </a:p>
           <a:p>
             <a:r>
-              <a:rPr lang="ja-JP" altLang="en-US" sz="4800" dirty="0">
+              <a:rPr lang="ja-JP" altLang="en-US" sz="4400" dirty="0">
+                <a:solidFill>
+                  <a:schemeClr val="tx1">
+                    <a:lumMod val="65000"/>
+                    <a:lumOff val="35000"/>
+                  </a:schemeClr>
+                </a:solidFill>
                 <a:latin typeface="HG丸ｺﾞｼｯｸM-PRO" panose="020F0600000000000000" pitchFamily="50" charset="-128"/>
                 <a:ea typeface="HG丸ｺﾞｼｯｸM-PRO" panose="020F0600000000000000" pitchFamily="50" charset="-128"/>
               </a:rPr>
               <a:t>をするシステム</a:t>
             </a:r>
-            <a:endParaRPr kumimoji="1" lang="en-US" altLang="ja-JP" sz="4800" dirty="0">
+            <a:endParaRPr kumimoji="1" lang="en-US" altLang="ja-JP" sz="4400" dirty="0">
+              <a:solidFill>
+                <a:schemeClr val="tx1">
+                  <a:lumMod val="65000"/>
+                  <a:lumOff val="35000"/>
+                </a:schemeClr>
+              </a:solidFill>
               <a:latin typeface="HG丸ｺﾞｼｯｸM-PRO" panose="020F0600000000000000" pitchFamily="50" charset="-128"/>
               <a:ea typeface="HG丸ｺﾞｼｯｸM-PRO" panose="020F0600000000000000" pitchFamily="50" charset="-128"/>
             </a:endParaRPr>
           </a:p>
           <a:p>
-            <a:endParaRPr kumimoji="1" lang="en-US" altLang="ja-JP" sz="4800" dirty="0"/>
+            <a:endParaRPr kumimoji="1" lang="en-US" altLang="ja-JP" sz="4400" dirty="0">
+              <a:solidFill>
+                <a:schemeClr val="tx1">
+                  <a:lumMod val="65000"/>
+                  <a:lumOff val="35000"/>
+                </a:schemeClr>
+              </a:solidFill>
+            </a:endParaRPr>
           </a:p>
         </p:txBody>
       </p:sp>
@@ -9442,27 +9606,47 @@
         </p:nvSpPr>
         <p:spPr>
           <a:xfrm>
-            <a:off x="1524000" y="935537"/>
-            <a:ext cx="9144000" cy="1090485"/>
+            <a:off x="3551177" y="899260"/>
+            <a:ext cx="5089646" cy="1090485"/>
           </a:xfrm>
         </p:spPr>
         <p:txBody>
           <a:bodyPr anchor="t">
-            <a:normAutofit fontScale="90000"/>
+            <a:noAutofit/>
           </a:bodyPr>
           <a:lstStyle/>
           <a:p>
             <a:r>
               <a:rPr lang="ja-JP" altLang="en-US" dirty="0">
+                <a:solidFill>
+                  <a:schemeClr val="tx1">
+                    <a:lumMod val="65000"/>
+                    <a:lumOff val="35000"/>
+                  </a:schemeClr>
+                </a:solidFill>
                 <a:latin typeface="HG丸ｺﾞｼｯｸM-PRO" panose="020F0600000000000000" pitchFamily="50" charset="-128"/>
                 <a:ea typeface="HG丸ｺﾞｼｯｸM-PRO" panose="020F0600000000000000" pitchFamily="50" charset="-128"/>
               </a:rPr>
               <a:t>利用シーン</a:t>
             </a:r>
             <a:br>
-              <a:rPr lang="en-US" altLang="ja-JP" dirty="0"/>
+              <a:rPr lang="en-US" altLang="ja-JP" dirty="0">
+                <a:solidFill>
+                  <a:schemeClr val="tx1">
+                    <a:lumMod val="65000"/>
+                    <a:lumOff val="35000"/>
+                  </a:schemeClr>
+                </a:solidFill>
+              </a:rPr>
             </a:br>
-            <a:endParaRPr kumimoji="1" lang="ja-JP" altLang="en-US" dirty="0"/>
+            <a:endParaRPr kumimoji="1" lang="ja-JP" altLang="en-US" dirty="0">
+              <a:solidFill>
+                <a:schemeClr val="tx1">
+                  <a:lumMod val="65000"/>
+                  <a:lumOff val="35000"/>
+                </a:schemeClr>
+              </a:solidFill>
+            </a:endParaRPr>
           </a:p>
         </p:txBody>
       </p:sp>
@@ -9478,8 +9662,8 @@
         </p:nvSpPr>
         <p:spPr>
           <a:xfrm>
-            <a:off x="807466" y="1725115"/>
-            <a:ext cx="10577068" cy="2804160"/>
+            <a:off x="807466" y="1514009"/>
+            <a:ext cx="10577068" cy="2805406"/>
           </a:xfrm>
         </p:spPr>
         <p:txBody>
@@ -9488,17 +9672,36 @@
           </a:bodyPr>
           <a:lstStyle/>
           <a:p>
-            <a:endParaRPr lang="en-US" altLang="ja-JP" sz="4800" dirty="0"/>
+            <a:endParaRPr lang="en-US" altLang="ja-JP" sz="4800" dirty="0">
+              <a:solidFill>
+                <a:schemeClr val="tx1">
+                  <a:lumMod val="65000"/>
+                  <a:lumOff val="35000"/>
+                </a:schemeClr>
+              </a:solidFill>
+            </a:endParaRPr>
           </a:p>
           <a:p>
             <a:r>
               <a:rPr lang="ja-JP" altLang="en-US" sz="4800" dirty="0">
+                <a:solidFill>
+                  <a:schemeClr val="tx1">
+                    <a:lumMod val="65000"/>
+                    <a:lumOff val="35000"/>
+                  </a:schemeClr>
+                </a:solidFill>
                 <a:latin typeface="HG丸ｺﾞｼｯｸM-PRO" panose="020F0600000000000000" pitchFamily="50" charset="-128"/>
                 <a:ea typeface="HG丸ｺﾞｼｯｸM-PRO" panose="020F0600000000000000" pitchFamily="50" charset="-128"/>
               </a:rPr>
               <a:t>紙媒体で行っていた</a:t>
             </a:r>
             <a:endParaRPr lang="en-US" altLang="ja-JP" sz="4800" dirty="0">
+              <a:solidFill>
+                <a:schemeClr val="tx1">
+                  <a:lumMod val="65000"/>
+                  <a:lumOff val="35000"/>
+                </a:schemeClr>
+              </a:solidFill>
               <a:latin typeface="HG丸ｺﾞｼｯｸM-PRO" panose="020F0600000000000000" pitchFamily="50" charset="-128"/>
               <a:ea typeface="HG丸ｺﾞｼｯｸM-PRO" panose="020F0600000000000000" pitchFamily="50" charset="-128"/>
             </a:endParaRPr>
@@ -9506,12 +9709,24 @@
           <a:p>
             <a:r>
               <a:rPr lang="ja-JP" altLang="en-US" sz="4800" dirty="0">
+                <a:solidFill>
+                  <a:schemeClr val="tx1">
+                    <a:lumMod val="65000"/>
+                    <a:lumOff val="35000"/>
+                  </a:schemeClr>
+                </a:solidFill>
                 <a:latin typeface="HG丸ｺﾞｼｯｸM-PRO" panose="020F0600000000000000" pitchFamily="50" charset="-128"/>
                 <a:ea typeface="HG丸ｺﾞｼｯｸM-PRO" panose="020F0600000000000000" pitchFamily="50" charset="-128"/>
               </a:rPr>
               <a:t>「顧客管理」「書籍定期購読管理」を</a:t>
             </a:r>
             <a:endParaRPr lang="en-US" altLang="ja-JP" sz="4800" dirty="0">
+              <a:solidFill>
+                <a:schemeClr val="tx1">
+                  <a:lumMod val="65000"/>
+                  <a:lumOff val="35000"/>
+                </a:schemeClr>
+              </a:solidFill>
               <a:latin typeface="HG丸ｺﾞｼｯｸM-PRO" panose="020F0600000000000000" pitchFamily="50" charset="-128"/>
               <a:ea typeface="HG丸ｺﾞｼｯｸM-PRO" panose="020F0600000000000000" pitchFamily="50" charset="-128"/>
             </a:endParaRPr>
@@ -9519,6 +9734,12 @@
           <a:p>
             <a:r>
               <a:rPr kumimoji="1" lang="ja-JP" altLang="en-US" sz="4800" b="1" dirty="0">
+                <a:solidFill>
+                  <a:schemeClr val="tx1">
+                    <a:lumMod val="65000"/>
+                    <a:lumOff val="35000"/>
+                  </a:schemeClr>
+                </a:solidFill>
                 <a:latin typeface="HG丸ｺﾞｼｯｸM-PRO" panose="020F0600000000000000" pitchFamily="50" charset="-128"/>
                 <a:ea typeface="HG丸ｺﾞｼｯｸM-PRO" panose="020F0600000000000000" pitchFamily="50" charset="-128"/>
               </a:rPr>
@@ -9526,12 +9747,24 @@
             </a:r>
             <a:r>
               <a:rPr kumimoji="1" lang="ja-JP" altLang="en-US" sz="4800" dirty="0">
+                <a:solidFill>
+                  <a:schemeClr val="tx1">
+                    <a:lumMod val="65000"/>
+                    <a:lumOff val="35000"/>
+                  </a:schemeClr>
+                </a:solidFill>
                 <a:latin typeface="HG丸ｺﾞｼｯｸM-PRO" panose="020F0600000000000000" pitchFamily="50" charset="-128"/>
                 <a:ea typeface="HG丸ｺﾞｼｯｸM-PRO" panose="020F0600000000000000" pitchFamily="50" charset="-128"/>
               </a:rPr>
               <a:t>で蓄積、管理</a:t>
             </a:r>
             <a:endParaRPr kumimoji="1" lang="en-US" altLang="ja-JP" sz="4800" dirty="0">
+              <a:solidFill>
+                <a:schemeClr val="tx1">
+                  <a:lumMod val="65000"/>
+                  <a:lumOff val="35000"/>
+                </a:schemeClr>
+              </a:solidFill>
               <a:latin typeface="HG丸ｺﾞｼｯｸM-PRO" panose="020F0600000000000000" pitchFamily="50" charset="-128"/>
               <a:ea typeface="HG丸ｺﾞｼｯｸM-PRO" panose="020F0600000000000000" pitchFamily="50" charset="-128"/>
             </a:endParaRPr>
@@ -9851,7 +10084,7 @@
         </p:nvSpPr>
         <p:spPr>
           <a:xfrm>
-            <a:off x="1524000" y="1122363"/>
+            <a:off x="1524000" y="972463"/>
             <a:ext cx="9144000" cy="1090485"/>
           </a:xfrm>
         </p:spPr>
@@ -9863,12 +10096,24 @@
           <a:p>
             <a:r>
               <a:rPr lang="ja-JP" altLang="en-US" dirty="0">
+                <a:solidFill>
+                  <a:schemeClr val="tx1">
+                    <a:lumMod val="65000"/>
+                    <a:lumOff val="35000"/>
+                  </a:schemeClr>
+                </a:solidFill>
                 <a:latin typeface="HG丸ｺﾞｼｯｸM-PRO" panose="020F0600000000000000" pitchFamily="50" charset="-128"/>
                 <a:ea typeface="HG丸ｺﾞｼｯｸM-PRO" panose="020F0600000000000000" pitchFamily="50" charset="-128"/>
               </a:rPr>
               <a:t>メリット</a:t>
             </a:r>
             <a:endParaRPr kumimoji="1" lang="ja-JP" altLang="en-US" dirty="0">
+              <a:solidFill>
+                <a:schemeClr val="tx1">
+                  <a:lumMod val="65000"/>
+                  <a:lumOff val="35000"/>
+                </a:schemeClr>
+              </a:solidFill>
               <a:latin typeface="HG丸ｺﾞｼｯｸM-PRO" panose="020F0600000000000000" pitchFamily="50" charset="-128"/>
               <a:ea typeface="HG丸ｺﾞｼｯｸM-PRO" panose="020F0600000000000000" pitchFamily="50" charset="-128"/>
             </a:endParaRPr>
@@ -9898,34 +10143,64 @@
           <a:lstStyle/>
           <a:p>
             <a:r>
-              <a:rPr kumimoji="1" lang="ja-JP" altLang="en-US" sz="4800" b="1" dirty="0">
+              <a:rPr kumimoji="1" lang="ja-JP" altLang="en-US" sz="4400" b="1" dirty="0">
+                <a:solidFill>
+                  <a:schemeClr val="tx1">
+                    <a:lumMod val="65000"/>
+                    <a:lumOff val="35000"/>
+                  </a:schemeClr>
+                </a:solidFill>
                 <a:latin typeface="HG丸ｺﾞｼｯｸM-PRO" panose="020F0600000000000000" pitchFamily="50" charset="-128"/>
                 <a:ea typeface="HG丸ｺﾞｼｯｸM-PRO" panose="020F0600000000000000" pitchFamily="50" charset="-128"/>
               </a:rPr>
               <a:t>記帳時間</a:t>
             </a:r>
             <a:r>
-              <a:rPr kumimoji="1" lang="ja-JP" altLang="en-US" sz="4800" dirty="0">
+              <a:rPr kumimoji="1" lang="ja-JP" altLang="en-US" sz="4400" dirty="0">
+                <a:solidFill>
+                  <a:schemeClr val="tx1">
+                    <a:lumMod val="65000"/>
+                    <a:lumOff val="35000"/>
+                  </a:schemeClr>
+                </a:solidFill>
                 <a:latin typeface="HG丸ｺﾞｼｯｸM-PRO" panose="020F0600000000000000" pitchFamily="50" charset="-128"/>
                 <a:ea typeface="HG丸ｺﾞｼｯｸM-PRO" panose="020F0600000000000000" pitchFamily="50" charset="-128"/>
               </a:rPr>
               <a:t>の短縮、</a:t>
             </a:r>
             <a:r>
-              <a:rPr lang="ja-JP" altLang="en-US" sz="4800" b="1" dirty="0">
+              <a:rPr lang="ja-JP" altLang="en-US" sz="4400" b="1" dirty="0">
+                <a:solidFill>
+                  <a:schemeClr val="tx1">
+                    <a:lumMod val="65000"/>
+                    <a:lumOff val="35000"/>
+                  </a:schemeClr>
+                </a:solidFill>
                 <a:latin typeface="HG丸ｺﾞｼｯｸM-PRO" panose="020F0600000000000000" pitchFamily="50" charset="-128"/>
                 <a:ea typeface="HG丸ｺﾞｼｯｸM-PRO" panose="020F0600000000000000" pitchFamily="50" charset="-128"/>
               </a:rPr>
               <a:t>ミス軽減</a:t>
             </a:r>
             <a:r>
-              <a:rPr lang="ja-JP" altLang="en-US" sz="4800" dirty="0">
+              <a:rPr lang="ja-JP" altLang="en-US" sz="4400" dirty="0">
+                <a:solidFill>
+                  <a:schemeClr val="tx1">
+                    <a:lumMod val="65000"/>
+                    <a:lumOff val="35000"/>
+                  </a:schemeClr>
+                </a:solidFill>
                 <a:latin typeface="HG丸ｺﾞｼｯｸM-PRO" panose="020F0600000000000000" pitchFamily="50" charset="-128"/>
                 <a:ea typeface="HG丸ｺﾞｼｯｸM-PRO" panose="020F0600000000000000" pitchFamily="50" charset="-128"/>
               </a:rPr>
               <a:t>を図る</a:t>
             </a:r>
-            <a:endParaRPr kumimoji="1" lang="en-US" altLang="ja-JP" sz="4800" dirty="0">
+            <a:endParaRPr kumimoji="1" lang="en-US" altLang="ja-JP" sz="4400" dirty="0">
+              <a:solidFill>
+                <a:schemeClr val="tx1">
+                  <a:lumMod val="65000"/>
+                  <a:lumOff val="35000"/>
+                </a:schemeClr>
+              </a:solidFill>
               <a:latin typeface="HG丸ｺﾞｼｯｸM-PRO" panose="020F0600000000000000" pitchFamily="50" charset="-128"/>
               <a:ea typeface="HG丸ｺﾞｼｯｸM-PRO" panose="020F0600000000000000" pitchFamily="50" charset="-128"/>
             </a:endParaRPr>
@@ -10201,7 +10476,7 @@
         </p:blipFill>
         <p:spPr>
           <a:xfrm>
-            <a:off x="0" y="0"/>
+            <a:off x="0" y="-810"/>
             <a:ext cx="12192000" cy="6858000"/>
           </a:xfrm>
           <a:prstGeom prst="rect">
@@ -10211,18 +10486,152 @@
       </p:pic>
       <p:sp>
         <p:nvSpPr>
-          <p:cNvPr id="2" name="タイトル 1"/>
-          <p:cNvSpPr>
-            <a:spLocks noGrp="1"/>
-          </p:cNvSpPr>
-          <p:nvPr>
-            <p:ph type="ctrTitle"/>
-          </p:nvPr>
+          <p:cNvPr id="18" name="四角形: 角を丸くする 17">
+            <a:extLst>
+              <a:ext uri="{FF2B5EF4-FFF2-40B4-BE49-F238E27FC236}">
+                <a16:creationId xmlns:a16="http://schemas.microsoft.com/office/drawing/2014/main" id="{EF2C5514-6D50-4D13-82D6-482EF4656400}"/>
+              </a:ext>
+            </a:extLst>
+          </p:cNvPr>
+          <p:cNvSpPr/>
+          <p:nvPr/>
         </p:nvSpPr>
         <p:spPr>
           <a:xfrm>
-            <a:off x="1524000" y="1122363"/>
-            <a:ext cx="9144000" cy="1090485"/>
+            <a:off x="6989068" y="914121"/>
+            <a:ext cx="3167921" cy="5222452"/>
+          </a:xfrm>
+          <a:prstGeom prst="roundRect">
+            <a:avLst/>
+          </a:prstGeom>
+          <a:gradFill flip="none" rotWithShape="1">
+            <a:gsLst>
+              <a:gs pos="0">
+                <a:schemeClr val="accent1">
+                  <a:lumMod val="7000"/>
+                  <a:lumOff val="93000"/>
+                </a:schemeClr>
+              </a:gs>
+              <a:gs pos="65000">
+                <a:srgbClr val="BCFFBC"/>
+              </a:gs>
+              <a:gs pos="100000">
+                <a:srgbClr val="DDFFBC"/>
+              </a:gs>
+            </a:gsLst>
+            <a:lin ang="2700000" scaled="1"/>
+            <a:tileRect/>
+          </a:gradFill>
+          <a:ln>
+            <a:noFill/>
+          </a:ln>
+        </p:spPr>
+        <p:style>
+          <a:lnRef idx="2">
+            <a:schemeClr val="accent1">
+              <a:shade val="50000"/>
+            </a:schemeClr>
+          </a:lnRef>
+          <a:fillRef idx="1">
+            <a:schemeClr val="accent1"/>
+          </a:fillRef>
+          <a:effectRef idx="0">
+            <a:schemeClr val="accent1"/>
+          </a:effectRef>
+          <a:fontRef idx="minor">
+            <a:schemeClr val="lt1"/>
+          </a:fontRef>
+        </p:style>
+        <p:txBody>
+          <a:bodyPr rtlCol="0" anchor="ctr"/>
+          <a:lstStyle/>
+          <a:p>
+            <a:pPr algn="ctr"/>
+            <a:endParaRPr kumimoji="1" lang="ja-JP" altLang="en-US"/>
+          </a:p>
+        </p:txBody>
+      </p:sp>
+      <p:sp>
+        <p:nvSpPr>
+          <p:cNvPr id="17" name="四角形: 角を丸くする 16">
+            <a:extLst>
+              <a:ext uri="{FF2B5EF4-FFF2-40B4-BE49-F238E27FC236}">
+                <a16:creationId xmlns:a16="http://schemas.microsoft.com/office/drawing/2014/main" id="{BE7F55CB-7E1A-4019-82AA-21691BA71E6F}"/>
+              </a:ext>
+            </a:extLst>
+          </p:cNvPr>
+          <p:cNvSpPr/>
+          <p:nvPr/>
+        </p:nvSpPr>
+        <p:spPr>
+          <a:xfrm>
+            <a:off x="2041160" y="914121"/>
+            <a:ext cx="3167921" cy="5222452"/>
+          </a:xfrm>
+          <a:prstGeom prst="roundRect">
+            <a:avLst/>
+          </a:prstGeom>
+          <a:gradFill flip="none" rotWithShape="1">
+            <a:gsLst>
+              <a:gs pos="0">
+                <a:schemeClr val="accent1">
+                  <a:lumMod val="7000"/>
+                  <a:lumOff val="93000"/>
+                </a:schemeClr>
+              </a:gs>
+              <a:gs pos="65000">
+                <a:srgbClr val="FFB7DB"/>
+              </a:gs>
+              <a:gs pos="100000">
+                <a:srgbClr val="FFB7B7"/>
+              </a:gs>
+            </a:gsLst>
+            <a:lin ang="18900000" scaled="1"/>
+            <a:tileRect/>
+          </a:gradFill>
+          <a:ln>
+            <a:noFill/>
+          </a:ln>
+        </p:spPr>
+        <p:style>
+          <a:lnRef idx="2">
+            <a:schemeClr val="accent1">
+              <a:shade val="50000"/>
+            </a:schemeClr>
+          </a:lnRef>
+          <a:fillRef idx="1">
+            <a:schemeClr val="accent1"/>
+          </a:fillRef>
+          <a:effectRef idx="0">
+            <a:schemeClr val="accent1"/>
+          </a:effectRef>
+          <a:fontRef idx="minor">
+            <a:schemeClr val="lt1"/>
+          </a:fontRef>
+        </p:style>
+        <p:txBody>
+          <a:bodyPr rtlCol="0" anchor="ctr"/>
+          <a:lstStyle/>
+          <a:p>
+            <a:pPr algn="ctr"/>
+            <a:endParaRPr kumimoji="1" lang="ja-JP" altLang="en-US"/>
+          </a:p>
+        </p:txBody>
+      </p:sp>
+      <p:sp>
+        <p:nvSpPr>
+          <p:cNvPr id="2" name="タイトル 1"/>
+          <p:cNvSpPr>
+            <a:spLocks noGrp="1"/>
+          </p:cNvSpPr>
+          <p:nvPr>
+            <p:ph type="ctrTitle"/>
+          </p:nvPr>
+        </p:nvSpPr>
+        <p:spPr>
+          <a:xfrm>
+            <a:off x="2377092" y="1122362"/>
+            <a:ext cx="2478374" cy="1090485"/>
           </a:xfrm>
         </p:spPr>
         <p:txBody>
@@ -10231,12 +10640,24 @@
           <a:p>
             <a:r>
               <a:rPr lang="ja-JP" altLang="en-US" dirty="0">
+                <a:solidFill>
+                  <a:schemeClr val="tx1">
+                    <a:lumMod val="65000"/>
+                    <a:lumOff val="35000"/>
+                  </a:schemeClr>
+                </a:solidFill>
                 <a:latin typeface="HG丸ｺﾞｼｯｸM-PRO" panose="020F0600000000000000" pitchFamily="50" charset="-128"/>
                 <a:ea typeface="HG丸ｺﾞｼｯｸM-PRO" panose="020F0600000000000000" pitchFamily="50" charset="-128"/>
               </a:rPr>
-              <a:t>機能・仕様</a:t>
+              <a:t>機能</a:t>
             </a:r>
             <a:endParaRPr kumimoji="1" lang="ja-JP" altLang="en-US" dirty="0">
+              <a:solidFill>
+                <a:schemeClr val="tx1">
+                  <a:lumMod val="65000"/>
+                  <a:lumOff val="35000"/>
+                </a:schemeClr>
+              </a:solidFill>
               <a:latin typeface="HG丸ｺﾞｼｯｸM-PRO" panose="020F0600000000000000" pitchFamily="50" charset="-128"/>
               <a:ea typeface="HG丸ｺﾞｼｯｸM-PRO" panose="020F0600000000000000" pitchFamily="50" charset="-128"/>
             </a:endParaRPr>
@@ -10255,233 +10676,488 @@
         </p:nvSpPr>
         <p:spPr>
           <a:xfrm>
-            <a:off x="2749296" y="2261234"/>
-            <a:ext cx="6693408" cy="1508253"/>
+            <a:off x="7040381" y="2421088"/>
+            <a:ext cx="3167921" cy="2662931"/>
           </a:xfrm>
         </p:spPr>
         <p:txBody>
           <a:bodyPr>
-            <a:normAutofit lnSpcReduction="10000"/>
+            <a:normAutofit/>
           </a:bodyPr>
           <a:lstStyle/>
           <a:p>
-            <a:r>
-              <a:rPr lang="ja-JP" altLang="en-US" sz="4800" dirty="0">
+            <a:pPr>
+              <a:lnSpc>
+                <a:spcPct val="125000"/>
+              </a:lnSpc>
+            </a:pPr>
+            <a:r>
+              <a:rPr lang="ja-JP" altLang="en-US" sz="4000" b="1" dirty="0">
+                <a:solidFill>
+                  <a:schemeClr val="tx1">
+                    <a:lumMod val="65000"/>
+                    <a:lumOff val="35000"/>
+                  </a:schemeClr>
+                </a:solidFill>
                 <a:latin typeface="HG丸ｺﾞｼｯｸM-PRO" panose="020F0600000000000000" pitchFamily="50" charset="-128"/>
                 <a:ea typeface="HG丸ｺﾞｼｯｸM-PRO" panose="020F0600000000000000" pitchFamily="50" charset="-128"/>
               </a:rPr>
-              <a:t>・</a:t>
-            </a:r>
-            <a:r>
-              <a:rPr lang="ja-JP" altLang="en-US" sz="4800" b="1" dirty="0">
+              <a:t>顧客管理</a:t>
+            </a:r>
+            <a:br>
+              <a:rPr lang="en-US" altLang="ja-JP" sz="4000" b="1" dirty="0">
+                <a:solidFill>
+                  <a:schemeClr val="tx1">
+                    <a:lumMod val="65000"/>
+                    <a:lumOff val="35000"/>
+                  </a:schemeClr>
+                </a:solidFill>
                 <a:latin typeface="HG丸ｺﾞｼｯｸM-PRO" panose="020F0600000000000000" pitchFamily="50" charset="-128"/>
                 <a:ea typeface="HG丸ｺﾞｼｯｸM-PRO" panose="020F0600000000000000" pitchFamily="50" charset="-128"/>
               </a:rPr>
-              <a:t>書籍追加</a:t>
-            </a:r>
-            <a:r>
-              <a:rPr kumimoji="1" lang="ja-JP" altLang="en-US" sz="4800" dirty="0">
-                <a:latin typeface="HG丸ｺﾞｼｯｸM-PRO" panose="020F0600000000000000" pitchFamily="50" charset="-128"/>
-                <a:ea typeface="HG丸ｺﾞｼｯｸM-PRO" panose="020F0600000000000000" pitchFamily="50" charset="-128"/>
-              </a:rPr>
-              <a:t>・</a:t>
-            </a:r>
-            <a:r>
-              <a:rPr kumimoji="1" lang="ja-JP" altLang="en-US" sz="4800" b="1" dirty="0">
-                <a:latin typeface="HG丸ｺﾞｼｯｸM-PRO" panose="020F0600000000000000" pitchFamily="50" charset="-128"/>
-                <a:ea typeface="HG丸ｺﾞｼｯｸM-PRO" panose="020F0600000000000000" pitchFamily="50" charset="-128"/>
-              </a:rPr>
-              <a:t>顧客追加</a:t>
-            </a:r>
-            <a:endParaRPr kumimoji="1" lang="en-US" altLang="ja-JP" sz="4800" b="1" dirty="0">
-              <a:latin typeface="HG丸ｺﾞｼｯｸM-PRO" panose="020F0600000000000000" pitchFamily="50" charset="-128"/>
-              <a:ea typeface="HG丸ｺﾞｼｯｸM-PRO" panose="020F0600000000000000" pitchFamily="50" charset="-128"/>
-            </a:endParaRPr>
-          </a:p>
-          <a:p>
-            <a:r>
-              <a:rPr lang="ja-JP" altLang="en-US" sz="4800" dirty="0">
-                <a:latin typeface="HG丸ｺﾞｼｯｸM-PRO" panose="020F0600000000000000" pitchFamily="50" charset="-128"/>
-                <a:ea typeface="HG丸ｺﾞｼｯｸM-PRO" panose="020F0600000000000000" pitchFamily="50" charset="-128"/>
-              </a:rPr>
-              <a:t>・</a:t>
-            </a:r>
-            <a:r>
-              <a:rPr lang="ja-JP" altLang="en-US" sz="4800" b="1" dirty="0">
+            </a:br>
+            <a:r>
+              <a:rPr lang="ja-JP" altLang="en-US" sz="4000" b="1" dirty="0">
+                <a:solidFill>
+                  <a:schemeClr val="tx1">
+                    <a:lumMod val="65000"/>
+                    <a:lumOff val="35000"/>
+                  </a:schemeClr>
+                </a:solidFill>
                 <a:latin typeface="HG丸ｺﾞｼｯｸM-PRO" panose="020F0600000000000000" pitchFamily="50" charset="-128"/>
                 <a:ea typeface="HG丸ｺﾞｼｯｸM-PRO" panose="020F0600000000000000" pitchFamily="50" charset="-128"/>
               </a:rPr>
               <a:t>書籍管理</a:t>
             </a:r>
-            <a:r>
-              <a:rPr kumimoji="1" lang="ja-JP" altLang="en-US" sz="4800" dirty="0">
+            <a:endParaRPr lang="en-US" altLang="ja-JP" sz="4000" b="1" dirty="0">
+              <a:solidFill>
+                <a:schemeClr val="tx1">
+                  <a:lumMod val="65000"/>
+                  <a:lumOff val="35000"/>
+                </a:schemeClr>
+              </a:solidFill>
+              <a:latin typeface="HG丸ｺﾞｼｯｸM-PRO" panose="020F0600000000000000" pitchFamily="50" charset="-128"/>
+              <a:ea typeface="HG丸ｺﾞｼｯｸM-PRO" panose="020F0600000000000000" pitchFamily="50" charset="-128"/>
+            </a:endParaRPr>
+          </a:p>
+          <a:p>
+            <a:pPr>
+              <a:lnSpc>
+                <a:spcPct val="125000"/>
+              </a:lnSpc>
+            </a:pPr>
+            <a:r>
+              <a:rPr lang="ja-JP" altLang="en-US" sz="4000" b="1" dirty="0">
+                <a:solidFill>
+                  <a:schemeClr val="tx1">
+                    <a:lumMod val="65000"/>
+                    <a:lumOff val="35000"/>
+                  </a:schemeClr>
+                </a:solidFill>
                 <a:latin typeface="HG丸ｺﾞｼｯｸM-PRO" panose="020F0600000000000000" pitchFamily="50" charset="-128"/>
                 <a:ea typeface="HG丸ｺﾞｼｯｸM-PRO" panose="020F0600000000000000" pitchFamily="50" charset="-128"/>
               </a:rPr>
-              <a:t>・</a:t>
-            </a:r>
-            <a:r>
-              <a:rPr kumimoji="1" lang="ja-JP" altLang="en-US" sz="4800" b="1" dirty="0">
-                <a:latin typeface="HG丸ｺﾞｼｯｸM-PRO" panose="020F0600000000000000" pitchFamily="50" charset="-128"/>
-                <a:ea typeface="HG丸ｺﾞｼｯｸM-PRO" panose="020F0600000000000000" pitchFamily="50" charset="-128"/>
-              </a:rPr>
-              <a:t>顧客管理</a:t>
-            </a:r>
-            <a:endParaRPr kumimoji="1" lang="en-US" altLang="ja-JP" sz="4800" b="1" dirty="0">
-              <a:latin typeface="HG丸ｺﾞｼｯｸM-PRO" panose="020F0600000000000000" pitchFamily="50" charset="-128"/>
-              <a:ea typeface="HG丸ｺﾞｼｯｸM-PRO" panose="020F0600000000000000" pitchFamily="50" charset="-128"/>
+              <a:t>ランキング</a:t>
+            </a:r>
+            <a:endParaRPr lang="en-US" altLang="ja-JP" sz="4000" dirty="0">
+              <a:solidFill>
+                <a:schemeClr val="tx1">
+                  <a:lumMod val="65000"/>
+                  <a:lumOff val="35000"/>
+                </a:schemeClr>
+              </a:solidFill>
             </a:endParaRPr>
           </a:p>
-          <a:p>
-            <a:pPr algn="r"/>
-            <a:endParaRPr lang="en-US" altLang="ja-JP" sz="4800" dirty="0"/>
-          </a:p>
-        </p:txBody>
-      </p:sp>
-      <p:pic>
-        <p:nvPicPr>
-          <p:cNvPr id="7" name="図 6">
+        </p:txBody>
+      </p:sp>
+      <p:sp>
+        <p:nvSpPr>
+          <p:cNvPr id="10" name="タイトル 1">
             <a:extLst>
               <a:ext uri="{FF2B5EF4-FFF2-40B4-BE49-F238E27FC236}">
-                <a16:creationId xmlns:a16="http://schemas.microsoft.com/office/drawing/2014/main" id="{2E751D8A-9404-4A86-9290-00CAF27A2AB3}"/>
+                <a16:creationId xmlns:a16="http://schemas.microsoft.com/office/drawing/2014/main" id="{D19A5965-467F-4DAE-B926-EC489A613771}"/>
               </a:ext>
             </a:extLst>
           </p:cNvPr>
-          <p:cNvPicPr>
-            <a:picLocks noChangeAspect="1"/>
-          </p:cNvPicPr>
+          <p:cNvSpPr txBox="1">
+            <a:spLocks/>
+          </p:cNvSpPr>
           <p:nvPr/>
-        </p:nvPicPr>
-        <p:blipFill>
-          <a:blip r:embed="rId4">
-            <a:extLst>
-              <a:ext uri="{28A0092B-C50C-407E-A947-70E740481C1C}">
-                <a14:useLocalDpi xmlns:a14="http://schemas.microsoft.com/office/drawing/2010/main" val="0"/>
-              </a:ext>
-            </a:extLst>
-          </a:blip>
-          <a:stretch>
-            <a:fillRect/>
-          </a:stretch>
-        </p:blipFill>
+        </p:nvSpPr>
         <p:spPr>
           <a:xfrm>
-            <a:off x="7600950" y="3015360"/>
-            <a:ext cx="3810000" cy="3810000"/>
+            <a:off x="7318851" y="1122362"/>
+            <a:ext cx="2478374" cy="1090485"/>
           </a:xfrm>
           <a:prstGeom prst="rect">
             <a:avLst/>
           </a:prstGeom>
         </p:spPr>
-      </p:pic>
-      <p:pic>
-        <p:nvPicPr>
-          <p:cNvPr id="11" name="図 10">
+        <p:txBody>
+          <a:bodyPr vert="horz" lIns="91440" tIns="45720" rIns="91440" bIns="45720" rtlCol="0" anchor="t">
+            <a:normAutofit/>
+          </a:bodyPr>
+          <a:lstStyle>
+            <a:lvl1pPr algn="ctr" defTabSz="914400" rtl="0" eaLnBrk="1" latinLnBrk="0" hangingPunct="1">
+              <a:lnSpc>
+                <a:spcPct val="90000"/>
+              </a:lnSpc>
+              <a:spcBef>
+                <a:spcPct val="0"/>
+              </a:spcBef>
+              <a:buNone/>
+              <a:defRPr kumimoji="1" sz="6000" kern="1200">
+                <a:solidFill>
+                  <a:schemeClr val="tx1"/>
+                </a:solidFill>
+                <a:latin typeface="+mj-lt"/>
+                <a:ea typeface="+mj-ea"/>
+                <a:cs typeface="+mj-cs"/>
+              </a:defRPr>
+            </a:lvl1pPr>
+          </a:lstStyle>
+          <a:p>
+            <a:r>
+              <a:rPr lang="ja-JP" altLang="en-US" dirty="0">
+                <a:solidFill>
+                  <a:schemeClr val="tx1">
+                    <a:lumMod val="65000"/>
+                    <a:lumOff val="35000"/>
+                  </a:schemeClr>
+                </a:solidFill>
+                <a:latin typeface="HG丸ｺﾞｼｯｸM-PRO" panose="020F0600000000000000" pitchFamily="50" charset="-128"/>
+                <a:ea typeface="HG丸ｺﾞｼｯｸM-PRO" panose="020F0600000000000000" pitchFamily="50" charset="-128"/>
+              </a:rPr>
+              <a:t>仕様</a:t>
+            </a:r>
+          </a:p>
+        </p:txBody>
+      </p:sp>
+      <p:sp>
+        <p:nvSpPr>
+          <p:cNvPr id="14" name="サブタイトル 2">
             <a:extLst>
               <a:ext uri="{FF2B5EF4-FFF2-40B4-BE49-F238E27FC236}">
-                <a16:creationId xmlns:a16="http://schemas.microsoft.com/office/drawing/2014/main" id="{0DE7AED8-0E9B-4C22-898F-E2E2A63ADBF6}"/>
+                <a16:creationId xmlns:a16="http://schemas.microsoft.com/office/drawing/2014/main" id="{DADF4485-7293-4EB2-8DD9-1B607AD2D08F}"/>
               </a:ext>
             </a:extLst>
           </p:cNvPr>
-          <p:cNvPicPr>
-            <a:picLocks noChangeAspect="1"/>
-          </p:cNvPicPr>
+          <p:cNvSpPr txBox="1">
+            <a:spLocks/>
+          </p:cNvSpPr>
           <p:nvPr/>
-        </p:nvPicPr>
-        <p:blipFill>
-          <a:blip r:embed="rId5">
-            <a:extLst>
-              <a:ext uri="{28A0092B-C50C-407E-A947-70E740481C1C}">
-                <a14:useLocalDpi xmlns:a14="http://schemas.microsoft.com/office/drawing/2010/main" val="0"/>
-              </a:ext>
-            </a:extLst>
-          </a:blip>
-          <a:stretch>
-            <a:fillRect/>
-          </a:stretch>
-        </p:blipFill>
+        </p:nvSpPr>
         <p:spPr>
           <a:xfrm>
-            <a:off x="1428749" y="4000500"/>
-            <a:ext cx="1485900" cy="2857500"/>
+            <a:off x="2521836" y="2212847"/>
+            <a:ext cx="2188885" cy="3522790"/>
           </a:xfrm>
           <a:prstGeom prst="rect">
             <a:avLst/>
           </a:prstGeom>
         </p:spPr>
-      </p:pic>
-      <p:pic>
-        <p:nvPicPr>
-          <p:cNvPr id="12" name="図 11">
-            <a:extLst>
-              <a:ext uri="{FF2B5EF4-FFF2-40B4-BE49-F238E27FC236}">
-                <a16:creationId xmlns:a16="http://schemas.microsoft.com/office/drawing/2014/main" id="{7A416DC2-CD74-4C9F-985E-5107719EA577}"/>
-              </a:ext>
-            </a:extLst>
-          </p:cNvPr>
-          <p:cNvPicPr>
-            <a:picLocks noChangeAspect="1"/>
-          </p:cNvPicPr>
-          <p:nvPr/>
-        </p:nvPicPr>
-        <p:blipFill>
-          <a:blip r:embed="rId5">
-            <a:extLst>
-              <a:ext uri="{28A0092B-C50C-407E-A947-70E740481C1C}">
-                <a14:useLocalDpi xmlns:a14="http://schemas.microsoft.com/office/drawing/2010/main" val="0"/>
-              </a:ext>
-            </a:extLst>
-          </a:blip>
-          <a:stretch>
-            <a:fillRect/>
-          </a:stretch>
-        </p:blipFill>
-        <p:spPr>
-          <a:xfrm>
-            <a:off x="2266950" y="4000500"/>
-            <a:ext cx="1485900" cy="2857500"/>
-          </a:xfrm>
-          <a:prstGeom prst="rect">
-            <a:avLst/>
-          </a:prstGeom>
-        </p:spPr>
-      </p:pic>
-      <p:pic>
-        <p:nvPicPr>
-          <p:cNvPr id="13" name="図 12">
-            <a:extLst>
-              <a:ext uri="{FF2B5EF4-FFF2-40B4-BE49-F238E27FC236}">
-                <a16:creationId xmlns:a16="http://schemas.microsoft.com/office/drawing/2014/main" id="{31578470-6CE0-4211-8649-6A425C9848B3}"/>
-              </a:ext>
-            </a:extLst>
-          </p:cNvPr>
-          <p:cNvPicPr>
-            <a:picLocks noChangeAspect="1"/>
-          </p:cNvPicPr>
-          <p:nvPr/>
-        </p:nvPicPr>
-        <p:blipFill>
-          <a:blip r:embed="rId5">
-            <a:extLst>
-              <a:ext uri="{28A0092B-C50C-407E-A947-70E740481C1C}">
-                <a14:useLocalDpi xmlns:a14="http://schemas.microsoft.com/office/drawing/2010/main" val="0"/>
-              </a:ext>
-            </a:extLst>
-          </a:blip>
-          <a:stretch>
-            <a:fillRect/>
-          </a:stretch>
-        </p:blipFill>
-        <p:spPr>
-          <a:xfrm>
-            <a:off x="3105151" y="4000500"/>
-            <a:ext cx="1485900" cy="2857500"/>
-          </a:xfrm>
-          <a:prstGeom prst="rect">
-            <a:avLst/>
-          </a:prstGeom>
-        </p:spPr>
-      </p:pic>
+        <p:txBody>
+          <a:bodyPr vert="horz" lIns="91440" tIns="45720" rIns="91440" bIns="45720" rtlCol="0">
+            <a:noAutofit/>
+          </a:bodyPr>
+          <a:lstStyle>
+            <a:lvl1pPr marL="0" indent="0" algn="ctr" defTabSz="914400" rtl="0" eaLnBrk="1" latinLnBrk="0" hangingPunct="1">
+              <a:lnSpc>
+                <a:spcPct val="90000"/>
+              </a:lnSpc>
+              <a:spcBef>
+                <a:spcPts val="1000"/>
+              </a:spcBef>
+              <a:buFont typeface="Arial" panose="020B0604020202020204" pitchFamily="34" charset="0"/>
+              <a:buNone/>
+              <a:defRPr kumimoji="1" sz="2400" kern="1200">
+                <a:solidFill>
+                  <a:schemeClr val="tx1"/>
+                </a:solidFill>
+                <a:latin typeface="+mn-lt"/>
+                <a:ea typeface="+mn-ea"/>
+                <a:cs typeface="+mn-cs"/>
+              </a:defRPr>
+            </a:lvl1pPr>
+            <a:lvl2pPr marL="457200" indent="0" algn="ctr" defTabSz="914400" rtl="0" eaLnBrk="1" latinLnBrk="0" hangingPunct="1">
+              <a:lnSpc>
+                <a:spcPct val="90000"/>
+              </a:lnSpc>
+              <a:spcBef>
+                <a:spcPts val="500"/>
+              </a:spcBef>
+              <a:buFont typeface="Arial" panose="020B0604020202020204" pitchFamily="34" charset="0"/>
+              <a:buNone/>
+              <a:defRPr kumimoji="1" sz="2000" kern="1200">
+                <a:solidFill>
+                  <a:schemeClr val="tx1"/>
+                </a:solidFill>
+                <a:latin typeface="+mn-lt"/>
+                <a:ea typeface="+mn-ea"/>
+                <a:cs typeface="+mn-cs"/>
+              </a:defRPr>
+            </a:lvl2pPr>
+            <a:lvl3pPr marL="914400" indent="0" algn="ctr" defTabSz="914400" rtl="0" eaLnBrk="1" latinLnBrk="0" hangingPunct="1">
+              <a:lnSpc>
+                <a:spcPct val="90000"/>
+              </a:lnSpc>
+              <a:spcBef>
+                <a:spcPts val="500"/>
+              </a:spcBef>
+              <a:buFont typeface="Arial" panose="020B0604020202020204" pitchFamily="34" charset="0"/>
+              <a:buNone/>
+              <a:defRPr kumimoji="1" sz="1800" kern="1200">
+                <a:solidFill>
+                  <a:schemeClr val="tx1"/>
+                </a:solidFill>
+                <a:latin typeface="+mn-lt"/>
+                <a:ea typeface="+mn-ea"/>
+                <a:cs typeface="+mn-cs"/>
+              </a:defRPr>
+            </a:lvl3pPr>
+            <a:lvl4pPr marL="1371600" indent="0" algn="ctr" defTabSz="914400" rtl="0" eaLnBrk="1" latinLnBrk="0" hangingPunct="1">
+              <a:lnSpc>
+                <a:spcPct val="90000"/>
+              </a:lnSpc>
+              <a:spcBef>
+                <a:spcPts val="500"/>
+              </a:spcBef>
+              <a:buFont typeface="Arial" panose="020B0604020202020204" pitchFamily="34" charset="0"/>
+              <a:buNone/>
+              <a:defRPr kumimoji="1" sz="1600" kern="1200">
+                <a:solidFill>
+                  <a:schemeClr val="tx1"/>
+                </a:solidFill>
+                <a:latin typeface="+mn-lt"/>
+                <a:ea typeface="+mn-ea"/>
+                <a:cs typeface="+mn-cs"/>
+              </a:defRPr>
+            </a:lvl4pPr>
+            <a:lvl5pPr marL="1828800" indent="0" algn="ctr" defTabSz="914400" rtl="0" eaLnBrk="1" latinLnBrk="0" hangingPunct="1">
+              <a:lnSpc>
+                <a:spcPct val="90000"/>
+              </a:lnSpc>
+              <a:spcBef>
+                <a:spcPts val="500"/>
+              </a:spcBef>
+              <a:buFont typeface="Arial" panose="020B0604020202020204" pitchFamily="34" charset="0"/>
+              <a:buNone/>
+              <a:defRPr kumimoji="1" sz="1600" kern="1200">
+                <a:solidFill>
+                  <a:schemeClr val="tx1"/>
+                </a:solidFill>
+                <a:latin typeface="+mn-lt"/>
+                <a:ea typeface="+mn-ea"/>
+                <a:cs typeface="+mn-cs"/>
+              </a:defRPr>
+            </a:lvl5pPr>
+            <a:lvl6pPr marL="2286000" indent="0" algn="ctr" defTabSz="914400" rtl="0" eaLnBrk="1" latinLnBrk="0" hangingPunct="1">
+              <a:lnSpc>
+                <a:spcPct val="90000"/>
+              </a:lnSpc>
+              <a:spcBef>
+                <a:spcPts val="500"/>
+              </a:spcBef>
+              <a:buFont typeface="Arial" panose="020B0604020202020204" pitchFamily="34" charset="0"/>
+              <a:buNone/>
+              <a:defRPr kumimoji="1" sz="1600" kern="1200">
+                <a:solidFill>
+                  <a:schemeClr val="tx1"/>
+                </a:solidFill>
+                <a:latin typeface="+mn-lt"/>
+                <a:ea typeface="+mn-ea"/>
+                <a:cs typeface="+mn-cs"/>
+              </a:defRPr>
+            </a:lvl6pPr>
+            <a:lvl7pPr marL="2743200" indent="0" algn="ctr" defTabSz="914400" rtl="0" eaLnBrk="1" latinLnBrk="0" hangingPunct="1">
+              <a:lnSpc>
+                <a:spcPct val="90000"/>
+              </a:lnSpc>
+              <a:spcBef>
+                <a:spcPts val="500"/>
+              </a:spcBef>
+              <a:buFont typeface="Arial" panose="020B0604020202020204" pitchFamily="34" charset="0"/>
+              <a:buNone/>
+              <a:defRPr kumimoji="1" sz="1600" kern="1200">
+                <a:solidFill>
+                  <a:schemeClr val="tx1"/>
+                </a:solidFill>
+                <a:latin typeface="+mn-lt"/>
+                <a:ea typeface="+mn-ea"/>
+                <a:cs typeface="+mn-cs"/>
+              </a:defRPr>
+            </a:lvl7pPr>
+            <a:lvl8pPr marL="3200400" indent="0" algn="ctr" defTabSz="914400" rtl="0" eaLnBrk="1" latinLnBrk="0" hangingPunct="1">
+              <a:lnSpc>
+                <a:spcPct val="90000"/>
+              </a:lnSpc>
+              <a:spcBef>
+                <a:spcPts val="500"/>
+              </a:spcBef>
+              <a:buFont typeface="Arial" panose="020B0604020202020204" pitchFamily="34" charset="0"/>
+              <a:buNone/>
+              <a:defRPr kumimoji="1" sz="1600" kern="1200">
+                <a:solidFill>
+                  <a:schemeClr val="tx1"/>
+                </a:solidFill>
+                <a:latin typeface="+mn-lt"/>
+                <a:ea typeface="+mn-ea"/>
+                <a:cs typeface="+mn-cs"/>
+              </a:defRPr>
+            </a:lvl8pPr>
+            <a:lvl9pPr marL="3657600" indent="0" algn="ctr" defTabSz="914400" rtl="0" eaLnBrk="1" latinLnBrk="0" hangingPunct="1">
+              <a:lnSpc>
+                <a:spcPct val="90000"/>
+              </a:lnSpc>
+              <a:spcBef>
+                <a:spcPts val="500"/>
+              </a:spcBef>
+              <a:buFont typeface="Arial" panose="020B0604020202020204" pitchFamily="34" charset="0"/>
+              <a:buNone/>
+              <a:defRPr kumimoji="1" sz="1600" kern="1200">
+                <a:solidFill>
+                  <a:schemeClr val="tx1"/>
+                </a:solidFill>
+                <a:latin typeface="+mn-lt"/>
+                <a:ea typeface="+mn-ea"/>
+                <a:cs typeface="+mn-cs"/>
+              </a:defRPr>
+            </a:lvl9pPr>
+          </a:lstStyle>
+          <a:p>
+            <a:pPr>
+              <a:lnSpc>
+                <a:spcPct val="125000"/>
+              </a:lnSpc>
+            </a:pPr>
+            <a:r>
+              <a:rPr lang="ja-JP" altLang="en-US" sz="4000" b="1" dirty="0">
+                <a:solidFill>
+                  <a:schemeClr val="tx1">
+                    <a:lumMod val="65000"/>
+                    <a:lumOff val="35000"/>
+                  </a:schemeClr>
+                </a:solidFill>
+                <a:latin typeface="HG丸ｺﾞｼｯｸM-PRO" panose="020F0600000000000000" pitchFamily="50" charset="-128"/>
+                <a:ea typeface="HG丸ｺﾞｼｯｸM-PRO" panose="020F0600000000000000" pitchFamily="50" charset="-128"/>
+              </a:rPr>
+              <a:t>検索</a:t>
+            </a:r>
+            <a:br>
+              <a:rPr lang="en-US" altLang="ja-JP" sz="4000" b="1" dirty="0">
+                <a:solidFill>
+                  <a:schemeClr val="tx1">
+                    <a:lumMod val="65000"/>
+                    <a:lumOff val="35000"/>
+                  </a:schemeClr>
+                </a:solidFill>
+                <a:latin typeface="HG丸ｺﾞｼｯｸM-PRO" panose="020F0600000000000000" pitchFamily="50" charset="-128"/>
+                <a:ea typeface="HG丸ｺﾞｼｯｸM-PRO" panose="020F0600000000000000" pitchFamily="50" charset="-128"/>
+              </a:rPr>
+            </a:br>
+            <a:r>
+              <a:rPr lang="ja-JP" altLang="en-US" sz="4000" b="1" dirty="0">
+                <a:solidFill>
+                  <a:schemeClr val="tx1">
+                    <a:lumMod val="65000"/>
+                    <a:lumOff val="35000"/>
+                  </a:schemeClr>
+                </a:solidFill>
+                <a:latin typeface="HG丸ｺﾞｼｯｸM-PRO" panose="020F0600000000000000" pitchFamily="50" charset="-128"/>
+                <a:ea typeface="HG丸ｺﾞｼｯｸM-PRO" panose="020F0600000000000000" pitchFamily="50" charset="-128"/>
+              </a:rPr>
+              <a:t>追加</a:t>
+            </a:r>
+            <a:br>
+              <a:rPr lang="en-US" altLang="ja-JP" sz="4000" b="1" dirty="0">
+                <a:solidFill>
+                  <a:schemeClr val="tx1">
+                    <a:lumMod val="65000"/>
+                    <a:lumOff val="35000"/>
+                  </a:schemeClr>
+                </a:solidFill>
+                <a:latin typeface="HG丸ｺﾞｼｯｸM-PRO" panose="020F0600000000000000" pitchFamily="50" charset="-128"/>
+                <a:ea typeface="HG丸ｺﾞｼｯｸM-PRO" panose="020F0600000000000000" pitchFamily="50" charset="-128"/>
+              </a:rPr>
+            </a:br>
+            <a:r>
+              <a:rPr lang="ja-JP" altLang="en-US" sz="4000" b="1" dirty="0">
+                <a:solidFill>
+                  <a:schemeClr val="tx1">
+                    <a:lumMod val="65000"/>
+                    <a:lumOff val="35000"/>
+                  </a:schemeClr>
+                </a:solidFill>
+                <a:latin typeface="HG丸ｺﾞｼｯｸM-PRO" panose="020F0600000000000000" pitchFamily="50" charset="-128"/>
+                <a:ea typeface="HG丸ｺﾞｼｯｸM-PRO" panose="020F0600000000000000" pitchFamily="50" charset="-128"/>
+              </a:rPr>
+              <a:t>編集</a:t>
+            </a:r>
+            <a:br>
+              <a:rPr lang="en-US" altLang="ja-JP" sz="4000" b="1" dirty="0">
+                <a:solidFill>
+                  <a:schemeClr val="tx1">
+                    <a:lumMod val="65000"/>
+                    <a:lumOff val="35000"/>
+                  </a:schemeClr>
+                </a:solidFill>
+                <a:latin typeface="HG丸ｺﾞｼｯｸM-PRO" panose="020F0600000000000000" pitchFamily="50" charset="-128"/>
+                <a:ea typeface="HG丸ｺﾞｼｯｸM-PRO" panose="020F0600000000000000" pitchFamily="50" charset="-128"/>
+              </a:rPr>
+            </a:br>
+            <a:r>
+              <a:rPr lang="ja-JP" altLang="en-US" sz="4000" b="1" dirty="0">
+                <a:solidFill>
+                  <a:schemeClr val="tx1">
+                    <a:lumMod val="65000"/>
+                    <a:lumOff val="35000"/>
+                  </a:schemeClr>
+                </a:solidFill>
+                <a:latin typeface="HG丸ｺﾞｼｯｸM-PRO" panose="020F0600000000000000" pitchFamily="50" charset="-128"/>
+                <a:ea typeface="HG丸ｺﾞｼｯｸM-PRO" panose="020F0600000000000000" pitchFamily="50" charset="-128"/>
+              </a:rPr>
+              <a:t>削除</a:t>
+            </a:r>
+            <a:br>
+              <a:rPr lang="en-US" altLang="ja-JP" sz="4000" b="1" dirty="0">
+                <a:solidFill>
+                  <a:schemeClr val="tx1">
+                    <a:lumMod val="65000"/>
+                    <a:lumOff val="35000"/>
+                  </a:schemeClr>
+                </a:solidFill>
+                <a:latin typeface="HG丸ｺﾞｼｯｸM-PRO" panose="020F0600000000000000" pitchFamily="50" charset="-128"/>
+                <a:ea typeface="HG丸ｺﾞｼｯｸM-PRO" panose="020F0600000000000000" pitchFamily="50" charset="-128"/>
+              </a:rPr>
+            </a:br>
+            <a:endParaRPr lang="en-US" altLang="ja-JP" sz="4000" b="1" dirty="0">
+              <a:solidFill>
+                <a:schemeClr val="tx1">
+                  <a:lumMod val="65000"/>
+                  <a:lumOff val="35000"/>
+                </a:schemeClr>
+              </a:solidFill>
+              <a:latin typeface="HG丸ｺﾞｼｯｸM-PRO" panose="020F0600000000000000" pitchFamily="50" charset="-128"/>
+              <a:ea typeface="HG丸ｺﾞｼｯｸM-PRO" panose="020F0600000000000000" pitchFamily="50" charset="-128"/>
+            </a:endParaRPr>
+          </a:p>
+          <a:p>
+            <a:pPr algn="r">
+              <a:lnSpc>
+                <a:spcPct val="125000"/>
+              </a:lnSpc>
+            </a:pPr>
+            <a:endParaRPr lang="en-US" altLang="ja-JP" sz="4000" dirty="0">
+              <a:solidFill>
+                <a:schemeClr val="tx1">
+                  <a:lumMod val="65000"/>
+                  <a:lumOff val="35000"/>
+                </a:schemeClr>
+              </a:solidFill>
+            </a:endParaRPr>
+          </a:p>
+        </p:txBody>
+      </p:sp>
     </p:spTree>
     <p:extLst>
       <p:ext uri="{BB962C8B-B14F-4D97-AF65-F5344CB8AC3E}">
@@ -10492,344 +11168,6 @@
   <p:clrMapOvr>
     <a:masterClrMapping/>
   </p:clrMapOvr>
-  <p:timing>
-    <p:tnLst>
-      <p:par>
-        <p:cTn id="1" dur="indefinite" restart="never" nodeType="tmRoot">
-          <p:childTnLst>
-            <p:seq concurrent="1" nextAc="seek">
-              <p:cTn id="2" dur="indefinite" nodeType="mainSeq">
-                <p:childTnLst>
-                  <p:par>
-                    <p:cTn id="3" fill="hold">
-                      <p:stCondLst>
-                        <p:cond delay="indefinite"/>
-                      </p:stCondLst>
-                      <p:childTnLst>
-                        <p:par>
-                          <p:cTn id="4" fill="hold">
-                            <p:stCondLst>
-                              <p:cond delay="0"/>
-                            </p:stCondLst>
-                            <p:childTnLst>
-                              <p:par>
-                                <p:cTn id="5" presetID="2" presetClass="entr" presetSubtype="4" fill="hold" nodeType="clickEffect">
-                                  <p:stCondLst>
-                                    <p:cond delay="0"/>
-                                  </p:stCondLst>
-                                  <p:childTnLst>
-                                    <p:set>
-                                      <p:cBhvr>
-                                        <p:cTn id="6" dur="1" fill="hold">
-                                          <p:stCondLst>
-                                            <p:cond delay="0"/>
-                                          </p:stCondLst>
-                                        </p:cTn>
-                                        <p:tgtEl>
-                                          <p:spTgt spid="11"/>
-                                        </p:tgtEl>
-                                        <p:attrNameLst>
-                                          <p:attrName>style.visibility</p:attrName>
-                                        </p:attrNameLst>
-                                      </p:cBhvr>
-                                      <p:to>
-                                        <p:strVal val="visible"/>
-                                      </p:to>
-                                    </p:set>
-                                    <p:anim calcmode="lin" valueType="num">
-                                      <p:cBhvr additive="base">
-                                        <p:cTn id="7" dur="500" fill="hold"/>
-                                        <p:tgtEl>
-                                          <p:spTgt spid="11"/>
-                                        </p:tgtEl>
-                                        <p:attrNameLst>
-                                          <p:attrName>ppt_x</p:attrName>
-                                        </p:attrNameLst>
-                                      </p:cBhvr>
-                                      <p:tavLst>
-                                        <p:tav tm="0">
-                                          <p:val>
-                                            <p:strVal val="#ppt_x"/>
-                                          </p:val>
-                                        </p:tav>
-                                        <p:tav tm="100000">
-                                          <p:val>
-                                            <p:strVal val="#ppt_x"/>
-                                          </p:val>
-                                        </p:tav>
-                                      </p:tavLst>
-                                    </p:anim>
-                                    <p:anim calcmode="lin" valueType="num">
-                                      <p:cBhvr additive="base">
-                                        <p:cTn id="8" dur="500" fill="hold"/>
-                                        <p:tgtEl>
-                                          <p:spTgt spid="11"/>
-                                        </p:tgtEl>
-                                        <p:attrNameLst>
-                                          <p:attrName>ppt_y</p:attrName>
-                                        </p:attrNameLst>
-                                      </p:cBhvr>
-                                      <p:tavLst>
-                                        <p:tav tm="0">
-                                          <p:val>
-                                            <p:strVal val="1+#ppt_h/2"/>
-                                          </p:val>
-                                        </p:tav>
-                                        <p:tav tm="100000">
-                                          <p:val>
-                                            <p:strVal val="#ppt_y"/>
-                                          </p:val>
-                                        </p:tav>
-                                      </p:tavLst>
-                                    </p:anim>
-                                  </p:childTnLst>
-                                </p:cTn>
-                              </p:par>
-                            </p:childTnLst>
-                          </p:cTn>
-                        </p:par>
-                        <p:par>
-                          <p:cTn id="9" fill="hold">
-                            <p:stCondLst>
-                              <p:cond delay="500"/>
-                            </p:stCondLst>
-                            <p:childTnLst>
-                              <p:par>
-                                <p:cTn id="10" presetID="2" presetClass="entr" presetSubtype="4" fill="hold" nodeType="afterEffect">
-                                  <p:stCondLst>
-                                    <p:cond delay="0"/>
-                                  </p:stCondLst>
-                                  <p:childTnLst>
-                                    <p:set>
-                                      <p:cBhvr>
-                                        <p:cTn id="11" dur="1" fill="hold">
-                                          <p:stCondLst>
-                                            <p:cond delay="0"/>
-                                          </p:stCondLst>
-                                        </p:cTn>
-                                        <p:tgtEl>
-                                          <p:spTgt spid="12"/>
-                                        </p:tgtEl>
-                                        <p:attrNameLst>
-                                          <p:attrName>style.visibility</p:attrName>
-                                        </p:attrNameLst>
-                                      </p:cBhvr>
-                                      <p:to>
-                                        <p:strVal val="visible"/>
-                                      </p:to>
-                                    </p:set>
-                                    <p:anim calcmode="lin" valueType="num">
-                                      <p:cBhvr additive="base">
-                                        <p:cTn id="12" dur="500" fill="hold"/>
-                                        <p:tgtEl>
-                                          <p:spTgt spid="12"/>
-                                        </p:tgtEl>
-                                        <p:attrNameLst>
-                                          <p:attrName>ppt_x</p:attrName>
-                                        </p:attrNameLst>
-                                      </p:cBhvr>
-                                      <p:tavLst>
-                                        <p:tav tm="0">
-                                          <p:val>
-                                            <p:strVal val="#ppt_x"/>
-                                          </p:val>
-                                        </p:tav>
-                                        <p:tav tm="100000">
-                                          <p:val>
-                                            <p:strVal val="#ppt_x"/>
-                                          </p:val>
-                                        </p:tav>
-                                      </p:tavLst>
-                                    </p:anim>
-                                    <p:anim calcmode="lin" valueType="num">
-                                      <p:cBhvr additive="base">
-                                        <p:cTn id="13" dur="500" fill="hold"/>
-                                        <p:tgtEl>
-                                          <p:spTgt spid="12"/>
-                                        </p:tgtEl>
-                                        <p:attrNameLst>
-                                          <p:attrName>ppt_y</p:attrName>
-                                        </p:attrNameLst>
-                                      </p:cBhvr>
-                                      <p:tavLst>
-                                        <p:tav tm="0">
-                                          <p:val>
-                                            <p:strVal val="1+#ppt_h/2"/>
-                                          </p:val>
-                                        </p:tav>
-                                        <p:tav tm="100000">
-                                          <p:val>
-                                            <p:strVal val="#ppt_y"/>
-                                          </p:val>
-                                        </p:tav>
-                                      </p:tavLst>
-                                    </p:anim>
-                                  </p:childTnLst>
-                                </p:cTn>
-                              </p:par>
-                            </p:childTnLst>
-                          </p:cTn>
-                        </p:par>
-                        <p:par>
-                          <p:cTn id="14" fill="hold">
-                            <p:stCondLst>
-                              <p:cond delay="1000"/>
-                            </p:stCondLst>
-                            <p:childTnLst>
-                              <p:par>
-                                <p:cTn id="15" presetID="2" presetClass="entr" presetSubtype="4" fill="hold" nodeType="afterEffect">
-                                  <p:stCondLst>
-                                    <p:cond delay="0"/>
-                                  </p:stCondLst>
-                                  <p:childTnLst>
-                                    <p:set>
-                                      <p:cBhvr>
-                                        <p:cTn id="16" dur="1" fill="hold">
-                                          <p:stCondLst>
-                                            <p:cond delay="0"/>
-                                          </p:stCondLst>
-                                        </p:cTn>
-                                        <p:tgtEl>
-                                          <p:spTgt spid="13"/>
-                                        </p:tgtEl>
-                                        <p:attrNameLst>
-                                          <p:attrName>style.visibility</p:attrName>
-                                        </p:attrNameLst>
-                                      </p:cBhvr>
-                                      <p:to>
-                                        <p:strVal val="visible"/>
-                                      </p:to>
-                                    </p:set>
-                                    <p:anim calcmode="lin" valueType="num">
-                                      <p:cBhvr additive="base">
-                                        <p:cTn id="17" dur="500" fill="hold"/>
-                                        <p:tgtEl>
-                                          <p:spTgt spid="13"/>
-                                        </p:tgtEl>
-                                        <p:attrNameLst>
-                                          <p:attrName>ppt_x</p:attrName>
-                                        </p:attrNameLst>
-                                      </p:cBhvr>
-                                      <p:tavLst>
-                                        <p:tav tm="0">
-                                          <p:val>
-                                            <p:strVal val="#ppt_x"/>
-                                          </p:val>
-                                        </p:tav>
-                                        <p:tav tm="100000">
-                                          <p:val>
-                                            <p:strVal val="#ppt_x"/>
-                                          </p:val>
-                                        </p:tav>
-                                      </p:tavLst>
-                                    </p:anim>
-                                    <p:anim calcmode="lin" valueType="num">
-                                      <p:cBhvr additive="base">
-                                        <p:cTn id="18" dur="500" fill="hold"/>
-                                        <p:tgtEl>
-                                          <p:spTgt spid="13"/>
-                                        </p:tgtEl>
-                                        <p:attrNameLst>
-                                          <p:attrName>ppt_y</p:attrName>
-                                        </p:attrNameLst>
-                                      </p:cBhvr>
-                                      <p:tavLst>
-                                        <p:tav tm="0">
-                                          <p:val>
-                                            <p:strVal val="1+#ppt_h/2"/>
-                                          </p:val>
-                                        </p:tav>
-                                        <p:tav tm="100000">
-                                          <p:val>
-                                            <p:strVal val="#ppt_y"/>
-                                          </p:val>
-                                        </p:tav>
-                                      </p:tavLst>
-                                    </p:anim>
-                                  </p:childTnLst>
-                                </p:cTn>
-                              </p:par>
-                            </p:childTnLst>
-                          </p:cTn>
-                        </p:par>
-                      </p:childTnLst>
-                    </p:cTn>
-                  </p:par>
-                  <p:par>
-                    <p:cTn id="19" fill="hold">
-                      <p:stCondLst>
-                        <p:cond delay="indefinite"/>
-                      </p:stCondLst>
-                      <p:childTnLst>
-                        <p:par>
-                          <p:cTn id="20" fill="hold">
-                            <p:stCondLst>
-                              <p:cond delay="0"/>
-                            </p:stCondLst>
-                            <p:childTnLst>
-                              <p:par>
-                                <p:cTn id="21" presetID="21" presetClass="entr" presetSubtype="1" fill="hold" nodeType="clickEffect">
-                                  <p:stCondLst>
-                                    <p:cond delay="0"/>
-                                  </p:stCondLst>
-                                  <p:childTnLst>
-                                    <p:set>
-                                      <p:cBhvr>
-                                        <p:cTn id="22" dur="1" fill="hold">
-                                          <p:stCondLst>
-                                            <p:cond delay="0"/>
-                                          </p:stCondLst>
-                                        </p:cTn>
-                                        <p:tgtEl>
-                                          <p:spTgt spid="7"/>
-                                        </p:tgtEl>
-                                        <p:attrNameLst>
-                                          <p:attrName>style.visibility</p:attrName>
-                                        </p:attrNameLst>
-                                      </p:cBhvr>
-                                      <p:to>
-                                        <p:strVal val="visible"/>
-                                      </p:to>
-                                    </p:set>
-                                    <p:animEffect transition="in" filter="wheel(1)">
-                                      <p:cBhvr>
-                                        <p:cTn id="23" dur="2000"/>
-                                        <p:tgtEl>
-                                          <p:spTgt spid="7"/>
-                                        </p:tgtEl>
-                                      </p:cBhvr>
-                                    </p:animEffect>
-                                  </p:childTnLst>
-                                </p:cTn>
-                              </p:par>
-                            </p:childTnLst>
-                          </p:cTn>
-                        </p:par>
-                      </p:childTnLst>
-                    </p:cTn>
-                  </p:par>
-                </p:childTnLst>
-              </p:cTn>
-              <p:prevCondLst>
-                <p:cond evt="onPrev" delay="0">
-                  <p:tgtEl>
-                    <p:sldTgt/>
-                  </p:tgtEl>
-                </p:cond>
-              </p:prevCondLst>
-              <p:nextCondLst>
-                <p:cond evt="onNext" delay="0">
-                  <p:tgtEl>
-                    <p:sldTgt/>
-                  </p:tgtEl>
-                </p:cond>
-              </p:nextCondLst>
-            </p:seq>
-          </p:childTnLst>
-        </p:cTn>
-      </p:par>
-    </p:tnLst>
-  </p:timing>
 </p:sld>
 </file>
 
@@ -10908,6 +11246,12 @@
           <a:p>
             <a:r>
               <a:rPr kumimoji="1" lang="ja-JP" altLang="en-US" dirty="0">
+                <a:solidFill>
+                  <a:schemeClr val="tx1">
+                    <a:lumMod val="65000"/>
+                    <a:lumOff val="35000"/>
+                  </a:schemeClr>
+                </a:solidFill>
                 <a:latin typeface="HG丸ｺﾞｼｯｸM-PRO" panose="020F0600000000000000" pitchFamily="50" charset="-128"/>
                 <a:ea typeface="HG丸ｺﾞｼｯｸM-PRO" panose="020F0600000000000000" pitchFamily="50" charset="-128"/>
               </a:rPr>
@@ -10940,12 +11284,24 @@
           <a:p>
             <a:r>
               <a:rPr lang="ja-JP" altLang="en-US" sz="4800" dirty="0">
+                <a:solidFill>
+                  <a:schemeClr val="tx1">
+                    <a:lumMod val="65000"/>
+                    <a:lumOff val="35000"/>
+                  </a:schemeClr>
+                </a:solidFill>
                 <a:latin typeface="HG丸ｺﾞｼｯｸM-PRO" panose="020F0600000000000000" pitchFamily="50" charset="-128"/>
                 <a:ea typeface="HG丸ｺﾞｼｯｸM-PRO" panose="020F0600000000000000" pitchFamily="50" charset="-128"/>
               </a:rPr>
               <a:t>バックエンドとフロントエンドの分離</a:t>
             </a:r>
             <a:endParaRPr lang="en-US" altLang="ja-JP" sz="4800" dirty="0">
+              <a:solidFill>
+                <a:schemeClr val="tx1">
+                  <a:lumMod val="65000"/>
+                  <a:lumOff val="35000"/>
+                </a:schemeClr>
+              </a:solidFill>
               <a:latin typeface="HG丸ｺﾞｼｯｸM-PRO" panose="020F0600000000000000" pitchFamily="50" charset="-128"/>
               <a:ea typeface="HG丸ｺﾞｼｯｸM-PRO" panose="020F0600000000000000" pitchFamily="50" charset="-128"/>
             </a:endParaRPr>
@@ -10953,12 +11309,24 @@
           <a:p>
             <a:r>
               <a:rPr lang="ja-JP" altLang="en-US" sz="4800" dirty="0">
+                <a:solidFill>
+                  <a:schemeClr val="tx1">
+                    <a:lumMod val="65000"/>
+                    <a:lumOff val="35000"/>
+                  </a:schemeClr>
+                </a:solidFill>
                 <a:latin typeface="HG丸ｺﾞｼｯｸM-PRO" panose="020F0600000000000000" pitchFamily="50" charset="-128"/>
                 <a:ea typeface="HG丸ｺﾞｼｯｸM-PRO" panose="020F0600000000000000" pitchFamily="50" charset="-128"/>
               </a:rPr>
               <a:t>マルチプラットフォーム</a:t>
             </a:r>
             <a:endParaRPr lang="en-US" altLang="ja-JP" sz="4800" dirty="0">
+              <a:solidFill>
+                <a:schemeClr val="tx1">
+                  <a:lumMod val="65000"/>
+                  <a:lumOff val="35000"/>
+                </a:schemeClr>
+              </a:solidFill>
               <a:latin typeface="HG丸ｺﾞｼｯｸM-PRO" panose="020F0600000000000000" pitchFamily="50" charset="-128"/>
               <a:ea typeface="HG丸ｺﾞｼｯｸM-PRO" panose="020F0600000000000000" pitchFamily="50" charset="-128"/>
             </a:endParaRPr>
@@ -10966,12 +11334,24 @@
           <a:p>
             <a:r>
               <a:rPr lang="en-US" altLang="ja-JP" sz="4800" dirty="0">
+                <a:solidFill>
+                  <a:schemeClr val="tx1">
+                    <a:lumMod val="65000"/>
+                    <a:lumOff val="35000"/>
+                  </a:schemeClr>
+                </a:solidFill>
                 <a:latin typeface="HG丸ｺﾞｼｯｸM-PRO" panose="020F0600000000000000" pitchFamily="50" charset="-128"/>
                 <a:ea typeface="HG丸ｺﾞｼｯｸM-PRO" panose="020F0600000000000000" pitchFamily="50" charset="-128"/>
               </a:rPr>
               <a:t>REST API</a:t>
             </a:r>
             <a:endParaRPr kumimoji="1" lang="en-US" altLang="ja-JP" sz="4800" dirty="0">
+              <a:solidFill>
+                <a:schemeClr val="tx1">
+                  <a:lumMod val="65000"/>
+                  <a:lumOff val="35000"/>
+                </a:schemeClr>
+              </a:solidFill>
               <a:latin typeface="HG丸ｺﾞｼｯｸM-PRO" panose="020F0600000000000000" pitchFamily="50" charset="-128"/>
               <a:ea typeface="HG丸ｺﾞｼｯｸM-PRO" panose="020F0600000000000000" pitchFamily="50" charset="-128"/>
             </a:endParaRPr>
@@ -11044,49 +11424,69 @@
           </a:prstGeom>
         </p:spPr>
       </p:pic>
-      <p:pic>
-        <p:nvPicPr>
-          <p:cNvPr id="13" name="図 12">
+      <p:sp>
+        <p:nvSpPr>
+          <p:cNvPr id="3" name="四角形: 角を丸くする 2">
             <a:extLst>
               <a:ext uri="{FF2B5EF4-FFF2-40B4-BE49-F238E27FC236}">
-                <a16:creationId xmlns:a16="http://schemas.microsoft.com/office/drawing/2014/main" id="{05054DAA-9621-4E8B-80AE-20184A04B7F5}"/>
+                <a16:creationId xmlns:a16="http://schemas.microsoft.com/office/drawing/2014/main" id="{957373ED-851A-4A93-A7C4-3C68C24B99AD}"/>
               </a:ext>
             </a:extLst>
           </p:cNvPr>
-          <p:cNvPicPr>
-            <a:picLocks noChangeAspect="1"/>
-          </p:cNvPicPr>
+          <p:cNvSpPr/>
           <p:nvPr/>
-        </p:nvPicPr>
-        <p:blipFill>
-          <a:blip r:embed="rId4">
-            <a:extLst>
-              <a:ext uri="{28A0092B-C50C-407E-A947-70E740481C1C}">
-                <a14:useLocalDpi xmlns:a14="http://schemas.microsoft.com/office/drawing/2010/main" val="0"/>
-              </a:ext>
-            </a:extLst>
-          </a:blip>
-          <a:stretch>
-            <a:fillRect/>
-          </a:stretch>
-        </p:blipFill>
+        </p:nvSpPr>
         <p:spPr>
           <a:xfrm>
-            <a:off x="3807502" y="1853083"/>
-            <a:ext cx="7806122" cy="4703791"/>
+            <a:off x="3510057" y="1853084"/>
+            <a:ext cx="7794885" cy="4742588"/>
           </a:xfrm>
-          <a:prstGeom prst="rect">
+          <a:prstGeom prst="roundRect">
             <a:avLst/>
           </a:prstGeom>
-          <a:effectLst>
-            <a:outerShdw blurRad="50800" dist="38100" dir="2700000" algn="tl" rotWithShape="0">
-              <a:prstClr val="black">
-                <a:alpha val="40000"/>
-              </a:prstClr>
-            </a:outerShdw>
-          </a:effectLst>
+          <a:gradFill>
+            <a:gsLst>
+              <a:gs pos="0">
+                <a:srgbClr val="B7DBFF"/>
+              </a:gs>
+              <a:gs pos="65000">
+                <a:srgbClr val="BCFFBC"/>
+              </a:gs>
+              <a:gs pos="100000">
+                <a:srgbClr val="DDFFBC"/>
+              </a:gs>
+            </a:gsLst>
+            <a:lin ang="2700000" scaled="1"/>
+          </a:gradFill>
+          <a:ln>
+            <a:noFill/>
+          </a:ln>
         </p:spPr>
-      </p:pic>
+        <p:style>
+          <a:lnRef idx="2">
+            <a:schemeClr val="accent1">
+              <a:shade val="50000"/>
+            </a:schemeClr>
+          </a:lnRef>
+          <a:fillRef idx="1">
+            <a:schemeClr val="accent1"/>
+          </a:fillRef>
+          <a:effectRef idx="0">
+            <a:schemeClr val="accent1"/>
+          </a:effectRef>
+          <a:fontRef idx="minor">
+            <a:schemeClr val="lt1"/>
+          </a:fontRef>
+        </p:style>
+        <p:txBody>
+          <a:bodyPr rtlCol="0" anchor="ctr"/>
+          <a:lstStyle/>
+          <a:p>
+            <a:pPr algn="ctr"/>
+            <a:endParaRPr kumimoji="1" lang="ja-JP" altLang="en-US"/>
+          </a:p>
+        </p:txBody>
+      </p:sp>
       <p:sp>
         <p:nvSpPr>
           <p:cNvPr id="2" name="タイトル 1"/>
@@ -11109,6 +11509,12 @@
           <a:p>
             <a:r>
               <a:rPr kumimoji="1" lang="ja-JP" altLang="en-US" dirty="0">
+                <a:solidFill>
+                  <a:schemeClr val="tx1">
+                    <a:lumMod val="65000"/>
+                    <a:lumOff val="35000"/>
+                  </a:schemeClr>
+                </a:solidFill>
                 <a:latin typeface="HG丸ｺﾞｼｯｸM-PRO" panose="020F0600000000000000" pitchFamily="50" charset="-128"/>
                 <a:ea typeface="HG丸ｺﾞｼｯｸM-PRO" panose="020F0600000000000000" pitchFamily="50" charset="-128"/>
               </a:rPr>
@@ -11184,7 +11590,10 @@
                   <a:noFill/>
                 </a:ln>
                 <a:solidFill>
-                  <a:prstClr val="black"/>
+                  <a:schemeClr val="tx1">
+                    <a:lumMod val="65000"/>
+                    <a:lumOff val="35000"/>
+                  </a:schemeClr>
                 </a:solidFill>
                 <a:effectLst/>
                 <a:uLnTx/>
@@ -11200,7 +11609,10 @@
                   <a:noFill/>
                 </a:ln>
                 <a:solidFill>
-                  <a:prstClr val="black"/>
+                  <a:schemeClr val="tx1">
+                    <a:lumMod val="65000"/>
+                    <a:lumOff val="35000"/>
+                  </a:schemeClr>
                 </a:solidFill>
                 <a:effectLst/>
                 <a:uLnTx/>
@@ -11215,7 +11627,10 @@
                   <a:noFill/>
                 </a:ln>
                 <a:solidFill>
-                  <a:prstClr val="black"/>
+                  <a:schemeClr val="tx1">
+                    <a:lumMod val="65000"/>
+                    <a:lumOff val="35000"/>
+                  </a:schemeClr>
                 </a:solidFill>
                 <a:effectLst/>
                 <a:uLnTx/>
@@ -11230,7 +11645,10 @@
                 <a:noFill/>
               </a:ln>
               <a:solidFill>
-                <a:prstClr val="black"/>
+                <a:schemeClr val="tx1">
+                  <a:lumMod val="65000"/>
+                  <a:lumOff val="35000"/>
+                </a:schemeClr>
               </a:solidFill>
               <a:effectLst/>
               <a:uLnTx/>
@@ -11308,7 +11726,10 @@
                   <a:noFill/>
                 </a:ln>
                 <a:solidFill>
-                  <a:prstClr val="black"/>
+                  <a:schemeClr val="tx1">
+                    <a:lumMod val="65000"/>
+                    <a:lumOff val="35000"/>
+                  </a:schemeClr>
                 </a:solidFill>
                 <a:effectLst/>
                 <a:uLnTx/>
@@ -11323,7 +11744,10 @@
                 <a:noFill/>
               </a:ln>
               <a:solidFill>
-                <a:prstClr val="black"/>
+                <a:schemeClr val="tx1">
+                  <a:lumMod val="65000"/>
+                  <a:lumOff val="35000"/>
+                </a:schemeClr>
               </a:solidFill>
               <a:effectLst/>
               <a:uLnTx/>
@@ -11401,7 +11825,10 @@
                   <a:noFill/>
                 </a:ln>
                 <a:solidFill>
-                  <a:prstClr val="black"/>
+                  <a:schemeClr val="tx1">
+                    <a:lumMod val="65000"/>
+                    <a:lumOff val="35000"/>
+                  </a:schemeClr>
                 </a:solidFill>
                 <a:effectLst/>
                 <a:uLnTx/>
@@ -11416,7 +11843,10 @@
                 <a:noFill/>
               </a:ln>
               <a:solidFill>
-                <a:prstClr val="black"/>
+                <a:schemeClr val="tx1">
+                  <a:lumMod val="65000"/>
+                  <a:lumOff val="35000"/>
+                </a:schemeClr>
               </a:solidFill>
               <a:effectLst/>
               <a:uLnTx/>
@@ -11494,7 +11924,10 @@
                   <a:noFill/>
                 </a:ln>
                 <a:solidFill>
-                  <a:prstClr val="black"/>
+                  <a:schemeClr val="tx1">
+                    <a:lumMod val="65000"/>
+                    <a:lumOff val="35000"/>
+                  </a:schemeClr>
                 </a:solidFill>
                 <a:effectLst/>
                 <a:uLnTx/>
@@ -11509,7 +11942,10 @@
                 <a:noFill/>
               </a:ln>
               <a:solidFill>
-                <a:prstClr val="black"/>
+                <a:schemeClr val="tx1">
+                  <a:lumMod val="65000"/>
+                  <a:lumOff val="35000"/>
+                </a:schemeClr>
               </a:solidFill>
               <a:effectLst/>
               <a:uLnTx/>
@@ -11587,7 +12023,10 @@
                   <a:noFill/>
                 </a:ln>
                 <a:solidFill>
-                  <a:prstClr val="black"/>
+                  <a:schemeClr val="tx1">
+                    <a:lumMod val="65000"/>
+                    <a:lumOff val="35000"/>
+                  </a:schemeClr>
                 </a:solidFill>
                 <a:effectLst/>
                 <a:uLnTx/>
@@ -11666,7 +12105,10 @@
                 <a:noFill/>
               </a:ln>
               <a:solidFill>
-                <a:prstClr val="black"/>
+                <a:schemeClr val="tx1">
+                  <a:lumMod val="65000"/>
+                  <a:lumOff val="35000"/>
+                </a:schemeClr>
               </a:solidFill>
               <a:effectLst/>
               <a:uLnTx/>
@@ -11745,7 +12187,10 @@
                   <a:noFill/>
                 </a:ln>
                 <a:solidFill>
-                  <a:prstClr val="black"/>
+                  <a:schemeClr val="tx1">
+                    <a:lumMod val="65000"/>
+                    <a:lumOff val="35000"/>
+                  </a:schemeClr>
                 </a:solidFill>
                 <a:effectLst/>
                 <a:uLnTx/>
@@ -11760,7 +12205,10 @@
                 <a:noFill/>
               </a:ln>
               <a:solidFill>
-                <a:prstClr val="black"/>
+                <a:schemeClr val="tx1">
+                  <a:lumMod val="65000"/>
+                  <a:lumOff val="35000"/>
+                </a:schemeClr>
               </a:solidFill>
               <a:effectLst/>
               <a:uLnTx/>
@@ -11820,12 +12268,24 @@
           <a:p>
             <a:r>
               <a:rPr lang="en-US" altLang="ja-JP" sz="4000" dirty="0">
+                <a:solidFill>
+                  <a:schemeClr val="tx1">
+                    <a:lumMod val="65000"/>
+                    <a:lumOff val="35000"/>
+                  </a:schemeClr>
+                </a:solidFill>
                 <a:latin typeface="HG丸ｺﾞｼｯｸM-PRO" panose="020F0600000000000000" pitchFamily="50" charset="-128"/>
                 <a:ea typeface="HG丸ｺﾞｼｯｸM-PRO" panose="020F0600000000000000" pitchFamily="50" charset="-128"/>
               </a:rPr>
               <a:t>XAMPP</a:t>
             </a:r>
             <a:endParaRPr lang="ja-JP" altLang="en-US" sz="4000" dirty="0">
+              <a:solidFill>
+                <a:schemeClr val="tx1">
+                  <a:lumMod val="65000"/>
+                  <a:lumOff val="35000"/>
+                </a:schemeClr>
+              </a:solidFill>
               <a:latin typeface="HG丸ｺﾞｼｯｸM-PRO" panose="020F0600000000000000" pitchFamily="50" charset="-128"/>
               <a:ea typeface="HG丸ｺﾞｼｯｸM-PRO" panose="020F0600000000000000" pitchFamily="50" charset="-128"/>
             </a:endParaRPr>
@@ -11920,12 +12380,24 @@
           <a:p>
             <a:r>
               <a:rPr lang="ja-JP" altLang="en-US" dirty="0">
+                <a:solidFill>
+                  <a:schemeClr val="tx1">
+                    <a:lumMod val="65000"/>
+                    <a:lumOff val="35000"/>
+                  </a:schemeClr>
+                </a:solidFill>
                 <a:latin typeface="HG丸ｺﾞｼｯｸM-PRO" panose="020F0600000000000000" pitchFamily="50" charset="-128"/>
                 <a:ea typeface="HG丸ｺﾞｼｯｸM-PRO" panose="020F0600000000000000" pitchFamily="50" charset="-128"/>
               </a:rPr>
               <a:t>製品  デモ</a:t>
             </a:r>
             <a:endParaRPr kumimoji="1" lang="ja-JP" altLang="en-US" dirty="0">
+              <a:solidFill>
+                <a:schemeClr val="tx1">
+                  <a:lumMod val="65000"/>
+                  <a:lumOff val="35000"/>
+                </a:schemeClr>
+              </a:solidFill>
               <a:latin typeface="HG丸ｺﾞｼｯｸM-PRO" panose="020F0600000000000000" pitchFamily="50" charset="-128"/>
               <a:ea typeface="HG丸ｺﾞｼｯｸM-PRO" panose="020F0600000000000000" pitchFamily="50" charset="-128"/>
             </a:endParaRPr>
@@ -11953,7 +12425,14 @@
           <a:bodyPr/>
           <a:lstStyle/>
           <a:p>
-            <a:endParaRPr kumimoji="1" lang="ja-JP" altLang="en-US"/>
+            <a:endParaRPr kumimoji="1" lang="ja-JP" altLang="en-US">
+              <a:solidFill>
+                <a:schemeClr val="tx1">
+                  <a:lumMod val="65000"/>
+                  <a:lumOff val="35000"/>
+                </a:schemeClr>
+              </a:solidFill>
+            </a:endParaRPr>
           </a:p>
         </p:txBody>
       </p:sp>
@@ -12045,6 +12524,12 @@
           <a:p>
             <a:r>
               <a:rPr kumimoji="1" lang="ja-JP" altLang="en-US" dirty="0">
+                <a:solidFill>
+                  <a:schemeClr val="tx1">
+                    <a:lumMod val="65000"/>
+                    <a:lumOff val="35000"/>
+                  </a:schemeClr>
+                </a:solidFill>
                 <a:latin typeface="HG丸ｺﾞｼｯｸM-PRO" panose="020F0600000000000000" pitchFamily="50" charset="-128"/>
                 <a:ea typeface="HG丸ｺﾞｼｯｸM-PRO" panose="020F0600000000000000" pitchFamily="50" charset="-128"/>
               </a:rPr>
@@ -12254,7 +12739,10 @@
                   <a:noFill/>
                 </a:ln>
                 <a:solidFill>
-                  <a:sysClr val="windowText" lastClr="000000"/>
+                  <a:schemeClr val="tx1">
+                    <a:lumMod val="65000"/>
+                    <a:lumOff val="35000"/>
+                  </a:schemeClr>
                 </a:solidFill>
                 <a:effectLst/>
                 <a:uLnTx/>
@@ -12266,12 +12754,24 @@
             </a:r>
             <a:r>
               <a:rPr lang="en-US" altLang="ja-JP" sz="4800" dirty="0">
+                <a:solidFill>
+                  <a:schemeClr val="tx1">
+                    <a:lumMod val="65000"/>
+                    <a:lumOff val="35000"/>
+                  </a:schemeClr>
+                </a:solidFill>
                 <a:latin typeface="HG丸ｺﾞｼｯｸM-PRO" panose="020F0600000000000000" pitchFamily="50" charset="-128"/>
                 <a:ea typeface="HG丸ｺﾞｼｯｸM-PRO" panose="020F0600000000000000" pitchFamily="50" charset="-128"/>
               </a:rPr>
               <a:t>172.16.3.136/</a:t>
             </a:r>
             <a:endParaRPr lang="ja-JP" altLang="en-US" sz="4800" dirty="0">
+              <a:solidFill>
+                <a:schemeClr val="tx1">
+                  <a:lumMod val="65000"/>
+                  <a:lumOff val="35000"/>
+                </a:schemeClr>
+              </a:solidFill>
               <a:latin typeface="HG丸ｺﾞｼｯｸM-PRO" panose="020F0600000000000000" pitchFamily="50" charset="-128"/>
               <a:ea typeface="HG丸ｺﾞｼｯｸM-PRO" panose="020F0600000000000000" pitchFamily="50" charset="-128"/>
             </a:endParaRPr>
@@ -12299,7 +12799,10 @@
                 <a:noFill/>
               </a:ln>
               <a:solidFill>
-                <a:sysClr val="windowText" lastClr="000000"/>
+                <a:schemeClr val="tx1">
+                  <a:lumMod val="65000"/>
+                  <a:lumOff val="35000"/>
+                </a:schemeClr>
               </a:solidFill>
               <a:effectLst/>
               <a:uLnTx/>
@@ -13227,17 +13730,6 @@
 </file>
 
 <file path=customXml/item2.xml><?xml version="1.0" encoding="utf-8"?>
-<p:properties xmlns:p="http://schemas.microsoft.com/office/2006/metadata/properties" xmlns:xsi="http://www.w3.org/2001/XMLSchema-instance" xmlns:pc="http://schemas.microsoft.com/office/infopath/2007/PartnerControls">
-  <documentManagement>
-    <lcf76f155ced4ddcb4097134ff3c332f xmlns="86ceb19f-6ae7-4f45-9291-f23dc7cad4a8">
-      <Terms xmlns="http://schemas.microsoft.com/office/infopath/2007/PartnerControls"/>
-    </lcf76f155ced4ddcb4097134ff3c332f>
-    <TaxCatchAll xmlns="d9ddec61-d553-4032-8214-836f20420e5b" xsi:nil="true"/>
-  </documentManagement>
-</p:properties>
-</file>
-
-<file path=customXml/item3.xml><?xml version="1.0" encoding="utf-8"?>
 <ct:contentTypeSchema xmlns:ct="http://schemas.microsoft.com/office/2006/metadata/contentType" xmlns:ma="http://schemas.microsoft.com/office/2006/metadata/properties/metaAttributes" ct:_="" ma:_="" ma:contentTypeName="ドキュメント" ma:contentTypeID="0x010100E01490404992EE4E8DE75A84CE187D61" ma:contentTypeVersion="13" ma:contentTypeDescription="新しいドキュメントを作成します。" ma:contentTypeScope="" ma:versionID="4de2a10b987b0cd1cabba618634b4858">
   <xsd:schema xmlns:xsd="http://www.w3.org/2001/XMLSchema" xmlns:xs="http://www.w3.org/2001/XMLSchema" xmlns:p="http://schemas.microsoft.com/office/2006/metadata/properties" xmlns:ns2="86ceb19f-6ae7-4f45-9291-f23dc7cad4a8" xmlns:ns3="d9ddec61-d553-4032-8214-836f20420e5b" targetNamespace="http://schemas.microsoft.com/office/2006/metadata/properties" ma:root="true" ma:fieldsID="75a65fd2c3f672b3ff036140e68d3afc" ns2:_="" ns3:_="">
     <xsd:import namespace="86ceb19f-6ae7-4f45-9291-f23dc7cad4a8"/>
@@ -13460,6 +13952,17 @@
 </ct:contentTypeSchema>
 </file>
 
+<file path=customXml/item3.xml><?xml version="1.0" encoding="utf-8"?>
+<p:properties xmlns:p="http://schemas.microsoft.com/office/2006/metadata/properties" xmlns:xsi="http://www.w3.org/2001/XMLSchema-instance" xmlns:pc="http://schemas.microsoft.com/office/infopath/2007/PartnerControls">
+  <documentManagement>
+    <lcf76f155ced4ddcb4097134ff3c332f xmlns="86ceb19f-6ae7-4f45-9291-f23dc7cad4a8">
+      <Terms xmlns="http://schemas.microsoft.com/office/infopath/2007/PartnerControls"/>
+    </lcf76f155ced4ddcb4097134ff3c332f>
+    <TaxCatchAll xmlns="d9ddec61-d553-4032-8214-836f20420e5b" xsi:nil="true"/>
+  </documentManagement>
+</p:properties>
+</file>
+
 <file path=customXml/itemProps1.xml><?xml version="1.0" encoding="utf-8"?>
 <ds:datastoreItem xmlns:ds="http://schemas.openxmlformats.org/officeDocument/2006/customXml" ds:itemID="{D1CAAF56-E79E-46EC-85D8-FF1AC3B8584A}">
   <ds:schemaRefs>
@@ -13469,23 +13972,6 @@
 </file>
 
 <file path=customXml/itemProps2.xml><?xml version="1.0" encoding="utf-8"?>
-<ds:datastoreItem xmlns:ds="http://schemas.openxmlformats.org/officeDocument/2006/customXml" ds:itemID="{E512E803-4492-4E48-BC4A-33471278F446}">
-  <ds:schemaRefs>
-    <ds:schemaRef ds:uri="http://purl.org/dc/dcmitype/"/>
-    <ds:schemaRef ds:uri="http://schemas.microsoft.com/office/2006/documentManagement/types"/>
-    <ds:schemaRef ds:uri="http://www.w3.org/XML/1998/namespace"/>
-    <ds:schemaRef ds:uri="d9ddec61-d553-4032-8214-836f20420e5b"/>
-    <ds:schemaRef ds:uri="http://schemas.openxmlformats.org/package/2006/metadata/core-properties"/>
-    <ds:schemaRef ds:uri="http://purl.org/dc/terms/"/>
-    <ds:schemaRef ds:uri="http://schemas.microsoft.com/office/infopath/2007/PartnerControls"/>
-    <ds:schemaRef ds:uri="86ceb19f-6ae7-4f45-9291-f23dc7cad4a8"/>
-    <ds:schemaRef ds:uri="http://schemas.microsoft.com/office/2006/metadata/properties"/>
-    <ds:schemaRef ds:uri="http://purl.org/dc/elements/1.1/"/>
-  </ds:schemaRefs>
-</ds:datastoreItem>
-</file>
-
-<file path=customXml/itemProps3.xml><?xml version="1.0" encoding="utf-8"?>
 <ds:datastoreItem xmlns:ds="http://schemas.openxmlformats.org/officeDocument/2006/customXml" ds:itemID="{3088C02C-7DCC-44F5-9DB3-7F8495DDC635}">
   <ds:schemaRefs>
     <ds:schemaRef ds:uri="http://schemas.microsoft.com/office/2006/metadata/contentType"/>
@@ -13502,4 +13988,21 @@
     <ds:schemaRef ds:uri="http://schemas.microsoft.com/internal/obd"/>
   </ds:schemaRefs>
 </ds:datastoreItem>
+</file>
+
+<file path=customXml/itemProps3.xml><?xml version="1.0" encoding="utf-8"?>
+<ds:datastoreItem xmlns:ds="http://schemas.openxmlformats.org/officeDocument/2006/customXml" ds:itemID="{E512E803-4492-4E48-BC4A-33471278F446}">
+  <ds:schemaRefs>
+    <ds:schemaRef ds:uri="http://purl.org/dc/dcmitype/"/>
+    <ds:schemaRef ds:uri="http://schemas.microsoft.com/office/2006/documentManagement/types"/>
+    <ds:schemaRef ds:uri="http://www.w3.org/XML/1998/namespace"/>
+    <ds:schemaRef ds:uri="d9ddec61-d553-4032-8214-836f20420e5b"/>
+    <ds:schemaRef ds:uri="http://schemas.openxmlformats.org/package/2006/metadata/core-properties"/>
+    <ds:schemaRef ds:uri="http://purl.org/dc/terms/"/>
+    <ds:schemaRef ds:uri="http://schemas.microsoft.com/office/infopath/2007/PartnerControls"/>
+    <ds:schemaRef ds:uri="86ceb19f-6ae7-4f45-9291-f23dc7cad4a8"/>
+    <ds:schemaRef ds:uri="http://schemas.microsoft.com/office/2006/metadata/properties"/>
+    <ds:schemaRef ds:uri="http://purl.org/dc/elements/1.1/"/>
+  </ds:schemaRefs>
+</ds:datastoreItem>
 </file>
--- a/プレゼン資料.pptx
+++ b/プレゼン資料.pptx
@@ -207,7 +207,7 @@
           <a:p>
             <a:fld id="{CFAD4B29-8608-40BF-987E-B4CE6733CDF1}" type="datetimeFigureOut">
               <a:rPr kumimoji="1" lang="ja-JP" altLang="en-US" smtClean="0"/>
-              <a:t>2024/7/10</a:t>
+              <a:t>2024/7/11</a:t>
             </a:fld>
             <a:endParaRPr kumimoji="1" lang="ja-JP" altLang="en-US"/>
           </a:p>
@@ -2448,7 +2448,7 @@
           <a:p>
             <a:fld id="{54490762-D966-4A64-B839-39FF825004B9}" type="datetimeFigureOut">
               <a:rPr kumimoji="1" lang="ja-JP" altLang="en-US" smtClean="0"/>
-              <a:t>2024/7/10</a:t>
+              <a:t>2024/7/11</a:t>
             </a:fld>
             <a:endParaRPr kumimoji="1" lang="ja-JP" altLang="en-US"/>
           </a:p>
@@ -2678,7 +2678,7 @@
           <a:p>
             <a:fld id="{54490762-D966-4A64-B839-39FF825004B9}" type="datetimeFigureOut">
               <a:rPr kumimoji="1" lang="ja-JP" altLang="en-US" smtClean="0"/>
-              <a:t>2024/7/10</a:t>
+              <a:t>2024/7/11</a:t>
             </a:fld>
             <a:endParaRPr kumimoji="1" lang="ja-JP" altLang="en-US"/>
           </a:p>
@@ -2918,7 +2918,7 @@
           <a:p>
             <a:fld id="{54490762-D966-4A64-B839-39FF825004B9}" type="datetimeFigureOut">
               <a:rPr kumimoji="1" lang="ja-JP" altLang="en-US" smtClean="0"/>
-              <a:t>2024/7/10</a:t>
+              <a:t>2024/7/11</a:t>
             </a:fld>
             <a:endParaRPr kumimoji="1" lang="ja-JP" altLang="en-US"/>
           </a:p>
@@ -3120,7 +3120,7 @@
           <a:p>
             <a:fld id="{54490762-D966-4A64-B839-39FF825004B9}" type="datetimeFigureOut">
               <a:rPr kumimoji="1" lang="ja-JP" altLang="en-US" smtClean="0"/>
-              <a:t>2024/7/10</a:t>
+              <a:t>2024/7/11</a:t>
             </a:fld>
             <a:endParaRPr kumimoji="1" lang="ja-JP" altLang="en-US"/>
           </a:p>
@@ -3320,7 +3320,7 @@
           <a:p>
             <a:fld id="{54490762-D966-4A64-B839-39FF825004B9}" type="datetimeFigureOut">
               <a:rPr kumimoji="1" lang="ja-JP" altLang="en-US" smtClean="0"/>
-              <a:t>2024/7/10</a:t>
+              <a:t>2024/7/11</a:t>
             </a:fld>
             <a:endParaRPr kumimoji="1" lang="ja-JP" altLang="en-US"/>
           </a:p>
@@ -3565,7 +3565,7 @@
           <a:p>
             <a:fld id="{54490762-D966-4A64-B839-39FF825004B9}" type="datetimeFigureOut">
               <a:rPr kumimoji="1" lang="ja-JP" altLang="en-US" smtClean="0"/>
-              <a:t>2024/7/10</a:t>
+              <a:t>2024/7/11</a:t>
             </a:fld>
             <a:endParaRPr kumimoji="1" lang="ja-JP" altLang="en-US"/>
           </a:p>
@@ -3858,7 +3858,7 @@
           <a:p>
             <a:fld id="{54490762-D966-4A64-B839-39FF825004B9}" type="datetimeFigureOut">
               <a:rPr kumimoji="1" lang="ja-JP" altLang="en-US" smtClean="0"/>
-              <a:t>2024/7/10</a:t>
+              <a:t>2024/7/11</a:t>
             </a:fld>
             <a:endParaRPr kumimoji="1" lang="ja-JP" altLang="en-US"/>
           </a:p>
@@ -4286,7 +4286,7 @@
           <a:p>
             <a:fld id="{54490762-D966-4A64-B839-39FF825004B9}" type="datetimeFigureOut">
               <a:rPr kumimoji="1" lang="ja-JP" altLang="en-US" smtClean="0"/>
-              <a:t>2024/7/10</a:t>
+              <a:t>2024/7/11</a:t>
             </a:fld>
             <a:endParaRPr kumimoji="1" lang="ja-JP" altLang="en-US"/>
           </a:p>
@@ -4403,7 +4403,7 @@
           <a:p>
             <a:fld id="{54490762-D966-4A64-B839-39FF825004B9}" type="datetimeFigureOut">
               <a:rPr kumimoji="1" lang="ja-JP" altLang="en-US" smtClean="0"/>
-              <a:t>2024/7/10</a:t>
+              <a:t>2024/7/11</a:t>
             </a:fld>
             <a:endParaRPr kumimoji="1" lang="ja-JP" altLang="en-US"/>
           </a:p>
@@ -4498,7 +4498,7 @@
           <a:p>
             <a:fld id="{54490762-D966-4A64-B839-39FF825004B9}" type="datetimeFigureOut">
               <a:rPr kumimoji="1" lang="ja-JP" altLang="en-US" smtClean="0"/>
-              <a:t>2024/7/10</a:t>
+              <a:t>2024/7/11</a:t>
             </a:fld>
             <a:endParaRPr kumimoji="1" lang="ja-JP" altLang="en-US"/>
           </a:p>
@@ -4805,7 +4805,7 @@
           <a:p>
             <a:fld id="{54490762-D966-4A64-B839-39FF825004B9}" type="datetimeFigureOut">
               <a:rPr kumimoji="1" lang="ja-JP" altLang="en-US" smtClean="0"/>
-              <a:t>2024/7/10</a:t>
+              <a:t>2024/7/11</a:t>
             </a:fld>
             <a:endParaRPr kumimoji="1" lang="ja-JP" altLang="en-US"/>
           </a:p>
@@ -5023,7 +5023,7 @@
           <a:p>
             <a:fld id="{54490762-D966-4A64-B839-39FF825004B9}" type="datetimeFigureOut">
               <a:rPr kumimoji="1" lang="ja-JP" altLang="en-US" smtClean="0"/>
-              <a:t>2024/7/10</a:t>
+              <a:t>2024/7/11</a:t>
             </a:fld>
             <a:endParaRPr kumimoji="1" lang="ja-JP" altLang="en-US"/>
           </a:p>
@@ -5287,7 +5287,7 @@
           <a:p>
             <a:fld id="{54490762-D966-4A64-B839-39FF825004B9}" type="datetimeFigureOut">
               <a:rPr kumimoji="1" lang="ja-JP" altLang="en-US" smtClean="0"/>
-              <a:t>2024/7/10</a:t>
+              <a:t>2024/7/11</a:t>
             </a:fld>
             <a:endParaRPr kumimoji="1" lang="ja-JP" altLang="en-US"/>
           </a:p>
@@ -5487,7 +5487,7 @@
           <a:p>
             <a:fld id="{54490762-D966-4A64-B839-39FF825004B9}" type="datetimeFigureOut">
               <a:rPr kumimoji="1" lang="ja-JP" altLang="en-US" smtClean="0"/>
-              <a:t>2024/7/10</a:t>
+              <a:t>2024/7/11</a:t>
             </a:fld>
             <a:endParaRPr kumimoji="1" lang="ja-JP" altLang="en-US"/>
           </a:p>
@@ -5697,7 +5697,7 @@
           <a:p>
             <a:fld id="{54490762-D966-4A64-B839-39FF825004B9}" type="datetimeFigureOut">
               <a:rPr kumimoji="1" lang="ja-JP" altLang="en-US" smtClean="0"/>
-              <a:t>2024/7/10</a:t>
+              <a:t>2024/7/11</a:t>
             </a:fld>
             <a:endParaRPr kumimoji="1" lang="ja-JP" altLang="en-US"/>
           </a:p>
@@ -5960,7 +5960,7 @@
           <a:p>
             <a:fld id="{54490762-D966-4A64-B839-39FF825004B9}" type="datetimeFigureOut">
               <a:rPr kumimoji="1" lang="ja-JP" altLang="en-US" smtClean="0"/>
-              <a:t>2024/7/10</a:t>
+              <a:t>2024/7/11</a:t>
             </a:fld>
             <a:endParaRPr kumimoji="1" lang="ja-JP" altLang="en-US"/>
           </a:p>
@@ -6289,7 +6289,7 @@
           <a:p>
             <a:fld id="{54490762-D966-4A64-B839-39FF825004B9}" type="datetimeFigureOut">
               <a:rPr kumimoji="1" lang="ja-JP" altLang="en-US" smtClean="0"/>
-              <a:t>2024/7/10</a:t>
+              <a:t>2024/7/11</a:t>
             </a:fld>
             <a:endParaRPr kumimoji="1" lang="ja-JP" altLang="en-US"/>
           </a:p>
@@ -6765,7 +6765,7 @@
           <a:p>
             <a:fld id="{54490762-D966-4A64-B839-39FF825004B9}" type="datetimeFigureOut">
               <a:rPr kumimoji="1" lang="ja-JP" altLang="en-US" smtClean="0"/>
-              <a:t>2024/7/10</a:t>
+              <a:t>2024/7/11</a:t>
             </a:fld>
             <a:endParaRPr kumimoji="1" lang="ja-JP" altLang="en-US"/>
           </a:p>
@@ -6906,7 +6906,7 @@
           <a:p>
             <a:fld id="{54490762-D966-4A64-B839-39FF825004B9}" type="datetimeFigureOut">
               <a:rPr kumimoji="1" lang="ja-JP" altLang="en-US" smtClean="0"/>
-              <a:t>2024/7/10</a:t>
+              <a:t>2024/7/11</a:t>
             </a:fld>
             <a:endParaRPr kumimoji="1" lang="ja-JP" altLang="en-US"/>
           </a:p>
@@ -7019,7 +7019,7 @@
           <a:p>
             <a:fld id="{54490762-D966-4A64-B839-39FF825004B9}" type="datetimeFigureOut">
               <a:rPr kumimoji="1" lang="ja-JP" altLang="en-US" smtClean="0"/>
-              <a:t>2024/7/10</a:t>
+              <a:t>2024/7/11</a:t>
             </a:fld>
             <a:endParaRPr kumimoji="1" lang="ja-JP" altLang="en-US"/>
           </a:p>
@@ -7362,7 +7362,7 @@
           <a:p>
             <a:fld id="{54490762-D966-4A64-B839-39FF825004B9}" type="datetimeFigureOut">
               <a:rPr kumimoji="1" lang="ja-JP" altLang="en-US" smtClean="0"/>
-              <a:t>2024/7/10</a:t>
+              <a:t>2024/7/11</a:t>
             </a:fld>
             <a:endParaRPr kumimoji="1" lang="ja-JP" altLang="en-US"/>
           </a:p>
@@ -7650,7 +7650,7 @@
           <a:p>
             <a:fld id="{54490762-D966-4A64-B839-39FF825004B9}" type="datetimeFigureOut">
               <a:rPr kumimoji="1" lang="ja-JP" altLang="en-US" smtClean="0"/>
-              <a:t>2024/7/10</a:t>
+              <a:t>2024/7/11</a:t>
             </a:fld>
             <a:endParaRPr kumimoji="1" lang="ja-JP" altLang="en-US"/>
           </a:p>
@@ -7923,7 +7923,7 @@
           <a:p>
             <a:fld id="{54490762-D966-4A64-B839-39FF825004B9}" type="datetimeFigureOut">
               <a:rPr kumimoji="1" lang="ja-JP" altLang="en-US" smtClean="0"/>
-              <a:t>2024/7/10</a:t>
+              <a:t>2024/7/11</a:t>
             </a:fld>
             <a:endParaRPr kumimoji="1" lang="ja-JP" altLang="en-US"/>
           </a:p>
@@ -8505,7 +8505,7 @@
           <a:p>
             <a:fld id="{54490762-D966-4A64-B839-39FF825004B9}" type="datetimeFigureOut">
               <a:rPr kumimoji="1" lang="ja-JP" altLang="en-US" smtClean="0"/>
-              <a:t>2024/7/10</a:t>
+              <a:t>2024/7/11</a:t>
             </a:fld>
             <a:endParaRPr kumimoji="1" lang="ja-JP" altLang="en-US"/>
           </a:p>
@@ -11438,25 +11438,26 @@
         </p:nvSpPr>
         <p:spPr>
           <a:xfrm>
-            <a:off x="3510057" y="1853084"/>
-            <a:ext cx="7794885" cy="4742588"/>
+            <a:off x="3327816" y="1853084"/>
+            <a:ext cx="8496187" cy="4742588"/>
           </a:xfrm>
           <a:prstGeom prst="roundRect">
             <a:avLst/>
           </a:prstGeom>
-          <a:gradFill>
+          <a:gradFill flip="none" rotWithShape="1">
             <a:gsLst>
-              <a:gs pos="0">
+              <a:gs pos="14000">
                 <a:srgbClr val="B7DBFF"/>
               </a:gs>
-              <a:gs pos="65000">
+              <a:gs pos="69000">
                 <a:srgbClr val="BCFFBC"/>
               </a:gs>
-              <a:gs pos="100000">
-                <a:srgbClr val="DDFFBC"/>
+              <a:gs pos="95000">
+                <a:srgbClr val="E2FFC7"/>
               </a:gs>
             </a:gsLst>
-            <a:lin ang="2700000" scaled="1"/>
+            <a:lin ang="8100000" scaled="1"/>
+            <a:tileRect/>
           </a:gradFill>
           <a:ln>
             <a:noFill/>
@@ -11483,7 +11484,7 @@
           <a:lstStyle/>
           <a:p>
             <a:pPr algn="ctr"/>
-            <a:endParaRPr kumimoji="1" lang="ja-JP" altLang="en-US"/>
+            <a:endParaRPr kumimoji="1" lang="ja-JP" altLang="en-US" dirty="0"/>
           </a:p>
         </p:txBody>
       </p:sp>
@@ -13730,6 +13731,17 @@
 </file>
 
 <file path=customXml/item2.xml><?xml version="1.0" encoding="utf-8"?>
+<p:properties xmlns:p="http://schemas.microsoft.com/office/2006/metadata/properties" xmlns:xsi="http://www.w3.org/2001/XMLSchema-instance" xmlns:pc="http://schemas.microsoft.com/office/infopath/2007/PartnerControls">
+  <documentManagement>
+    <lcf76f155ced4ddcb4097134ff3c332f xmlns="86ceb19f-6ae7-4f45-9291-f23dc7cad4a8">
+      <Terms xmlns="http://schemas.microsoft.com/office/infopath/2007/PartnerControls"/>
+    </lcf76f155ced4ddcb4097134ff3c332f>
+    <TaxCatchAll xmlns="d9ddec61-d553-4032-8214-836f20420e5b" xsi:nil="true"/>
+  </documentManagement>
+</p:properties>
+</file>
+
+<file path=customXml/item3.xml><?xml version="1.0" encoding="utf-8"?>
 <ct:contentTypeSchema xmlns:ct="http://schemas.microsoft.com/office/2006/metadata/contentType" xmlns:ma="http://schemas.microsoft.com/office/2006/metadata/properties/metaAttributes" ct:_="" ma:_="" ma:contentTypeName="ドキュメント" ma:contentTypeID="0x010100E01490404992EE4E8DE75A84CE187D61" ma:contentTypeVersion="13" ma:contentTypeDescription="新しいドキュメントを作成します。" ma:contentTypeScope="" ma:versionID="4de2a10b987b0cd1cabba618634b4858">
   <xsd:schema xmlns:xsd="http://www.w3.org/2001/XMLSchema" xmlns:xs="http://www.w3.org/2001/XMLSchema" xmlns:p="http://schemas.microsoft.com/office/2006/metadata/properties" xmlns:ns2="86ceb19f-6ae7-4f45-9291-f23dc7cad4a8" xmlns:ns3="d9ddec61-d553-4032-8214-836f20420e5b" targetNamespace="http://schemas.microsoft.com/office/2006/metadata/properties" ma:root="true" ma:fieldsID="75a65fd2c3f672b3ff036140e68d3afc" ns2:_="" ns3:_="">
     <xsd:import namespace="86ceb19f-6ae7-4f45-9291-f23dc7cad4a8"/>
@@ -13952,17 +13964,6 @@
 </ct:contentTypeSchema>
 </file>
 
-<file path=customXml/item3.xml><?xml version="1.0" encoding="utf-8"?>
-<p:properties xmlns:p="http://schemas.microsoft.com/office/2006/metadata/properties" xmlns:xsi="http://www.w3.org/2001/XMLSchema-instance" xmlns:pc="http://schemas.microsoft.com/office/infopath/2007/PartnerControls">
-  <documentManagement>
-    <lcf76f155ced4ddcb4097134ff3c332f xmlns="86ceb19f-6ae7-4f45-9291-f23dc7cad4a8">
-      <Terms xmlns="http://schemas.microsoft.com/office/infopath/2007/PartnerControls"/>
-    </lcf76f155ced4ddcb4097134ff3c332f>
-    <TaxCatchAll xmlns="d9ddec61-d553-4032-8214-836f20420e5b" xsi:nil="true"/>
-  </documentManagement>
-</p:properties>
-</file>
-
 <file path=customXml/itemProps1.xml><?xml version="1.0" encoding="utf-8"?>
 <ds:datastoreItem xmlns:ds="http://schemas.openxmlformats.org/officeDocument/2006/customXml" ds:itemID="{D1CAAF56-E79E-46EC-85D8-FF1AC3B8584A}">
   <ds:schemaRefs>
@@ -13972,6 +13973,23 @@
 </file>
 
 <file path=customXml/itemProps2.xml><?xml version="1.0" encoding="utf-8"?>
+<ds:datastoreItem xmlns:ds="http://schemas.openxmlformats.org/officeDocument/2006/customXml" ds:itemID="{E512E803-4492-4E48-BC4A-33471278F446}">
+  <ds:schemaRefs>
+    <ds:schemaRef ds:uri="http://purl.org/dc/dcmitype/"/>
+    <ds:schemaRef ds:uri="http://schemas.microsoft.com/office/2006/documentManagement/types"/>
+    <ds:schemaRef ds:uri="http://www.w3.org/XML/1998/namespace"/>
+    <ds:schemaRef ds:uri="d9ddec61-d553-4032-8214-836f20420e5b"/>
+    <ds:schemaRef ds:uri="http://schemas.openxmlformats.org/package/2006/metadata/core-properties"/>
+    <ds:schemaRef ds:uri="http://purl.org/dc/terms/"/>
+    <ds:schemaRef ds:uri="http://schemas.microsoft.com/office/infopath/2007/PartnerControls"/>
+    <ds:schemaRef ds:uri="86ceb19f-6ae7-4f45-9291-f23dc7cad4a8"/>
+    <ds:schemaRef ds:uri="http://schemas.microsoft.com/office/2006/metadata/properties"/>
+    <ds:schemaRef ds:uri="http://purl.org/dc/elements/1.1/"/>
+  </ds:schemaRefs>
+</ds:datastoreItem>
+</file>
+
+<file path=customXml/itemProps3.xml><?xml version="1.0" encoding="utf-8"?>
 <ds:datastoreItem xmlns:ds="http://schemas.openxmlformats.org/officeDocument/2006/customXml" ds:itemID="{3088C02C-7DCC-44F5-9DB3-7F8495DDC635}">
   <ds:schemaRefs>
     <ds:schemaRef ds:uri="http://schemas.microsoft.com/office/2006/metadata/contentType"/>
@@ -13988,21 +14006,4 @@
     <ds:schemaRef ds:uri="http://schemas.microsoft.com/internal/obd"/>
   </ds:schemaRefs>
 </ds:datastoreItem>
-</file>
-
-<file path=customXml/itemProps3.xml><?xml version="1.0" encoding="utf-8"?>
-<ds:datastoreItem xmlns:ds="http://schemas.openxmlformats.org/officeDocument/2006/customXml" ds:itemID="{E512E803-4492-4E48-BC4A-33471278F446}">
-  <ds:schemaRefs>
-    <ds:schemaRef ds:uri="http://purl.org/dc/dcmitype/"/>
-    <ds:schemaRef ds:uri="http://schemas.microsoft.com/office/2006/documentManagement/types"/>
-    <ds:schemaRef ds:uri="http://www.w3.org/XML/1998/namespace"/>
-    <ds:schemaRef ds:uri="d9ddec61-d553-4032-8214-836f20420e5b"/>
-    <ds:schemaRef ds:uri="http://schemas.openxmlformats.org/package/2006/metadata/core-properties"/>
-    <ds:schemaRef ds:uri="http://purl.org/dc/terms/"/>
-    <ds:schemaRef ds:uri="http://schemas.microsoft.com/office/infopath/2007/PartnerControls"/>
-    <ds:schemaRef ds:uri="86ceb19f-6ae7-4f45-9291-f23dc7cad4a8"/>
-    <ds:schemaRef ds:uri="http://schemas.microsoft.com/office/2006/metadata/properties"/>
-    <ds:schemaRef ds:uri="http://purl.org/dc/elements/1.1/"/>
-  </ds:schemaRefs>
-</ds:datastoreItem>
 </file>
--- a/プレゼン資料.pptx
+++ b/プレゼン資料.pptx
@@ -571,58 +571,35 @@
           <a:p>
             <a:r>
               <a:rPr kumimoji="1" lang="ja-JP" altLang="en-US" dirty="0"/>
-              <a:t>これからアイビクションの本屋定期購読者システムの発表を始めます。</a:t>
-            </a:r>
-            <a:endParaRPr kumimoji="1" lang="en-US" altLang="ja-JP" dirty="0"/>
+              <a:t>これからアイビクションの発表を始めます</a:t>
+            </a:r>
           </a:p>
           <a:p>
             <a:r>
               <a:rPr kumimoji="1" lang="ja-JP" altLang="en-US" dirty="0"/>
               <a:t>班員の紹介をします。</a:t>
             </a:r>
-            <a:endParaRPr kumimoji="1" lang="en-US" altLang="ja-JP" dirty="0"/>
           </a:p>
           <a:p>
             <a:r>
               <a:rPr kumimoji="1" lang="ja-JP" altLang="en-US" dirty="0"/>
-              <a:t>リーダーの</a:t>
-            </a:r>
-            <a:r>
-              <a:rPr lang="ja-JP" altLang="en-US" sz="1200" dirty="0">
-                <a:latin typeface="HG丸ｺﾞｼｯｸM-PRO" panose="020F0600000000000000" pitchFamily="50" charset="-128"/>
-                <a:ea typeface="HG丸ｺﾞｼｯｸM-PRO" panose="020F0600000000000000" pitchFamily="50" charset="-128"/>
-              </a:rPr>
-              <a:t>赤嶺昂太</a:t>
-            </a:r>
-            <a:r>
-              <a:rPr lang="ja-JP" altLang="en-US" sz="1200" dirty="0"/>
-              <a:t>です。サブリーダーの</a:t>
-            </a:r>
-            <a:r>
-              <a:rPr lang="ja-JP" altLang="en-US" sz="1200" dirty="0">
-                <a:latin typeface="HG丸ｺﾞｼｯｸM-PRO" panose="020F0600000000000000" pitchFamily="50" charset="-128"/>
-                <a:ea typeface="HG丸ｺﾞｼｯｸM-PRO" panose="020F0600000000000000" pitchFamily="50" charset="-128"/>
-              </a:rPr>
-              <a:t>鹿島翔太　上原芙沙</a:t>
-            </a:r>
-            <a:r>
-              <a:rPr lang="ja-JP" altLang="en-US" sz="1200" dirty="0"/>
-              <a:t>です。メンバーの</a:t>
-            </a:r>
-            <a:r>
-              <a:rPr lang="ja-JP" altLang="en-US" sz="1200" dirty="0">
-                <a:latin typeface="HG丸ｺﾞｼｯｸM-PRO" panose="020F0600000000000000" pitchFamily="50" charset="-128"/>
-                <a:ea typeface="HG丸ｺﾞｼｯｸM-PRO" panose="020F0600000000000000" pitchFamily="50" charset="-128"/>
-              </a:rPr>
-              <a:t>板井駿佳　牧紫　堤慎吾</a:t>
-            </a:r>
-            <a:r>
-              <a:rPr lang="ja-JP" altLang="en-US" sz="1200" dirty="0"/>
-              <a:t>です。</a:t>
-            </a:r>
-            <a:endParaRPr lang="en-US" altLang="ja-JP" sz="1200" dirty="0"/>
-          </a:p>
-          <a:p>
+              <a:t>リーダー赤嶺、サブリーダー鹿島、上原、メンバー板井、牧、堤です。</a:t>
+            </a:r>
+          </a:p>
+          <a:p>
+            <a:r>
+              <a:rPr kumimoji="1" lang="ja-JP" altLang="en-US" dirty="0"/>
+              <a:t>ご清聴よろしくお願いします。</a:t>
+            </a:r>
+          </a:p>
+          <a:p>
+            <a:endParaRPr kumimoji="1" lang="ja-JP" altLang="en-US" dirty="0"/>
+          </a:p>
+          <a:p>
+            <a:r>
+              <a:rPr kumimoji="1" lang="ja-JP" altLang="en-US" dirty="0"/>
+              <a:t>私たちのチームは、本屋定期購買読者管理システムを開発しました。</a:t>
+            </a:r>
             <a:endParaRPr kumimoji="1" lang="en-US" altLang="ja-JP" dirty="0"/>
           </a:p>
           <a:p>
@@ -9528,6 +9505,78 @@
           </a:p>
         </p:txBody>
       </p:sp>
+      <p:pic>
+        <p:nvPicPr>
+          <p:cNvPr id="6" name="図 5">
+            <a:extLst>
+              <a:ext uri="{FF2B5EF4-FFF2-40B4-BE49-F238E27FC236}">
+                <a16:creationId xmlns:a16="http://schemas.microsoft.com/office/drawing/2014/main" id="{9D939150-E505-4FCE-9F62-E49CFF3B23F8}"/>
+              </a:ext>
+            </a:extLst>
+          </p:cNvPr>
+          <p:cNvPicPr>
+            <a:picLocks noChangeAspect="1"/>
+          </p:cNvPicPr>
+          <p:nvPr/>
+        </p:nvPicPr>
+        <p:blipFill>
+          <a:blip r:embed="rId4" cstate="print">
+            <a:extLst>
+              <a:ext uri="{28A0092B-C50C-407E-A947-70E740481C1C}">
+                <a14:useLocalDpi xmlns:a14="http://schemas.microsoft.com/office/drawing/2010/main" val="0"/>
+              </a:ext>
+            </a:extLst>
+          </a:blip>
+          <a:stretch>
+            <a:fillRect/>
+          </a:stretch>
+        </p:blipFill>
+        <p:spPr>
+          <a:xfrm>
+            <a:off x="941821" y="4156207"/>
+            <a:ext cx="2385306" cy="2282845"/>
+          </a:xfrm>
+          <a:prstGeom prst="rect">
+            <a:avLst/>
+          </a:prstGeom>
+        </p:spPr>
+      </p:pic>
+      <p:pic>
+        <p:nvPicPr>
+          <p:cNvPr id="7" name="図 6">
+            <a:extLst>
+              <a:ext uri="{FF2B5EF4-FFF2-40B4-BE49-F238E27FC236}">
+                <a16:creationId xmlns:a16="http://schemas.microsoft.com/office/drawing/2014/main" id="{7721923F-8816-430A-962D-21F3BB5C9881}"/>
+              </a:ext>
+            </a:extLst>
+          </p:cNvPr>
+          <p:cNvPicPr>
+            <a:picLocks noChangeAspect="1"/>
+          </p:cNvPicPr>
+          <p:nvPr/>
+        </p:nvPicPr>
+        <p:blipFill>
+          <a:blip r:embed="rId5" cstate="print">
+            <a:extLst>
+              <a:ext uri="{28A0092B-C50C-407E-A947-70E740481C1C}">
+                <a14:useLocalDpi xmlns:a14="http://schemas.microsoft.com/office/drawing/2010/main" val="0"/>
+              </a:ext>
+            </a:extLst>
+          </a:blip>
+          <a:stretch>
+            <a:fillRect/>
+          </a:stretch>
+        </p:blipFill>
+        <p:spPr>
+          <a:xfrm>
+            <a:off x="8737013" y="4132195"/>
+            <a:ext cx="2126765" cy="2287344"/>
+          </a:xfrm>
+          <a:prstGeom prst="rect">
+            <a:avLst/>
+          </a:prstGeom>
+        </p:spPr>
+      </p:pic>
     </p:spTree>
     <p:extLst>
       <p:ext uri="{BB962C8B-B14F-4D97-AF65-F5344CB8AC3E}">
@@ -9773,10 +9822,10 @@
       </p:sp>
       <p:pic>
         <p:nvPicPr>
-          <p:cNvPr id="5" name="図 4">
+          <p:cNvPr id="8" name="図 7">
             <a:extLst>
               <a:ext uri="{FF2B5EF4-FFF2-40B4-BE49-F238E27FC236}">
-                <a16:creationId xmlns:a16="http://schemas.microsoft.com/office/drawing/2014/main" id="{2B6EC740-6109-4006-AADD-3B95099BF598}"/>
+                <a16:creationId xmlns:a16="http://schemas.microsoft.com/office/drawing/2014/main" id="{847D8F7A-6B63-405E-9801-3B6C5223957A}"/>
               </a:ext>
             </a:extLst>
           </p:cNvPr>
@@ -9786,7 +9835,7 @@
           <p:nvPr/>
         </p:nvPicPr>
         <p:blipFill>
-          <a:blip r:embed="rId4" cstate="print">
+          <a:blip r:embed="rId4">
             <a:extLst>
               <a:ext uri="{28A0092B-C50C-407E-A947-70E740481C1C}">
                 <a14:useLocalDpi xmlns:a14="http://schemas.microsoft.com/office/drawing/2010/main" val="0"/>
@@ -9799,8 +9848,8 @@
         </p:blipFill>
         <p:spPr>
           <a:xfrm>
-            <a:off x="2803234" y="4529275"/>
-            <a:ext cx="2182971" cy="2259219"/>
+            <a:off x="6430806" y="3744419"/>
+            <a:ext cx="5566461" cy="3157702"/>
           </a:xfrm>
           <a:prstGeom prst="rect">
             <a:avLst/>
@@ -9835,44 +9884,8 @@
         </p:blipFill>
         <p:spPr>
           <a:xfrm>
-            <a:off x="2604955" y="4529275"/>
+            <a:off x="5761195" y="4642799"/>
             <a:ext cx="2381250" cy="2381250"/>
-          </a:xfrm>
-          <a:prstGeom prst="rect">
-            <a:avLst/>
-          </a:prstGeom>
-        </p:spPr>
-      </p:pic>
-      <p:pic>
-        <p:nvPicPr>
-          <p:cNvPr id="9" name="図 8">
-            <a:extLst>
-              <a:ext uri="{FF2B5EF4-FFF2-40B4-BE49-F238E27FC236}">
-                <a16:creationId xmlns:a16="http://schemas.microsoft.com/office/drawing/2014/main" id="{62801FFB-3385-4A06-9523-5B713905E55E}"/>
-              </a:ext>
-            </a:extLst>
-          </p:cNvPr>
-          <p:cNvPicPr>
-            <a:picLocks noChangeAspect="1"/>
-          </p:cNvPicPr>
-          <p:nvPr/>
-        </p:nvPicPr>
-        <p:blipFill>
-          <a:blip r:embed="rId6" cstate="print">
-            <a:extLst>
-              <a:ext uri="{28A0092B-C50C-407E-A947-70E740481C1C}">
-                <a14:useLocalDpi xmlns:a14="http://schemas.microsoft.com/office/drawing/2010/main" val="0"/>
-              </a:ext>
-            </a:extLst>
-          </a:blip>
-          <a:stretch>
-            <a:fillRect/>
-          </a:stretch>
-        </p:blipFill>
-        <p:spPr>
-          <a:xfrm>
-            <a:off x="6613646" y="4529275"/>
-            <a:ext cx="2775120" cy="2109223"/>
           </a:xfrm>
           <a:prstGeom prst="rect">
             <a:avLst/>
@@ -9938,50 +9951,6 @@
                                         <p:cTn id="7" dur="1000"/>
                                         <p:tgtEl>
                                           <p:spTgt spid="7"/>
-                                        </p:tgtEl>
-                                      </p:cBhvr>
-                                    </p:animEffect>
-                                  </p:childTnLst>
-                                </p:cTn>
-                              </p:par>
-                            </p:childTnLst>
-                          </p:cTn>
-                        </p:par>
-                        <p:par>
-                          <p:cTn id="8" fill="hold">
-                            <p:stCondLst>
-                              <p:cond delay="1000"/>
-                            </p:stCondLst>
-                            <p:childTnLst>
-                              <p:par>
-                                <p:cTn id="9" presetID="22" presetClass="entr" presetSubtype="4" fill="hold" nodeType="afterEffect">
-                                  <p:stCondLst>
-                                    <p:cond delay="0"/>
-                                  </p:stCondLst>
-                                  <p:childTnLst>
-                                    <p:set>
-                                      <p:cBhvr>
-                                        <p:cTn id="10" dur="1" fill="hold">
-                                          <p:stCondLst>
-                                            <p:cond delay="0"/>
-                                          </p:stCondLst>
-                                        </p:cTn>
-                                        <p:tgtEl>
-                                          <p:spTgt spid="9"/>
-                                        </p:tgtEl>
-                                        <p:attrNameLst>
-                                          <p:attrName>style.visibility</p:attrName>
-                                        </p:attrNameLst>
-                                      </p:cBhvr>
-                                      <p:to>
-                                        <p:strVal val="visible"/>
-                                      </p:to>
-                                    </p:set>
-                                    <p:animEffect transition="in" filter="wipe(down)">
-                                      <p:cBhvr>
-                                        <p:cTn id="11" dur="500"/>
-                                        <p:tgtEl>
-                                          <p:spTgt spid="9"/>
                                         </p:tgtEl>
                                       </p:cBhvr>
                                     </p:animEffect>
@@ -10209,10 +10178,10 @@
       </p:sp>
       <p:pic>
         <p:nvPicPr>
-          <p:cNvPr id="5" name="図 4">
+          <p:cNvPr id="7" name="図 6">
             <a:extLst>
               <a:ext uri="{FF2B5EF4-FFF2-40B4-BE49-F238E27FC236}">
-                <a16:creationId xmlns:a16="http://schemas.microsoft.com/office/drawing/2014/main" id="{B0DDF93C-F5B8-4B66-880B-A1AA78585CCD}"/>
+                <a16:creationId xmlns:a16="http://schemas.microsoft.com/office/drawing/2014/main" id="{59591115-3853-4248-9919-F3B5EC775EA8}"/>
               </a:ext>
             </a:extLst>
           </p:cNvPr>
@@ -10222,46 +10191,7 @@
           <p:nvPr/>
         </p:nvPicPr>
         <p:blipFill>
-          <a:blip r:embed="rId4" cstate="print">
-            <a:extLst>
-              <a:ext uri="{28A0092B-C50C-407E-A947-70E740481C1C}">
-                <a14:useLocalDpi xmlns:a14="http://schemas.microsoft.com/office/drawing/2010/main" val="0"/>
-              </a:ext>
-              <a:ext uri="{837473B0-CC2E-450A-ABE3-18F120FF3D39}">
-                <a1611:picAttrSrcUrl xmlns:a1611="http://schemas.microsoft.com/office/drawing/2016/11/main" r:id="rId5"/>
-              </a:ext>
-            </a:extLst>
-          </a:blip>
-          <a:stretch>
-            <a:fillRect/>
-          </a:stretch>
-        </p:blipFill>
-        <p:spPr>
-          <a:xfrm>
-            <a:off x="2690884" y="3983713"/>
-            <a:ext cx="2381534" cy="2381534"/>
-          </a:xfrm>
-          <a:prstGeom prst="rect">
-            <a:avLst/>
-          </a:prstGeom>
-        </p:spPr>
-      </p:pic>
-      <p:pic>
-        <p:nvPicPr>
-          <p:cNvPr id="9" name="図 8">
-            <a:extLst>
-              <a:ext uri="{FF2B5EF4-FFF2-40B4-BE49-F238E27FC236}">
-                <a16:creationId xmlns:a16="http://schemas.microsoft.com/office/drawing/2014/main" id="{8E9685E1-524F-4199-9241-1078AE1B0812}"/>
-              </a:ext>
-            </a:extLst>
-          </p:cNvPr>
-          <p:cNvPicPr>
-            <a:picLocks noChangeAspect="1"/>
-          </p:cNvPicPr>
-          <p:nvPr/>
-        </p:nvPicPr>
-        <p:blipFill>
-          <a:blip r:embed="rId6" cstate="print">
+          <a:blip r:embed="rId4">
             <a:extLst>
               <a:ext uri="{28A0092B-C50C-407E-A947-70E740481C1C}">
                 <a14:useLocalDpi xmlns:a14="http://schemas.microsoft.com/office/drawing/2010/main" val="0"/>
@@ -10274,8 +10204,116 @@
         </p:blipFill>
         <p:spPr>
           <a:xfrm>
-            <a:off x="7119584" y="3791507"/>
-            <a:ext cx="2573740" cy="2573740"/>
+            <a:off x="1254104" y="3562662"/>
+            <a:ext cx="3049223" cy="3116769"/>
+          </a:xfrm>
+          <a:prstGeom prst="rect">
+            <a:avLst/>
+          </a:prstGeom>
+        </p:spPr>
+      </p:pic>
+      <p:pic>
+        <p:nvPicPr>
+          <p:cNvPr id="8" name="図 7">
+            <a:extLst>
+              <a:ext uri="{FF2B5EF4-FFF2-40B4-BE49-F238E27FC236}">
+                <a16:creationId xmlns:a16="http://schemas.microsoft.com/office/drawing/2014/main" id="{952462E8-9C54-4F73-B6CE-5138D6846A21}"/>
+              </a:ext>
+            </a:extLst>
+          </p:cNvPr>
+          <p:cNvPicPr>
+            <a:picLocks noChangeAspect="1"/>
+          </p:cNvPicPr>
+          <p:nvPr/>
+        </p:nvPicPr>
+        <p:blipFill>
+          <a:blip r:embed="rId5">
+            <a:extLst>
+              <a:ext uri="{28A0092B-C50C-407E-A947-70E740481C1C}">
+                <a14:useLocalDpi xmlns:a14="http://schemas.microsoft.com/office/drawing/2010/main" val="0"/>
+              </a:ext>
+            </a:extLst>
+          </a:blip>
+          <a:stretch>
+            <a:fillRect/>
+          </a:stretch>
+        </p:blipFill>
+        <p:spPr>
+          <a:xfrm rot="16200000">
+            <a:off x="5008905" y="4079184"/>
+            <a:ext cx="1847911" cy="2630342"/>
+          </a:xfrm>
+          <a:prstGeom prst="rect">
+            <a:avLst/>
+          </a:prstGeom>
+        </p:spPr>
+      </p:pic>
+      <p:pic>
+        <p:nvPicPr>
+          <p:cNvPr id="10" name="図 9">
+            <a:extLst>
+              <a:ext uri="{FF2B5EF4-FFF2-40B4-BE49-F238E27FC236}">
+                <a16:creationId xmlns:a16="http://schemas.microsoft.com/office/drawing/2014/main" id="{18AD1E98-462B-48E2-B8CE-857957781ECC}"/>
+              </a:ext>
+            </a:extLst>
+          </p:cNvPr>
+          <p:cNvPicPr>
+            <a:picLocks noChangeAspect="1"/>
+          </p:cNvPicPr>
+          <p:nvPr/>
+        </p:nvPicPr>
+        <p:blipFill>
+          <a:blip r:embed="rId6">
+            <a:extLst>
+              <a:ext uri="{28A0092B-C50C-407E-A947-70E740481C1C}">
+                <a14:useLocalDpi xmlns:a14="http://schemas.microsoft.com/office/drawing/2010/main" val="0"/>
+              </a:ext>
+            </a:extLst>
+          </a:blip>
+          <a:stretch>
+            <a:fillRect/>
+          </a:stretch>
+        </p:blipFill>
+        <p:spPr>
+          <a:xfrm>
+            <a:off x="7682705" y="3335211"/>
+            <a:ext cx="3255191" cy="3255191"/>
+          </a:xfrm>
+          <a:prstGeom prst="rect">
+            <a:avLst/>
+          </a:prstGeom>
+        </p:spPr>
+      </p:pic>
+      <p:pic>
+        <p:nvPicPr>
+          <p:cNvPr id="11" name="図 10">
+            <a:extLst>
+              <a:ext uri="{FF2B5EF4-FFF2-40B4-BE49-F238E27FC236}">
+                <a16:creationId xmlns:a16="http://schemas.microsoft.com/office/drawing/2014/main" id="{2125430B-885B-4DC9-8D84-247CC02CEF01}"/>
+              </a:ext>
+            </a:extLst>
+          </p:cNvPr>
+          <p:cNvPicPr>
+            <a:picLocks noChangeAspect="1"/>
+          </p:cNvPicPr>
+          <p:nvPr/>
+        </p:nvPicPr>
+        <p:blipFill>
+          <a:blip r:embed="rId7">
+            <a:extLst>
+              <a:ext uri="{28A0092B-C50C-407E-A947-70E740481C1C}">
+                <a14:useLocalDpi xmlns:a14="http://schemas.microsoft.com/office/drawing/2010/main" val="0"/>
+              </a:ext>
+            </a:extLst>
+          </a:blip>
+          <a:stretch>
+            <a:fillRect/>
+          </a:stretch>
+        </p:blipFill>
+        <p:spPr>
+          <a:xfrm>
+            <a:off x="6202680" y="2603500"/>
+            <a:ext cx="5400548" cy="5400548"/>
           </a:xfrm>
           <a:prstGeom prst="rect">
             <a:avLst/>
@@ -10292,142 +10330,6 @@
   <p:clrMapOvr>
     <a:masterClrMapping/>
   </p:clrMapOvr>
-  <p:timing>
-    <p:tnLst>
-      <p:par>
-        <p:cTn id="1" dur="indefinite" restart="never" nodeType="tmRoot">
-          <p:childTnLst>
-            <p:seq concurrent="1" nextAc="seek">
-              <p:cTn id="2" dur="indefinite" nodeType="mainSeq">
-                <p:childTnLst>
-                  <p:par>
-                    <p:cTn id="3" fill="hold">
-                      <p:stCondLst>
-                        <p:cond delay="indefinite"/>
-                      </p:stCondLst>
-                      <p:childTnLst>
-                        <p:par>
-                          <p:cTn id="4" fill="hold">
-                            <p:stCondLst>
-                              <p:cond delay="0"/>
-                            </p:stCondLst>
-                            <p:childTnLst>
-                              <p:par>
-                                <p:cTn id="5" presetID="22" presetClass="entr" presetSubtype="4" fill="hold" nodeType="clickEffect">
-                                  <p:stCondLst>
-                                    <p:cond delay="0"/>
-                                  </p:stCondLst>
-                                  <p:childTnLst>
-                                    <p:set>
-                                      <p:cBhvr>
-                                        <p:cTn id="6" dur="1" fill="hold">
-                                          <p:stCondLst>
-                                            <p:cond delay="0"/>
-                                          </p:stCondLst>
-                                        </p:cTn>
-                                        <p:tgtEl>
-                                          <p:spTgt spid="5"/>
-                                        </p:tgtEl>
-                                        <p:attrNameLst>
-                                          <p:attrName>style.visibility</p:attrName>
-                                        </p:attrNameLst>
-                                      </p:cBhvr>
-                                      <p:to>
-                                        <p:strVal val="visible"/>
-                                      </p:to>
-                                    </p:set>
-                                    <p:animEffect transition="in" filter="wipe(down)">
-                                      <p:cBhvr>
-                                        <p:cTn id="7" dur="500"/>
-                                        <p:tgtEl>
-                                          <p:spTgt spid="5"/>
-                                        </p:tgtEl>
-                                      </p:cBhvr>
-                                    </p:animEffect>
-                                  </p:childTnLst>
-                                </p:cTn>
-                              </p:par>
-                            </p:childTnLst>
-                          </p:cTn>
-                        </p:par>
-                      </p:childTnLst>
-                    </p:cTn>
-                  </p:par>
-                  <p:par>
-                    <p:cTn id="8" fill="hold">
-                      <p:stCondLst>
-                        <p:cond delay="indefinite"/>
-                      </p:stCondLst>
-                      <p:childTnLst>
-                        <p:par>
-                          <p:cTn id="9" fill="hold">
-                            <p:stCondLst>
-                              <p:cond delay="0"/>
-                            </p:stCondLst>
-                            <p:childTnLst>
-                              <p:par>
-                                <p:cTn id="10" presetID="22" presetClass="entr" presetSubtype="4" fill="hold" nodeType="clickEffect">
-                                  <p:stCondLst>
-                                    <p:cond delay="0"/>
-                                  </p:stCondLst>
-                                  <p:childTnLst>
-                                    <p:set>
-                                      <p:cBhvr>
-                                        <p:cTn id="11" dur="1" fill="hold">
-                                          <p:stCondLst>
-                                            <p:cond delay="0"/>
-                                          </p:stCondLst>
-                                        </p:cTn>
-                                        <p:tgtEl>
-                                          <p:spTgt spid="9"/>
-                                        </p:tgtEl>
-                                        <p:attrNameLst>
-                                          <p:attrName>style.visibility</p:attrName>
-                                        </p:attrNameLst>
-                                      </p:cBhvr>
-                                      <p:to>
-                                        <p:strVal val="visible"/>
-                                      </p:to>
-                                    </p:set>
-                                    <p:animEffect transition="in" filter="wipe(down)">
-                                      <p:cBhvr>
-                                        <p:cTn id="12" dur="500"/>
-                                        <p:tgtEl>
-                                          <p:spTgt spid="9"/>
-                                        </p:tgtEl>
-                                      </p:cBhvr>
-                                    </p:animEffect>
-                                  </p:childTnLst>
-                                </p:cTn>
-                              </p:par>
-                            </p:childTnLst>
-                          </p:cTn>
-                        </p:par>
-                      </p:childTnLst>
-                    </p:cTn>
-                  </p:par>
-                </p:childTnLst>
-              </p:cTn>
-              <p:prevCondLst>
-                <p:cond evt="onPrev" delay="0">
-                  <p:tgtEl>
-                    <p:sldTgt/>
-                  </p:tgtEl>
-                </p:cond>
-              </p:prevCondLst>
-              <p:nextCondLst>
-                <p:cond evt="onNext" delay="0">
-                  <p:tgtEl>
-                    <p:sldTgt/>
-                  </p:tgtEl>
-                </p:cond>
-              </p:nextCondLst>
-            </p:seq>
-          </p:childTnLst>
-        </p:cTn>
-      </p:par>
-    </p:tnLst>
-  </p:timing>
 </p:sld>
 </file>
 
@@ -11158,6 +11060,78 @@
           </a:p>
         </p:txBody>
       </p:sp>
+      <p:pic>
+        <p:nvPicPr>
+          <p:cNvPr id="9" name="図 8">
+            <a:extLst>
+              <a:ext uri="{FF2B5EF4-FFF2-40B4-BE49-F238E27FC236}">
+                <a16:creationId xmlns:a16="http://schemas.microsoft.com/office/drawing/2014/main" id="{0F6BE385-7E8F-48D4-BC3B-4BCBE503F79E}"/>
+              </a:ext>
+            </a:extLst>
+          </p:cNvPr>
+          <p:cNvPicPr>
+            <a:picLocks noChangeAspect="1"/>
+          </p:cNvPicPr>
+          <p:nvPr/>
+        </p:nvPicPr>
+        <p:blipFill>
+          <a:blip r:embed="rId4">
+            <a:extLst>
+              <a:ext uri="{28A0092B-C50C-407E-A947-70E740481C1C}">
+                <a14:useLocalDpi xmlns:a14="http://schemas.microsoft.com/office/drawing/2010/main" val="0"/>
+              </a:ext>
+            </a:extLst>
+          </a:blip>
+          <a:stretch>
+            <a:fillRect/>
+          </a:stretch>
+        </p:blipFill>
+        <p:spPr>
+          <a:xfrm>
+            <a:off x="-112589" y="4621181"/>
+            <a:ext cx="2870780" cy="2397102"/>
+          </a:xfrm>
+          <a:prstGeom prst="rect">
+            <a:avLst/>
+          </a:prstGeom>
+        </p:spPr>
+      </p:pic>
+      <p:pic>
+        <p:nvPicPr>
+          <p:cNvPr id="11" name="図 10">
+            <a:extLst>
+              <a:ext uri="{FF2B5EF4-FFF2-40B4-BE49-F238E27FC236}">
+                <a16:creationId xmlns:a16="http://schemas.microsoft.com/office/drawing/2014/main" id="{6306A171-52FB-4C33-A27B-466041BA0C0B}"/>
+              </a:ext>
+            </a:extLst>
+          </p:cNvPr>
+          <p:cNvPicPr>
+            <a:picLocks noChangeAspect="1"/>
+          </p:cNvPicPr>
+          <p:nvPr/>
+        </p:nvPicPr>
+        <p:blipFill>
+          <a:blip r:embed="rId5">
+            <a:extLst>
+              <a:ext uri="{28A0092B-C50C-407E-A947-70E740481C1C}">
+                <a14:useLocalDpi xmlns:a14="http://schemas.microsoft.com/office/drawing/2010/main" val="0"/>
+              </a:ext>
+            </a:extLst>
+          </a:blip>
+          <a:stretch>
+            <a:fillRect/>
+          </a:stretch>
+        </p:blipFill>
+        <p:spPr>
+          <a:xfrm>
+            <a:off x="9607491" y="4634744"/>
+            <a:ext cx="2299443" cy="2299443"/>
+          </a:xfrm>
+          <a:prstGeom prst="rect">
+            <a:avLst/>
+          </a:prstGeom>
+        </p:spPr>
+      </p:pic>
     </p:spTree>
     <p:extLst>
       <p:ext uri="{BB962C8B-B14F-4D97-AF65-F5344CB8AC3E}">
@@ -13731,17 +13705,6 @@
 </file>
 
 <file path=customXml/item2.xml><?xml version="1.0" encoding="utf-8"?>
-<p:properties xmlns:p="http://schemas.microsoft.com/office/2006/metadata/properties" xmlns:xsi="http://www.w3.org/2001/XMLSchema-instance" xmlns:pc="http://schemas.microsoft.com/office/infopath/2007/PartnerControls">
-  <documentManagement>
-    <lcf76f155ced4ddcb4097134ff3c332f xmlns="86ceb19f-6ae7-4f45-9291-f23dc7cad4a8">
-      <Terms xmlns="http://schemas.microsoft.com/office/infopath/2007/PartnerControls"/>
-    </lcf76f155ced4ddcb4097134ff3c332f>
-    <TaxCatchAll xmlns="d9ddec61-d553-4032-8214-836f20420e5b" xsi:nil="true"/>
-  </documentManagement>
-</p:properties>
-</file>
-
-<file path=customXml/item3.xml><?xml version="1.0" encoding="utf-8"?>
 <ct:contentTypeSchema xmlns:ct="http://schemas.microsoft.com/office/2006/metadata/contentType" xmlns:ma="http://schemas.microsoft.com/office/2006/metadata/properties/metaAttributes" ct:_="" ma:_="" ma:contentTypeName="ドキュメント" ma:contentTypeID="0x010100E01490404992EE4E8DE75A84CE187D61" ma:contentTypeVersion="13" ma:contentTypeDescription="新しいドキュメントを作成します。" ma:contentTypeScope="" ma:versionID="4de2a10b987b0cd1cabba618634b4858">
   <xsd:schema xmlns:xsd="http://www.w3.org/2001/XMLSchema" xmlns:xs="http://www.w3.org/2001/XMLSchema" xmlns:p="http://schemas.microsoft.com/office/2006/metadata/properties" xmlns:ns2="86ceb19f-6ae7-4f45-9291-f23dc7cad4a8" xmlns:ns3="d9ddec61-d553-4032-8214-836f20420e5b" targetNamespace="http://schemas.microsoft.com/office/2006/metadata/properties" ma:root="true" ma:fieldsID="75a65fd2c3f672b3ff036140e68d3afc" ns2:_="" ns3:_="">
     <xsd:import namespace="86ceb19f-6ae7-4f45-9291-f23dc7cad4a8"/>
@@ -13964,6 +13927,17 @@
 </ct:contentTypeSchema>
 </file>
 
+<file path=customXml/item3.xml><?xml version="1.0" encoding="utf-8"?>
+<p:properties xmlns:p="http://schemas.microsoft.com/office/2006/metadata/properties" xmlns:xsi="http://www.w3.org/2001/XMLSchema-instance" xmlns:pc="http://schemas.microsoft.com/office/infopath/2007/PartnerControls">
+  <documentManagement>
+    <lcf76f155ced4ddcb4097134ff3c332f xmlns="86ceb19f-6ae7-4f45-9291-f23dc7cad4a8">
+      <Terms xmlns="http://schemas.microsoft.com/office/infopath/2007/PartnerControls"/>
+    </lcf76f155ced4ddcb4097134ff3c332f>
+    <TaxCatchAll xmlns="d9ddec61-d553-4032-8214-836f20420e5b" xsi:nil="true"/>
+  </documentManagement>
+</p:properties>
+</file>
+
 <file path=customXml/itemProps1.xml><?xml version="1.0" encoding="utf-8"?>
 <ds:datastoreItem xmlns:ds="http://schemas.openxmlformats.org/officeDocument/2006/customXml" ds:itemID="{D1CAAF56-E79E-46EC-85D8-FF1AC3B8584A}">
   <ds:schemaRefs>
@@ -13973,23 +13947,6 @@
 </file>
 
 <file path=customXml/itemProps2.xml><?xml version="1.0" encoding="utf-8"?>
-<ds:datastoreItem xmlns:ds="http://schemas.openxmlformats.org/officeDocument/2006/customXml" ds:itemID="{E512E803-4492-4E48-BC4A-33471278F446}">
-  <ds:schemaRefs>
-    <ds:schemaRef ds:uri="http://purl.org/dc/dcmitype/"/>
-    <ds:schemaRef ds:uri="http://schemas.microsoft.com/office/2006/documentManagement/types"/>
-    <ds:schemaRef ds:uri="http://www.w3.org/XML/1998/namespace"/>
-    <ds:schemaRef ds:uri="d9ddec61-d553-4032-8214-836f20420e5b"/>
-    <ds:schemaRef ds:uri="http://schemas.openxmlformats.org/package/2006/metadata/core-properties"/>
-    <ds:schemaRef ds:uri="http://purl.org/dc/terms/"/>
-    <ds:schemaRef ds:uri="http://schemas.microsoft.com/office/infopath/2007/PartnerControls"/>
-    <ds:schemaRef ds:uri="86ceb19f-6ae7-4f45-9291-f23dc7cad4a8"/>
-    <ds:schemaRef ds:uri="http://schemas.microsoft.com/office/2006/metadata/properties"/>
-    <ds:schemaRef ds:uri="http://purl.org/dc/elements/1.1/"/>
-  </ds:schemaRefs>
-</ds:datastoreItem>
-</file>
-
-<file path=customXml/itemProps3.xml><?xml version="1.0" encoding="utf-8"?>
 <ds:datastoreItem xmlns:ds="http://schemas.openxmlformats.org/officeDocument/2006/customXml" ds:itemID="{3088C02C-7DCC-44F5-9DB3-7F8495DDC635}">
   <ds:schemaRefs>
     <ds:schemaRef ds:uri="http://schemas.microsoft.com/office/2006/metadata/contentType"/>
@@ -14006,4 +13963,21 @@
     <ds:schemaRef ds:uri="http://schemas.microsoft.com/internal/obd"/>
   </ds:schemaRefs>
 </ds:datastoreItem>
+</file>
+
+<file path=customXml/itemProps3.xml><?xml version="1.0" encoding="utf-8"?>
+<ds:datastoreItem xmlns:ds="http://schemas.openxmlformats.org/officeDocument/2006/customXml" ds:itemID="{E512E803-4492-4E48-BC4A-33471278F446}">
+  <ds:schemaRefs>
+    <ds:schemaRef ds:uri="http://purl.org/dc/dcmitype/"/>
+    <ds:schemaRef ds:uri="http://schemas.microsoft.com/office/2006/documentManagement/types"/>
+    <ds:schemaRef ds:uri="http://www.w3.org/XML/1998/namespace"/>
+    <ds:schemaRef ds:uri="d9ddec61-d553-4032-8214-836f20420e5b"/>
+    <ds:schemaRef ds:uri="http://schemas.openxmlformats.org/package/2006/metadata/core-properties"/>
+    <ds:schemaRef ds:uri="http://purl.org/dc/terms/"/>
+    <ds:schemaRef ds:uri="http://schemas.microsoft.com/office/infopath/2007/PartnerControls"/>
+    <ds:schemaRef ds:uri="86ceb19f-6ae7-4f45-9291-f23dc7cad4a8"/>
+    <ds:schemaRef ds:uri="http://schemas.microsoft.com/office/2006/metadata/properties"/>
+    <ds:schemaRef ds:uri="http://purl.org/dc/elements/1.1/"/>
+  </ds:schemaRefs>
+</ds:datastoreItem>
 </file>
--- a/プレゼン資料.pptx
+++ b/プレゼン資料.pptx
@@ -1099,6 +1099,55 @@
             <a:r>
               <a:rPr kumimoji="1" lang="ja-JP" altLang="en-US" i="1" dirty="0"/>
               <a:t>この４つのシンプルな機能を使うことで定期購読者の管理を大きく補助することができます。</a:t>
+            </a:r>
+            <a:endParaRPr kumimoji="1" lang="en-US" altLang="ja-JP" i="1" dirty="0"/>
+          </a:p>
+          <a:p>
+            <a:endParaRPr kumimoji="1" lang="en-US" altLang="ja-JP" i="1" dirty="0"/>
+          </a:p>
+          <a:p>
+            <a:endParaRPr kumimoji="1" lang="en-US" altLang="ja-JP" i="1" dirty="0"/>
+          </a:p>
+          <a:p>
+            <a:r>
+              <a:rPr kumimoji="1" lang="ja-JP" altLang="ja-JP" sz="1200" kern="1200" dirty="0">
+                <a:solidFill>
+                  <a:schemeClr val="tx1"/>
+                </a:solidFill>
+                <a:effectLst/>
+                <a:latin typeface="+mn-lt"/>
+                <a:ea typeface="+mn-ea"/>
+                <a:cs typeface="+mn-cs"/>
+              </a:rPr>
+              <a:t>・本屋での書籍注文管理の補助を行う。</a:t>
+            </a:r>
+          </a:p>
+          <a:p>
+            <a:r>
+              <a:rPr kumimoji="1" lang="ja-JP" altLang="ja-JP" sz="1200" kern="1200" dirty="0">
+                <a:solidFill>
+                  <a:schemeClr val="tx1"/>
+                </a:solidFill>
+                <a:effectLst/>
+                <a:latin typeface="+mn-lt"/>
+                <a:ea typeface="+mn-ea"/>
+                <a:cs typeface="+mn-cs"/>
+              </a:rPr>
+              <a:t>・現状では、紙媒体で「顧客管理」「書籍定期購読管理」を行っていたが、データベースで蓄積・管理することで、</a:t>
+            </a:r>
+          </a:p>
+          <a:p>
+            <a:r>
+              <a:rPr kumimoji="1" lang="ja-JP" altLang="ja-JP" sz="1200" kern="1200" dirty="0">
+                <a:solidFill>
+                  <a:schemeClr val="tx1"/>
+                </a:solidFill>
+                <a:effectLst/>
+                <a:latin typeface="+mn-lt"/>
+                <a:ea typeface="+mn-ea"/>
+                <a:cs typeface="+mn-cs"/>
+              </a:rPr>
+              <a:t>記帳時間の短縮、ミス軽減を図ることを目的とする。</a:t>
             </a:r>
             <a:endParaRPr kumimoji="1" lang="en-US" altLang="ja-JP" i="1" dirty="0"/>
           </a:p>
@@ -13705,6 +13754,17 @@
 </file>
 
 <file path=customXml/item2.xml><?xml version="1.0" encoding="utf-8"?>
+<p:properties xmlns:p="http://schemas.microsoft.com/office/2006/metadata/properties" xmlns:xsi="http://www.w3.org/2001/XMLSchema-instance" xmlns:pc="http://schemas.microsoft.com/office/infopath/2007/PartnerControls">
+  <documentManagement>
+    <lcf76f155ced4ddcb4097134ff3c332f xmlns="86ceb19f-6ae7-4f45-9291-f23dc7cad4a8">
+      <Terms xmlns="http://schemas.microsoft.com/office/infopath/2007/PartnerControls"/>
+    </lcf76f155ced4ddcb4097134ff3c332f>
+    <TaxCatchAll xmlns="d9ddec61-d553-4032-8214-836f20420e5b" xsi:nil="true"/>
+  </documentManagement>
+</p:properties>
+</file>
+
+<file path=customXml/item3.xml><?xml version="1.0" encoding="utf-8"?>
 <ct:contentTypeSchema xmlns:ct="http://schemas.microsoft.com/office/2006/metadata/contentType" xmlns:ma="http://schemas.microsoft.com/office/2006/metadata/properties/metaAttributes" ct:_="" ma:_="" ma:contentTypeName="ドキュメント" ma:contentTypeID="0x010100E01490404992EE4E8DE75A84CE187D61" ma:contentTypeVersion="13" ma:contentTypeDescription="新しいドキュメントを作成します。" ma:contentTypeScope="" ma:versionID="4de2a10b987b0cd1cabba618634b4858">
   <xsd:schema xmlns:xsd="http://www.w3.org/2001/XMLSchema" xmlns:xs="http://www.w3.org/2001/XMLSchema" xmlns:p="http://schemas.microsoft.com/office/2006/metadata/properties" xmlns:ns2="86ceb19f-6ae7-4f45-9291-f23dc7cad4a8" xmlns:ns3="d9ddec61-d553-4032-8214-836f20420e5b" targetNamespace="http://schemas.microsoft.com/office/2006/metadata/properties" ma:root="true" ma:fieldsID="75a65fd2c3f672b3ff036140e68d3afc" ns2:_="" ns3:_="">
     <xsd:import namespace="86ceb19f-6ae7-4f45-9291-f23dc7cad4a8"/>
@@ -13927,17 +13987,6 @@
 </ct:contentTypeSchema>
 </file>
 
-<file path=customXml/item3.xml><?xml version="1.0" encoding="utf-8"?>
-<p:properties xmlns:p="http://schemas.microsoft.com/office/2006/metadata/properties" xmlns:xsi="http://www.w3.org/2001/XMLSchema-instance" xmlns:pc="http://schemas.microsoft.com/office/infopath/2007/PartnerControls">
-  <documentManagement>
-    <lcf76f155ced4ddcb4097134ff3c332f xmlns="86ceb19f-6ae7-4f45-9291-f23dc7cad4a8">
-      <Terms xmlns="http://schemas.microsoft.com/office/infopath/2007/PartnerControls"/>
-    </lcf76f155ced4ddcb4097134ff3c332f>
-    <TaxCatchAll xmlns="d9ddec61-d553-4032-8214-836f20420e5b" xsi:nil="true"/>
-  </documentManagement>
-</p:properties>
-</file>
-
 <file path=customXml/itemProps1.xml><?xml version="1.0" encoding="utf-8"?>
 <ds:datastoreItem xmlns:ds="http://schemas.openxmlformats.org/officeDocument/2006/customXml" ds:itemID="{D1CAAF56-E79E-46EC-85D8-FF1AC3B8584A}">
   <ds:schemaRefs>
@@ -13947,6 +13996,23 @@
 </file>
 
 <file path=customXml/itemProps2.xml><?xml version="1.0" encoding="utf-8"?>
+<ds:datastoreItem xmlns:ds="http://schemas.openxmlformats.org/officeDocument/2006/customXml" ds:itemID="{E512E803-4492-4E48-BC4A-33471278F446}">
+  <ds:schemaRefs>
+    <ds:schemaRef ds:uri="http://purl.org/dc/dcmitype/"/>
+    <ds:schemaRef ds:uri="http://schemas.microsoft.com/office/2006/documentManagement/types"/>
+    <ds:schemaRef ds:uri="http://www.w3.org/XML/1998/namespace"/>
+    <ds:schemaRef ds:uri="d9ddec61-d553-4032-8214-836f20420e5b"/>
+    <ds:schemaRef ds:uri="http://schemas.openxmlformats.org/package/2006/metadata/core-properties"/>
+    <ds:schemaRef ds:uri="http://purl.org/dc/terms/"/>
+    <ds:schemaRef ds:uri="http://schemas.microsoft.com/office/infopath/2007/PartnerControls"/>
+    <ds:schemaRef ds:uri="86ceb19f-6ae7-4f45-9291-f23dc7cad4a8"/>
+    <ds:schemaRef ds:uri="http://schemas.microsoft.com/office/2006/metadata/properties"/>
+    <ds:schemaRef ds:uri="http://purl.org/dc/elements/1.1/"/>
+  </ds:schemaRefs>
+</ds:datastoreItem>
+</file>
+
+<file path=customXml/itemProps3.xml><?xml version="1.0" encoding="utf-8"?>
 <ds:datastoreItem xmlns:ds="http://schemas.openxmlformats.org/officeDocument/2006/customXml" ds:itemID="{3088C02C-7DCC-44F5-9DB3-7F8495DDC635}">
   <ds:schemaRefs>
     <ds:schemaRef ds:uri="http://schemas.microsoft.com/office/2006/metadata/contentType"/>
@@ -13963,21 +14029,4 @@
     <ds:schemaRef ds:uri="http://schemas.microsoft.com/internal/obd"/>
   </ds:schemaRefs>
 </ds:datastoreItem>
-</file>
-
-<file path=customXml/itemProps3.xml><?xml version="1.0" encoding="utf-8"?>
-<ds:datastoreItem xmlns:ds="http://schemas.openxmlformats.org/officeDocument/2006/customXml" ds:itemID="{E512E803-4492-4E48-BC4A-33471278F446}">
-  <ds:schemaRefs>
-    <ds:schemaRef ds:uri="http://purl.org/dc/dcmitype/"/>
-    <ds:schemaRef ds:uri="http://schemas.microsoft.com/office/2006/documentManagement/types"/>
-    <ds:schemaRef ds:uri="http://www.w3.org/XML/1998/namespace"/>
-    <ds:schemaRef ds:uri="d9ddec61-d553-4032-8214-836f20420e5b"/>
-    <ds:schemaRef ds:uri="http://schemas.openxmlformats.org/package/2006/metadata/core-properties"/>
-    <ds:schemaRef ds:uri="http://purl.org/dc/terms/"/>
-    <ds:schemaRef ds:uri="http://schemas.microsoft.com/office/infopath/2007/PartnerControls"/>
-    <ds:schemaRef ds:uri="86ceb19f-6ae7-4f45-9291-f23dc7cad4a8"/>
-    <ds:schemaRef ds:uri="http://schemas.microsoft.com/office/2006/metadata/properties"/>
-    <ds:schemaRef ds:uri="http://purl.org/dc/elements/1.1/"/>
-  </ds:schemaRefs>
-</ds:datastoreItem>
 </file>
--- a/プレゼン資料.pptx
+++ b/プレゼン資料.pptx
@@ -971,6 +971,76 @@
           <a:lstStyle/>
           <a:p>
             <a:r>
+              <a:rPr kumimoji="1" lang="ja-JP" altLang="ja-JP" sz="1200" kern="1200" dirty="0">
+                <a:solidFill>
+                  <a:schemeClr val="tx1"/>
+                </a:solidFill>
+                <a:effectLst/>
+                <a:latin typeface="+mn-lt"/>
+                <a:ea typeface="+mn-ea"/>
+                <a:cs typeface="+mn-cs"/>
+              </a:rPr>
+              <a:t>・書籍管理の補助を行う。</a:t>
+            </a:r>
+          </a:p>
+          <a:p>
+            <a:r>
+              <a:rPr kumimoji="1" lang="ja-JP" altLang="ja-JP" sz="1200" kern="1200" dirty="0">
+                <a:solidFill>
+                  <a:schemeClr val="tx1"/>
+                </a:solidFill>
+                <a:effectLst/>
+                <a:latin typeface="+mn-lt"/>
+                <a:ea typeface="+mn-ea"/>
+                <a:cs typeface="+mn-cs"/>
+              </a:rPr>
+              <a:t>・現状では、紙媒体で「顧客管理」「書籍定期購読管理」を行っていたが、データベースで蓄積・管理することで、</a:t>
+            </a:r>
+          </a:p>
+          <a:p>
+            <a:r>
+              <a:rPr kumimoji="1" lang="ja-JP" altLang="ja-JP" sz="1200" kern="1200" dirty="0">
+                <a:solidFill>
+                  <a:schemeClr val="tx1"/>
+                </a:solidFill>
+                <a:effectLst/>
+                <a:latin typeface="+mn-lt"/>
+                <a:ea typeface="+mn-ea"/>
+                <a:cs typeface="+mn-cs"/>
+              </a:rPr>
+              <a:t>記帳時間の短縮、ミス軽減を図ることを目的と</a:t>
+            </a:r>
+            <a:r>
+              <a:rPr kumimoji="1" lang="ja-JP" altLang="en-US" sz="1200" kern="1200" dirty="0">
+                <a:solidFill>
+                  <a:schemeClr val="tx1"/>
+                </a:solidFill>
+                <a:effectLst/>
+                <a:latin typeface="+mn-lt"/>
+                <a:ea typeface="+mn-ea"/>
+                <a:cs typeface="+mn-cs"/>
+              </a:rPr>
+              <a:t>します</a:t>
+            </a:r>
+            <a:r>
+              <a:rPr kumimoji="1" lang="ja-JP" altLang="ja-JP" sz="1200" kern="1200" dirty="0">
+                <a:solidFill>
+                  <a:schemeClr val="tx1"/>
+                </a:solidFill>
+                <a:effectLst/>
+                <a:latin typeface="+mn-lt"/>
+                <a:ea typeface="+mn-ea"/>
+                <a:cs typeface="+mn-cs"/>
+              </a:rPr>
+              <a:t>。</a:t>
+            </a:r>
+            <a:endParaRPr kumimoji="1" lang="en-US" altLang="ja-JP" i="1" dirty="0"/>
+          </a:p>
+          <a:p>
+            <a:endParaRPr kumimoji="1" lang="en-US" altLang="ja-JP" dirty="0"/>
+          </a:p>
+          <a:p>
+            <a:r>
               <a:rPr kumimoji="1" lang="ja-JP" altLang="en-US" dirty="0"/>
               <a:t>こうすることでメリットとして、</a:t>
             </a:r>
@@ -996,7 +1066,7 @@
                 <a:ea typeface="+mn-ea"/>
                 <a:cs typeface="+mn-cs"/>
               </a:rPr>
-              <a:t>とがあります。</a:t>
+              <a:t>とができます。</a:t>
             </a:r>
             <a:endParaRPr kumimoji="1" lang="ja-JP" altLang="en-US" dirty="0"/>
           </a:p>
@@ -1084,7 +1154,15 @@
           <a:p>
             <a:r>
               <a:rPr kumimoji="1" lang="ja-JP" altLang="en-US" dirty="0"/>
-              <a:t>主な機能は大きく分けて４つあります。</a:t>
+              <a:t>主な機能は大きく分けて</a:t>
+            </a:r>
+            <a:r>
+              <a:rPr kumimoji="1" lang="en-US" altLang="ja-JP" dirty="0"/>
+              <a:t>4</a:t>
+            </a:r>
+            <a:r>
+              <a:rPr kumimoji="1" lang="ja-JP" altLang="en-US" dirty="0"/>
+              <a:t>つあります。</a:t>
             </a:r>
             <a:endParaRPr kumimoji="1" lang="en-US" altLang="ja-JP" dirty="0"/>
           </a:p>
@@ -1098,57 +1176,25 @@
           <a:p>
             <a:r>
               <a:rPr kumimoji="1" lang="ja-JP" altLang="en-US" i="1" dirty="0"/>
-              <a:t>この４つのシンプルな機能を使うことで定期購読者の管理を大きく補助することができます。</a:t>
+              <a:t>この４つのシンプルな機能を使うことで顧客管理と書籍管理できるようになります。</a:t>
             </a:r>
             <a:endParaRPr kumimoji="1" lang="en-US" altLang="ja-JP" i="1" dirty="0"/>
           </a:p>
           <a:p>
+            <a:r>
+              <a:rPr kumimoji="1" lang="ja-JP" altLang="en-US" i="1" dirty="0"/>
+              <a:t>また、売上と年代別及び地域別のランキング</a:t>
+            </a:r>
+            <a:r>
+              <a:rPr kumimoji="1" lang="ja-JP" altLang="en-US" i="1"/>
+              <a:t>を抽出し表示できるようになります。</a:t>
+            </a:r>
             <a:endParaRPr kumimoji="1" lang="en-US" altLang="ja-JP" i="1" dirty="0"/>
           </a:p>
           <a:p>
             <a:endParaRPr kumimoji="1" lang="en-US" altLang="ja-JP" i="1" dirty="0"/>
           </a:p>
           <a:p>
-            <a:r>
-              <a:rPr kumimoji="1" lang="ja-JP" altLang="ja-JP" sz="1200" kern="1200" dirty="0">
-                <a:solidFill>
-                  <a:schemeClr val="tx1"/>
-                </a:solidFill>
-                <a:effectLst/>
-                <a:latin typeface="+mn-lt"/>
-                <a:ea typeface="+mn-ea"/>
-                <a:cs typeface="+mn-cs"/>
-              </a:rPr>
-              <a:t>・本屋での書籍注文管理の補助を行う。</a:t>
-            </a:r>
-          </a:p>
-          <a:p>
-            <a:r>
-              <a:rPr kumimoji="1" lang="ja-JP" altLang="ja-JP" sz="1200" kern="1200" dirty="0">
-                <a:solidFill>
-                  <a:schemeClr val="tx1"/>
-                </a:solidFill>
-                <a:effectLst/>
-                <a:latin typeface="+mn-lt"/>
-                <a:ea typeface="+mn-ea"/>
-                <a:cs typeface="+mn-cs"/>
-              </a:rPr>
-              <a:t>・現状では、紙媒体で「顧客管理」「書籍定期購読管理」を行っていたが、データベースで蓄積・管理することで、</a:t>
-            </a:r>
-          </a:p>
-          <a:p>
-            <a:r>
-              <a:rPr kumimoji="1" lang="ja-JP" altLang="ja-JP" sz="1200" kern="1200" dirty="0">
-                <a:solidFill>
-                  <a:schemeClr val="tx1"/>
-                </a:solidFill>
-                <a:effectLst/>
-                <a:latin typeface="+mn-lt"/>
-                <a:ea typeface="+mn-ea"/>
-                <a:cs typeface="+mn-cs"/>
-              </a:rPr>
-              <a:t>記帳時間の短縮、ミス軽減を図ることを目的とする。</a:t>
-            </a:r>
             <a:endParaRPr kumimoji="1" lang="en-US" altLang="ja-JP" i="1" dirty="0"/>
           </a:p>
         </p:txBody>
@@ -13754,17 +13800,6 @@
 </file>
 
 <file path=customXml/item2.xml><?xml version="1.0" encoding="utf-8"?>
-<p:properties xmlns:p="http://schemas.microsoft.com/office/2006/metadata/properties" xmlns:xsi="http://www.w3.org/2001/XMLSchema-instance" xmlns:pc="http://schemas.microsoft.com/office/infopath/2007/PartnerControls">
-  <documentManagement>
-    <lcf76f155ced4ddcb4097134ff3c332f xmlns="86ceb19f-6ae7-4f45-9291-f23dc7cad4a8">
-      <Terms xmlns="http://schemas.microsoft.com/office/infopath/2007/PartnerControls"/>
-    </lcf76f155ced4ddcb4097134ff3c332f>
-    <TaxCatchAll xmlns="d9ddec61-d553-4032-8214-836f20420e5b" xsi:nil="true"/>
-  </documentManagement>
-</p:properties>
-</file>
-
-<file path=customXml/item3.xml><?xml version="1.0" encoding="utf-8"?>
 <ct:contentTypeSchema xmlns:ct="http://schemas.microsoft.com/office/2006/metadata/contentType" xmlns:ma="http://schemas.microsoft.com/office/2006/metadata/properties/metaAttributes" ct:_="" ma:_="" ma:contentTypeName="ドキュメント" ma:contentTypeID="0x010100E01490404992EE4E8DE75A84CE187D61" ma:contentTypeVersion="13" ma:contentTypeDescription="新しいドキュメントを作成します。" ma:contentTypeScope="" ma:versionID="4de2a10b987b0cd1cabba618634b4858">
   <xsd:schema xmlns:xsd="http://www.w3.org/2001/XMLSchema" xmlns:xs="http://www.w3.org/2001/XMLSchema" xmlns:p="http://schemas.microsoft.com/office/2006/metadata/properties" xmlns:ns2="86ceb19f-6ae7-4f45-9291-f23dc7cad4a8" xmlns:ns3="d9ddec61-d553-4032-8214-836f20420e5b" targetNamespace="http://schemas.microsoft.com/office/2006/metadata/properties" ma:root="true" ma:fieldsID="75a65fd2c3f672b3ff036140e68d3afc" ns2:_="" ns3:_="">
     <xsd:import namespace="86ceb19f-6ae7-4f45-9291-f23dc7cad4a8"/>
@@ -13987,6 +14022,17 @@
 </ct:contentTypeSchema>
 </file>
 
+<file path=customXml/item3.xml><?xml version="1.0" encoding="utf-8"?>
+<p:properties xmlns:p="http://schemas.microsoft.com/office/2006/metadata/properties" xmlns:xsi="http://www.w3.org/2001/XMLSchema-instance" xmlns:pc="http://schemas.microsoft.com/office/infopath/2007/PartnerControls">
+  <documentManagement>
+    <lcf76f155ced4ddcb4097134ff3c332f xmlns="86ceb19f-6ae7-4f45-9291-f23dc7cad4a8">
+      <Terms xmlns="http://schemas.microsoft.com/office/infopath/2007/PartnerControls"/>
+    </lcf76f155ced4ddcb4097134ff3c332f>
+    <TaxCatchAll xmlns="d9ddec61-d553-4032-8214-836f20420e5b" xsi:nil="true"/>
+  </documentManagement>
+</p:properties>
+</file>
+
 <file path=customXml/itemProps1.xml><?xml version="1.0" encoding="utf-8"?>
 <ds:datastoreItem xmlns:ds="http://schemas.openxmlformats.org/officeDocument/2006/customXml" ds:itemID="{D1CAAF56-E79E-46EC-85D8-FF1AC3B8584A}">
   <ds:schemaRefs>
@@ -13996,23 +14042,6 @@
 </file>
 
 <file path=customXml/itemProps2.xml><?xml version="1.0" encoding="utf-8"?>
-<ds:datastoreItem xmlns:ds="http://schemas.openxmlformats.org/officeDocument/2006/customXml" ds:itemID="{E512E803-4492-4E48-BC4A-33471278F446}">
-  <ds:schemaRefs>
-    <ds:schemaRef ds:uri="http://purl.org/dc/dcmitype/"/>
-    <ds:schemaRef ds:uri="http://schemas.microsoft.com/office/2006/documentManagement/types"/>
-    <ds:schemaRef ds:uri="http://www.w3.org/XML/1998/namespace"/>
-    <ds:schemaRef ds:uri="d9ddec61-d553-4032-8214-836f20420e5b"/>
-    <ds:schemaRef ds:uri="http://schemas.openxmlformats.org/package/2006/metadata/core-properties"/>
-    <ds:schemaRef ds:uri="http://purl.org/dc/terms/"/>
-    <ds:schemaRef ds:uri="http://schemas.microsoft.com/office/infopath/2007/PartnerControls"/>
-    <ds:schemaRef ds:uri="86ceb19f-6ae7-4f45-9291-f23dc7cad4a8"/>
-    <ds:schemaRef ds:uri="http://schemas.microsoft.com/office/2006/metadata/properties"/>
-    <ds:schemaRef ds:uri="http://purl.org/dc/elements/1.1/"/>
-  </ds:schemaRefs>
-</ds:datastoreItem>
-</file>
-
-<file path=customXml/itemProps3.xml><?xml version="1.0" encoding="utf-8"?>
 <ds:datastoreItem xmlns:ds="http://schemas.openxmlformats.org/officeDocument/2006/customXml" ds:itemID="{3088C02C-7DCC-44F5-9DB3-7F8495DDC635}">
   <ds:schemaRefs>
     <ds:schemaRef ds:uri="http://schemas.microsoft.com/office/2006/metadata/contentType"/>
@@ -14029,4 +14058,21 @@
     <ds:schemaRef ds:uri="http://schemas.microsoft.com/internal/obd"/>
   </ds:schemaRefs>
 </ds:datastoreItem>
+</file>
+
+<file path=customXml/itemProps3.xml><?xml version="1.0" encoding="utf-8"?>
+<ds:datastoreItem xmlns:ds="http://schemas.openxmlformats.org/officeDocument/2006/customXml" ds:itemID="{E512E803-4492-4E48-BC4A-33471278F446}">
+  <ds:schemaRefs>
+    <ds:schemaRef ds:uri="http://purl.org/dc/dcmitype/"/>
+    <ds:schemaRef ds:uri="http://schemas.microsoft.com/office/2006/documentManagement/types"/>
+    <ds:schemaRef ds:uri="http://www.w3.org/XML/1998/namespace"/>
+    <ds:schemaRef ds:uri="d9ddec61-d553-4032-8214-836f20420e5b"/>
+    <ds:schemaRef ds:uri="http://schemas.openxmlformats.org/package/2006/metadata/core-properties"/>
+    <ds:schemaRef ds:uri="http://purl.org/dc/terms/"/>
+    <ds:schemaRef ds:uri="http://schemas.microsoft.com/office/infopath/2007/PartnerControls"/>
+    <ds:schemaRef ds:uri="86ceb19f-6ae7-4f45-9291-f23dc7cad4a8"/>
+    <ds:schemaRef ds:uri="http://schemas.microsoft.com/office/2006/metadata/properties"/>
+    <ds:schemaRef ds:uri="http://purl.org/dc/elements/1.1/"/>
+  </ds:schemaRefs>
+</ds:datastoreItem>
 </file>
--- a/プレゼン資料.pptx
+++ b/プレゼン資料.pptx
@@ -9241,6 +9241,215 @@
           </a:p>
         </p:txBody>
       </p:sp>
+      <p:pic>
+        <p:nvPicPr>
+          <p:cNvPr id="6" name="図 5">
+            <a:extLst>
+              <a:ext uri="{FF2B5EF4-FFF2-40B4-BE49-F238E27FC236}">
+                <a16:creationId xmlns:a16="http://schemas.microsoft.com/office/drawing/2014/main" id="{5BEBC48A-EC81-40B6-BD33-47BF104E4160}"/>
+              </a:ext>
+            </a:extLst>
+          </p:cNvPr>
+          <p:cNvPicPr>
+            <a:picLocks noChangeAspect="1"/>
+          </p:cNvPicPr>
+          <p:nvPr/>
+        </p:nvPicPr>
+        <p:blipFill>
+          <a:blip r:embed="rId4" cstate="print">
+            <a:extLst>
+              <a:ext uri="{28A0092B-C50C-407E-A947-70E740481C1C}">
+                <a14:useLocalDpi xmlns:a14="http://schemas.microsoft.com/office/drawing/2010/main" val="0"/>
+              </a:ext>
+            </a:extLst>
+          </a:blip>
+          <a:stretch>
+            <a:fillRect/>
+          </a:stretch>
+        </p:blipFill>
+        <p:spPr>
+          <a:xfrm>
+            <a:off x="10123396" y="2173870"/>
+            <a:ext cx="1975113" cy="2084552"/>
+          </a:xfrm>
+          <a:prstGeom prst="rect">
+            <a:avLst/>
+          </a:prstGeom>
+        </p:spPr>
+      </p:pic>
+      <p:pic>
+        <p:nvPicPr>
+          <p:cNvPr id="8" name="図 7">
+            <a:extLst>
+              <a:ext uri="{FF2B5EF4-FFF2-40B4-BE49-F238E27FC236}">
+                <a16:creationId xmlns:a16="http://schemas.microsoft.com/office/drawing/2014/main" id="{1FF99579-3DDE-437F-992E-22A5C7519940}"/>
+              </a:ext>
+            </a:extLst>
+          </p:cNvPr>
+          <p:cNvPicPr>
+            <a:picLocks noChangeAspect="1"/>
+          </p:cNvPicPr>
+          <p:nvPr/>
+        </p:nvPicPr>
+        <p:blipFill>
+          <a:blip r:embed="rId5" cstate="print">
+            <a:extLst>
+              <a:ext uri="{28A0092B-C50C-407E-A947-70E740481C1C}">
+                <a14:useLocalDpi xmlns:a14="http://schemas.microsoft.com/office/drawing/2010/main" val="0"/>
+              </a:ext>
+            </a:extLst>
+          </a:blip>
+          <a:stretch>
+            <a:fillRect/>
+          </a:stretch>
+        </p:blipFill>
+        <p:spPr>
+          <a:xfrm>
+            <a:off x="7979523" y="2707758"/>
+            <a:ext cx="2050382" cy="2250076"/>
+          </a:xfrm>
+          <a:prstGeom prst="rect">
+            <a:avLst/>
+          </a:prstGeom>
+        </p:spPr>
+      </p:pic>
+      <p:pic>
+        <p:nvPicPr>
+          <p:cNvPr id="10" name="図 9">
+            <a:extLst>
+              <a:ext uri="{FF2B5EF4-FFF2-40B4-BE49-F238E27FC236}">
+                <a16:creationId xmlns:a16="http://schemas.microsoft.com/office/drawing/2014/main" id="{AC245BBC-E29A-4297-BBC0-A2F75D1834A3}"/>
+              </a:ext>
+            </a:extLst>
+          </p:cNvPr>
+          <p:cNvPicPr>
+            <a:picLocks noChangeAspect="1"/>
+          </p:cNvPicPr>
+          <p:nvPr/>
+        </p:nvPicPr>
+        <p:blipFill>
+          <a:blip r:embed="rId6" cstate="print">
+            <a:extLst>
+              <a:ext uri="{28A0092B-C50C-407E-A947-70E740481C1C}">
+                <a14:useLocalDpi xmlns:a14="http://schemas.microsoft.com/office/drawing/2010/main" val="0"/>
+              </a:ext>
+            </a:extLst>
+          </a:blip>
+          <a:stretch>
+            <a:fillRect/>
+          </a:stretch>
+        </p:blipFill>
+        <p:spPr>
+          <a:xfrm>
+            <a:off x="10459226" y="4723040"/>
+            <a:ext cx="1975114" cy="2266863"/>
+          </a:xfrm>
+          <a:prstGeom prst="rect">
+            <a:avLst/>
+          </a:prstGeom>
+        </p:spPr>
+      </p:pic>
+      <p:pic>
+        <p:nvPicPr>
+          <p:cNvPr id="12" name="図 11">
+            <a:extLst>
+              <a:ext uri="{FF2B5EF4-FFF2-40B4-BE49-F238E27FC236}">
+                <a16:creationId xmlns:a16="http://schemas.microsoft.com/office/drawing/2014/main" id="{E4EC061D-A020-4943-97ED-FBFB73A2E8BB}"/>
+              </a:ext>
+            </a:extLst>
+          </p:cNvPr>
+          <p:cNvPicPr>
+            <a:picLocks noChangeAspect="1"/>
+          </p:cNvPicPr>
+          <p:nvPr/>
+        </p:nvPicPr>
+        <p:blipFill>
+          <a:blip r:embed="rId7" cstate="print">
+            <a:extLst>
+              <a:ext uri="{BEBA8EAE-BF5A-486C-A8C5-ECC9F3942E4B}">
+                <a14:imgProps xmlns:a14="http://schemas.microsoft.com/office/drawing/2010/main">
+                  <a14:imgLayer r:embed="rId8">
+                    <a14:imgEffect>
+                      <a14:colorTemperature colorTemp="6200"/>
+                    </a14:imgEffect>
+                  </a14:imgLayer>
+                </a14:imgProps>
+              </a:ext>
+              <a:ext uri="{28A0092B-C50C-407E-A947-70E740481C1C}">
+                <a14:useLocalDpi xmlns:a14="http://schemas.microsoft.com/office/drawing/2010/main" val="0"/>
+              </a:ext>
+            </a:extLst>
+          </a:blip>
+          <a:stretch>
+            <a:fillRect/>
+          </a:stretch>
+        </p:blipFill>
+        <p:spPr>
+          <a:xfrm flipH="1">
+            <a:off x="496078" y="4777672"/>
+            <a:ext cx="950102" cy="2084552"/>
+          </a:xfrm>
+          <a:prstGeom prst="rect">
+            <a:avLst/>
+          </a:prstGeom>
+        </p:spPr>
+      </p:pic>
+      <p:sp>
+        <p:nvSpPr>
+          <p:cNvPr id="4" name="正方形/長方形 3">
+            <a:extLst>
+              <a:ext uri="{FF2B5EF4-FFF2-40B4-BE49-F238E27FC236}">
+                <a16:creationId xmlns:a16="http://schemas.microsoft.com/office/drawing/2014/main" id="{8A174C8F-DCAA-4C3E-AA86-34316B129D2E}"/>
+              </a:ext>
+            </a:extLst>
+          </p:cNvPr>
+          <p:cNvSpPr/>
+          <p:nvPr/>
+        </p:nvSpPr>
+        <p:spPr>
+          <a:xfrm>
+            <a:off x="374904" y="0"/>
+            <a:ext cx="12192000" cy="6858000"/>
+          </a:xfrm>
+          <a:prstGeom prst="rect">
+            <a:avLst/>
+          </a:prstGeom>
+          <a:solidFill>
+            <a:schemeClr val="bg1"/>
+          </a:solidFill>
+        </p:spPr>
+        <p:style>
+          <a:lnRef idx="2">
+            <a:schemeClr val="accent1">
+              <a:shade val="50000"/>
+            </a:schemeClr>
+          </a:lnRef>
+          <a:fillRef idx="1">
+            <a:schemeClr val="accent1"/>
+          </a:fillRef>
+          <a:effectRef idx="0">
+            <a:schemeClr val="accent1"/>
+          </a:effectRef>
+          <a:fontRef idx="minor">
+            <a:schemeClr val="lt1"/>
+          </a:fontRef>
+        </p:style>
+        <p:txBody>
+          <a:bodyPr rtlCol="0" anchor="ctr"/>
+          <a:lstStyle/>
+          <a:p>
+            <a:pPr algn="ctr"/>
+            <a:r>
+              <a:rPr kumimoji="1" lang="ja-JP" altLang="en-US" dirty="0">
+                <a:solidFill>
+                  <a:srgbClr val="7030A0"/>
+                </a:solidFill>
+              </a:rPr>
+              <a:t>パワポアニメーションフラッシュについてしらべる</a:t>
+            </a:r>
+          </a:p>
+        </p:txBody>
+      </p:sp>
     </p:spTree>
     <p:extLst>
       <p:ext uri="{BB962C8B-B14F-4D97-AF65-F5344CB8AC3E}">
@@ -9251,6 +9460,384 @@
   <p:clrMapOvr>
     <a:masterClrMapping/>
   </p:clrMapOvr>
+  <p:timing>
+    <p:tnLst>
+      <p:par>
+        <p:cTn id="1" dur="indefinite" restart="never" nodeType="tmRoot">
+          <p:childTnLst>
+            <p:seq concurrent="1" nextAc="seek">
+              <p:cTn id="2" dur="indefinite" nodeType="mainSeq">
+                <p:childTnLst>
+                  <p:par>
+                    <p:cTn id="3" fill="hold">
+                      <p:stCondLst>
+                        <p:cond delay="indefinite"/>
+                      </p:stCondLst>
+                      <p:childTnLst>
+                        <p:par>
+                          <p:cTn id="4" fill="hold">
+                            <p:stCondLst>
+                              <p:cond delay="0"/>
+                            </p:stCondLst>
+                            <p:childTnLst>
+                              <p:par>
+                                <p:cTn id="5" presetID="26" presetClass="emph" presetSubtype="0" fill="hold" grpId="0" nodeType="clickEffect">
+                                  <p:stCondLst>
+                                    <p:cond delay="0"/>
+                                  </p:stCondLst>
+                                  <p:childTnLst>
+                                    <p:animEffect transition="out" filter="fade">
+                                      <p:cBhvr>
+                                        <p:cTn id="6" dur="500" tmFilter="0, 0; .2, .5; .8, .5; 1, 0"/>
+                                        <p:tgtEl>
+                                          <p:spTgt spid="4"/>
+                                        </p:tgtEl>
+                                      </p:cBhvr>
+                                    </p:animEffect>
+                                    <p:animScale>
+                                      <p:cBhvr>
+                                        <p:cTn id="7" dur="250" autoRev="1" fill="hold"/>
+                                        <p:tgtEl>
+                                          <p:spTgt spid="4"/>
+                                        </p:tgtEl>
+                                      </p:cBhvr>
+                                      <p:by x="105000" y="105000"/>
+                                    </p:animScale>
+                                  </p:childTnLst>
+                                </p:cTn>
+                              </p:par>
+                              <p:par>
+                                <p:cTn id="8" presetID="2" presetClass="entr" presetSubtype="2" fill="hold" nodeType="withEffect">
+                                  <p:stCondLst>
+                                    <p:cond delay="0"/>
+                                  </p:stCondLst>
+                                  <p:childTnLst>
+                                    <p:set>
+                                      <p:cBhvr>
+                                        <p:cTn id="9" dur="1" fill="hold">
+                                          <p:stCondLst>
+                                            <p:cond delay="0"/>
+                                          </p:stCondLst>
+                                        </p:cTn>
+                                        <p:tgtEl>
+                                          <p:spTgt spid="8"/>
+                                        </p:tgtEl>
+                                        <p:attrNameLst>
+                                          <p:attrName>style.visibility</p:attrName>
+                                        </p:attrNameLst>
+                                      </p:cBhvr>
+                                      <p:to>
+                                        <p:strVal val="visible"/>
+                                      </p:to>
+                                    </p:set>
+                                    <p:anim calcmode="lin" valueType="num">
+                                      <p:cBhvr additive="base">
+                                        <p:cTn id="10" dur="1500" fill="hold"/>
+                                        <p:tgtEl>
+                                          <p:spTgt spid="8"/>
+                                        </p:tgtEl>
+                                        <p:attrNameLst>
+                                          <p:attrName>ppt_x</p:attrName>
+                                        </p:attrNameLst>
+                                      </p:cBhvr>
+                                      <p:tavLst>
+                                        <p:tav tm="0">
+                                          <p:val>
+                                            <p:strVal val="1+#ppt_w/2"/>
+                                          </p:val>
+                                        </p:tav>
+                                        <p:tav tm="100000">
+                                          <p:val>
+                                            <p:strVal val="#ppt_x"/>
+                                          </p:val>
+                                        </p:tav>
+                                      </p:tavLst>
+                                    </p:anim>
+                                    <p:anim calcmode="lin" valueType="num">
+                                      <p:cBhvr additive="base">
+                                        <p:cTn id="11" dur="1500" fill="hold"/>
+                                        <p:tgtEl>
+                                          <p:spTgt spid="8"/>
+                                        </p:tgtEl>
+                                        <p:attrNameLst>
+                                          <p:attrName>ppt_y</p:attrName>
+                                        </p:attrNameLst>
+                                      </p:cBhvr>
+                                      <p:tavLst>
+                                        <p:tav tm="0">
+                                          <p:val>
+                                            <p:strVal val="#ppt_y"/>
+                                          </p:val>
+                                        </p:tav>
+                                        <p:tav tm="100000">
+                                          <p:val>
+                                            <p:strVal val="#ppt_y"/>
+                                          </p:val>
+                                        </p:tav>
+                                      </p:tavLst>
+                                    </p:anim>
+                                  </p:childTnLst>
+                                </p:cTn>
+                              </p:par>
+                            </p:childTnLst>
+                          </p:cTn>
+                        </p:par>
+                        <p:par>
+                          <p:cTn id="12" fill="hold">
+                            <p:stCondLst>
+                              <p:cond delay="1500"/>
+                            </p:stCondLst>
+                            <p:childTnLst>
+                              <p:par>
+                                <p:cTn id="13" presetID="2" presetClass="entr" presetSubtype="2" fill="hold" nodeType="afterEffect">
+                                  <p:stCondLst>
+                                    <p:cond delay="0"/>
+                                  </p:stCondLst>
+                                  <p:childTnLst>
+                                    <p:set>
+                                      <p:cBhvr>
+                                        <p:cTn id="14" dur="1" fill="hold">
+                                          <p:stCondLst>
+                                            <p:cond delay="0"/>
+                                          </p:stCondLst>
+                                        </p:cTn>
+                                        <p:tgtEl>
+                                          <p:spTgt spid="6"/>
+                                        </p:tgtEl>
+                                        <p:attrNameLst>
+                                          <p:attrName>style.visibility</p:attrName>
+                                        </p:attrNameLst>
+                                      </p:cBhvr>
+                                      <p:to>
+                                        <p:strVal val="visible"/>
+                                      </p:to>
+                                    </p:set>
+                                    <p:anim calcmode="lin" valueType="num">
+                                      <p:cBhvr additive="base">
+                                        <p:cTn id="15" dur="1000" fill="hold"/>
+                                        <p:tgtEl>
+                                          <p:spTgt spid="6"/>
+                                        </p:tgtEl>
+                                        <p:attrNameLst>
+                                          <p:attrName>ppt_x</p:attrName>
+                                        </p:attrNameLst>
+                                      </p:cBhvr>
+                                      <p:tavLst>
+                                        <p:tav tm="0">
+                                          <p:val>
+                                            <p:strVal val="1+#ppt_w/2"/>
+                                          </p:val>
+                                        </p:tav>
+                                        <p:tav tm="100000">
+                                          <p:val>
+                                            <p:strVal val="#ppt_x"/>
+                                          </p:val>
+                                        </p:tav>
+                                      </p:tavLst>
+                                    </p:anim>
+                                    <p:anim calcmode="lin" valueType="num">
+                                      <p:cBhvr additive="base">
+                                        <p:cTn id="16" dur="1000" fill="hold"/>
+                                        <p:tgtEl>
+                                          <p:spTgt spid="6"/>
+                                        </p:tgtEl>
+                                        <p:attrNameLst>
+                                          <p:attrName>ppt_y</p:attrName>
+                                        </p:attrNameLst>
+                                      </p:cBhvr>
+                                      <p:tavLst>
+                                        <p:tav tm="0">
+                                          <p:val>
+                                            <p:strVal val="#ppt_y"/>
+                                          </p:val>
+                                        </p:tav>
+                                        <p:tav tm="100000">
+                                          <p:val>
+                                            <p:strVal val="#ppt_y"/>
+                                          </p:val>
+                                        </p:tav>
+                                      </p:tavLst>
+                                    </p:anim>
+                                  </p:childTnLst>
+                                </p:cTn>
+                              </p:par>
+                              <p:par>
+                                <p:cTn id="17" presetID="2" presetClass="entr" presetSubtype="4" fill="hold" nodeType="withEffect">
+                                  <p:stCondLst>
+                                    <p:cond delay="0"/>
+                                  </p:stCondLst>
+                                  <p:childTnLst>
+                                    <p:set>
+                                      <p:cBhvr>
+                                        <p:cTn id="18" dur="1" fill="hold">
+                                          <p:stCondLst>
+                                            <p:cond delay="0"/>
+                                          </p:stCondLst>
+                                        </p:cTn>
+                                        <p:tgtEl>
+                                          <p:spTgt spid="10"/>
+                                        </p:tgtEl>
+                                        <p:attrNameLst>
+                                          <p:attrName>style.visibility</p:attrName>
+                                        </p:attrNameLst>
+                                      </p:cBhvr>
+                                      <p:to>
+                                        <p:strVal val="visible"/>
+                                      </p:to>
+                                    </p:set>
+                                    <p:anim calcmode="lin" valueType="num">
+                                      <p:cBhvr additive="base">
+                                        <p:cTn id="19" dur="1350" fill="hold"/>
+                                        <p:tgtEl>
+                                          <p:spTgt spid="10"/>
+                                        </p:tgtEl>
+                                        <p:attrNameLst>
+                                          <p:attrName>ppt_x</p:attrName>
+                                        </p:attrNameLst>
+                                      </p:cBhvr>
+                                      <p:tavLst>
+                                        <p:tav tm="0">
+                                          <p:val>
+                                            <p:strVal val="#ppt_x"/>
+                                          </p:val>
+                                        </p:tav>
+                                        <p:tav tm="100000">
+                                          <p:val>
+                                            <p:strVal val="#ppt_x"/>
+                                          </p:val>
+                                        </p:tav>
+                                      </p:tavLst>
+                                    </p:anim>
+                                    <p:anim calcmode="lin" valueType="num">
+                                      <p:cBhvr additive="base">
+                                        <p:cTn id="20" dur="1350" fill="hold"/>
+                                        <p:tgtEl>
+                                          <p:spTgt spid="10"/>
+                                        </p:tgtEl>
+                                        <p:attrNameLst>
+                                          <p:attrName>ppt_y</p:attrName>
+                                        </p:attrNameLst>
+                                      </p:cBhvr>
+                                      <p:tavLst>
+                                        <p:tav tm="0">
+                                          <p:val>
+                                            <p:strVal val="1+#ppt_h/2"/>
+                                          </p:val>
+                                        </p:tav>
+                                        <p:tav tm="100000">
+                                          <p:val>
+                                            <p:strVal val="#ppt_y"/>
+                                          </p:val>
+                                        </p:tav>
+                                      </p:tavLst>
+                                    </p:anim>
+                                  </p:childTnLst>
+                                </p:cTn>
+                              </p:par>
+                              <p:par>
+                                <p:cTn id="21" presetID="2" presetClass="entr" presetSubtype="8" fill="hold" nodeType="withEffect">
+                                  <p:stCondLst>
+                                    <p:cond delay="0"/>
+                                  </p:stCondLst>
+                                  <p:childTnLst>
+                                    <p:set>
+                                      <p:cBhvr>
+                                        <p:cTn id="22" dur="1" fill="hold">
+                                          <p:stCondLst>
+                                            <p:cond delay="0"/>
+                                          </p:stCondLst>
+                                        </p:cTn>
+                                        <p:tgtEl>
+                                          <p:spTgt spid="12"/>
+                                        </p:tgtEl>
+                                        <p:attrNameLst>
+                                          <p:attrName>style.visibility</p:attrName>
+                                        </p:attrNameLst>
+                                      </p:cBhvr>
+                                      <p:to>
+                                        <p:strVal val="visible"/>
+                                      </p:to>
+                                    </p:set>
+                                    <p:anim calcmode="lin" valueType="num">
+                                      <p:cBhvr additive="base">
+                                        <p:cTn id="23" dur="5000" fill="hold"/>
+                                        <p:tgtEl>
+                                          <p:spTgt spid="12"/>
+                                        </p:tgtEl>
+                                        <p:attrNameLst>
+                                          <p:attrName>ppt_x</p:attrName>
+                                        </p:attrNameLst>
+                                      </p:cBhvr>
+                                      <p:tavLst>
+                                        <p:tav tm="0">
+                                          <p:val>
+                                            <p:strVal val="0-#ppt_w/2"/>
+                                          </p:val>
+                                        </p:tav>
+                                        <p:tav tm="100000">
+                                          <p:val>
+                                            <p:strVal val="#ppt_x"/>
+                                          </p:val>
+                                        </p:tav>
+                                      </p:tavLst>
+                                    </p:anim>
+                                    <p:anim calcmode="lin" valueType="num">
+                                      <p:cBhvr additive="base">
+                                        <p:cTn id="24" dur="5000" fill="hold"/>
+                                        <p:tgtEl>
+                                          <p:spTgt spid="12"/>
+                                        </p:tgtEl>
+                                        <p:attrNameLst>
+                                          <p:attrName>ppt_y</p:attrName>
+                                        </p:attrNameLst>
+                                      </p:cBhvr>
+                                      <p:tavLst>
+                                        <p:tav tm="0">
+                                          <p:val>
+                                            <p:strVal val="#ppt_y"/>
+                                          </p:val>
+                                        </p:tav>
+                                        <p:tav tm="100000">
+                                          <p:val>
+                                            <p:strVal val="#ppt_y"/>
+                                          </p:val>
+                                        </p:tav>
+                                      </p:tavLst>
+                                    </p:anim>
+                                  </p:childTnLst>
+                                </p:cTn>
+                              </p:par>
+                            </p:childTnLst>
+                          </p:cTn>
+                        </p:par>
+                      </p:childTnLst>
+                    </p:cTn>
+                  </p:par>
+                </p:childTnLst>
+              </p:cTn>
+              <p:prevCondLst>
+                <p:cond evt="onPrev" delay="0">
+                  <p:tgtEl>
+                    <p:sldTgt/>
+                  </p:tgtEl>
+                </p:cond>
+              </p:prevCondLst>
+              <p:nextCondLst>
+                <p:cond evt="onNext" delay="0">
+                  <p:tgtEl>
+                    <p:sldTgt/>
+                  </p:tgtEl>
+                </p:cond>
+              </p:nextCondLst>
+            </p:seq>
+          </p:childTnLst>
+        </p:cTn>
+      </p:par>
+    </p:tnLst>
+    <p:bldLst>
+      <p:bldP spid="4" grpId="0" animBg="1"/>
+    </p:bldLst>
+  </p:timing>
 </p:sld>
 </file>
 
@@ -9602,10 +10189,10 @@
       </p:sp>
       <p:pic>
         <p:nvPicPr>
-          <p:cNvPr id="6" name="図 5">
+          <p:cNvPr id="7" name="図 6">
             <a:extLst>
               <a:ext uri="{FF2B5EF4-FFF2-40B4-BE49-F238E27FC236}">
-                <a16:creationId xmlns:a16="http://schemas.microsoft.com/office/drawing/2014/main" id="{9D939150-E505-4FCE-9F62-E49CFF3B23F8}"/>
+                <a16:creationId xmlns:a16="http://schemas.microsoft.com/office/drawing/2014/main" id="{7721923F-8816-430A-962D-21F3BB5C9881}"/>
               </a:ext>
             </a:extLst>
           </p:cNvPr>
@@ -9628,8 +10215,8 @@
         </p:blipFill>
         <p:spPr>
           <a:xfrm>
-            <a:off x="941821" y="4156207"/>
-            <a:ext cx="2385306" cy="2282845"/>
+            <a:off x="8737013" y="4132195"/>
+            <a:ext cx="2126765" cy="2287344"/>
           </a:xfrm>
           <a:prstGeom prst="rect">
             <a:avLst/>
@@ -9638,10 +10225,45 @@
       </p:pic>
       <p:pic>
         <p:nvPicPr>
-          <p:cNvPr id="7" name="図 6">
+          <p:cNvPr id="9" name="図 8">
             <a:extLst>
               <a:ext uri="{FF2B5EF4-FFF2-40B4-BE49-F238E27FC236}">
-                <a16:creationId xmlns:a16="http://schemas.microsoft.com/office/drawing/2014/main" id="{7721923F-8816-430A-962D-21F3BB5C9881}"/>
+                <a16:creationId xmlns:a16="http://schemas.microsoft.com/office/drawing/2014/main" id="{83A1CFCC-CABB-4E07-B20A-A797B5B017BA}"/>
+              </a:ext>
+            </a:extLst>
+          </p:cNvPr>
+          <p:cNvPicPr>
+            <a:picLocks noChangeAspect="1"/>
+          </p:cNvPicPr>
+          <p:nvPr/>
+        </p:nvPicPr>
+        <p:blipFill rotWithShape="1">
+          <a:blip r:embed="rId5">
+            <a:extLst>
+              <a:ext uri="{28A0092B-C50C-407E-A947-70E740481C1C}">
+                <a14:useLocalDpi xmlns:a14="http://schemas.microsoft.com/office/drawing/2010/main" val="0"/>
+              </a:ext>
+            </a:extLst>
+          </a:blip>
+          <a:srcRect l="59914"/>
+          <a:stretch/>
+        </p:blipFill>
+        <p:spPr>
+          <a:xfrm>
+            <a:off x="-991214" y="4761797"/>
+            <a:ext cx="577905" cy="1441637"/>
+          </a:xfrm>
+          <a:prstGeom prst="rect">
+            <a:avLst/>
+          </a:prstGeom>
+        </p:spPr>
+      </p:pic>
+      <p:pic>
+        <p:nvPicPr>
+          <p:cNvPr id="6" name="図 5">
+            <a:extLst>
+              <a:ext uri="{FF2B5EF4-FFF2-40B4-BE49-F238E27FC236}">
+                <a16:creationId xmlns:a16="http://schemas.microsoft.com/office/drawing/2014/main" id="{9D939150-E505-4FCE-9F62-E49CFF3B23F8}"/>
               </a:ext>
             </a:extLst>
           </p:cNvPr>
@@ -9651,7 +10273,7 @@
           <p:nvPr/>
         </p:nvPicPr>
         <p:blipFill>
-          <a:blip r:embed="rId5" cstate="print">
+          <a:blip r:embed="rId6" cstate="print">
             <a:extLst>
               <a:ext uri="{28A0092B-C50C-407E-A947-70E740481C1C}">
                 <a14:useLocalDpi xmlns:a14="http://schemas.microsoft.com/office/drawing/2010/main" val="0"/>
@@ -9664,8 +10286,8 @@
         </p:blipFill>
         <p:spPr>
           <a:xfrm>
-            <a:off x="8737013" y="4132195"/>
-            <a:ext cx="2126765" cy="2287344"/>
+            <a:off x="719257" y="4100892"/>
+            <a:ext cx="2385306" cy="2282845"/>
           </a:xfrm>
           <a:prstGeom prst="rect">
             <a:avLst/>
@@ -9682,6 +10304,353 @@
   <p:clrMapOvr>
     <a:masterClrMapping/>
   </p:clrMapOvr>
+  <p:timing>
+    <p:tnLst>
+      <p:par>
+        <p:cTn id="1" dur="indefinite" restart="never" nodeType="tmRoot">
+          <p:childTnLst>
+            <p:seq concurrent="1" nextAc="seek">
+              <p:cTn id="2" dur="indefinite" nodeType="mainSeq">
+                <p:childTnLst>
+                  <p:par>
+                    <p:cTn id="3" fill="hold">
+                      <p:stCondLst>
+                        <p:cond delay="indefinite"/>
+                        <p:cond evt="onBegin" delay="0">
+                          <p:tn val="2"/>
+                        </p:cond>
+                      </p:stCondLst>
+                      <p:childTnLst>
+                        <p:par>
+                          <p:cTn id="4" fill="hold">
+                            <p:stCondLst>
+                              <p:cond delay="0"/>
+                            </p:stCondLst>
+                            <p:childTnLst>
+                              <p:par>
+                                <p:cTn id="5" presetID="10" presetClass="entr" presetSubtype="0" fill="hold" grpId="0" nodeType="withEffect">
+                                  <p:stCondLst>
+                                    <p:cond delay="0"/>
+                                  </p:stCondLst>
+                                  <p:childTnLst>
+                                    <p:set>
+                                      <p:cBhvr>
+                                        <p:cTn id="6" dur="1" fill="hold">
+                                          <p:stCondLst>
+                                            <p:cond delay="0"/>
+                                          </p:stCondLst>
+                                        </p:cTn>
+                                        <p:tgtEl>
+                                          <p:spTgt spid="2"/>
+                                        </p:tgtEl>
+                                        <p:attrNameLst>
+                                          <p:attrName>style.visibility</p:attrName>
+                                        </p:attrNameLst>
+                                      </p:cBhvr>
+                                      <p:to>
+                                        <p:strVal val="visible"/>
+                                      </p:to>
+                                    </p:set>
+                                    <p:animEffect transition="in" filter="fade">
+                                      <p:cBhvr>
+                                        <p:cTn id="7" dur="500"/>
+                                        <p:tgtEl>
+                                          <p:spTgt spid="2"/>
+                                        </p:tgtEl>
+                                      </p:cBhvr>
+                                    </p:animEffect>
+                                  </p:childTnLst>
+                                </p:cTn>
+                              </p:par>
+                            </p:childTnLst>
+                          </p:cTn>
+                        </p:par>
+                        <p:par>
+                          <p:cTn id="8" fill="hold">
+                            <p:stCondLst>
+                              <p:cond delay="500"/>
+                            </p:stCondLst>
+                            <p:childTnLst>
+                              <p:par>
+                                <p:cTn id="9" presetID="10" presetClass="entr" presetSubtype="0" fill="hold" grpId="0" nodeType="afterEffect">
+                                  <p:stCondLst>
+                                    <p:cond delay="0"/>
+                                  </p:stCondLst>
+                                  <p:childTnLst>
+                                    <p:set>
+                                      <p:cBhvr>
+                                        <p:cTn id="10" dur="1" fill="hold">
+                                          <p:stCondLst>
+                                            <p:cond delay="0"/>
+                                          </p:stCondLst>
+                                        </p:cTn>
+                                        <p:tgtEl>
+                                          <p:spTgt spid="3">
+                                            <p:txEl>
+                                              <p:pRg st="0" end="0"/>
+                                            </p:txEl>
+                                          </p:spTgt>
+                                        </p:tgtEl>
+                                        <p:attrNameLst>
+                                          <p:attrName>style.visibility</p:attrName>
+                                        </p:attrNameLst>
+                                      </p:cBhvr>
+                                      <p:to>
+                                        <p:strVal val="visible"/>
+                                      </p:to>
+                                    </p:set>
+                                    <p:animEffect transition="in" filter="fade">
+                                      <p:cBhvr>
+                                        <p:cTn id="11" dur="500"/>
+                                        <p:tgtEl>
+                                          <p:spTgt spid="3">
+                                            <p:txEl>
+                                              <p:pRg st="0" end="0"/>
+                                            </p:txEl>
+                                          </p:spTgt>
+                                        </p:tgtEl>
+                                      </p:cBhvr>
+                                    </p:animEffect>
+                                  </p:childTnLst>
+                                </p:cTn>
+                              </p:par>
+                            </p:childTnLst>
+                          </p:cTn>
+                        </p:par>
+                        <p:par>
+                          <p:cTn id="12" fill="hold">
+                            <p:stCondLst>
+                              <p:cond delay="1000"/>
+                            </p:stCondLst>
+                            <p:childTnLst>
+                              <p:par>
+                                <p:cTn id="13" presetID="10" presetClass="entr" presetSubtype="0" fill="hold" grpId="0" nodeType="afterEffect">
+                                  <p:stCondLst>
+                                    <p:cond delay="0"/>
+                                  </p:stCondLst>
+                                  <p:childTnLst>
+                                    <p:set>
+                                      <p:cBhvr>
+                                        <p:cTn id="14" dur="1" fill="hold">
+                                          <p:stCondLst>
+                                            <p:cond delay="0"/>
+                                          </p:stCondLst>
+                                        </p:cTn>
+                                        <p:tgtEl>
+                                          <p:spTgt spid="3">
+                                            <p:txEl>
+                                              <p:pRg st="1" end="1"/>
+                                            </p:txEl>
+                                          </p:spTgt>
+                                        </p:tgtEl>
+                                        <p:attrNameLst>
+                                          <p:attrName>style.visibility</p:attrName>
+                                        </p:attrNameLst>
+                                      </p:cBhvr>
+                                      <p:to>
+                                        <p:strVal val="visible"/>
+                                      </p:to>
+                                    </p:set>
+                                    <p:animEffect transition="in" filter="fade">
+                                      <p:cBhvr>
+                                        <p:cTn id="15" dur="500"/>
+                                        <p:tgtEl>
+                                          <p:spTgt spid="3">
+                                            <p:txEl>
+                                              <p:pRg st="1" end="1"/>
+                                            </p:txEl>
+                                          </p:spTgt>
+                                        </p:tgtEl>
+                                      </p:cBhvr>
+                                    </p:animEffect>
+                                  </p:childTnLst>
+                                </p:cTn>
+                              </p:par>
+                            </p:childTnLst>
+                          </p:cTn>
+                        </p:par>
+                        <p:par>
+                          <p:cTn id="16" fill="hold">
+                            <p:stCondLst>
+                              <p:cond delay="1500"/>
+                            </p:stCondLst>
+                            <p:childTnLst>
+                              <p:par>
+                                <p:cTn id="17" presetID="10" presetClass="entr" presetSubtype="0" fill="hold" grpId="0" nodeType="afterEffect">
+                                  <p:stCondLst>
+                                    <p:cond delay="0"/>
+                                  </p:stCondLst>
+                                  <p:childTnLst>
+                                    <p:set>
+                                      <p:cBhvr>
+                                        <p:cTn id="18" dur="1" fill="hold">
+                                          <p:stCondLst>
+                                            <p:cond delay="0"/>
+                                          </p:stCondLst>
+                                        </p:cTn>
+                                        <p:tgtEl>
+                                          <p:spTgt spid="3">
+                                            <p:txEl>
+                                              <p:pRg st="2" end="2"/>
+                                            </p:txEl>
+                                          </p:spTgt>
+                                        </p:tgtEl>
+                                        <p:attrNameLst>
+                                          <p:attrName>style.visibility</p:attrName>
+                                        </p:attrNameLst>
+                                      </p:cBhvr>
+                                      <p:to>
+                                        <p:strVal val="visible"/>
+                                      </p:to>
+                                    </p:set>
+                                    <p:animEffect transition="in" filter="fade">
+                                      <p:cBhvr>
+                                        <p:cTn id="19" dur="500"/>
+                                        <p:tgtEl>
+                                          <p:spTgt spid="3">
+                                            <p:txEl>
+                                              <p:pRg st="2" end="2"/>
+                                            </p:txEl>
+                                          </p:spTgt>
+                                        </p:tgtEl>
+                                      </p:cBhvr>
+                                    </p:animEffect>
+                                  </p:childTnLst>
+                                </p:cTn>
+                              </p:par>
+                              <p:par>
+                                <p:cTn id="20" presetID="10" presetClass="entr" presetSubtype="0" fill="hold" nodeType="withEffect">
+                                  <p:stCondLst>
+                                    <p:cond delay="0"/>
+                                  </p:stCondLst>
+                                  <p:childTnLst>
+                                    <p:set>
+                                      <p:cBhvr>
+                                        <p:cTn id="21" dur="1" fill="hold">
+                                          <p:stCondLst>
+                                            <p:cond delay="0"/>
+                                          </p:stCondLst>
+                                        </p:cTn>
+                                        <p:tgtEl>
+                                          <p:spTgt spid="6"/>
+                                        </p:tgtEl>
+                                        <p:attrNameLst>
+                                          <p:attrName>style.visibility</p:attrName>
+                                        </p:attrNameLst>
+                                      </p:cBhvr>
+                                      <p:to>
+                                        <p:strVal val="visible"/>
+                                      </p:to>
+                                    </p:set>
+                                    <p:animEffect transition="in" filter="fade">
+                                      <p:cBhvr>
+                                        <p:cTn id="22" dur="500"/>
+                                        <p:tgtEl>
+                                          <p:spTgt spid="6"/>
+                                        </p:tgtEl>
+                                      </p:cBhvr>
+                                    </p:animEffect>
+                                  </p:childTnLst>
+                                </p:cTn>
+                              </p:par>
+                              <p:par>
+                                <p:cTn id="23" presetID="10" presetClass="entr" presetSubtype="0" fill="hold" nodeType="withEffect">
+                                  <p:stCondLst>
+                                    <p:cond delay="0"/>
+                                  </p:stCondLst>
+                                  <p:childTnLst>
+                                    <p:set>
+                                      <p:cBhvr>
+                                        <p:cTn id="24" dur="1" fill="hold">
+                                          <p:stCondLst>
+                                            <p:cond delay="0"/>
+                                          </p:stCondLst>
+                                        </p:cTn>
+                                        <p:tgtEl>
+                                          <p:spTgt spid="7"/>
+                                        </p:tgtEl>
+                                        <p:attrNameLst>
+                                          <p:attrName>style.visibility</p:attrName>
+                                        </p:attrNameLst>
+                                      </p:cBhvr>
+                                      <p:to>
+                                        <p:strVal val="visible"/>
+                                      </p:to>
+                                    </p:set>
+                                    <p:animEffect transition="in" filter="fade">
+                                      <p:cBhvr>
+                                        <p:cTn id="25" dur="500"/>
+                                        <p:tgtEl>
+                                          <p:spTgt spid="7"/>
+                                        </p:tgtEl>
+                                      </p:cBhvr>
+                                    </p:animEffect>
+                                  </p:childTnLst>
+                                </p:cTn>
+                              </p:par>
+                            </p:childTnLst>
+                          </p:cTn>
+                        </p:par>
+                        <p:par>
+                          <p:cTn id="26" fill="hold">
+                            <p:stCondLst>
+                              <p:cond delay="2000"/>
+                            </p:stCondLst>
+                            <p:childTnLst>
+                              <p:par>
+                                <p:cTn id="27" presetID="42" presetClass="path" presetSubtype="0" accel="50000" decel="50000" fill="hold" nodeType="afterEffect">
+                                  <p:stCondLst>
+                                    <p:cond delay="0"/>
+                                  </p:stCondLst>
+                                  <p:childTnLst>
+                                    <p:animMotion origin="layout" path="M 0.23568 -0.05139 L 0.32734 -0.05324 " pathEditMode="relative" rAng="0" ptsTypes="AA">
+                                      <p:cBhvr>
+                                        <p:cTn id="28" dur="10000" fill="hold"/>
+                                        <p:tgtEl>
+                                          <p:spTgt spid="9"/>
+                                        </p:tgtEl>
+                                        <p:attrNameLst>
+                                          <p:attrName>ppt_x</p:attrName>
+                                          <p:attrName>ppt_y</p:attrName>
+                                        </p:attrNameLst>
+                                      </p:cBhvr>
+                                      <p:rCtr x="4583" y="-93"/>
+                                    </p:animMotion>
+                                  </p:childTnLst>
+                                </p:cTn>
+                              </p:par>
+                            </p:childTnLst>
+                          </p:cTn>
+                        </p:par>
+                      </p:childTnLst>
+                    </p:cTn>
+                  </p:par>
+                </p:childTnLst>
+              </p:cTn>
+              <p:prevCondLst>
+                <p:cond evt="onPrev" delay="0">
+                  <p:tgtEl>
+                    <p:sldTgt/>
+                  </p:tgtEl>
+                </p:cond>
+              </p:prevCondLst>
+              <p:nextCondLst>
+                <p:cond evt="onNext" delay="0">
+                  <p:tgtEl>
+                    <p:sldTgt/>
+                  </p:tgtEl>
+                </p:cond>
+              </p:nextCondLst>
+            </p:seq>
+          </p:childTnLst>
+        </p:cTn>
+      </p:par>
+    </p:tnLst>
+    <p:bldLst>
+      <p:bldP spid="2" grpId="0"/>
+      <p:bldP spid="3" grpId="0" uiExpand="1" build="p"/>
+    </p:bldLst>
+  </p:timing>
 </p:sld>
 </file>
 
@@ -9750,7 +10719,7 @@
         </p:nvSpPr>
         <p:spPr>
           <a:xfrm>
-            <a:off x="3551177" y="899260"/>
+            <a:off x="3551177" y="599456"/>
             <a:ext cx="5089646" cy="1090485"/>
           </a:xfrm>
         </p:spPr>
@@ -9806,7 +10775,7 @@
         </p:nvSpPr>
         <p:spPr>
           <a:xfrm>
-            <a:off x="807466" y="1514009"/>
+            <a:off x="807466" y="995265"/>
             <a:ext cx="10577068" cy="2805406"/>
           </a:xfrm>
         </p:spPr>
@@ -9862,7 +10831,7 @@
                 <a:latin typeface="HG丸ｺﾞｼｯｸM-PRO" panose="020F0600000000000000" pitchFamily="50" charset="-128"/>
                 <a:ea typeface="HG丸ｺﾞｼｯｸM-PRO" panose="020F0600000000000000" pitchFamily="50" charset="-128"/>
               </a:rPr>
-              <a:t>「顧客管理」「書籍定期購読管理」を</a:t>
+              <a:t>「顧客管理」「書籍管理」を</a:t>
             </a:r>
             <a:endParaRPr lang="en-US" altLang="ja-JP" sz="4800" dirty="0">
               <a:solidFill>
@@ -9929,7 +10898,7 @@
           </p:cNvPicPr>
           <p:nvPr/>
         </p:nvPicPr>
-        <p:blipFill>
+        <p:blipFill rotWithShape="1">
           <a:blip r:embed="rId4">
             <a:extLst>
               <a:ext uri="{28A0092B-C50C-407E-A947-70E740481C1C}">
@@ -9937,14 +10906,13 @@
               </a:ext>
             </a:extLst>
           </a:blip>
-          <a:stretch>
-            <a:fillRect/>
-          </a:stretch>
+          <a:srcRect r="58012"/>
+          <a:stretch/>
         </p:blipFill>
         <p:spPr>
           <a:xfrm>
-            <a:off x="6430806" y="3744419"/>
-            <a:ext cx="5566461" cy="3157702"/>
+            <a:off x="2917339" y="3251665"/>
+            <a:ext cx="3048746" cy="3606335"/>
           </a:xfrm>
           <a:prstGeom prst="rect">
             <a:avLst/>
@@ -9979,8 +10947,43 @@
         </p:blipFill>
         <p:spPr>
           <a:xfrm>
-            <a:off x="5761195" y="4642799"/>
-            <a:ext cx="2381250" cy="2381250"/>
+            <a:off x="2773509" y="3320486"/>
+            <a:ext cx="3537514" cy="3537514"/>
+          </a:xfrm>
+          <a:prstGeom prst="rect">
+            <a:avLst/>
+          </a:prstGeom>
+        </p:spPr>
+      </p:pic>
+      <p:pic>
+        <p:nvPicPr>
+          <p:cNvPr id="5" name="図 4">
+            <a:extLst>
+              <a:ext uri="{FF2B5EF4-FFF2-40B4-BE49-F238E27FC236}">
+                <a16:creationId xmlns:a16="http://schemas.microsoft.com/office/drawing/2014/main" id="{B80AB50A-E2AF-4FB8-8425-7BE188E8EA1E}"/>
+              </a:ext>
+            </a:extLst>
+          </p:cNvPr>
+          <p:cNvPicPr>
+            <a:picLocks noChangeAspect="1"/>
+          </p:cNvPicPr>
+          <p:nvPr/>
+        </p:nvPicPr>
+        <p:blipFill rotWithShape="1">
+          <a:blip r:embed="rId4">
+            <a:extLst>
+              <a:ext uri="{28A0092B-C50C-407E-A947-70E740481C1C}">
+                <a14:useLocalDpi xmlns:a14="http://schemas.microsoft.com/office/drawing/2010/main" val="0"/>
+              </a:ext>
+            </a:extLst>
+          </a:blip>
+          <a:srcRect l="43254"/>
+          <a:stretch/>
+        </p:blipFill>
+        <p:spPr>
+          <a:xfrm>
+            <a:off x="6311023" y="3147788"/>
+            <a:ext cx="3537515" cy="3797946"/>
           </a:xfrm>
           <a:prstGeom prst="rect">
             <a:avLst/>
@@ -10009,6 +11012,9 @@
                     <p:cTn id="3" fill="hold">
                       <p:stCondLst>
                         <p:cond delay="indefinite"/>
+                        <p:cond evt="onBegin" delay="0">
+                          <p:tn val="2"/>
+                        </p:cond>
                       </p:stCondLst>
                       <p:childTnLst>
                         <p:par>
@@ -10018,7 +11024,7 @@
                             </p:stCondLst>
                             <p:childTnLst>
                               <p:par>
-                                <p:cTn id="5" presetID="22" presetClass="entr" presetSubtype="4" fill="hold" nodeType="clickEffect">
+                                <p:cTn id="5" presetID="10" presetClass="entr" presetSubtype="0" fill="hold" grpId="0" nodeType="withEffect">
                                   <p:stCondLst>
                                     <p:cond delay="0"/>
                                   </p:stCondLst>
@@ -10026,6 +11032,268 @@
                                     <p:set>
                                       <p:cBhvr>
                                         <p:cTn id="6" dur="1" fill="hold">
+                                          <p:stCondLst>
+                                            <p:cond delay="0"/>
+                                          </p:stCondLst>
+                                        </p:cTn>
+                                        <p:tgtEl>
+                                          <p:spTgt spid="2"/>
+                                        </p:tgtEl>
+                                        <p:attrNameLst>
+                                          <p:attrName>style.visibility</p:attrName>
+                                        </p:attrNameLst>
+                                      </p:cBhvr>
+                                      <p:to>
+                                        <p:strVal val="visible"/>
+                                      </p:to>
+                                    </p:set>
+                                    <p:animEffect transition="in" filter="fade">
+                                      <p:cBhvr>
+                                        <p:cTn id="7" dur="500"/>
+                                        <p:tgtEl>
+                                          <p:spTgt spid="2"/>
+                                        </p:tgtEl>
+                                      </p:cBhvr>
+                                    </p:animEffect>
+                                  </p:childTnLst>
+                                </p:cTn>
+                              </p:par>
+                            </p:childTnLst>
+                          </p:cTn>
+                        </p:par>
+                        <p:par>
+                          <p:cTn id="8" fill="hold">
+                            <p:stCondLst>
+                              <p:cond delay="500"/>
+                            </p:stCondLst>
+                            <p:childTnLst>
+                              <p:par>
+                                <p:cTn id="9" presetID="10" presetClass="entr" presetSubtype="0" fill="hold" grpId="0" nodeType="afterEffect">
+                                  <p:stCondLst>
+                                    <p:cond delay="0"/>
+                                  </p:stCondLst>
+                                  <p:childTnLst>
+                                    <p:set>
+                                      <p:cBhvr>
+                                        <p:cTn id="10" dur="1" fill="hold">
+                                          <p:stCondLst>
+                                            <p:cond delay="0"/>
+                                          </p:stCondLst>
+                                        </p:cTn>
+                                        <p:tgtEl>
+                                          <p:spTgt spid="3">
+                                            <p:txEl>
+                                              <p:pRg st="1" end="1"/>
+                                            </p:txEl>
+                                          </p:spTgt>
+                                        </p:tgtEl>
+                                        <p:attrNameLst>
+                                          <p:attrName>style.visibility</p:attrName>
+                                        </p:attrNameLst>
+                                      </p:cBhvr>
+                                      <p:to>
+                                        <p:strVal val="visible"/>
+                                      </p:to>
+                                    </p:set>
+                                    <p:animEffect transition="in" filter="fade">
+                                      <p:cBhvr>
+                                        <p:cTn id="11" dur="500"/>
+                                        <p:tgtEl>
+                                          <p:spTgt spid="3">
+                                            <p:txEl>
+                                              <p:pRg st="1" end="1"/>
+                                            </p:txEl>
+                                          </p:spTgt>
+                                        </p:tgtEl>
+                                      </p:cBhvr>
+                                    </p:animEffect>
+                                  </p:childTnLst>
+                                </p:cTn>
+                              </p:par>
+                            </p:childTnLst>
+                          </p:cTn>
+                        </p:par>
+                        <p:par>
+                          <p:cTn id="12" fill="hold">
+                            <p:stCondLst>
+                              <p:cond delay="1000"/>
+                            </p:stCondLst>
+                            <p:childTnLst>
+                              <p:par>
+                                <p:cTn id="13" presetID="10" presetClass="entr" presetSubtype="0" fill="hold" grpId="0" nodeType="afterEffect">
+                                  <p:stCondLst>
+                                    <p:cond delay="0"/>
+                                  </p:stCondLst>
+                                  <p:childTnLst>
+                                    <p:set>
+                                      <p:cBhvr>
+                                        <p:cTn id="14" dur="1" fill="hold">
+                                          <p:stCondLst>
+                                            <p:cond delay="0"/>
+                                          </p:stCondLst>
+                                        </p:cTn>
+                                        <p:tgtEl>
+                                          <p:spTgt spid="3">
+                                            <p:txEl>
+                                              <p:pRg st="2" end="2"/>
+                                            </p:txEl>
+                                          </p:spTgt>
+                                        </p:tgtEl>
+                                        <p:attrNameLst>
+                                          <p:attrName>style.visibility</p:attrName>
+                                        </p:attrNameLst>
+                                      </p:cBhvr>
+                                      <p:to>
+                                        <p:strVal val="visible"/>
+                                      </p:to>
+                                    </p:set>
+                                    <p:animEffect transition="in" filter="fade">
+                                      <p:cBhvr>
+                                        <p:cTn id="15" dur="500"/>
+                                        <p:tgtEl>
+                                          <p:spTgt spid="3">
+                                            <p:txEl>
+                                              <p:pRg st="2" end="2"/>
+                                            </p:txEl>
+                                          </p:spTgt>
+                                        </p:tgtEl>
+                                      </p:cBhvr>
+                                    </p:animEffect>
+                                  </p:childTnLst>
+                                </p:cTn>
+                              </p:par>
+                            </p:childTnLst>
+                          </p:cTn>
+                        </p:par>
+                        <p:par>
+                          <p:cTn id="16" fill="hold">
+                            <p:stCondLst>
+                              <p:cond delay="1500"/>
+                            </p:stCondLst>
+                            <p:childTnLst>
+                              <p:par>
+                                <p:cTn id="17" presetID="10" presetClass="entr" presetSubtype="0" fill="hold" grpId="0" nodeType="afterEffect">
+                                  <p:stCondLst>
+                                    <p:cond delay="0"/>
+                                  </p:stCondLst>
+                                  <p:childTnLst>
+                                    <p:set>
+                                      <p:cBhvr>
+                                        <p:cTn id="18" dur="1" fill="hold">
+                                          <p:stCondLst>
+                                            <p:cond delay="0"/>
+                                          </p:stCondLst>
+                                        </p:cTn>
+                                        <p:tgtEl>
+                                          <p:spTgt spid="3">
+                                            <p:txEl>
+                                              <p:pRg st="3" end="3"/>
+                                            </p:txEl>
+                                          </p:spTgt>
+                                        </p:tgtEl>
+                                        <p:attrNameLst>
+                                          <p:attrName>style.visibility</p:attrName>
+                                        </p:attrNameLst>
+                                      </p:cBhvr>
+                                      <p:to>
+                                        <p:strVal val="visible"/>
+                                      </p:to>
+                                    </p:set>
+                                    <p:animEffect transition="in" filter="fade">
+                                      <p:cBhvr>
+                                        <p:cTn id="19" dur="500"/>
+                                        <p:tgtEl>
+                                          <p:spTgt spid="3">
+                                            <p:txEl>
+                                              <p:pRg st="3" end="3"/>
+                                            </p:txEl>
+                                          </p:spTgt>
+                                        </p:tgtEl>
+                                      </p:cBhvr>
+                                    </p:animEffect>
+                                  </p:childTnLst>
+                                </p:cTn>
+                              </p:par>
+                            </p:childTnLst>
+                          </p:cTn>
+                        </p:par>
+                      </p:childTnLst>
+                    </p:cTn>
+                  </p:par>
+                  <p:par>
+                    <p:cTn id="20" fill="hold">
+                      <p:stCondLst>
+                        <p:cond delay="indefinite"/>
+                      </p:stCondLst>
+                      <p:childTnLst>
+                        <p:par>
+                          <p:cTn id="21" fill="hold">
+                            <p:stCondLst>
+                              <p:cond delay="0"/>
+                            </p:stCondLst>
+                            <p:childTnLst>
+                              <p:par>
+                                <p:cTn id="22" presetID="10" presetClass="entr" presetSubtype="0" fill="hold" nodeType="clickEffect">
+                                  <p:stCondLst>
+                                    <p:cond delay="0"/>
+                                  </p:stCondLst>
+                                  <p:childTnLst>
+                                    <p:set>
+                                      <p:cBhvr>
+                                        <p:cTn id="23" dur="1" fill="hold">
+                                          <p:stCondLst>
+                                            <p:cond delay="0"/>
+                                          </p:stCondLst>
+                                        </p:cTn>
+                                        <p:tgtEl>
+                                          <p:spTgt spid="8"/>
+                                        </p:tgtEl>
+                                        <p:attrNameLst>
+                                          <p:attrName>style.visibility</p:attrName>
+                                        </p:attrNameLst>
+                                      </p:cBhvr>
+                                      <p:to>
+                                        <p:strVal val="visible"/>
+                                      </p:to>
+                                    </p:set>
+                                    <p:animEffect transition="in" filter="fade">
+                                      <p:cBhvr>
+                                        <p:cTn id="24" dur="500"/>
+                                        <p:tgtEl>
+                                          <p:spTgt spid="8"/>
+                                        </p:tgtEl>
+                                      </p:cBhvr>
+                                    </p:animEffect>
+                                  </p:childTnLst>
+                                </p:cTn>
+                              </p:par>
+                            </p:childTnLst>
+                          </p:cTn>
+                        </p:par>
+                      </p:childTnLst>
+                    </p:cTn>
+                  </p:par>
+                  <p:par>
+                    <p:cTn id="25" fill="hold">
+                      <p:stCondLst>
+                        <p:cond delay="indefinite"/>
+                      </p:stCondLst>
+                      <p:childTnLst>
+                        <p:par>
+                          <p:cTn id="26" fill="hold">
+                            <p:stCondLst>
+                              <p:cond delay="0"/>
+                            </p:stCondLst>
+                            <p:childTnLst>
+                              <p:par>
+                                <p:cTn id="27" presetID="10" presetClass="entr" presetSubtype="0" fill="hold" nodeType="clickEffect">
+                                  <p:stCondLst>
+                                    <p:cond delay="0"/>
+                                  </p:stCondLst>
+                                  <p:childTnLst>
+                                    <p:set>
+                                      <p:cBhvr>
+                                        <p:cTn id="28" dur="1" fill="hold">
                                           <p:stCondLst>
                                             <p:cond delay="0"/>
                                           </p:stCondLst>
@@ -10041,11 +11309,64 @@
                                         <p:strVal val="visible"/>
                                       </p:to>
                                     </p:set>
-                                    <p:animEffect transition="in" filter="wipe(down)">
+                                    <p:animEffect transition="in" filter="fade">
                                       <p:cBhvr>
-                                        <p:cTn id="7" dur="1000"/>
+                                        <p:cTn id="29" dur="500"/>
                                         <p:tgtEl>
                                           <p:spTgt spid="7"/>
+                                        </p:tgtEl>
+                                      </p:cBhvr>
+                                    </p:animEffect>
+                                  </p:childTnLst>
+                                </p:cTn>
+                              </p:par>
+                            </p:childTnLst>
+                          </p:cTn>
+                        </p:par>
+                      </p:childTnLst>
+                    </p:cTn>
+                  </p:par>
+                  <p:par>
+                    <p:cTn id="30" fill="hold">
+                      <p:stCondLst>
+                        <p:cond delay="indefinite"/>
+                      </p:stCondLst>
+                      <p:childTnLst>
+                        <p:par>
+                          <p:cTn id="31" fill="hold">
+                            <p:stCondLst>
+                              <p:cond delay="0"/>
+                            </p:stCondLst>
+                            <p:childTnLst>
+                              <p:par>
+                                <p:cTn id="32" presetID="10" presetClass="entr" presetSubtype="0" fill="hold" nodeType="clickEffect">
+                                  <p:stCondLst>
+                                    <p:cond delay="0"/>
+                                  </p:stCondLst>
+                                  <p:childTnLst>
+                                    <p:set>
+                                      <p:cBhvr>
+                                        <p:cTn id="33" dur="1" fill="hold">
+                                          <p:stCondLst>
+                                            <p:cond delay="0"/>
+                                          </p:stCondLst>
+                                        </p:cTn>
+                                        <p:tgtEl>
+                                          <p:spTgt spid="5"/>
+                                        </p:tgtEl>
+                                        <p:attrNameLst>
+                                          <p:attrName>style.visibility</p:attrName>
+                                        </p:attrNameLst>
+                                      </p:cBhvr>
+                                      <p:to>
+                                        <p:strVal val="visible"/>
+                                      </p:to>
+                                    </p:set>
+                                    <p:animEffect transition="in" filter="fade">
+                                      <p:cBhvr>
+                                        <p:cTn id="34" dur="500"/>
+                                        <p:tgtEl>
+                                          <p:spTgt spid="5"/>
                                         </p:tgtEl>
                                       </p:cBhvr>
                                     </p:animEffect>
@@ -10079,6 +11400,10 @@
         </p:cTn>
       </p:par>
     </p:tnLst>
+    <p:bldLst>
+      <p:bldP spid="2" grpId="0"/>
+      <p:bldP spid="3" grpId="0" uiExpand="1" build="p"/>
+    </p:bldLst>
   </p:timing>
 </p:sld>
 </file>
@@ -10343,78 +11668,133 @@
           </a:prstGeom>
         </p:spPr>
       </p:pic>
-      <p:pic>
-        <p:nvPicPr>
-          <p:cNvPr id="10" name="図 9">
+      <p:grpSp>
+        <p:nvGrpSpPr>
+          <p:cNvPr id="9" name="グループ化 8">
             <a:extLst>
               <a:ext uri="{FF2B5EF4-FFF2-40B4-BE49-F238E27FC236}">
-                <a16:creationId xmlns:a16="http://schemas.microsoft.com/office/drawing/2014/main" id="{18AD1E98-462B-48E2-B8CE-857957781ECC}"/>
+                <a16:creationId xmlns:a16="http://schemas.microsoft.com/office/drawing/2014/main" id="{1C9885A3-7E0C-4931-AFC0-44E604891A8D}"/>
               </a:ext>
             </a:extLst>
           </p:cNvPr>
-          <p:cNvPicPr>
-            <a:picLocks noChangeAspect="1"/>
-          </p:cNvPicPr>
+          <p:cNvGrpSpPr/>
           <p:nvPr/>
-        </p:nvPicPr>
-        <p:blipFill>
-          <a:blip r:embed="rId6">
-            <a:extLst>
-              <a:ext uri="{28A0092B-C50C-407E-A947-70E740481C1C}">
-                <a14:useLocalDpi xmlns:a14="http://schemas.microsoft.com/office/drawing/2010/main" val="0"/>
-              </a:ext>
-            </a:extLst>
-          </a:blip>
-          <a:stretch>
-            <a:fillRect/>
-          </a:stretch>
-        </p:blipFill>
-        <p:spPr>
+        </p:nvGrpSpPr>
+        <p:grpSpPr>
           <a:xfrm>
-            <a:off x="7682705" y="3335211"/>
-            <a:ext cx="3255191" cy="3255191"/>
+            <a:off x="6874040" y="2906887"/>
+            <a:ext cx="4091506" cy="4621880"/>
+            <a:chOff x="6846390" y="2682493"/>
+            <a:chExt cx="4091506" cy="4621880"/>
           </a:xfrm>
-          <a:prstGeom prst="rect">
-            <a:avLst/>
-          </a:prstGeom>
-        </p:spPr>
-      </p:pic>
-      <p:pic>
-        <p:nvPicPr>
-          <p:cNvPr id="11" name="図 10">
-            <a:extLst>
-              <a:ext uri="{FF2B5EF4-FFF2-40B4-BE49-F238E27FC236}">
-                <a16:creationId xmlns:a16="http://schemas.microsoft.com/office/drawing/2014/main" id="{2125430B-885B-4DC9-8D84-247CC02CEF01}"/>
-              </a:ext>
-            </a:extLst>
-          </p:cNvPr>
-          <p:cNvPicPr>
-            <a:picLocks noChangeAspect="1"/>
-          </p:cNvPicPr>
-          <p:nvPr/>
-        </p:nvPicPr>
-        <p:blipFill>
-          <a:blip r:embed="rId7">
-            <a:extLst>
-              <a:ext uri="{28A0092B-C50C-407E-A947-70E740481C1C}">
-                <a14:useLocalDpi xmlns:a14="http://schemas.microsoft.com/office/drawing/2010/main" val="0"/>
-              </a:ext>
-            </a:extLst>
-          </a:blip>
-          <a:stretch>
-            <a:fillRect/>
-          </a:stretch>
-        </p:blipFill>
-        <p:spPr>
-          <a:xfrm>
-            <a:off x="6202680" y="2603500"/>
-            <a:ext cx="5400548" cy="5400548"/>
-          </a:xfrm>
-          <a:prstGeom prst="rect">
-            <a:avLst/>
-          </a:prstGeom>
-        </p:spPr>
-      </p:pic>
+        </p:grpSpPr>
+        <p:pic>
+          <p:nvPicPr>
+            <p:cNvPr id="10" name="図 9">
+              <a:extLst>
+                <a:ext uri="{FF2B5EF4-FFF2-40B4-BE49-F238E27FC236}">
+                  <a16:creationId xmlns:a16="http://schemas.microsoft.com/office/drawing/2014/main" id="{18AD1E98-462B-48E2-B8CE-857957781ECC}"/>
+                </a:ext>
+              </a:extLst>
+            </p:cNvPr>
+            <p:cNvPicPr>
+              <a:picLocks noChangeAspect="1"/>
+            </p:cNvPicPr>
+            <p:nvPr/>
+          </p:nvPicPr>
+          <p:blipFill>
+            <a:blip r:embed="rId6">
+              <a:extLst>
+                <a:ext uri="{28A0092B-C50C-407E-A947-70E740481C1C}">
+                  <a14:useLocalDpi xmlns:a14="http://schemas.microsoft.com/office/drawing/2010/main" val="0"/>
+                </a:ext>
+              </a:extLst>
+            </a:blip>
+            <a:stretch>
+              <a:fillRect/>
+            </a:stretch>
+          </p:blipFill>
+          <p:spPr>
+            <a:xfrm>
+              <a:off x="7682705" y="3335211"/>
+              <a:ext cx="3255191" cy="3255191"/>
+            </a:xfrm>
+            <a:prstGeom prst="rect">
+              <a:avLst/>
+            </a:prstGeom>
+          </p:spPr>
+        </p:pic>
+        <p:pic>
+          <p:nvPicPr>
+            <p:cNvPr id="11" name="図 10">
+              <a:extLst>
+                <a:ext uri="{FF2B5EF4-FFF2-40B4-BE49-F238E27FC236}">
+                  <a16:creationId xmlns:a16="http://schemas.microsoft.com/office/drawing/2014/main" id="{2125430B-885B-4DC9-8D84-247CC02CEF01}"/>
+                </a:ext>
+              </a:extLst>
+            </p:cNvPr>
+            <p:cNvPicPr>
+              <a:picLocks noChangeAspect="1"/>
+            </p:cNvPicPr>
+            <p:nvPr/>
+          </p:nvPicPr>
+          <p:blipFill rotWithShape="1">
+            <a:blip r:embed="rId7">
+              <a:extLst>
+                <a:ext uri="{28A0092B-C50C-407E-A947-70E740481C1C}">
+                  <a14:useLocalDpi xmlns:a14="http://schemas.microsoft.com/office/drawing/2010/main" val="0"/>
+                </a:ext>
+              </a:extLst>
+            </a:blip>
+            <a:srcRect r="61753"/>
+            <a:stretch/>
+          </p:blipFill>
+          <p:spPr>
+            <a:xfrm>
+              <a:off x="6846390" y="2682493"/>
+              <a:ext cx="1672630" cy="4621880"/>
+            </a:xfrm>
+            <a:prstGeom prst="rect">
+              <a:avLst/>
+            </a:prstGeom>
+          </p:spPr>
+        </p:pic>
+        <p:pic>
+          <p:nvPicPr>
+            <p:cNvPr id="5" name="図 4">
+              <a:extLst>
+                <a:ext uri="{FF2B5EF4-FFF2-40B4-BE49-F238E27FC236}">
+                  <a16:creationId xmlns:a16="http://schemas.microsoft.com/office/drawing/2014/main" id="{BCEF960B-5A63-4BAA-8F2C-5CD40AE49D71}"/>
+                </a:ext>
+              </a:extLst>
+            </p:cNvPr>
+            <p:cNvPicPr>
+              <a:picLocks noChangeAspect="1"/>
+            </p:cNvPicPr>
+            <p:nvPr/>
+          </p:nvPicPr>
+          <p:blipFill rotWithShape="1">
+            <a:blip r:embed="rId7">
+              <a:extLst>
+                <a:ext uri="{28A0092B-C50C-407E-A947-70E740481C1C}">
+                  <a14:useLocalDpi xmlns:a14="http://schemas.microsoft.com/office/drawing/2010/main" val="0"/>
+                </a:ext>
+              </a:extLst>
+            </a:blip>
+            <a:srcRect l="62957"/>
+            <a:stretch/>
+          </p:blipFill>
+          <p:spPr>
+            <a:xfrm>
+              <a:off x="9446054" y="3255717"/>
+              <a:ext cx="1154532" cy="3116769"/>
+            </a:xfrm>
+            <a:prstGeom prst="rect">
+              <a:avLst/>
+            </a:prstGeom>
+          </p:spPr>
+        </p:pic>
+      </p:grpSp>
     </p:spTree>
     <p:extLst>
       <p:ext uri="{BB962C8B-B14F-4D97-AF65-F5344CB8AC3E}">
@@ -10425,6 +11805,307 @@
   <p:clrMapOvr>
     <a:masterClrMapping/>
   </p:clrMapOvr>
+  <p:timing>
+    <p:tnLst>
+      <p:par>
+        <p:cTn id="1" dur="indefinite" restart="never" nodeType="tmRoot">
+          <p:childTnLst>
+            <p:seq concurrent="1" nextAc="seek">
+              <p:cTn id="2" dur="indefinite" nodeType="mainSeq">
+                <p:childTnLst>
+                  <p:par>
+                    <p:cTn id="3" fill="hold">
+                      <p:stCondLst>
+                        <p:cond delay="indefinite"/>
+                        <p:cond evt="onBegin" delay="0">
+                          <p:tn val="2"/>
+                        </p:cond>
+                      </p:stCondLst>
+                      <p:childTnLst>
+                        <p:par>
+                          <p:cTn id="4" fill="hold">
+                            <p:stCondLst>
+                              <p:cond delay="0"/>
+                            </p:stCondLst>
+                            <p:childTnLst>
+                              <p:par>
+                                <p:cTn id="5" presetID="10" presetClass="entr" presetSubtype="0" fill="hold" grpId="0" nodeType="withEffect">
+                                  <p:stCondLst>
+                                    <p:cond delay="0"/>
+                                  </p:stCondLst>
+                                  <p:childTnLst>
+                                    <p:set>
+                                      <p:cBhvr>
+                                        <p:cTn id="6" dur="1" fill="hold">
+                                          <p:stCondLst>
+                                            <p:cond delay="0"/>
+                                          </p:stCondLst>
+                                        </p:cTn>
+                                        <p:tgtEl>
+                                          <p:spTgt spid="2"/>
+                                        </p:tgtEl>
+                                        <p:attrNameLst>
+                                          <p:attrName>style.visibility</p:attrName>
+                                        </p:attrNameLst>
+                                      </p:cBhvr>
+                                      <p:to>
+                                        <p:strVal val="visible"/>
+                                      </p:to>
+                                    </p:set>
+                                    <p:animEffect transition="in" filter="fade">
+                                      <p:cBhvr>
+                                        <p:cTn id="7" dur="500"/>
+                                        <p:tgtEl>
+                                          <p:spTgt spid="2"/>
+                                        </p:tgtEl>
+                                      </p:cBhvr>
+                                    </p:animEffect>
+                                  </p:childTnLst>
+                                </p:cTn>
+                              </p:par>
+                            </p:childTnLst>
+                          </p:cTn>
+                        </p:par>
+                        <p:par>
+                          <p:cTn id="8" fill="hold">
+                            <p:stCondLst>
+                              <p:cond delay="500"/>
+                            </p:stCondLst>
+                            <p:childTnLst>
+                              <p:par>
+                                <p:cTn id="9" presetID="10" presetClass="entr" presetSubtype="0" fill="hold" grpId="0" nodeType="afterEffect">
+                                  <p:stCondLst>
+                                    <p:cond delay="0"/>
+                                  </p:stCondLst>
+                                  <p:childTnLst>
+                                    <p:set>
+                                      <p:cBhvr>
+                                        <p:cTn id="10" dur="1" fill="hold">
+                                          <p:stCondLst>
+                                            <p:cond delay="0"/>
+                                          </p:stCondLst>
+                                        </p:cTn>
+                                        <p:tgtEl>
+                                          <p:spTgt spid="3">
+                                            <p:txEl>
+                                              <p:pRg st="0" end="0"/>
+                                            </p:txEl>
+                                          </p:spTgt>
+                                        </p:tgtEl>
+                                        <p:attrNameLst>
+                                          <p:attrName>style.visibility</p:attrName>
+                                        </p:attrNameLst>
+                                      </p:cBhvr>
+                                      <p:to>
+                                        <p:strVal val="visible"/>
+                                      </p:to>
+                                    </p:set>
+                                    <p:animEffect transition="in" filter="fade">
+                                      <p:cBhvr>
+                                        <p:cTn id="11" dur="500"/>
+                                        <p:tgtEl>
+                                          <p:spTgt spid="3">
+                                            <p:txEl>
+                                              <p:pRg st="0" end="0"/>
+                                            </p:txEl>
+                                          </p:spTgt>
+                                        </p:tgtEl>
+                                      </p:cBhvr>
+                                    </p:animEffect>
+                                  </p:childTnLst>
+                                </p:cTn>
+                              </p:par>
+                            </p:childTnLst>
+                          </p:cTn>
+                        </p:par>
+                      </p:childTnLst>
+                    </p:cTn>
+                  </p:par>
+                  <p:par>
+                    <p:cTn id="12" fill="hold">
+                      <p:stCondLst>
+                        <p:cond delay="indefinite"/>
+                      </p:stCondLst>
+                      <p:childTnLst>
+                        <p:par>
+                          <p:cTn id="13" fill="hold">
+                            <p:stCondLst>
+                              <p:cond delay="0"/>
+                            </p:stCondLst>
+                            <p:childTnLst>
+                              <p:par>
+                                <p:cTn id="14" presetID="10" presetClass="entr" presetSubtype="0" fill="hold" nodeType="clickEffect">
+                                  <p:stCondLst>
+                                    <p:cond delay="0"/>
+                                  </p:stCondLst>
+                                  <p:childTnLst>
+                                    <p:set>
+                                      <p:cBhvr>
+                                        <p:cTn id="15" dur="1" fill="hold">
+                                          <p:stCondLst>
+                                            <p:cond delay="0"/>
+                                          </p:stCondLst>
+                                        </p:cTn>
+                                        <p:tgtEl>
+                                          <p:spTgt spid="7"/>
+                                        </p:tgtEl>
+                                        <p:attrNameLst>
+                                          <p:attrName>style.visibility</p:attrName>
+                                        </p:attrNameLst>
+                                      </p:cBhvr>
+                                      <p:to>
+                                        <p:strVal val="visible"/>
+                                      </p:to>
+                                    </p:set>
+                                    <p:animEffect transition="in" filter="fade">
+                                      <p:cBhvr>
+                                        <p:cTn id="16" dur="500"/>
+                                        <p:tgtEl>
+                                          <p:spTgt spid="7"/>
+                                        </p:tgtEl>
+                                      </p:cBhvr>
+                                    </p:animEffect>
+                                  </p:childTnLst>
+                                </p:cTn>
+                              </p:par>
+                            </p:childTnLst>
+                          </p:cTn>
+                        </p:par>
+                      </p:childTnLst>
+                    </p:cTn>
+                  </p:par>
+                  <p:par>
+                    <p:cTn id="17" fill="hold">
+                      <p:stCondLst>
+                        <p:cond delay="indefinite"/>
+                      </p:stCondLst>
+                      <p:childTnLst>
+                        <p:par>
+                          <p:cTn id="18" fill="hold">
+                            <p:stCondLst>
+                              <p:cond delay="0"/>
+                            </p:stCondLst>
+                            <p:childTnLst>
+                              <p:par>
+                                <p:cTn id="19" presetID="10" presetClass="entr" presetSubtype="0" fill="hold" nodeType="clickEffect">
+                                  <p:stCondLst>
+                                    <p:cond delay="0"/>
+                                  </p:stCondLst>
+                                  <p:childTnLst>
+                                    <p:set>
+                                      <p:cBhvr>
+                                        <p:cTn id="20" dur="1" fill="hold">
+                                          <p:stCondLst>
+                                            <p:cond delay="0"/>
+                                          </p:stCondLst>
+                                        </p:cTn>
+                                        <p:tgtEl>
+                                          <p:spTgt spid="8"/>
+                                        </p:tgtEl>
+                                        <p:attrNameLst>
+                                          <p:attrName>style.visibility</p:attrName>
+                                        </p:attrNameLst>
+                                      </p:cBhvr>
+                                      <p:to>
+                                        <p:strVal val="visible"/>
+                                      </p:to>
+                                    </p:set>
+                                    <p:animEffect transition="in" filter="fade">
+                                      <p:cBhvr>
+                                        <p:cTn id="21" dur="500"/>
+                                        <p:tgtEl>
+                                          <p:spTgt spid="8"/>
+                                        </p:tgtEl>
+                                      </p:cBhvr>
+                                    </p:animEffect>
+                                  </p:childTnLst>
+                                </p:cTn>
+                              </p:par>
+                            </p:childTnLst>
+                          </p:cTn>
+                        </p:par>
+                      </p:childTnLst>
+                    </p:cTn>
+                  </p:par>
+                  <p:par>
+                    <p:cTn id="22" fill="hold">
+                      <p:stCondLst>
+                        <p:cond delay="indefinite"/>
+                      </p:stCondLst>
+                      <p:childTnLst>
+                        <p:par>
+                          <p:cTn id="23" fill="hold">
+                            <p:stCondLst>
+                              <p:cond delay="0"/>
+                            </p:stCondLst>
+                            <p:childTnLst>
+                              <p:par>
+                                <p:cTn id="24" presetID="10" presetClass="entr" presetSubtype="0" fill="hold" nodeType="clickEffect">
+                                  <p:stCondLst>
+                                    <p:cond delay="0"/>
+                                  </p:stCondLst>
+                                  <p:childTnLst>
+                                    <p:set>
+                                      <p:cBhvr>
+                                        <p:cTn id="25" dur="1" fill="hold">
+                                          <p:stCondLst>
+                                            <p:cond delay="0"/>
+                                          </p:stCondLst>
+                                        </p:cTn>
+                                        <p:tgtEl>
+                                          <p:spTgt spid="9"/>
+                                        </p:tgtEl>
+                                        <p:attrNameLst>
+                                          <p:attrName>style.visibility</p:attrName>
+                                        </p:attrNameLst>
+                                      </p:cBhvr>
+                                      <p:to>
+                                        <p:strVal val="visible"/>
+                                      </p:to>
+                                    </p:set>
+                                    <p:animEffect transition="in" filter="fade">
+                                      <p:cBhvr>
+                                        <p:cTn id="26" dur="500"/>
+                                        <p:tgtEl>
+                                          <p:spTgt spid="9"/>
+                                        </p:tgtEl>
+                                      </p:cBhvr>
+                                    </p:animEffect>
+                                  </p:childTnLst>
+                                </p:cTn>
+                              </p:par>
+                            </p:childTnLst>
+                          </p:cTn>
+                        </p:par>
+                      </p:childTnLst>
+                    </p:cTn>
+                  </p:par>
+                </p:childTnLst>
+              </p:cTn>
+              <p:prevCondLst>
+                <p:cond evt="onPrev" delay="0">
+                  <p:tgtEl>
+                    <p:sldTgt/>
+                  </p:tgtEl>
+                </p:cond>
+              </p:prevCondLst>
+              <p:nextCondLst>
+                <p:cond evt="onNext" delay="0">
+                  <p:tgtEl>
+                    <p:sldTgt/>
+                  </p:tgtEl>
+                </p:cond>
+              </p:nextCondLst>
+            </p:seq>
+          </p:childTnLst>
+        </p:cTn>
+      </p:par>
+    </p:tnLst>
+    <p:bldLst>
+      <p:bldP spid="2" grpId="0"/>
+      <p:bldP spid="3" grpId="0" build="p"/>
+    </p:bldLst>
+  </p:timing>
 </p:sld>
 </file>
 
@@ -11237,6 +12918,197 @@
   <p:clrMapOvr>
     <a:masterClrMapping/>
   </p:clrMapOvr>
+  <p:timing>
+    <p:tnLst>
+      <p:par>
+        <p:cTn id="1" dur="indefinite" restart="never" nodeType="tmRoot">
+          <p:childTnLst>
+            <p:seq concurrent="1" nextAc="seek">
+              <p:cTn id="2" dur="indefinite" nodeType="mainSeq">
+                <p:childTnLst>
+                  <p:par>
+                    <p:cTn id="3" fill="hold">
+                      <p:stCondLst>
+                        <p:cond delay="indefinite"/>
+                      </p:stCondLst>
+                      <p:childTnLst>
+                        <p:par>
+                          <p:cTn id="4" fill="hold">
+                            <p:stCondLst>
+                              <p:cond delay="0"/>
+                            </p:stCondLst>
+                            <p:childTnLst>
+                              <p:par>
+                                <p:cTn id="5" presetID="10" presetClass="entr" presetSubtype="0" fill="hold" grpId="0" nodeType="clickEffect">
+                                  <p:stCondLst>
+                                    <p:cond delay="0"/>
+                                  </p:stCondLst>
+                                  <p:childTnLst>
+                                    <p:set>
+                                      <p:cBhvr>
+                                        <p:cTn id="6" dur="1" fill="hold">
+                                          <p:stCondLst>
+                                            <p:cond delay="0"/>
+                                          </p:stCondLst>
+                                        </p:cTn>
+                                        <p:tgtEl>
+                                          <p:spTgt spid="14"/>
+                                        </p:tgtEl>
+                                        <p:attrNameLst>
+                                          <p:attrName>style.visibility</p:attrName>
+                                        </p:attrNameLst>
+                                      </p:cBhvr>
+                                      <p:to>
+                                        <p:strVal val="visible"/>
+                                      </p:to>
+                                    </p:set>
+                                    <p:animEffect transition="in" filter="fade">
+                                      <p:cBhvr>
+                                        <p:cTn id="7" dur="500"/>
+                                        <p:tgtEl>
+                                          <p:spTgt spid="14"/>
+                                        </p:tgtEl>
+                                      </p:cBhvr>
+                                    </p:animEffect>
+                                  </p:childTnLst>
+                                </p:cTn>
+                              </p:par>
+                            </p:childTnLst>
+                          </p:cTn>
+                        </p:par>
+                      </p:childTnLst>
+                    </p:cTn>
+                  </p:par>
+                  <p:par>
+                    <p:cTn id="8" fill="hold">
+                      <p:stCondLst>
+                        <p:cond delay="indefinite"/>
+                      </p:stCondLst>
+                      <p:childTnLst>
+                        <p:par>
+                          <p:cTn id="9" fill="hold">
+                            <p:stCondLst>
+                              <p:cond delay="0"/>
+                            </p:stCondLst>
+                            <p:childTnLst>
+                              <p:par>
+                                <p:cTn id="10" presetID="10" presetClass="entr" presetSubtype="0" fill="hold" grpId="0" nodeType="clickEffect">
+                                  <p:stCondLst>
+                                    <p:cond delay="0"/>
+                                  </p:stCondLst>
+                                  <p:childTnLst>
+                                    <p:set>
+                                      <p:cBhvr>
+                                        <p:cTn id="11" dur="1" fill="hold">
+                                          <p:stCondLst>
+                                            <p:cond delay="0"/>
+                                          </p:stCondLst>
+                                        </p:cTn>
+                                        <p:tgtEl>
+                                          <p:spTgt spid="3">
+                                            <p:txEl>
+                                              <p:pRg st="0" end="0"/>
+                                            </p:txEl>
+                                          </p:spTgt>
+                                        </p:tgtEl>
+                                        <p:attrNameLst>
+                                          <p:attrName>style.visibility</p:attrName>
+                                        </p:attrNameLst>
+                                      </p:cBhvr>
+                                      <p:to>
+                                        <p:strVal val="visible"/>
+                                      </p:to>
+                                    </p:set>
+                                    <p:animEffect transition="in" filter="fade">
+                                      <p:cBhvr>
+                                        <p:cTn id="12" dur="500"/>
+                                        <p:tgtEl>
+                                          <p:spTgt spid="3">
+                                            <p:txEl>
+                                              <p:pRg st="0" end="0"/>
+                                            </p:txEl>
+                                          </p:spTgt>
+                                        </p:tgtEl>
+                                      </p:cBhvr>
+                                    </p:animEffect>
+                                  </p:childTnLst>
+                                </p:cTn>
+                              </p:par>
+                              <p:par>
+                                <p:cTn id="13" presetID="10" presetClass="entr" presetSubtype="0" fill="hold" grpId="0" nodeType="withEffect">
+                                  <p:stCondLst>
+                                    <p:cond delay="0"/>
+                                  </p:stCondLst>
+                                  <p:childTnLst>
+                                    <p:set>
+                                      <p:cBhvr>
+                                        <p:cTn id="14" dur="1" fill="hold">
+                                          <p:stCondLst>
+                                            <p:cond delay="0"/>
+                                          </p:stCondLst>
+                                        </p:cTn>
+                                        <p:tgtEl>
+                                          <p:spTgt spid="3">
+                                            <p:txEl>
+                                              <p:pRg st="1" end="1"/>
+                                            </p:txEl>
+                                          </p:spTgt>
+                                        </p:tgtEl>
+                                        <p:attrNameLst>
+                                          <p:attrName>style.visibility</p:attrName>
+                                        </p:attrNameLst>
+                                      </p:cBhvr>
+                                      <p:to>
+                                        <p:strVal val="visible"/>
+                                      </p:to>
+                                    </p:set>
+                                    <p:animEffect transition="in" filter="fade">
+                                      <p:cBhvr>
+                                        <p:cTn id="15" dur="500"/>
+                                        <p:tgtEl>
+                                          <p:spTgt spid="3">
+                                            <p:txEl>
+                                              <p:pRg st="1" end="1"/>
+                                            </p:txEl>
+                                          </p:spTgt>
+                                        </p:tgtEl>
+                                      </p:cBhvr>
+                                    </p:animEffect>
+                                  </p:childTnLst>
+                                </p:cTn>
+                              </p:par>
+                            </p:childTnLst>
+                          </p:cTn>
+                        </p:par>
+                      </p:childTnLst>
+                    </p:cTn>
+                  </p:par>
+                </p:childTnLst>
+              </p:cTn>
+              <p:prevCondLst>
+                <p:cond evt="onPrev" delay="0">
+                  <p:tgtEl>
+                    <p:sldTgt/>
+                  </p:tgtEl>
+                </p:cond>
+              </p:prevCondLst>
+              <p:nextCondLst>
+                <p:cond evt="onNext" delay="0">
+                  <p:tgtEl>
+                    <p:sldTgt/>
+                  </p:tgtEl>
+                </p:cond>
+              </p:nextCondLst>
+            </p:seq>
+          </p:childTnLst>
+        </p:cTn>
+      </p:par>
+    </p:tnLst>
+    <p:bldLst>
+      <p:bldP spid="3" grpId="0" uiExpand="1" build="p"/>
+      <p:bldP spid="14" grpId="0"/>
+    </p:bldLst>
+  </p:timing>
 </p:sld>
 </file>
 
@@ -11305,7 +13177,7 @@
         </p:nvSpPr>
         <p:spPr>
           <a:xfrm>
-            <a:off x="1524000" y="1122363"/>
+            <a:off x="1524000" y="709383"/>
             <a:ext cx="9144000" cy="1090485"/>
           </a:xfrm>
         </p:spPr>
@@ -11362,7 +13234,33 @@
                 <a:latin typeface="HG丸ｺﾞｼｯｸM-PRO" panose="020F0600000000000000" pitchFamily="50" charset="-128"/>
                 <a:ea typeface="HG丸ｺﾞｼｯｸM-PRO" panose="020F0600000000000000" pitchFamily="50" charset="-128"/>
               </a:rPr>
-              <a:t>バックエンドとフロントエンドの分離</a:t>
+              <a:t>フロントエンドと</a:t>
+            </a:r>
+            <a:r>
+              <a:rPr lang="en-US" altLang="ja-JP" sz="4800" dirty="0">
+                <a:solidFill>
+                  <a:schemeClr val="tx1">
+                    <a:lumMod val="65000"/>
+                    <a:lumOff val="35000"/>
+                  </a:schemeClr>
+                </a:solidFill>
+                <a:latin typeface="HG丸ｺﾞｼｯｸM-PRO" panose="020F0600000000000000" pitchFamily="50" charset="-128"/>
+                <a:ea typeface="HG丸ｺﾞｼｯｸM-PRO" panose="020F0600000000000000" pitchFamily="50" charset="-128"/>
+              </a:rPr>
+              <a:t>DB</a:t>
+            </a:r>
+            <a:r>
+              <a:rPr lang="ja-JP" altLang="en-US" sz="4800" dirty="0">
+                <a:solidFill>
+                  <a:schemeClr val="tx1">
+                    <a:lumMod val="65000"/>
+                    <a:lumOff val="35000"/>
+                  </a:schemeClr>
+                </a:solidFill>
+                <a:latin typeface="HG丸ｺﾞｼｯｸM-PRO" panose="020F0600000000000000" pitchFamily="50" charset="-128"/>
+                <a:ea typeface="HG丸ｺﾞｼｯｸM-PRO" panose="020F0600000000000000" pitchFamily="50" charset="-128"/>
+              </a:rPr>
+              <a:t>の統合性</a:t>
             </a:r>
             <a:endParaRPr lang="en-US" altLang="ja-JP" sz="4800" dirty="0">
               <a:solidFill>
@@ -11387,7 +13285,33 @@
                 <a:latin typeface="HG丸ｺﾞｼｯｸM-PRO" panose="020F0600000000000000" pitchFamily="50" charset="-128"/>
                 <a:ea typeface="HG丸ｺﾞｼｯｸM-PRO" panose="020F0600000000000000" pitchFamily="50" charset="-128"/>
               </a:rPr>
-              <a:t>マルチプラットフォーム</a:t>
+              <a:t>しん</a:t>
+            </a:r>
+            <a:r>
+              <a:rPr lang="ja-JP" altLang="en-US" sz="4800" dirty="0" err="1">
+                <a:solidFill>
+                  <a:schemeClr val="tx1">
+                    <a:lumMod val="65000"/>
+                    <a:lumOff val="35000"/>
+                  </a:schemeClr>
+                </a:solidFill>
+                <a:latin typeface="HG丸ｺﾞｼｯｸM-PRO" panose="020F0600000000000000" pitchFamily="50" charset="-128"/>
+                <a:ea typeface="HG丸ｺﾞｼｯｸM-PRO" panose="020F0600000000000000" pitchFamily="50" charset="-128"/>
+              </a:rPr>
+              <a:t>ぷる</a:t>
+            </a:r>
+            <a:r>
+              <a:rPr lang="ja-JP" altLang="en-US" sz="4800" dirty="0">
+                <a:solidFill>
+                  <a:schemeClr val="tx1">
+                    <a:lumMod val="65000"/>
+                    <a:lumOff val="35000"/>
+                  </a:schemeClr>
+                </a:solidFill>
+                <a:latin typeface="HG丸ｺﾞｼｯｸM-PRO" panose="020F0600000000000000" pitchFamily="50" charset="-128"/>
+                <a:ea typeface="HG丸ｺﾞｼｯｸM-PRO" panose="020F0600000000000000" pitchFamily="50" charset="-128"/>
+              </a:rPr>
+              <a:t>いずべすと</a:t>
             </a:r>
             <a:endParaRPr lang="en-US" altLang="ja-JP" sz="4800" dirty="0">
               <a:solidFill>
@@ -11402,7 +13326,7 @@
           </a:p>
           <a:p>
             <a:r>
-              <a:rPr lang="en-US" altLang="ja-JP" sz="4800" dirty="0">
+              <a:rPr kumimoji="1" lang="en-US" altLang="ja-JP" sz="4800" dirty="0">
                 <a:solidFill>
                   <a:schemeClr val="tx1">
                     <a:lumMod val="65000"/>
@@ -11412,7 +13336,20 @@
                 <a:latin typeface="HG丸ｺﾞｼｯｸM-PRO" panose="020F0600000000000000" pitchFamily="50" charset="-128"/>
                 <a:ea typeface="HG丸ｺﾞｼｯｸM-PRO" panose="020F0600000000000000" pitchFamily="50" charset="-128"/>
               </a:rPr>
-              <a:t>REST API</a:t>
+              <a:t>UI</a:t>
+            </a:r>
+            <a:r>
+              <a:rPr kumimoji="1" lang="ja-JP" altLang="en-US" sz="4800" dirty="0">
+                <a:solidFill>
+                  <a:schemeClr val="tx1">
+                    <a:lumMod val="65000"/>
+                    <a:lumOff val="35000"/>
+                  </a:schemeClr>
+                </a:solidFill>
+                <a:latin typeface="HG丸ｺﾞｼｯｸM-PRO" panose="020F0600000000000000" pitchFamily="50" charset="-128"/>
+                <a:ea typeface="HG丸ｺﾞｼｯｸM-PRO" panose="020F0600000000000000" pitchFamily="50" charset="-128"/>
+              </a:rPr>
+              <a:t>の見やすさ</a:t>
             </a:r>
             <a:endParaRPr kumimoji="1" lang="en-US" altLang="ja-JP" sz="4800" dirty="0">
               <a:solidFill>
@@ -11437,6 +13374,222 @@
   <p:clrMapOvr>
     <a:masterClrMapping/>
   </p:clrMapOvr>
+  <p:timing>
+    <p:tnLst>
+      <p:par>
+        <p:cTn id="1" dur="indefinite" restart="never" nodeType="tmRoot">
+          <p:childTnLst>
+            <p:seq concurrent="1" nextAc="seek">
+              <p:cTn id="2" dur="indefinite" nodeType="mainSeq">
+                <p:childTnLst>
+                  <p:par>
+                    <p:cTn id="3" fill="hold">
+                      <p:stCondLst>
+                        <p:cond delay="indefinite"/>
+                      </p:stCondLst>
+                      <p:childTnLst>
+                        <p:par>
+                          <p:cTn id="4" fill="hold">
+                            <p:stCondLst>
+                              <p:cond delay="0"/>
+                            </p:stCondLst>
+                            <p:childTnLst>
+                              <p:par>
+                                <p:cTn id="5" presetID="10" presetClass="entr" presetSubtype="0" fill="hold" grpId="0" nodeType="clickEffect">
+                                  <p:stCondLst>
+                                    <p:cond delay="0"/>
+                                  </p:stCondLst>
+                                  <p:childTnLst>
+                                    <p:set>
+                                      <p:cBhvr>
+                                        <p:cTn id="6" dur="1" fill="hold">
+                                          <p:stCondLst>
+                                            <p:cond delay="0"/>
+                                          </p:stCondLst>
+                                        </p:cTn>
+                                        <p:tgtEl>
+                                          <p:spTgt spid="3">
+                                            <p:txEl>
+                                              <p:pRg st="0" end="0"/>
+                                            </p:txEl>
+                                          </p:spTgt>
+                                        </p:tgtEl>
+                                        <p:attrNameLst>
+                                          <p:attrName>style.visibility</p:attrName>
+                                        </p:attrNameLst>
+                                      </p:cBhvr>
+                                      <p:to>
+                                        <p:strVal val="visible"/>
+                                      </p:to>
+                                    </p:set>
+                                    <p:animEffect transition="in" filter="fade">
+                                      <p:cBhvr>
+                                        <p:cTn id="7" dur="500"/>
+                                        <p:tgtEl>
+                                          <p:spTgt spid="3">
+                                            <p:txEl>
+                                              <p:pRg st="0" end="0"/>
+                                            </p:txEl>
+                                          </p:spTgt>
+                                        </p:tgtEl>
+                                      </p:cBhvr>
+                                    </p:animEffect>
+                                  </p:childTnLst>
+                                </p:cTn>
+                              </p:par>
+                            </p:childTnLst>
+                          </p:cTn>
+                        </p:par>
+                      </p:childTnLst>
+                    </p:cTn>
+                  </p:par>
+                  <p:par>
+                    <p:cTn id="8" fill="hold">
+                      <p:stCondLst>
+                        <p:cond delay="indefinite"/>
+                      </p:stCondLst>
+                      <p:childTnLst>
+                        <p:par>
+                          <p:cTn id="9" fill="hold">
+                            <p:stCondLst>
+                              <p:cond delay="0"/>
+                            </p:stCondLst>
+                            <p:childTnLst>
+                              <p:par>
+                                <p:cTn id="10" presetID="10" presetClass="entr" presetSubtype="0" fill="hold" grpId="0" nodeType="clickEffect">
+                                  <p:stCondLst>
+                                    <p:cond delay="0"/>
+                                  </p:stCondLst>
+                                  <p:childTnLst>
+                                    <p:set>
+                                      <p:cBhvr>
+                                        <p:cTn id="11" dur="1" fill="hold">
+                                          <p:stCondLst>
+                                            <p:cond delay="0"/>
+                                          </p:stCondLst>
+                                        </p:cTn>
+                                        <p:tgtEl>
+                                          <p:spTgt spid="3">
+                                            <p:txEl>
+                                              <p:pRg st="1" end="1"/>
+                                            </p:txEl>
+                                          </p:spTgt>
+                                        </p:tgtEl>
+                                        <p:attrNameLst>
+                                          <p:attrName>style.visibility</p:attrName>
+                                        </p:attrNameLst>
+                                      </p:cBhvr>
+                                      <p:to>
+                                        <p:strVal val="visible"/>
+                                      </p:to>
+                                    </p:set>
+                                    <p:animEffect transition="in" filter="fade">
+                                      <p:cBhvr>
+                                        <p:cTn id="12" dur="500"/>
+                                        <p:tgtEl>
+                                          <p:spTgt spid="3">
+                                            <p:txEl>
+                                              <p:pRg st="1" end="1"/>
+                                            </p:txEl>
+                                          </p:spTgt>
+                                        </p:tgtEl>
+                                      </p:cBhvr>
+                                    </p:animEffect>
+                                  </p:childTnLst>
+                                </p:cTn>
+                              </p:par>
+                            </p:childTnLst>
+                          </p:cTn>
+                        </p:par>
+                      </p:childTnLst>
+                    </p:cTn>
+                  </p:par>
+                  <p:par>
+                    <p:cTn id="13" fill="hold">
+                      <p:stCondLst>
+                        <p:cond delay="indefinite"/>
+                      </p:stCondLst>
+                      <p:childTnLst>
+                        <p:par>
+                          <p:cTn id="14" fill="hold">
+                            <p:stCondLst>
+                              <p:cond delay="0"/>
+                            </p:stCondLst>
+                            <p:childTnLst>
+                              <p:par>
+                                <p:cTn id="15" presetID="10" presetClass="entr" presetSubtype="0" fill="hold" grpId="0" nodeType="clickEffect">
+                                  <p:stCondLst>
+                                    <p:cond delay="0"/>
+                                  </p:stCondLst>
+                                  <p:childTnLst>
+                                    <p:set>
+                                      <p:cBhvr>
+                                        <p:cTn id="16" dur="1" fill="hold">
+                                          <p:stCondLst>
+                                            <p:cond delay="0"/>
+                                          </p:stCondLst>
+                                        </p:cTn>
+                                        <p:tgtEl>
+                                          <p:spTgt spid="3">
+                                            <p:txEl>
+                                              <p:pRg st="2" end="2"/>
+                                            </p:txEl>
+                                          </p:spTgt>
+                                        </p:tgtEl>
+                                        <p:attrNameLst>
+                                          <p:attrName>style.visibility</p:attrName>
+                                        </p:attrNameLst>
+                                      </p:cBhvr>
+                                      <p:to>
+                                        <p:strVal val="visible"/>
+                                      </p:to>
+                                    </p:set>
+                                    <p:animEffect transition="in" filter="fade">
+                                      <p:cBhvr>
+                                        <p:cTn id="17" dur="500"/>
+                                        <p:tgtEl>
+                                          <p:spTgt spid="3">
+                                            <p:txEl>
+                                              <p:pRg st="2" end="2"/>
+                                            </p:txEl>
+                                          </p:spTgt>
+                                        </p:tgtEl>
+                                      </p:cBhvr>
+                                    </p:animEffect>
+                                  </p:childTnLst>
+                                </p:cTn>
+                              </p:par>
+                            </p:childTnLst>
+                          </p:cTn>
+                        </p:par>
+                      </p:childTnLst>
+                    </p:cTn>
+                  </p:par>
+                </p:childTnLst>
+              </p:cTn>
+              <p:prevCondLst>
+                <p:cond evt="onPrev" delay="0">
+                  <p:tgtEl>
+                    <p:sldTgt/>
+                  </p:tgtEl>
+                </p:cond>
+              </p:prevCondLst>
+              <p:nextCondLst>
+                <p:cond evt="onNext" delay="0">
+                  <p:tgtEl>
+                    <p:sldTgt/>
+                  </p:tgtEl>
+                </p:cond>
+              </p:nextCondLst>
+            </p:seq>
+          </p:childTnLst>
+        </p:cTn>
+      </p:par>
+    </p:tnLst>
+    <p:bldLst>
+      <p:bldP spid="3" grpId="0" build="p"/>
+    </p:bldLst>
+  </p:timing>
 </p:sld>
 </file>
 
@@ -11485,7 +13638,7 @@
         </p:blipFill>
         <p:spPr>
           <a:xfrm>
-            <a:off x="0" y="-4651"/>
+            <a:off x="0" y="-5696"/>
             <a:ext cx="12192000" cy="6858000"/>
           </a:xfrm>
           <a:prstGeom prst="rect">
@@ -12372,6 +14525,398 @@
   <p:clrMapOvr>
     <a:masterClrMapping/>
   </p:clrMapOvr>
+  <p:timing>
+    <p:tnLst>
+      <p:par>
+        <p:cTn id="1" dur="indefinite" restart="never" nodeType="tmRoot">
+          <p:childTnLst>
+            <p:seq concurrent="1" nextAc="seek">
+              <p:cTn id="2" dur="indefinite" nodeType="mainSeq">
+                <p:childTnLst>
+                  <p:par>
+                    <p:cTn id="3" fill="hold">
+                      <p:stCondLst>
+                        <p:cond delay="indefinite"/>
+                      </p:stCondLst>
+                      <p:childTnLst>
+                        <p:par>
+                          <p:cTn id="4" fill="hold">
+                            <p:stCondLst>
+                              <p:cond delay="0"/>
+                            </p:stCondLst>
+                            <p:childTnLst>
+                              <p:par>
+                                <p:cTn id="5" presetID="10" presetClass="entr" presetSubtype="0" fill="hold" grpId="0" nodeType="clickEffect">
+                                  <p:stCondLst>
+                                    <p:cond delay="0"/>
+                                  </p:stCondLst>
+                                  <p:childTnLst>
+                                    <p:set>
+                                      <p:cBhvr>
+                                        <p:cTn id="6" dur="1" fill="hold">
+                                          <p:stCondLst>
+                                            <p:cond delay="0"/>
+                                          </p:stCondLst>
+                                        </p:cTn>
+                                        <p:tgtEl>
+                                          <p:spTgt spid="3"/>
+                                        </p:tgtEl>
+                                        <p:attrNameLst>
+                                          <p:attrName>style.visibility</p:attrName>
+                                        </p:attrNameLst>
+                                      </p:cBhvr>
+                                      <p:to>
+                                        <p:strVal val="visible"/>
+                                      </p:to>
+                                    </p:set>
+                                    <p:animEffect transition="in" filter="fade">
+                                      <p:cBhvr>
+                                        <p:cTn id="7" dur="500"/>
+                                        <p:tgtEl>
+                                          <p:spTgt spid="3"/>
+                                        </p:tgtEl>
+                                      </p:cBhvr>
+                                    </p:animEffect>
+                                  </p:childTnLst>
+                                </p:cTn>
+                              </p:par>
+                              <p:par>
+                                <p:cTn id="8" presetID="10" presetClass="entr" presetSubtype="0" fill="hold" grpId="0" nodeType="withEffect">
+                                  <p:stCondLst>
+                                    <p:cond delay="0"/>
+                                  </p:stCondLst>
+                                  <p:childTnLst>
+                                    <p:set>
+                                      <p:cBhvr>
+                                        <p:cTn id="9" dur="1" fill="hold">
+                                          <p:stCondLst>
+                                            <p:cond delay="0"/>
+                                          </p:stCondLst>
+                                        </p:cTn>
+                                        <p:tgtEl>
+                                          <p:spTgt spid="17"/>
+                                        </p:tgtEl>
+                                        <p:attrNameLst>
+                                          <p:attrName>style.visibility</p:attrName>
+                                        </p:attrNameLst>
+                                      </p:cBhvr>
+                                      <p:to>
+                                        <p:strVal val="visible"/>
+                                      </p:to>
+                                    </p:set>
+                                    <p:animEffect transition="in" filter="fade">
+                                      <p:cBhvr>
+                                        <p:cTn id="10" dur="500"/>
+                                        <p:tgtEl>
+                                          <p:spTgt spid="17"/>
+                                        </p:tgtEl>
+                                      </p:cBhvr>
+                                    </p:animEffect>
+                                  </p:childTnLst>
+                                </p:cTn>
+                              </p:par>
+                              <p:par>
+                                <p:cTn id="11" presetID="10" presetClass="entr" presetSubtype="0" fill="hold" grpId="0" nodeType="withEffect">
+                                  <p:stCondLst>
+                                    <p:cond delay="0"/>
+                                  </p:stCondLst>
+                                  <p:childTnLst>
+                                    <p:set>
+                                      <p:cBhvr>
+                                        <p:cTn id="12" dur="1" fill="hold">
+                                          <p:stCondLst>
+                                            <p:cond delay="0"/>
+                                          </p:stCondLst>
+                                        </p:cTn>
+                                        <p:tgtEl>
+                                          <p:spTgt spid="15"/>
+                                        </p:tgtEl>
+                                        <p:attrNameLst>
+                                          <p:attrName>style.visibility</p:attrName>
+                                        </p:attrNameLst>
+                                      </p:cBhvr>
+                                      <p:to>
+                                        <p:strVal val="visible"/>
+                                      </p:to>
+                                    </p:set>
+                                    <p:animEffect transition="in" filter="fade">
+                                      <p:cBhvr>
+                                        <p:cTn id="13" dur="500"/>
+                                        <p:tgtEl>
+                                          <p:spTgt spid="15"/>
+                                        </p:tgtEl>
+                                      </p:cBhvr>
+                                    </p:animEffect>
+                                  </p:childTnLst>
+                                </p:cTn>
+                              </p:par>
+                            </p:childTnLst>
+                          </p:cTn>
+                        </p:par>
+                      </p:childTnLst>
+                    </p:cTn>
+                  </p:par>
+                  <p:par>
+                    <p:cTn id="14" fill="hold">
+                      <p:stCondLst>
+                        <p:cond delay="indefinite"/>
+                      </p:stCondLst>
+                      <p:childTnLst>
+                        <p:par>
+                          <p:cTn id="15" fill="hold">
+                            <p:stCondLst>
+                              <p:cond delay="0"/>
+                            </p:stCondLst>
+                            <p:childTnLst>
+                              <p:par>
+                                <p:cTn id="16" presetID="10" presetClass="entr" presetSubtype="0" fill="hold" grpId="0" nodeType="clickEffect">
+                                  <p:stCondLst>
+                                    <p:cond delay="0"/>
+                                  </p:stCondLst>
+                                  <p:childTnLst>
+                                    <p:set>
+                                      <p:cBhvr>
+                                        <p:cTn id="17" dur="1" fill="hold">
+                                          <p:stCondLst>
+                                            <p:cond delay="0"/>
+                                          </p:stCondLst>
+                                        </p:cTn>
+                                        <p:tgtEl>
+                                          <p:spTgt spid="12"/>
+                                        </p:tgtEl>
+                                        <p:attrNameLst>
+                                          <p:attrName>style.visibility</p:attrName>
+                                        </p:attrNameLst>
+                                      </p:cBhvr>
+                                      <p:to>
+                                        <p:strVal val="visible"/>
+                                      </p:to>
+                                    </p:set>
+                                    <p:animEffect transition="in" filter="fade">
+                                      <p:cBhvr>
+                                        <p:cTn id="18" dur="500"/>
+                                        <p:tgtEl>
+                                          <p:spTgt spid="12"/>
+                                        </p:tgtEl>
+                                      </p:cBhvr>
+                                    </p:animEffect>
+                                  </p:childTnLst>
+                                </p:cTn>
+                              </p:par>
+                            </p:childTnLst>
+                          </p:cTn>
+                        </p:par>
+                      </p:childTnLst>
+                    </p:cTn>
+                  </p:par>
+                  <p:par>
+                    <p:cTn id="19" fill="hold">
+                      <p:stCondLst>
+                        <p:cond delay="indefinite"/>
+                      </p:stCondLst>
+                      <p:childTnLst>
+                        <p:par>
+                          <p:cTn id="20" fill="hold">
+                            <p:stCondLst>
+                              <p:cond delay="0"/>
+                            </p:stCondLst>
+                            <p:childTnLst>
+                              <p:par>
+                                <p:cTn id="21" presetID="10" presetClass="entr" presetSubtype="0" fill="hold" grpId="0" nodeType="clickEffect">
+                                  <p:stCondLst>
+                                    <p:cond delay="0"/>
+                                  </p:stCondLst>
+                                  <p:childTnLst>
+                                    <p:set>
+                                      <p:cBhvr>
+                                        <p:cTn id="22" dur="1" fill="hold">
+                                          <p:stCondLst>
+                                            <p:cond delay="0"/>
+                                          </p:stCondLst>
+                                        </p:cTn>
+                                        <p:tgtEl>
+                                          <p:spTgt spid="8"/>
+                                        </p:tgtEl>
+                                        <p:attrNameLst>
+                                          <p:attrName>style.visibility</p:attrName>
+                                        </p:attrNameLst>
+                                      </p:cBhvr>
+                                      <p:to>
+                                        <p:strVal val="visible"/>
+                                      </p:to>
+                                    </p:set>
+                                    <p:animEffect transition="in" filter="fade">
+                                      <p:cBhvr>
+                                        <p:cTn id="23" dur="500"/>
+                                        <p:tgtEl>
+                                          <p:spTgt spid="8"/>
+                                        </p:tgtEl>
+                                      </p:cBhvr>
+                                    </p:animEffect>
+                                  </p:childTnLst>
+                                </p:cTn>
+                              </p:par>
+                              <p:par>
+                                <p:cTn id="24" presetID="10" presetClass="entr" presetSubtype="0" fill="hold" grpId="0" nodeType="withEffect">
+                                  <p:stCondLst>
+                                    <p:cond delay="0"/>
+                                  </p:stCondLst>
+                                  <p:childTnLst>
+                                    <p:set>
+                                      <p:cBhvr>
+                                        <p:cTn id="25" dur="1" fill="hold">
+                                          <p:stCondLst>
+                                            <p:cond delay="0"/>
+                                          </p:stCondLst>
+                                        </p:cTn>
+                                        <p:tgtEl>
+                                          <p:spTgt spid="19"/>
+                                        </p:tgtEl>
+                                        <p:attrNameLst>
+                                          <p:attrName>style.visibility</p:attrName>
+                                        </p:attrNameLst>
+                                      </p:cBhvr>
+                                      <p:to>
+                                        <p:strVal val="visible"/>
+                                      </p:to>
+                                    </p:set>
+                                    <p:animEffect transition="in" filter="fade">
+                                      <p:cBhvr>
+                                        <p:cTn id="26" dur="500"/>
+                                        <p:tgtEl>
+                                          <p:spTgt spid="19"/>
+                                        </p:tgtEl>
+                                      </p:cBhvr>
+                                    </p:animEffect>
+                                  </p:childTnLst>
+                                </p:cTn>
+                              </p:par>
+                            </p:childTnLst>
+                          </p:cTn>
+                        </p:par>
+                      </p:childTnLst>
+                    </p:cTn>
+                  </p:par>
+                  <p:par>
+                    <p:cTn id="27" fill="hold">
+                      <p:stCondLst>
+                        <p:cond delay="indefinite"/>
+                      </p:stCondLst>
+                      <p:childTnLst>
+                        <p:par>
+                          <p:cTn id="28" fill="hold">
+                            <p:stCondLst>
+                              <p:cond delay="0"/>
+                            </p:stCondLst>
+                            <p:childTnLst>
+                              <p:par>
+                                <p:cTn id="29" presetID="10" presetClass="entr" presetSubtype="0" fill="hold" grpId="0" nodeType="clickEffect">
+                                  <p:stCondLst>
+                                    <p:cond delay="0"/>
+                                  </p:stCondLst>
+                                  <p:childTnLst>
+                                    <p:set>
+                                      <p:cBhvr>
+                                        <p:cTn id="30" dur="1" fill="hold">
+                                          <p:stCondLst>
+                                            <p:cond delay="0"/>
+                                          </p:stCondLst>
+                                        </p:cTn>
+                                        <p:tgtEl>
+                                          <p:spTgt spid="9"/>
+                                        </p:tgtEl>
+                                        <p:attrNameLst>
+                                          <p:attrName>style.visibility</p:attrName>
+                                        </p:attrNameLst>
+                                      </p:cBhvr>
+                                      <p:to>
+                                        <p:strVal val="visible"/>
+                                      </p:to>
+                                    </p:set>
+                                    <p:animEffect transition="in" filter="fade">
+                                      <p:cBhvr>
+                                        <p:cTn id="31" dur="500"/>
+                                        <p:tgtEl>
+                                          <p:spTgt spid="9"/>
+                                        </p:tgtEl>
+                                      </p:cBhvr>
+                                    </p:animEffect>
+                                  </p:childTnLst>
+                                </p:cTn>
+                              </p:par>
+                              <p:par>
+                                <p:cTn id="32" presetID="10" presetClass="entr" presetSubtype="0" fill="hold" grpId="0" nodeType="withEffect">
+                                  <p:stCondLst>
+                                    <p:cond delay="0"/>
+                                  </p:stCondLst>
+                                  <p:childTnLst>
+                                    <p:set>
+                                      <p:cBhvr>
+                                        <p:cTn id="33" dur="1" fill="hold">
+                                          <p:stCondLst>
+                                            <p:cond delay="0"/>
+                                          </p:stCondLst>
+                                        </p:cTn>
+                                        <p:tgtEl>
+                                          <p:spTgt spid="20"/>
+                                        </p:tgtEl>
+                                        <p:attrNameLst>
+                                          <p:attrName>style.visibility</p:attrName>
+                                        </p:attrNameLst>
+                                      </p:cBhvr>
+                                      <p:to>
+                                        <p:strVal val="visible"/>
+                                      </p:to>
+                                    </p:set>
+                                    <p:animEffect transition="in" filter="fade">
+                                      <p:cBhvr>
+                                        <p:cTn id="34" dur="500"/>
+                                        <p:tgtEl>
+                                          <p:spTgt spid="20"/>
+                                        </p:tgtEl>
+                                      </p:cBhvr>
+                                    </p:animEffect>
+                                  </p:childTnLst>
+                                </p:cTn>
+                              </p:par>
+                            </p:childTnLst>
+                          </p:cTn>
+                        </p:par>
+                      </p:childTnLst>
+                    </p:cTn>
+                  </p:par>
+                </p:childTnLst>
+              </p:cTn>
+              <p:prevCondLst>
+                <p:cond evt="onPrev" delay="0">
+                  <p:tgtEl>
+                    <p:sldTgt/>
+                  </p:tgtEl>
+                </p:cond>
+              </p:prevCondLst>
+              <p:nextCondLst>
+                <p:cond evt="onNext" delay="0">
+                  <p:tgtEl>
+                    <p:sldTgt/>
+                  </p:tgtEl>
+                </p:cond>
+              </p:nextCondLst>
+            </p:seq>
+          </p:childTnLst>
+        </p:cTn>
+      </p:par>
+    </p:tnLst>
+    <p:bldLst>
+      <p:bldP spid="3" grpId="0" animBg="1"/>
+      <p:bldP spid="8" grpId="0" animBg="1"/>
+      <p:bldP spid="9" grpId="0" animBg="1"/>
+      <p:bldP spid="12" grpId="0" animBg="1"/>
+      <p:bldP spid="15" grpId="0" animBg="1"/>
+      <p:bldP spid="19" grpId="0" animBg="1"/>
+      <p:bldP spid="20" grpId="0" animBg="1"/>
+      <p:bldP spid="17" grpId="0"/>
+    </p:bldLst>
+  </p:timing>
 </p:sld>
 </file>
 
@@ -13800,6 +16345,17 @@
 </file>
 
 <file path=customXml/item2.xml><?xml version="1.0" encoding="utf-8"?>
+<p:properties xmlns:p="http://schemas.microsoft.com/office/2006/metadata/properties" xmlns:xsi="http://www.w3.org/2001/XMLSchema-instance" xmlns:pc="http://schemas.microsoft.com/office/infopath/2007/PartnerControls">
+  <documentManagement>
+    <lcf76f155ced4ddcb4097134ff3c332f xmlns="86ceb19f-6ae7-4f45-9291-f23dc7cad4a8">
+      <Terms xmlns="http://schemas.microsoft.com/office/infopath/2007/PartnerControls"/>
+    </lcf76f155ced4ddcb4097134ff3c332f>
+    <TaxCatchAll xmlns="d9ddec61-d553-4032-8214-836f20420e5b" xsi:nil="true"/>
+  </documentManagement>
+</p:properties>
+</file>
+
+<file path=customXml/item3.xml><?xml version="1.0" encoding="utf-8"?>
 <ct:contentTypeSchema xmlns:ct="http://schemas.microsoft.com/office/2006/metadata/contentType" xmlns:ma="http://schemas.microsoft.com/office/2006/metadata/properties/metaAttributes" ct:_="" ma:_="" ma:contentTypeName="ドキュメント" ma:contentTypeID="0x010100E01490404992EE4E8DE75A84CE187D61" ma:contentTypeVersion="13" ma:contentTypeDescription="新しいドキュメントを作成します。" ma:contentTypeScope="" ma:versionID="4de2a10b987b0cd1cabba618634b4858">
   <xsd:schema xmlns:xsd="http://www.w3.org/2001/XMLSchema" xmlns:xs="http://www.w3.org/2001/XMLSchema" xmlns:p="http://schemas.microsoft.com/office/2006/metadata/properties" xmlns:ns2="86ceb19f-6ae7-4f45-9291-f23dc7cad4a8" xmlns:ns3="d9ddec61-d553-4032-8214-836f20420e5b" targetNamespace="http://schemas.microsoft.com/office/2006/metadata/properties" ma:root="true" ma:fieldsID="75a65fd2c3f672b3ff036140e68d3afc" ns2:_="" ns3:_="">
     <xsd:import namespace="86ceb19f-6ae7-4f45-9291-f23dc7cad4a8"/>
@@ -14022,17 +16578,6 @@
 </ct:contentTypeSchema>
 </file>
 
-<file path=customXml/item3.xml><?xml version="1.0" encoding="utf-8"?>
-<p:properties xmlns:p="http://schemas.microsoft.com/office/2006/metadata/properties" xmlns:xsi="http://www.w3.org/2001/XMLSchema-instance" xmlns:pc="http://schemas.microsoft.com/office/infopath/2007/PartnerControls">
-  <documentManagement>
-    <lcf76f155ced4ddcb4097134ff3c332f xmlns="86ceb19f-6ae7-4f45-9291-f23dc7cad4a8">
-      <Terms xmlns="http://schemas.microsoft.com/office/infopath/2007/PartnerControls"/>
-    </lcf76f155ced4ddcb4097134ff3c332f>
-    <TaxCatchAll xmlns="d9ddec61-d553-4032-8214-836f20420e5b" xsi:nil="true"/>
-  </documentManagement>
-</p:properties>
-</file>
-
 <file path=customXml/itemProps1.xml><?xml version="1.0" encoding="utf-8"?>
 <ds:datastoreItem xmlns:ds="http://schemas.openxmlformats.org/officeDocument/2006/customXml" ds:itemID="{D1CAAF56-E79E-46EC-85D8-FF1AC3B8584A}">
   <ds:schemaRefs>
@@ -14042,6 +16587,23 @@
 </file>
 
 <file path=customXml/itemProps2.xml><?xml version="1.0" encoding="utf-8"?>
+<ds:datastoreItem xmlns:ds="http://schemas.openxmlformats.org/officeDocument/2006/customXml" ds:itemID="{E512E803-4492-4E48-BC4A-33471278F446}">
+  <ds:schemaRefs>
+    <ds:schemaRef ds:uri="http://schemas.microsoft.com/office/2006/documentManagement/types"/>
+    <ds:schemaRef ds:uri="http://purl.org/dc/dcmitype/"/>
+    <ds:schemaRef ds:uri="http://www.w3.org/XML/1998/namespace"/>
+    <ds:schemaRef ds:uri="http://schemas.openxmlformats.org/package/2006/metadata/core-properties"/>
+    <ds:schemaRef ds:uri="http://schemas.microsoft.com/office/2006/metadata/properties"/>
+    <ds:schemaRef ds:uri="http://purl.org/dc/elements/1.1/"/>
+    <ds:schemaRef ds:uri="86ceb19f-6ae7-4f45-9291-f23dc7cad4a8"/>
+    <ds:schemaRef ds:uri="http://schemas.microsoft.com/office/infopath/2007/PartnerControls"/>
+    <ds:schemaRef ds:uri="d9ddec61-d553-4032-8214-836f20420e5b"/>
+    <ds:schemaRef ds:uri="http://purl.org/dc/terms/"/>
+  </ds:schemaRefs>
+</ds:datastoreItem>
+</file>
+
+<file path=customXml/itemProps3.xml><?xml version="1.0" encoding="utf-8"?>
 <ds:datastoreItem xmlns:ds="http://schemas.openxmlformats.org/officeDocument/2006/customXml" ds:itemID="{3088C02C-7DCC-44F5-9DB3-7F8495DDC635}">
   <ds:schemaRefs>
     <ds:schemaRef ds:uri="http://schemas.microsoft.com/office/2006/metadata/contentType"/>
@@ -14058,21 +16620,4 @@
     <ds:schemaRef ds:uri="http://schemas.microsoft.com/internal/obd"/>
   </ds:schemaRefs>
 </ds:datastoreItem>
-</file>
-
-<file path=customXml/itemProps3.xml><?xml version="1.0" encoding="utf-8"?>
-<ds:datastoreItem xmlns:ds="http://schemas.openxmlformats.org/officeDocument/2006/customXml" ds:itemID="{E512E803-4492-4E48-BC4A-33471278F446}">
-  <ds:schemaRefs>
-    <ds:schemaRef ds:uri="http://purl.org/dc/dcmitype/"/>
-    <ds:schemaRef ds:uri="http://schemas.microsoft.com/office/2006/documentManagement/types"/>
-    <ds:schemaRef ds:uri="http://www.w3.org/XML/1998/namespace"/>
-    <ds:schemaRef ds:uri="d9ddec61-d553-4032-8214-836f20420e5b"/>
-    <ds:schemaRef ds:uri="http://schemas.openxmlformats.org/package/2006/metadata/core-properties"/>
-    <ds:schemaRef ds:uri="http://purl.org/dc/terms/"/>
-    <ds:schemaRef ds:uri="http://schemas.microsoft.com/office/infopath/2007/PartnerControls"/>
-    <ds:schemaRef ds:uri="86ceb19f-6ae7-4f45-9291-f23dc7cad4a8"/>
-    <ds:schemaRef ds:uri="http://schemas.microsoft.com/office/2006/metadata/properties"/>
-    <ds:schemaRef ds:uri="http://purl.org/dc/elements/1.1/"/>
-  </ds:schemaRefs>
-</ds:datastoreItem>
 </file>
--- a/プレゼン資料.pptx
+++ b/プレゼン資料.pptx
@@ -207,7 +207,7 @@
           <a:p>
             <a:fld id="{CFAD4B29-8608-40BF-987E-B4CE6733CDF1}" type="datetimeFigureOut">
               <a:rPr kumimoji="1" lang="ja-JP" altLang="en-US" smtClean="0"/>
-              <a:t>2024/7/11</a:t>
+              <a:t>2024/7/12</a:t>
             </a:fld>
             <a:endParaRPr kumimoji="1" lang="ja-JP" altLang="en-US"/>
           </a:p>
@@ -2520,7 +2520,7 @@
           <a:p>
             <a:fld id="{54490762-D966-4A64-B839-39FF825004B9}" type="datetimeFigureOut">
               <a:rPr kumimoji="1" lang="ja-JP" altLang="en-US" smtClean="0"/>
-              <a:t>2024/7/11</a:t>
+              <a:t>2024/7/12</a:t>
             </a:fld>
             <a:endParaRPr kumimoji="1" lang="ja-JP" altLang="en-US"/>
           </a:p>
@@ -2750,7 +2750,7 @@
           <a:p>
             <a:fld id="{54490762-D966-4A64-B839-39FF825004B9}" type="datetimeFigureOut">
               <a:rPr kumimoji="1" lang="ja-JP" altLang="en-US" smtClean="0"/>
-              <a:t>2024/7/11</a:t>
+              <a:t>2024/7/12</a:t>
             </a:fld>
             <a:endParaRPr kumimoji="1" lang="ja-JP" altLang="en-US"/>
           </a:p>
@@ -2990,7 +2990,7 @@
           <a:p>
             <a:fld id="{54490762-D966-4A64-B839-39FF825004B9}" type="datetimeFigureOut">
               <a:rPr kumimoji="1" lang="ja-JP" altLang="en-US" smtClean="0"/>
-              <a:t>2024/7/11</a:t>
+              <a:t>2024/7/12</a:t>
             </a:fld>
             <a:endParaRPr kumimoji="1" lang="ja-JP" altLang="en-US"/>
           </a:p>
@@ -3192,7 +3192,7 @@
           <a:p>
             <a:fld id="{54490762-D966-4A64-B839-39FF825004B9}" type="datetimeFigureOut">
               <a:rPr kumimoji="1" lang="ja-JP" altLang="en-US" smtClean="0"/>
-              <a:t>2024/7/11</a:t>
+              <a:t>2024/7/12</a:t>
             </a:fld>
             <a:endParaRPr kumimoji="1" lang="ja-JP" altLang="en-US"/>
           </a:p>
@@ -3392,7 +3392,7 @@
           <a:p>
             <a:fld id="{54490762-D966-4A64-B839-39FF825004B9}" type="datetimeFigureOut">
               <a:rPr kumimoji="1" lang="ja-JP" altLang="en-US" smtClean="0"/>
-              <a:t>2024/7/11</a:t>
+              <a:t>2024/7/12</a:t>
             </a:fld>
             <a:endParaRPr kumimoji="1" lang="ja-JP" altLang="en-US"/>
           </a:p>
@@ -3637,7 +3637,7 @@
           <a:p>
             <a:fld id="{54490762-D966-4A64-B839-39FF825004B9}" type="datetimeFigureOut">
               <a:rPr kumimoji="1" lang="ja-JP" altLang="en-US" smtClean="0"/>
-              <a:t>2024/7/11</a:t>
+              <a:t>2024/7/12</a:t>
             </a:fld>
             <a:endParaRPr kumimoji="1" lang="ja-JP" altLang="en-US"/>
           </a:p>
@@ -3930,7 +3930,7 @@
           <a:p>
             <a:fld id="{54490762-D966-4A64-B839-39FF825004B9}" type="datetimeFigureOut">
               <a:rPr kumimoji="1" lang="ja-JP" altLang="en-US" smtClean="0"/>
-              <a:t>2024/7/11</a:t>
+              <a:t>2024/7/12</a:t>
             </a:fld>
             <a:endParaRPr kumimoji="1" lang="ja-JP" altLang="en-US"/>
           </a:p>
@@ -4358,7 +4358,7 @@
           <a:p>
             <a:fld id="{54490762-D966-4A64-B839-39FF825004B9}" type="datetimeFigureOut">
               <a:rPr kumimoji="1" lang="ja-JP" altLang="en-US" smtClean="0"/>
-              <a:t>2024/7/11</a:t>
+              <a:t>2024/7/12</a:t>
             </a:fld>
             <a:endParaRPr kumimoji="1" lang="ja-JP" altLang="en-US"/>
           </a:p>
@@ -4475,7 +4475,7 @@
           <a:p>
             <a:fld id="{54490762-D966-4A64-B839-39FF825004B9}" type="datetimeFigureOut">
               <a:rPr kumimoji="1" lang="ja-JP" altLang="en-US" smtClean="0"/>
-              <a:t>2024/7/11</a:t>
+              <a:t>2024/7/12</a:t>
             </a:fld>
             <a:endParaRPr kumimoji="1" lang="ja-JP" altLang="en-US"/>
           </a:p>
@@ -4570,7 +4570,7 @@
           <a:p>
             <a:fld id="{54490762-D966-4A64-B839-39FF825004B9}" type="datetimeFigureOut">
               <a:rPr kumimoji="1" lang="ja-JP" altLang="en-US" smtClean="0"/>
-              <a:t>2024/7/11</a:t>
+              <a:t>2024/7/12</a:t>
             </a:fld>
             <a:endParaRPr kumimoji="1" lang="ja-JP" altLang="en-US"/>
           </a:p>
@@ -4877,7 +4877,7 @@
           <a:p>
             <a:fld id="{54490762-D966-4A64-B839-39FF825004B9}" type="datetimeFigureOut">
               <a:rPr kumimoji="1" lang="ja-JP" altLang="en-US" smtClean="0"/>
-              <a:t>2024/7/11</a:t>
+              <a:t>2024/7/12</a:t>
             </a:fld>
             <a:endParaRPr kumimoji="1" lang="ja-JP" altLang="en-US"/>
           </a:p>
@@ -5095,7 +5095,7 @@
           <a:p>
             <a:fld id="{54490762-D966-4A64-B839-39FF825004B9}" type="datetimeFigureOut">
               <a:rPr kumimoji="1" lang="ja-JP" altLang="en-US" smtClean="0"/>
-              <a:t>2024/7/11</a:t>
+              <a:t>2024/7/12</a:t>
             </a:fld>
             <a:endParaRPr kumimoji="1" lang="ja-JP" altLang="en-US"/>
           </a:p>
@@ -5359,7 +5359,7 @@
           <a:p>
             <a:fld id="{54490762-D966-4A64-B839-39FF825004B9}" type="datetimeFigureOut">
               <a:rPr kumimoji="1" lang="ja-JP" altLang="en-US" smtClean="0"/>
-              <a:t>2024/7/11</a:t>
+              <a:t>2024/7/12</a:t>
             </a:fld>
             <a:endParaRPr kumimoji="1" lang="ja-JP" altLang="en-US"/>
           </a:p>
@@ -5559,7 +5559,7 @@
           <a:p>
             <a:fld id="{54490762-D966-4A64-B839-39FF825004B9}" type="datetimeFigureOut">
               <a:rPr kumimoji="1" lang="ja-JP" altLang="en-US" smtClean="0"/>
-              <a:t>2024/7/11</a:t>
+              <a:t>2024/7/12</a:t>
             </a:fld>
             <a:endParaRPr kumimoji="1" lang="ja-JP" altLang="en-US"/>
           </a:p>
@@ -5769,7 +5769,7 @@
           <a:p>
             <a:fld id="{54490762-D966-4A64-B839-39FF825004B9}" type="datetimeFigureOut">
               <a:rPr kumimoji="1" lang="ja-JP" altLang="en-US" smtClean="0"/>
-              <a:t>2024/7/11</a:t>
+              <a:t>2024/7/12</a:t>
             </a:fld>
             <a:endParaRPr kumimoji="1" lang="ja-JP" altLang="en-US"/>
           </a:p>
@@ -6032,7 +6032,7 @@
           <a:p>
             <a:fld id="{54490762-D966-4A64-B839-39FF825004B9}" type="datetimeFigureOut">
               <a:rPr kumimoji="1" lang="ja-JP" altLang="en-US" smtClean="0"/>
-              <a:t>2024/7/11</a:t>
+              <a:t>2024/7/12</a:t>
             </a:fld>
             <a:endParaRPr kumimoji="1" lang="ja-JP" altLang="en-US"/>
           </a:p>
@@ -6361,7 +6361,7 @@
           <a:p>
             <a:fld id="{54490762-D966-4A64-B839-39FF825004B9}" type="datetimeFigureOut">
               <a:rPr kumimoji="1" lang="ja-JP" altLang="en-US" smtClean="0"/>
-              <a:t>2024/7/11</a:t>
+              <a:t>2024/7/12</a:t>
             </a:fld>
             <a:endParaRPr kumimoji="1" lang="ja-JP" altLang="en-US"/>
           </a:p>
@@ -6837,7 +6837,7 @@
           <a:p>
             <a:fld id="{54490762-D966-4A64-B839-39FF825004B9}" type="datetimeFigureOut">
               <a:rPr kumimoji="1" lang="ja-JP" altLang="en-US" smtClean="0"/>
-              <a:t>2024/7/11</a:t>
+              <a:t>2024/7/12</a:t>
             </a:fld>
             <a:endParaRPr kumimoji="1" lang="ja-JP" altLang="en-US"/>
           </a:p>
@@ -6978,7 +6978,7 @@
           <a:p>
             <a:fld id="{54490762-D966-4A64-B839-39FF825004B9}" type="datetimeFigureOut">
               <a:rPr kumimoji="1" lang="ja-JP" altLang="en-US" smtClean="0"/>
-              <a:t>2024/7/11</a:t>
+              <a:t>2024/7/12</a:t>
             </a:fld>
             <a:endParaRPr kumimoji="1" lang="ja-JP" altLang="en-US"/>
           </a:p>
@@ -7091,7 +7091,7 @@
           <a:p>
             <a:fld id="{54490762-D966-4A64-B839-39FF825004B9}" type="datetimeFigureOut">
               <a:rPr kumimoji="1" lang="ja-JP" altLang="en-US" smtClean="0"/>
-              <a:t>2024/7/11</a:t>
+              <a:t>2024/7/12</a:t>
             </a:fld>
             <a:endParaRPr kumimoji="1" lang="ja-JP" altLang="en-US"/>
           </a:p>
@@ -7434,7 +7434,7 @@
           <a:p>
             <a:fld id="{54490762-D966-4A64-B839-39FF825004B9}" type="datetimeFigureOut">
               <a:rPr kumimoji="1" lang="ja-JP" altLang="en-US" smtClean="0"/>
-              <a:t>2024/7/11</a:t>
+              <a:t>2024/7/12</a:t>
             </a:fld>
             <a:endParaRPr kumimoji="1" lang="ja-JP" altLang="en-US"/>
           </a:p>
@@ -7722,7 +7722,7 @@
           <a:p>
             <a:fld id="{54490762-D966-4A64-B839-39FF825004B9}" type="datetimeFigureOut">
               <a:rPr kumimoji="1" lang="ja-JP" altLang="en-US" smtClean="0"/>
-              <a:t>2024/7/11</a:t>
+              <a:t>2024/7/12</a:t>
             </a:fld>
             <a:endParaRPr kumimoji="1" lang="ja-JP" altLang="en-US"/>
           </a:p>
@@ -7995,7 +7995,7 @@
           <a:p>
             <a:fld id="{54490762-D966-4A64-B839-39FF825004B9}" type="datetimeFigureOut">
               <a:rPr kumimoji="1" lang="ja-JP" altLang="en-US" smtClean="0"/>
-              <a:t>2024/7/11</a:t>
+              <a:t>2024/7/12</a:t>
             </a:fld>
             <a:endParaRPr kumimoji="1" lang="ja-JP" altLang="en-US"/>
           </a:p>
@@ -8577,7 +8577,7 @@
           <a:p>
             <a:fld id="{54490762-D966-4A64-B839-39FF825004B9}" type="datetimeFigureOut">
               <a:rPr kumimoji="1" lang="ja-JP" altLang="en-US" smtClean="0"/>
-              <a:t>2024/7/11</a:t>
+              <a:t>2024/7/12</a:t>
             </a:fld>
             <a:endParaRPr kumimoji="1" lang="ja-JP" altLang="en-US"/>
           </a:p>
@@ -10365,21 +10365,30 @@
                             </p:childTnLst>
                           </p:cTn>
                         </p:par>
+                      </p:childTnLst>
+                    </p:cTn>
+                  </p:par>
+                  <p:par>
+                    <p:cTn id="8" fill="hold">
+                      <p:stCondLst>
+                        <p:cond delay="indefinite"/>
+                      </p:stCondLst>
+                      <p:childTnLst>
                         <p:par>
-                          <p:cTn id="8" fill="hold">
+                          <p:cTn id="9" fill="hold">
                             <p:stCondLst>
-                              <p:cond delay="500"/>
+                              <p:cond delay="0"/>
                             </p:stCondLst>
                             <p:childTnLst>
                               <p:par>
-                                <p:cTn id="9" presetID="10" presetClass="entr" presetSubtype="0" fill="hold" grpId="0" nodeType="afterEffect">
+                                <p:cTn id="10" presetID="10" presetClass="entr" presetSubtype="0" fill="hold" grpId="0" nodeType="clickEffect">
                                   <p:stCondLst>
                                     <p:cond delay="0"/>
                                   </p:stCondLst>
                                   <p:childTnLst>
                                     <p:set>
                                       <p:cBhvr>
-                                        <p:cTn id="10" dur="1" fill="hold">
+                                        <p:cTn id="11" dur="1" fill="hold">
                                           <p:stCondLst>
                                             <p:cond delay="0"/>
                                           </p:stCondLst>
@@ -10401,7 +10410,7 @@
                                     </p:set>
                                     <p:animEffect transition="in" filter="fade">
                                       <p:cBhvr>
-                                        <p:cTn id="11" dur="500"/>
+                                        <p:cTn id="12" dur="500"/>
                                         <p:tgtEl>
                                           <p:spTgt spid="3">
                                             <p:txEl>
@@ -10418,20 +10427,20 @@
                           </p:cTn>
                         </p:par>
                         <p:par>
-                          <p:cTn id="12" fill="hold">
+                          <p:cTn id="13" fill="hold">
                             <p:stCondLst>
-                              <p:cond delay="1000"/>
+                              <p:cond delay="500"/>
                             </p:stCondLst>
                             <p:childTnLst>
                               <p:par>
-                                <p:cTn id="13" presetID="10" presetClass="entr" presetSubtype="0" fill="hold" grpId="0" nodeType="afterEffect">
+                                <p:cTn id="14" presetID="10" presetClass="entr" presetSubtype="0" fill="hold" grpId="0" nodeType="afterEffect">
                                   <p:stCondLst>
                                     <p:cond delay="0"/>
                                   </p:stCondLst>
                                   <p:childTnLst>
                                     <p:set>
                                       <p:cBhvr>
-                                        <p:cTn id="14" dur="1" fill="hold">
+                                        <p:cTn id="15" dur="1" fill="hold">
                                           <p:stCondLst>
                                             <p:cond delay="0"/>
                                           </p:stCondLst>
@@ -10453,7 +10462,7 @@
                                     </p:set>
                                     <p:animEffect transition="in" filter="fade">
                                       <p:cBhvr>
-                                        <p:cTn id="15" dur="500"/>
+                                        <p:cTn id="16" dur="500"/>
                                         <p:tgtEl>
                                           <p:spTgt spid="3">
                                             <p:txEl>
@@ -10470,20 +10479,20 @@
                           </p:cTn>
                         </p:par>
                         <p:par>
-                          <p:cTn id="16" fill="hold">
+                          <p:cTn id="17" fill="hold">
                             <p:stCondLst>
-                              <p:cond delay="1500"/>
+                              <p:cond delay="1000"/>
                             </p:stCondLst>
                             <p:childTnLst>
                               <p:par>
-                                <p:cTn id="17" presetID="10" presetClass="entr" presetSubtype="0" fill="hold" grpId="0" nodeType="afterEffect">
+                                <p:cTn id="18" presetID="10" presetClass="entr" presetSubtype="0" fill="hold" grpId="0" nodeType="afterEffect">
                                   <p:stCondLst>
                                     <p:cond delay="0"/>
                                   </p:stCondLst>
                                   <p:childTnLst>
                                     <p:set>
                                       <p:cBhvr>
-                                        <p:cTn id="18" dur="1" fill="hold">
+                                        <p:cTn id="19" dur="1" fill="hold">
                                           <p:stCondLst>
                                             <p:cond delay="0"/>
                                           </p:stCondLst>
@@ -10505,7 +10514,7 @@
                                     </p:set>
                                     <p:animEffect transition="in" filter="fade">
                                       <p:cBhvr>
-                                        <p:cTn id="19" dur="500"/>
+                                        <p:cTn id="20" dur="500"/>
                                         <p:tgtEl>
                                           <p:spTgt spid="3">
                                             <p:txEl>
@@ -10519,14 +10528,14 @@
                                 </p:cTn>
                               </p:par>
                               <p:par>
-                                <p:cTn id="20" presetID="10" presetClass="entr" presetSubtype="0" fill="hold" nodeType="withEffect">
+                                <p:cTn id="21" presetID="10" presetClass="entr" presetSubtype="0" fill="hold" nodeType="withEffect">
                                   <p:stCondLst>
                                     <p:cond delay="0"/>
                                   </p:stCondLst>
                                   <p:childTnLst>
                                     <p:set>
                                       <p:cBhvr>
-                                        <p:cTn id="21" dur="1" fill="hold">
+                                        <p:cTn id="22" dur="1" fill="hold">
                                           <p:stCondLst>
                                             <p:cond delay="0"/>
                                           </p:stCondLst>
@@ -10544,7 +10553,7 @@
                                     </p:set>
                                     <p:animEffect transition="in" filter="fade">
                                       <p:cBhvr>
-                                        <p:cTn id="22" dur="500"/>
+                                        <p:cTn id="23" dur="500"/>
                                         <p:tgtEl>
                                           <p:spTgt spid="6"/>
                                         </p:tgtEl>
@@ -10554,14 +10563,14 @@
                                 </p:cTn>
                               </p:par>
                               <p:par>
-                                <p:cTn id="23" presetID="10" presetClass="entr" presetSubtype="0" fill="hold" nodeType="withEffect">
+                                <p:cTn id="24" presetID="10" presetClass="entr" presetSubtype="0" fill="hold" nodeType="withEffect">
                                   <p:stCondLst>
                                     <p:cond delay="0"/>
                                   </p:stCondLst>
                                   <p:childTnLst>
                                     <p:set>
                                       <p:cBhvr>
-                                        <p:cTn id="24" dur="1" fill="hold">
+                                        <p:cTn id="25" dur="1" fill="hold">
                                           <p:stCondLst>
                                             <p:cond delay="0"/>
                                           </p:stCondLst>
@@ -10579,7 +10588,7 @@
                                     </p:set>
                                     <p:animEffect transition="in" filter="fade">
                                       <p:cBhvr>
-                                        <p:cTn id="25" dur="500"/>
+                                        <p:cTn id="26" dur="500"/>
                                         <p:tgtEl>
                                           <p:spTgt spid="7"/>
                                         </p:tgtEl>
@@ -10592,20 +10601,20 @@
                           </p:cTn>
                         </p:par>
                         <p:par>
-                          <p:cTn id="26" fill="hold">
+                          <p:cTn id="27" fill="hold">
                             <p:stCondLst>
-                              <p:cond delay="2000"/>
+                              <p:cond delay="1500"/>
                             </p:stCondLst>
                             <p:childTnLst>
                               <p:par>
-                                <p:cTn id="27" presetID="42" presetClass="path" presetSubtype="0" accel="50000" decel="50000" fill="hold" nodeType="afterEffect">
+                                <p:cTn id="28" presetID="42" presetClass="path" presetSubtype="0" accel="50000" decel="50000" fill="hold" nodeType="afterEffect">
                                   <p:stCondLst>
                                     <p:cond delay="0"/>
                                   </p:stCondLst>
                                   <p:childTnLst>
                                     <p:animMotion origin="layout" path="M 0.23568 -0.05139 L 0.32734 -0.05324 " pathEditMode="relative" rAng="0" ptsTypes="AA">
                                       <p:cBhvr>
-                                        <p:cTn id="28" dur="10000" fill="hold"/>
+                                        <p:cTn id="29" dur="9000" fill="hold"/>
                                         <p:tgtEl>
                                           <p:spTgt spid="9"/>
                                         </p:tgtEl>
@@ -10990,6 +10999,78 @@
           </a:prstGeom>
         </p:spPr>
       </p:pic>
+      <p:pic>
+        <p:nvPicPr>
+          <p:cNvPr id="9" name="図 8">
+            <a:extLst>
+              <a:ext uri="{FF2B5EF4-FFF2-40B4-BE49-F238E27FC236}">
+                <a16:creationId xmlns:a16="http://schemas.microsoft.com/office/drawing/2014/main" id="{5B1DBF59-62CF-441A-81FE-CBF9053CAE8B}"/>
+              </a:ext>
+            </a:extLst>
+          </p:cNvPr>
+          <p:cNvPicPr>
+            <a:picLocks noChangeAspect="1"/>
+          </p:cNvPicPr>
+          <p:nvPr/>
+        </p:nvPicPr>
+        <p:blipFill>
+          <a:blip r:embed="rId6">
+            <a:extLst>
+              <a:ext uri="{28A0092B-C50C-407E-A947-70E740481C1C}">
+                <a14:useLocalDpi xmlns:a14="http://schemas.microsoft.com/office/drawing/2010/main" val="0"/>
+              </a:ext>
+            </a:extLst>
+          </a:blip>
+          <a:stretch>
+            <a:fillRect/>
+          </a:stretch>
+        </p:blipFill>
+        <p:spPr>
+          <a:xfrm flipH="1">
+            <a:off x="1804162" y="5143500"/>
+            <a:ext cx="1714500" cy="1714500"/>
+          </a:xfrm>
+          <a:prstGeom prst="rect">
+            <a:avLst/>
+          </a:prstGeom>
+        </p:spPr>
+      </p:pic>
+      <p:pic>
+        <p:nvPicPr>
+          <p:cNvPr id="11" name="図 10">
+            <a:extLst>
+              <a:ext uri="{FF2B5EF4-FFF2-40B4-BE49-F238E27FC236}">
+                <a16:creationId xmlns:a16="http://schemas.microsoft.com/office/drawing/2014/main" id="{2BDC3517-06AB-4DFE-96E5-611EB1F58C6F}"/>
+              </a:ext>
+            </a:extLst>
+          </p:cNvPr>
+          <p:cNvPicPr>
+            <a:picLocks noChangeAspect="1"/>
+          </p:cNvPicPr>
+          <p:nvPr/>
+        </p:nvPicPr>
+        <p:blipFill>
+          <a:blip r:embed="rId7">
+            <a:extLst>
+              <a:ext uri="{28A0092B-C50C-407E-A947-70E740481C1C}">
+                <a14:useLocalDpi xmlns:a14="http://schemas.microsoft.com/office/drawing/2010/main" val="0"/>
+              </a:ext>
+            </a:extLst>
+          </a:blip>
+          <a:stretch>
+            <a:fillRect/>
+          </a:stretch>
+        </p:blipFill>
+        <p:spPr>
+          <a:xfrm rot="1526592">
+            <a:off x="6935935" y="3498181"/>
+            <a:ext cx="2682261" cy="2682261"/>
+          </a:xfrm>
+          <a:prstGeom prst="rect">
+            <a:avLst/>
+          </a:prstGeom>
+        </p:spPr>
+      </p:pic>
     </p:spTree>
     <p:extLst>
       <p:ext uri="{BB962C8B-B14F-4D97-AF65-F5344CB8AC3E}">
@@ -11061,21 +11142,30 @@
                             </p:childTnLst>
                           </p:cTn>
                         </p:par>
+                      </p:childTnLst>
+                    </p:cTn>
+                  </p:par>
+                  <p:par>
+                    <p:cTn id="8" fill="hold">
+                      <p:stCondLst>
+                        <p:cond delay="indefinite"/>
+                      </p:stCondLst>
+                      <p:childTnLst>
                         <p:par>
-                          <p:cTn id="8" fill="hold">
+                          <p:cTn id="9" fill="hold">
                             <p:stCondLst>
-                              <p:cond delay="500"/>
+                              <p:cond delay="0"/>
                             </p:stCondLst>
                             <p:childTnLst>
                               <p:par>
-                                <p:cTn id="9" presetID="10" presetClass="entr" presetSubtype="0" fill="hold" grpId="0" nodeType="afterEffect">
+                                <p:cTn id="10" presetID="10" presetClass="entr" presetSubtype="0" fill="hold" grpId="0" nodeType="clickEffect">
                                   <p:stCondLst>
                                     <p:cond delay="0"/>
                                   </p:stCondLst>
                                   <p:childTnLst>
                                     <p:set>
                                       <p:cBhvr>
-                                        <p:cTn id="10" dur="1" fill="hold">
+                                        <p:cTn id="11" dur="1" fill="hold">
                                           <p:stCondLst>
                                             <p:cond delay="0"/>
                                           </p:stCondLst>
@@ -11097,7 +11187,7 @@
                                     </p:set>
                                     <p:animEffect transition="in" filter="fade">
                                       <p:cBhvr>
-                                        <p:cTn id="11" dur="500"/>
+                                        <p:cTn id="12" dur="500"/>
                                         <p:tgtEl>
                                           <p:spTgt spid="3">
                                             <p:txEl>
@@ -11114,20 +11204,20 @@
                           </p:cTn>
                         </p:par>
                         <p:par>
-                          <p:cTn id="12" fill="hold">
+                          <p:cTn id="13" fill="hold">
                             <p:stCondLst>
-                              <p:cond delay="1000"/>
+                              <p:cond delay="500"/>
                             </p:stCondLst>
                             <p:childTnLst>
                               <p:par>
-                                <p:cTn id="13" presetID="10" presetClass="entr" presetSubtype="0" fill="hold" grpId="0" nodeType="afterEffect">
+                                <p:cTn id="14" presetID="10" presetClass="entr" presetSubtype="0" fill="hold" grpId="0" nodeType="afterEffect">
                                   <p:stCondLst>
                                     <p:cond delay="0"/>
                                   </p:stCondLst>
                                   <p:childTnLst>
                                     <p:set>
                                       <p:cBhvr>
-                                        <p:cTn id="14" dur="1" fill="hold">
+                                        <p:cTn id="15" dur="1" fill="hold">
                                           <p:stCondLst>
                                             <p:cond delay="0"/>
                                           </p:stCondLst>
@@ -11149,7 +11239,7 @@
                                     </p:set>
                                     <p:animEffect transition="in" filter="fade">
                                       <p:cBhvr>
-                                        <p:cTn id="15" dur="500"/>
+                                        <p:cTn id="16" dur="500"/>
                                         <p:tgtEl>
                                           <p:spTgt spid="3">
                                             <p:txEl>
@@ -11166,20 +11256,20 @@
                           </p:cTn>
                         </p:par>
                         <p:par>
-                          <p:cTn id="16" fill="hold">
+                          <p:cTn id="17" fill="hold">
                             <p:stCondLst>
-                              <p:cond delay="1500"/>
+                              <p:cond delay="1000"/>
                             </p:stCondLst>
                             <p:childTnLst>
                               <p:par>
-                                <p:cTn id="17" presetID="10" presetClass="entr" presetSubtype="0" fill="hold" grpId="0" nodeType="afterEffect">
+                                <p:cTn id="18" presetID="10" presetClass="entr" presetSubtype="0" fill="hold" grpId="0" nodeType="afterEffect">
                                   <p:stCondLst>
                                     <p:cond delay="0"/>
                                   </p:stCondLst>
                                   <p:childTnLst>
                                     <p:set>
                                       <p:cBhvr>
-                                        <p:cTn id="18" dur="1" fill="hold">
+                                        <p:cTn id="19" dur="1" fill="hold">
                                           <p:stCondLst>
                                             <p:cond delay="0"/>
                                           </p:stCondLst>
@@ -11201,7 +11291,7 @@
                                     </p:set>
                                     <p:animEffect transition="in" filter="fade">
                                       <p:cBhvr>
-                                        <p:cTn id="19" dur="500"/>
+                                        <p:cTn id="20" dur="500"/>
                                         <p:tgtEl>
                                           <p:spTgt spid="3">
                                             <p:txEl>
@@ -11221,26 +11311,26 @@
                     </p:cTn>
                   </p:par>
                   <p:par>
-                    <p:cTn id="20" fill="hold">
+                    <p:cTn id="21" fill="hold">
                       <p:stCondLst>
                         <p:cond delay="indefinite"/>
                       </p:stCondLst>
                       <p:childTnLst>
                         <p:par>
-                          <p:cTn id="21" fill="hold">
+                          <p:cTn id="22" fill="hold">
                             <p:stCondLst>
                               <p:cond delay="0"/>
                             </p:stCondLst>
                             <p:childTnLst>
                               <p:par>
-                                <p:cTn id="22" presetID="10" presetClass="entr" presetSubtype="0" fill="hold" nodeType="clickEffect">
+                                <p:cTn id="23" presetID="10" presetClass="entr" presetSubtype="0" fill="hold" nodeType="clickEffect">
                                   <p:stCondLst>
                                     <p:cond delay="0"/>
                                   </p:stCondLst>
                                   <p:childTnLst>
                                     <p:set>
                                       <p:cBhvr>
-                                        <p:cTn id="23" dur="1" fill="hold">
+                                        <p:cTn id="24" dur="1" fill="hold">
                                           <p:stCondLst>
                                             <p:cond delay="0"/>
                                           </p:stCondLst>
@@ -11258,7 +11348,7 @@
                                     </p:set>
                                     <p:animEffect transition="in" filter="fade">
                                       <p:cBhvr>
-                                        <p:cTn id="24" dur="500"/>
+                                        <p:cTn id="25" dur="500"/>
                                         <p:tgtEl>
                                           <p:spTgt spid="8"/>
                                         </p:tgtEl>
@@ -11274,26 +11364,26 @@
                     </p:cTn>
                   </p:par>
                   <p:par>
-                    <p:cTn id="25" fill="hold">
+                    <p:cTn id="26" fill="hold">
                       <p:stCondLst>
                         <p:cond delay="indefinite"/>
                       </p:stCondLst>
                       <p:childTnLst>
                         <p:par>
-                          <p:cTn id="26" fill="hold">
+                          <p:cTn id="27" fill="hold">
                             <p:stCondLst>
                               <p:cond delay="0"/>
                             </p:stCondLst>
                             <p:childTnLst>
                               <p:par>
-                                <p:cTn id="27" presetID="10" presetClass="entr" presetSubtype="0" fill="hold" nodeType="clickEffect">
+                                <p:cTn id="28" presetID="10" presetClass="entr" presetSubtype="0" fill="hold" nodeType="clickEffect">
                                   <p:stCondLst>
                                     <p:cond delay="0"/>
                                   </p:stCondLst>
                                   <p:childTnLst>
                                     <p:set>
                                       <p:cBhvr>
-                                        <p:cTn id="28" dur="1" fill="hold">
+                                        <p:cTn id="29" dur="1" fill="hold">
                                           <p:stCondLst>
                                             <p:cond delay="0"/>
                                           </p:stCondLst>
@@ -11311,7 +11401,7 @@
                                     </p:set>
                                     <p:animEffect transition="in" filter="fade">
                                       <p:cBhvr>
-                                        <p:cTn id="29" dur="500"/>
+                                        <p:cTn id="30" dur="500"/>
                                         <p:tgtEl>
                                           <p:spTgt spid="7"/>
                                         </p:tgtEl>
@@ -11327,26 +11417,26 @@
                     </p:cTn>
                   </p:par>
                   <p:par>
-                    <p:cTn id="30" fill="hold">
+                    <p:cTn id="31" fill="hold">
                       <p:stCondLst>
                         <p:cond delay="indefinite"/>
                       </p:stCondLst>
                       <p:childTnLst>
                         <p:par>
-                          <p:cTn id="31" fill="hold">
+                          <p:cTn id="32" fill="hold">
                             <p:stCondLst>
                               <p:cond delay="0"/>
                             </p:stCondLst>
                             <p:childTnLst>
                               <p:par>
-                                <p:cTn id="32" presetID="10" presetClass="entr" presetSubtype="0" fill="hold" nodeType="clickEffect">
+                                <p:cTn id="33" presetID="10" presetClass="entr" presetSubtype="0" fill="hold" nodeType="clickEffect">
                                   <p:stCondLst>
                                     <p:cond delay="0"/>
                                   </p:stCondLst>
                                   <p:childTnLst>
                                     <p:set>
                                       <p:cBhvr>
-                                        <p:cTn id="33" dur="1" fill="hold">
+                                        <p:cTn id="34" dur="1" fill="hold">
                                           <p:stCondLst>
                                             <p:cond delay="0"/>
                                           </p:stCondLst>
@@ -11364,9 +11454,318 @@
                                     </p:set>
                                     <p:animEffect transition="in" filter="fade">
                                       <p:cBhvr>
-                                        <p:cTn id="34" dur="500"/>
+                                        <p:cTn id="35" dur="500"/>
                                         <p:tgtEl>
                                           <p:spTgt spid="5"/>
+                                        </p:tgtEl>
+                                      </p:cBhvr>
+                                    </p:animEffect>
+                                  </p:childTnLst>
+                                </p:cTn>
+                              </p:par>
+                            </p:childTnLst>
+                          </p:cTn>
+                        </p:par>
+                        <p:par>
+                          <p:cTn id="36" fill="hold">
+                            <p:stCondLst>
+                              <p:cond delay="500"/>
+                            </p:stCondLst>
+                            <p:childTnLst>
+                              <p:par>
+                                <p:cTn id="37" presetID="2" presetClass="entr" presetSubtype="8" fill="hold" nodeType="afterEffect">
+                                  <p:stCondLst>
+                                    <p:cond delay="0"/>
+                                  </p:stCondLst>
+                                  <p:childTnLst>
+                                    <p:set>
+                                      <p:cBhvr>
+                                        <p:cTn id="38" dur="1" fill="hold">
+                                          <p:stCondLst>
+                                            <p:cond delay="0"/>
+                                          </p:stCondLst>
+                                        </p:cTn>
+                                        <p:tgtEl>
+                                          <p:spTgt spid="9"/>
+                                        </p:tgtEl>
+                                        <p:attrNameLst>
+                                          <p:attrName>style.visibility</p:attrName>
+                                        </p:attrNameLst>
+                                      </p:cBhvr>
+                                      <p:to>
+                                        <p:strVal val="visible"/>
+                                      </p:to>
+                                    </p:set>
+                                    <p:anim calcmode="lin" valueType="num">
+                                      <p:cBhvr additive="base">
+                                        <p:cTn id="39" dur="1500" fill="hold"/>
+                                        <p:tgtEl>
+                                          <p:spTgt spid="9"/>
+                                        </p:tgtEl>
+                                        <p:attrNameLst>
+                                          <p:attrName>ppt_x</p:attrName>
+                                        </p:attrNameLst>
+                                      </p:cBhvr>
+                                      <p:tavLst>
+                                        <p:tav tm="0">
+                                          <p:val>
+                                            <p:strVal val="0-#ppt_w/2"/>
+                                          </p:val>
+                                        </p:tav>
+                                        <p:tav tm="100000">
+                                          <p:val>
+                                            <p:strVal val="#ppt_x"/>
+                                          </p:val>
+                                        </p:tav>
+                                      </p:tavLst>
+                                    </p:anim>
+                                    <p:anim calcmode="lin" valueType="num">
+                                      <p:cBhvr additive="base">
+                                        <p:cTn id="40" dur="1500" fill="hold"/>
+                                        <p:tgtEl>
+                                          <p:spTgt spid="9"/>
+                                        </p:tgtEl>
+                                        <p:attrNameLst>
+                                          <p:attrName>ppt_y</p:attrName>
+                                        </p:attrNameLst>
+                                      </p:cBhvr>
+                                      <p:tavLst>
+                                        <p:tav tm="0">
+                                          <p:val>
+                                            <p:strVal val="#ppt_y"/>
+                                          </p:val>
+                                        </p:tav>
+                                        <p:tav tm="100000">
+                                          <p:val>
+                                            <p:strVal val="#ppt_y"/>
+                                          </p:val>
+                                        </p:tav>
+                                      </p:tavLst>
+                                    </p:anim>
+                                  </p:childTnLst>
+                                </p:cTn>
+                              </p:par>
+                            </p:childTnLst>
+                          </p:cTn>
+                        </p:par>
+                        <p:par>
+                          <p:cTn id="41" fill="hold">
+                            <p:stCondLst>
+                              <p:cond delay="2000"/>
+                            </p:stCondLst>
+                            <p:childTnLst>
+                              <p:par>
+                                <p:cTn id="42" presetID="10" presetClass="exit" presetSubtype="0" fill="hold" nodeType="afterEffect">
+                                  <p:stCondLst>
+                                    <p:cond delay="0"/>
+                                  </p:stCondLst>
+                                  <p:childTnLst>
+                                    <p:animEffect transition="out" filter="fade">
+                                      <p:cBhvr>
+                                        <p:cTn id="43" dur="500"/>
+                                        <p:tgtEl>
+                                          <p:spTgt spid="7"/>
+                                        </p:tgtEl>
+                                      </p:cBhvr>
+                                    </p:animEffect>
+                                    <p:set>
+                                      <p:cBhvr>
+                                        <p:cTn id="44" dur="1" fill="hold">
+                                          <p:stCondLst>
+                                            <p:cond delay="499"/>
+                                          </p:stCondLst>
+                                        </p:cTn>
+                                        <p:tgtEl>
+                                          <p:spTgt spid="7"/>
+                                        </p:tgtEl>
+                                        <p:attrNameLst>
+                                          <p:attrName>style.visibility</p:attrName>
+                                        </p:attrNameLst>
+                                      </p:cBhvr>
+                                      <p:to>
+                                        <p:strVal val="hidden"/>
+                                      </p:to>
+                                    </p:set>
+                                  </p:childTnLst>
+                                </p:cTn>
+                              </p:par>
+                              <p:par>
+                                <p:cTn id="45" presetID="10" presetClass="exit" presetSubtype="0" fill="hold" nodeType="withEffect">
+                                  <p:stCondLst>
+                                    <p:cond delay="0"/>
+                                  </p:stCondLst>
+                                  <p:childTnLst>
+                                    <p:animEffect transition="out" filter="fade">
+                                      <p:cBhvr>
+                                        <p:cTn id="46" dur="500"/>
+                                        <p:tgtEl>
+                                          <p:spTgt spid="8"/>
+                                        </p:tgtEl>
+                                      </p:cBhvr>
+                                    </p:animEffect>
+                                    <p:set>
+                                      <p:cBhvr>
+                                        <p:cTn id="47" dur="1" fill="hold">
+                                          <p:stCondLst>
+                                            <p:cond delay="499"/>
+                                          </p:stCondLst>
+                                        </p:cTn>
+                                        <p:tgtEl>
+                                          <p:spTgt spid="8"/>
+                                        </p:tgtEl>
+                                        <p:attrNameLst>
+                                          <p:attrName>style.visibility</p:attrName>
+                                        </p:attrNameLst>
+                                      </p:cBhvr>
+                                      <p:to>
+                                        <p:strVal val="hidden"/>
+                                      </p:to>
+                                    </p:set>
+                                  </p:childTnLst>
+                                </p:cTn>
+                              </p:par>
+                            </p:childTnLst>
+                          </p:cTn>
+                        </p:par>
+                        <p:par>
+                          <p:cTn id="48" fill="hold">
+                            <p:stCondLst>
+                              <p:cond delay="2500"/>
+                            </p:stCondLst>
+                            <p:childTnLst>
+                              <p:par>
+                                <p:cTn id="49" presetID="2" presetClass="exit" presetSubtype="8" fill="hold" nodeType="afterEffect">
+                                  <p:stCondLst>
+                                    <p:cond delay="0"/>
+                                  </p:stCondLst>
+                                  <p:childTnLst>
+                                    <p:anim calcmode="lin" valueType="num">
+                                      <p:cBhvr additive="base">
+                                        <p:cTn id="50" dur="500"/>
+                                        <p:tgtEl>
+                                          <p:spTgt spid="9"/>
+                                        </p:tgtEl>
+                                        <p:attrNameLst>
+                                          <p:attrName>ppt_x</p:attrName>
+                                        </p:attrNameLst>
+                                      </p:cBhvr>
+                                      <p:tavLst>
+                                        <p:tav tm="0">
+                                          <p:val>
+                                            <p:strVal val="ppt_x"/>
+                                          </p:val>
+                                        </p:tav>
+                                        <p:tav tm="100000">
+                                          <p:val>
+                                            <p:strVal val="0-ppt_w/2"/>
+                                          </p:val>
+                                        </p:tav>
+                                      </p:tavLst>
+                                    </p:anim>
+                                    <p:anim calcmode="lin" valueType="num">
+                                      <p:cBhvr additive="base">
+                                        <p:cTn id="51" dur="500"/>
+                                        <p:tgtEl>
+                                          <p:spTgt spid="9"/>
+                                        </p:tgtEl>
+                                        <p:attrNameLst>
+                                          <p:attrName>ppt_y</p:attrName>
+                                        </p:attrNameLst>
+                                      </p:cBhvr>
+                                      <p:tavLst>
+                                        <p:tav tm="0">
+                                          <p:val>
+                                            <p:strVal val="ppt_y"/>
+                                          </p:val>
+                                        </p:tav>
+                                        <p:tav tm="100000">
+                                          <p:val>
+                                            <p:strVal val="ppt_y"/>
+                                          </p:val>
+                                        </p:tav>
+                                      </p:tavLst>
+                                    </p:anim>
+                                    <p:set>
+                                      <p:cBhvr>
+                                        <p:cTn id="52" dur="1" fill="hold">
+                                          <p:stCondLst>
+                                            <p:cond delay="499"/>
+                                          </p:stCondLst>
+                                        </p:cTn>
+                                        <p:tgtEl>
+                                          <p:spTgt spid="9"/>
+                                        </p:tgtEl>
+                                        <p:attrNameLst>
+                                          <p:attrName>style.visibility</p:attrName>
+                                        </p:attrNameLst>
+                                      </p:cBhvr>
+                                      <p:to>
+                                        <p:strVal val="hidden"/>
+                                      </p:to>
+                                    </p:set>
+                                  </p:childTnLst>
+                                </p:cTn>
+                              </p:par>
+                              <p:par>
+                                <p:cTn id="53" presetID="42" presetClass="path" presetSubtype="0" accel="50000" decel="50000" fill="hold" nodeType="withEffect">
+                                  <p:stCondLst>
+                                    <p:cond delay="0"/>
+                                  </p:stCondLst>
+                                  <p:childTnLst>
+                                    <p:animMotion origin="layout" path="M -2.08333E-7 3.7037E-7 L -0.18021 -0.00602 " pathEditMode="relative" rAng="0" ptsTypes="AA">
+                                      <p:cBhvr>
+                                        <p:cTn id="54" dur="1000" fill="hold"/>
+                                        <p:tgtEl>
+                                          <p:spTgt spid="5"/>
+                                        </p:tgtEl>
+                                        <p:attrNameLst>
+                                          <p:attrName>ppt_x</p:attrName>
+                                          <p:attrName>ppt_y</p:attrName>
+                                        </p:attrNameLst>
+                                      </p:cBhvr>
+                                      <p:rCtr x="-9010" y="-301"/>
+                                    </p:animMotion>
+                                  </p:childTnLst>
+                                </p:cTn>
+                              </p:par>
+                            </p:childTnLst>
+                          </p:cTn>
+                        </p:par>
+                        <p:par>
+                          <p:cTn id="55" fill="hold">
+                            <p:stCondLst>
+                              <p:cond delay="3500"/>
+                            </p:stCondLst>
+                            <p:childTnLst>
+                              <p:par>
+                                <p:cTn id="56" presetID="10" presetClass="entr" presetSubtype="0" fill="hold" nodeType="afterEffect">
+                                  <p:stCondLst>
+                                    <p:cond delay="0"/>
+                                  </p:stCondLst>
+                                  <p:childTnLst>
+                                    <p:set>
+                                      <p:cBhvr>
+                                        <p:cTn id="57" dur="1" fill="hold">
+                                          <p:stCondLst>
+                                            <p:cond delay="0"/>
+                                          </p:stCondLst>
+                                        </p:cTn>
+                                        <p:tgtEl>
+                                          <p:spTgt spid="11"/>
+                                        </p:tgtEl>
+                                        <p:attrNameLst>
+                                          <p:attrName>style.visibility</p:attrName>
+                                        </p:attrNameLst>
+                                      </p:cBhvr>
+                                      <p:to>
+                                        <p:strVal val="visible"/>
+                                      </p:to>
+                                    </p:set>
+                                    <p:animEffect transition="in" filter="fade">
+                                      <p:cBhvr>
+                                        <p:cTn id="58" dur="500"/>
+                                        <p:tgtEl>
+                                          <p:spTgt spid="11"/>
                                         </p:tgtEl>
                                       </p:cBhvr>
                                     </p:animEffect>
@@ -11402,7 +11801,7 @@
     </p:tnLst>
     <p:bldLst>
       <p:bldP spid="2" grpId="0"/>
-      <p:bldP spid="3" grpId="0" uiExpand="1" build="p"/>
+      <p:bldP spid="3" grpId="0" build="p"/>
     </p:bldLst>
   </p:timing>
 </p:sld>
@@ -11795,6 +12194,114 @@
           </p:spPr>
         </p:pic>
       </p:grpSp>
+      <p:pic>
+        <p:nvPicPr>
+          <p:cNvPr id="12" name="図 11">
+            <a:extLst>
+              <a:ext uri="{FF2B5EF4-FFF2-40B4-BE49-F238E27FC236}">
+                <a16:creationId xmlns:a16="http://schemas.microsoft.com/office/drawing/2014/main" id="{4336CAAA-8AC9-447B-9E0B-833601D19874}"/>
+              </a:ext>
+            </a:extLst>
+          </p:cNvPr>
+          <p:cNvPicPr>
+            <a:picLocks noChangeAspect="1"/>
+          </p:cNvPicPr>
+          <p:nvPr/>
+        </p:nvPicPr>
+        <p:blipFill>
+          <a:blip r:embed="rId8">
+            <a:extLst>
+              <a:ext uri="{28A0092B-C50C-407E-A947-70E740481C1C}">
+                <a14:useLocalDpi xmlns:a14="http://schemas.microsoft.com/office/drawing/2010/main" val="0"/>
+              </a:ext>
+            </a:extLst>
+          </a:blip>
+          <a:stretch>
+            <a:fillRect/>
+          </a:stretch>
+        </p:blipFill>
+        <p:spPr>
+          <a:xfrm>
+            <a:off x="10287000" y="4998915"/>
+            <a:ext cx="1905000" cy="1905000"/>
+          </a:xfrm>
+          <a:prstGeom prst="rect">
+            <a:avLst/>
+          </a:prstGeom>
+        </p:spPr>
+      </p:pic>
+      <p:pic>
+        <p:nvPicPr>
+          <p:cNvPr id="13" name="図 12">
+            <a:extLst>
+              <a:ext uri="{FF2B5EF4-FFF2-40B4-BE49-F238E27FC236}">
+                <a16:creationId xmlns:a16="http://schemas.microsoft.com/office/drawing/2014/main" id="{57C8379B-883E-4C67-99F6-BB9C4E623253}"/>
+              </a:ext>
+            </a:extLst>
+          </p:cNvPr>
+          <p:cNvPicPr>
+            <a:picLocks noChangeAspect="1"/>
+          </p:cNvPicPr>
+          <p:nvPr/>
+        </p:nvPicPr>
+        <p:blipFill>
+          <a:blip r:embed="rId8">
+            <a:extLst>
+              <a:ext uri="{28A0092B-C50C-407E-A947-70E740481C1C}">
+                <a14:useLocalDpi xmlns:a14="http://schemas.microsoft.com/office/drawing/2010/main" val="0"/>
+              </a:ext>
+            </a:extLst>
+          </a:blip>
+          <a:stretch>
+            <a:fillRect/>
+          </a:stretch>
+        </p:blipFill>
+        <p:spPr>
+          <a:xfrm>
+            <a:off x="10610987" y="4998915"/>
+            <a:ext cx="1905000" cy="1905000"/>
+          </a:xfrm>
+          <a:prstGeom prst="rect">
+            <a:avLst/>
+          </a:prstGeom>
+        </p:spPr>
+      </p:pic>
+      <p:pic>
+        <p:nvPicPr>
+          <p:cNvPr id="14" name="図 13">
+            <a:extLst>
+              <a:ext uri="{FF2B5EF4-FFF2-40B4-BE49-F238E27FC236}">
+                <a16:creationId xmlns:a16="http://schemas.microsoft.com/office/drawing/2014/main" id="{44E83D13-1836-438C-8D57-5DED4E290CCF}"/>
+              </a:ext>
+            </a:extLst>
+          </p:cNvPr>
+          <p:cNvPicPr>
+            <a:picLocks noChangeAspect="1"/>
+          </p:cNvPicPr>
+          <p:nvPr/>
+        </p:nvPicPr>
+        <p:blipFill>
+          <a:blip r:embed="rId8">
+            <a:extLst>
+              <a:ext uri="{28A0092B-C50C-407E-A947-70E740481C1C}">
+                <a14:useLocalDpi xmlns:a14="http://schemas.microsoft.com/office/drawing/2010/main" val="0"/>
+              </a:ext>
+            </a:extLst>
+          </a:blip>
+          <a:stretch>
+            <a:fillRect/>
+          </a:stretch>
+        </p:blipFill>
+        <p:spPr>
+          <a:xfrm>
+            <a:off x="10934974" y="4989290"/>
+            <a:ext cx="1905000" cy="1905000"/>
+          </a:xfrm>
+          <a:prstGeom prst="rect">
+            <a:avLst/>
+          </a:prstGeom>
+        </p:spPr>
+      </p:pic>
     </p:spTree>
     <p:extLst>
       <p:ext uri="{BB962C8B-B14F-4D97-AF65-F5344CB8AC3E}">
@@ -11866,21 +12373,30 @@
                             </p:childTnLst>
                           </p:cTn>
                         </p:par>
+                      </p:childTnLst>
+                    </p:cTn>
+                  </p:par>
+                  <p:par>
+                    <p:cTn id="8" fill="hold">
+                      <p:stCondLst>
+                        <p:cond delay="indefinite"/>
+                      </p:stCondLst>
+                      <p:childTnLst>
                         <p:par>
-                          <p:cTn id="8" fill="hold">
+                          <p:cTn id="9" fill="hold">
                             <p:stCondLst>
-                              <p:cond delay="500"/>
+                              <p:cond delay="0"/>
                             </p:stCondLst>
                             <p:childTnLst>
                               <p:par>
-                                <p:cTn id="9" presetID="10" presetClass="entr" presetSubtype="0" fill="hold" grpId="0" nodeType="afterEffect">
+                                <p:cTn id="10" presetID="10" presetClass="entr" presetSubtype="0" fill="hold" grpId="0" nodeType="clickEffect">
                                   <p:stCondLst>
                                     <p:cond delay="0"/>
                                   </p:stCondLst>
                                   <p:childTnLst>
                                     <p:set>
                                       <p:cBhvr>
-                                        <p:cTn id="10" dur="1" fill="hold">
+                                        <p:cTn id="11" dur="1" fill="hold">
                                           <p:stCondLst>
                                             <p:cond delay="0"/>
                                           </p:stCondLst>
@@ -11902,7 +12418,7 @@
                                     </p:set>
                                     <p:animEffect transition="in" filter="fade">
                                       <p:cBhvr>
-                                        <p:cTn id="11" dur="500"/>
+                                        <p:cTn id="12" dur="500"/>
                                         <p:tgtEl>
                                           <p:spTgt spid="3">
                                             <p:txEl>
@@ -11915,33 +12431,15 @@
                                   </p:childTnLst>
                                 </p:cTn>
                               </p:par>
-                            </p:childTnLst>
-                          </p:cTn>
-                        </p:par>
-                      </p:childTnLst>
-                    </p:cTn>
-                  </p:par>
-                  <p:par>
-                    <p:cTn id="12" fill="hold">
-                      <p:stCondLst>
-                        <p:cond delay="indefinite"/>
-                      </p:stCondLst>
-                      <p:childTnLst>
-                        <p:par>
-                          <p:cTn id="13" fill="hold">
-                            <p:stCondLst>
-                              <p:cond delay="0"/>
-                            </p:stCondLst>
-                            <p:childTnLst>
                               <p:par>
-                                <p:cTn id="14" presetID="10" presetClass="entr" presetSubtype="0" fill="hold" nodeType="clickEffect">
+                                <p:cTn id="13" presetID="10" presetClass="entr" presetSubtype="0" fill="hold" nodeType="withEffect">
                                   <p:stCondLst>
                                     <p:cond delay="0"/>
                                   </p:stCondLst>
                                   <p:childTnLst>
                                     <p:set>
                                       <p:cBhvr>
-                                        <p:cTn id="15" dur="1" fill="hold">
+                                        <p:cTn id="14" dur="1" fill="hold">
                                           <p:stCondLst>
                                             <p:cond delay="0"/>
                                           </p:stCondLst>
@@ -11959,7 +12457,7 @@
                                     </p:set>
                                     <p:animEffect transition="in" filter="fade">
                                       <p:cBhvr>
-                                        <p:cTn id="16" dur="500"/>
+                                        <p:cTn id="15" dur="500"/>
                                         <p:tgtEl>
                                           <p:spTgt spid="7"/>
                                         </p:tgtEl>
@@ -11971,30 +12469,21 @@
                             </p:childTnLst>
                           </p:cTn>
                         </p:par>
-                      </p:childTnLst>
-                    </p:cTn>
-                  </p:par>
-                  <p:par>
-                    <p:cTn id="17" fill="hold">
-                      <p:stCondLst>
-                        <p:cond delay="indefinite"/>
-                      </p:stCondLst>
-                      <p:childTnLst>
                         <p:par>
-                          <p:cTn id="18" fill="hold">
+                          <p:cTn id="16" fill="hold">
                             <p:stCondLst>
-                              <p:cond delay="0"/>
+                              <p:cond delay="500"/>
                             </p:stCondLst>
                             <p:childTnLst>
                               <p:par>
-                                <p:cTn id="19" presetID="10" presetClass="entr" presetSubtype="0" fill="hold" nodeType="clickEffect">
+                                <p:cTn id="17" presetID="10" presetClass="entr" presetSubtype="0" fill="hold" nodeType="afterEffect">
                                   <p:stCondLst>
-                                    <p:cond delay="0"/>
+                                    <p:cond delay="1000"/>
                                   </p:stCondLst>
                                   <p:childTnLst>
                                     <p:set>
                                       <p:cBhvr>
-                                        <p:cTn id="20" dur="1" fill="hold">
+                                        <p:cTn id="18" dur="1" fill="hold">
                                           <p:stCondLst>
                                             <p:cond delay="0"/>
                                           </p:stCondLst>
@@ -12012,7 +12501,7 @@
                                     </p:set>
                                     <p:animEffect transition="in" filter="fade">
                                       <p:cBhvr>
-                                        <p:cTn id="21" dur="500"/>
+                                        <p:cTn id="19" dur="500"/>
                                         <p:tgtEl>
                                           <p:spTgt spid="8"/>
                                         </p:tgtEl>
@@ -12024,30 +12513,21 @@
                             </p:childTnLst>
                           </p:cTn>
                         </p:par>
-                      </p:childTnLst>
-                    </p:cTn>
-                  </p:par>
-                  <p:par>
-                    <p:cTn id="22" fill="hold">
-                      <p:stCondLst>
-                        <p:cond delay="indefinite"/>
-                      </p:stCondLst>
-                      <p:childTnLst>
                         <p:par>
-                          <p:cTn id="23" fill="hold">
+                          <p:cTn id="20" fill="hold">
                             <p:stCondLst>
-                              <p:cond delay="0"/>
+                              <p:cond delay="2000"/>
                             </p:stCondLst>
                             <p:childTnLst>
                               <p:par>
-                                <p:cTn id="24" presetID="10" presetClass="entr" presetSubtype="0" fill="hold" nodeType="clickEffect">
+                                <p:cTn id="21" presetID="10" presetClass="entr" presetSubtype="0" fill="hold" nodeType="afterEffect">
                                   <p:stCondLst>
-                                    <p:cond delay="0"/>
+                                    <p:cond delay="2000"/>
                                   </p:stCondLst>
                                   <p:childTnLst>
                                     <p:set>
                                       <p:cBhvr>
-                                        <p:cTn id="25" dur="1" fill="hold">
+                                        <p:cTn id="22" dur="1" fill="hold">
                                           <p:stCondLst>
                                             <p:cond delay="0"/>
                                           </p:stCondLst>
@@ -12065,12 +12545,258 @@
                                     </p:set>
                                     <p:animEffect transition="in" filter="fade">
                                       <p:cBhvr>
-                                        <p:cTn id="26" dur="500"/>
+                                        <p:cTn id="23" dur="500"/>
                                         <p:tgtEl>
                                           <p:spTgt spid="9"/>
                                         </p:tgtEl>
                                       </p:cBhvr>
                                     </p:animEffect>
+                                  </p:childTnLst>
+                                </p:cTn>
+                              </p:par>
+                            </p:childTnLst>
+                          </p:cTn>
+                        </p:par>
+                        <p:par>
+                          <p:cTn id="24" fill="hold">
+                            <p:stCondLst>
+                              <p:cond delay="4500"/>
+                            </p:stCondLst>
+                            <p:childTnLst>
+                              <p:par>
+                                <p:cTn id="25" presetID="2" presetClass="entr" presetSubtype="2" fill="hold" nodeType="afterEffect">
+                                  <p:stCondLst>
+                                    <p:cond delay="0"/>
+                                  </p:stCondLst>
+                                  <p:childTnLst>
+                                    <p:set>
+                                      <p:cBhvr>
+                                        <p:cTn id="26" dur="1" fill="hold">
+                                          <p:stCondLst>
+                                            <p:cond delay="0"/>
+                                          </p:stCondLst>
+                                        </p:cTn>
+                                        <p:tgtEl>
+                                          <p:spTgt spid="12"/>
+                                        </p:tgtEl>
+                                        <p:attrNameLst>
+                                          <p:attrName>style.visibility</p:attrName>
+                                        </p:attrNameLst>
+                                      </p:cBhvr>
+                                      <p:to>
+                                        <p:strVal val="visible"/>
+                                      </p:to>
+                                    </p:set>
+                                    <p:anim calcmode="lin" valueType="num">
+                                      <p:cBhvr additive="base">
+                                        <p:cTn id="27" dur="500" fill="hold"/>
+                                        <p:tgtEl>
+                                          <p:spTgt spid="12"/>
+                                        </p:tgtEl>
+                                        <p:attrNameLst>
+                                          <p:attrName>ppt_x</p:attrName>
+                                        </p:attrNameLst>
+                                      </p:cBhvr>
+                                      <p:tavLst>
+                                        <p:tav tm="0">
+                                          <p:val>
+                                            <p:strVal val="1+#ppt_w/2"/>
+                                          </p:val>
+                                        </p:tav>
+                                        <p:tav tm="100000">
+                                          <p:val>
+                                            <p:strVal val="#ppt_x"/>
+                                          </p:val>
+                                        </p:tav>
+                                      </p:tavLst>
+                                    </p:anim>
+                                    <p:anim calcmode="lin" valueType="num">
+                                      <p:cBhvr additive="base">
+                                        <p:cTn id="28" dur="500" fill="hold"/>
+                                        <p:tgtEl>
+                                          <p:spTgt spid="12"/>
+                                        </p:tgtEl>
+                                        <p:attrNameLst>
+                                          <p:attrName>ppt_y</p:attrName>
+                                        </p:attrNameLst>
+                                      </p:cBhvr>
+                                      <p:tavLst>
+                                        <p:tav tm="0">
+                                          <p:val>
+                                            <p:strVal val="#ppt_y"/>
+                                          </p:val>
+                                        </p:tav>
+                                        <p:tav tm="100000">
+                                          <p:val>
+                                            <p:strVal val="#ppt_y"/>
+                                          </p:val>
+                                        </p:tav>
+                                      </p:tavLst>
+                                    </p:anim>
+                                  </p:childTnLst>
+                                </p:cTn>
+                              </p:par>
+                            </p:childTnLst>
+                          </p:cTn>
+                        </p:par>
+                        <p:par>
+                          <p:cTn id="29" fill="hold">
+                            <p:stCondLst>
+                              <p:cond delay="5000"/>
+                            </p:stCondLst>
+                            <p:childTnLst>
+                              <p:par>
+                                <p:cTn id="30" presetID="2" presetClass="entr" presetSubtype="2" fill="hold" nodeType="afterEffect">
+                                  <p:stCondLst>
+                                    <p:cond delay="0"/>
+                                  </p:stCondLst>
+                                  <p:childTnLst>
+                                    <p:set>
+                                      <p:cBhvr>
+                                        <p:cTn id="31" dur="1" fill="hold">
+                                          <p:stCondLst>
+                                            <p:cond delay="0"/>
+                                          </p:stCondLst>
+                                        </p:cTn>
+                                        <p:tgtEl>
+                                          <p:spTgt spid="13"/>
+                                        </p:tgtEl>
+                                        <p:attrNameLst>
+                                          <p:attrName>style.visibility</p:attrName>
+                                        </p:attrNameLst>
+                                      </p:cBhvr>
+                                      <p:to>
+                                        <p:strVal val="visible"/>
+                                      </p:to>
+                                    </p:set>
+                                    <p:anim calcmode="lin" valueType="num">
+                                      <p:cBhvr additive="base">
+                                        <p:cTn id="32" dur="500" fill="hold"/>
+                                        <p:tgtEl>
+                                          <p:spTgt spid="13"/>
+                                        </p:tgtEl>
+                                        <p:attrNameLst>
+                                          <p:attrName>ppt_x</p:attrName>
+                                        </p:attrNameLst>
+                                      </p:cBhvr>
+                                      <p:tavLst>
+                                        <p:tav tm="0">
+                                          <p:val>
+                                            <p:strVal val="1+#ppt_w/2"/>
+                                          </p:val>
+                                        </p:tav>
+                                        <p:tav tm="100000">
+                                          <p:val>
+                                            <p:strVal val="#ppt_x"/>
+                                          </p:val>
+                                        </p:tav>
+                                      </p:tavLst>
+                                    </p:anim>
+                                    <p:anim calcmode="lin" valueType="num">
+                                      <p:cBhvr additive="base">
+                                        <p:cTn id="33" dur="500" fill="hold"/>
+                                        <p:tgtEl>
+                                          <p:spTgt spid="13"/>
+                                        </p:tgtEl>
+                                        <p:attrNameLst>
+                                          <p:attrName>ppt_y</p:attrName>
+                                        </p:attrNameLst>
+                                      </p:cBhvr>
+                                      <p:tavLst>
+                                        <p:tav tm="0">
+                                          <p:val>
+                                            <p:strVal val="#ppt_y"/>
+                                          </p:val>
+                                        </p:tav>
+                                        <p:tav tm="100000">
+                                          <p:val>
+                                            <p:strVal val="#ppt_y"/>
+                                          </p:val>
+                                        </p:tav>
+                                      </p:tavLst>
+                                    </p:anim>
+                                  </p:childTnLst>
+                                </p:cTn>
+                              </p:par>
+                            </p:childTnLst>
+                          </p:cTn>
+                        </p:par>
+                        <p:par>
+                          <p:cTn id="34" fill="hold">
+                            <p:stCondLst>
+                              <p:cond delay="5500"/>
+                            </p:stCondLst>
+                            <p:childTnLst>
+                              <p:par>
+                                <p:cTn id="35" presetID="2" presetClass="entr" presetSubtype="2" fill="hold" nodeType="afterEffect">
+                                  <p:stCondLst>
+                                    <p:cond delay="0"/>
+                                  </p:stCondLst>
+                                  <p:childTnLst>
+                                    <p:set>
+                                      <p:cBhvr>
+                                        <p:cTn id="36" dur="1" fill="hold">
+                                          <p:stCondLst>
+                                            <p:cond delay="0"/>
+                                          </p:stCondLst>
+                                        </p:cTn>
+                                        <p:tgtEl>
+                                          <p:spTgt spid="14"/>
+                                        </p:tgtEl>
+                                        <p:attrNameLst>
+                                          <p:attrName>style.visibility</p:attrName>
+                                        </p:attrNameLst>
+                                      </p:cBhvr>
+                                      <p:to>
+                                        <p:strVal val="visible"/>
+                                      </p:to>
+                                    </p:set>
+                                    <p:anim calcmode="lin" valueType="num">
+                                      <p:cBhvr additive="base">
+                                        <p:cTn id="37" dur="500" fill="hold"/>
+                                        <p:tgtEl>
+                                          <p:spTgt spid="14"/>
+                                        </p:tgtEl>
+                                        <p:attrNameLst>
+                                          <p:attrName>ppt_x</p:attrName>
+                                        </p:attrNameLst>
+                                      </p:cBhvr>
+                                      <p:tavLst>
+                                        <p:tav tm="0">
+                                          <p:val>
+                                            <p:strVal val="1+#ppt_w/2"/>
+                                          </p:val>
+                                        </p:tav>
+                                        <p:tav tm="100000">
+                                          <p:val>
+                                            <p:strVal val="#ppt_x"/>
+                                          </p:val>
+                                        </p:tav>
+                                      </p:tavLst>
+                                    </p:anim>
+                                    <p:anim calcmode="lin" valueType="num">
+                                      <p:cBhvr additive="base">
+                                        <p:cTn id="38" dur="500" fill="hold"/>
+                                        <p:tgtEl>
+                                          <p:spTgt spid="14"/>
+                                        </p:tgtEl>
+                                        <p:attrNameLst>
+                                          <p:attrName>ppt_y</p:attrName>
+                                        </p:attrNameLst>
+                                      </p:cBhvr>
+                                      <p:tavLst>
+                                        <p:tav tm="0">
+                                          <p:val>
+                                            <p:strVal val="#ppt_y"/>
+                                          </p:val>
+                                        </p:tav>
+                                        <p:tav tm="100000">
+                                          <p:val>
+                                            <p:strVal val="#ppt_y"/>
+                                          </p:val>
+                                        </p:tav>
+                                      </p:tavLst>
+                                    </p:anim>
                                   </p:childTnLst>
                                 </p:cTn>
                               </p:par>
@@ -16345,17 +17071,6 @@
 </file>
 
 <file path=customXml/item2.xml><?xml version="1.0" encoding="utf-8"?>
-<p:properties xmlns:p="http://schemas.microsoft.com/office/2006/metadata/properties" xmlns:xsi="http://www.w3.org/2001/XMLSchema-instance" xmlns:pc="http://schemas.microsoft.com/office/infopath/2007/PartnerControls">
-  <documentManagement>
-    <lcf76f155ced4ddcb4097134ff3c332f xmlns="86ceb19f-6ae7-4f45-9291-f23dc7cad4a8">
-      <Terms xmlns="http://schemas.microsoft.com/office/infopath/2007/PartnerControls"/>
-    </lcf76f155ced4ddcb4097134ff3c332f>
-    <TaxCatchAll xmlns="d9ddec61-d553-4032-8214-836f20420e5b" xsi:nil="true"/>
-  </documentManagement>
-</p:properties>
-</file>
-
-<file path=customXml/item3.xml><?xml version="1.0" encoding="utf-8"?>
 <ct:contentTypeSchema xmlns:ct="http://schemas.microsoft.com/office/2006/metadata/contentType" xmlns:ma="http://schemas.microsoft.com/office/2006/metadata/properties/metaAttributes" ct:_="" ma:_="" ma:contentTypeName="ドキュメント" ma:contentTypeID="0x010100E01490404992EE4E8DE75A84CE187D61" ma:contentTypeVersion="13" ma:contentTypeDescription="新しいドキュメントを作成します。" ma:contentTypeScope="" ma:versionID="4de2a10b987b0cd1cabba618634b4858">
   <xsd:schema xmlns:xsd="http://www.w3.org/2001/XMLSchema" xmlns:xs="http://www.w3.org/2001/XMLSchema" xmlns:p="http://schemas.microsoft.com/office/2006/metadata/properties" xmlns:ns2="86ceb19f-6ae7-4f45-9291-f23dc7cad4a8" xmlns:ns3="d9ddec61-d553-4032-8214-836f20420e5b" targetNamespace="http://schemas.microsoft.com/office/2006/metadata/properties" ma:root="true" ma:fieldsID="75a65fd2c3f672b3ff036140e68d3afc" ns2:_="" ns3:_="">
     <xsd:import namespace="86ceb19f-6ae7-4f45-9291-f23dc7cad4a8"/>
@@ -16578,6 +17293,17 @@
 </ct:contentTypeSchema>
 </file>
 
+<file path=customXml/item3.xml><?xml version="1.0" encoding="utf-8"?>
+<p:properties xmlns:p="http://schemas.microsoft.com/office/2006/metadata/properties" xmlns:xsi="http://www.w3.org/2001/XMLSchema-instance" xmlns:pc="http://schemas.microsoft.com/office/infopath/2007/PartnerControls">
+  <documentManagement>
+    <lcf76f155ced4ddcb4097134ff3c332f xmlns="86ceb19f-6ae7-4f45-9291-f23dc7cad4a8">
+      <Terms xmlns="http://schemas.microsoft.com/office/infopath/2007/PartnerControls"/>
+    </lcf76f155ced4ddcb4097134ff3c332f>
+    <TaxCatchAll xmlns="d9ddec61-d553-4032-8214-836f20420e5b" xsi:nil="true"/>
+  </documentManagement>
+</p:properties>
+</file>
+
 <file path=customXml/itemProps1.xml><?xml version="1.0" encoding="utf-8"?>
 <ds:datastoreItem xmlns:ds="http://schemas.openxmlformats.org/officeDocument/2006/customXml" ds:itemID="{D1CAAF56-E79E-46EC-85D8-FF1AC3B8584A}">
   <ds:schemaRefs>
@@ -16587,23 +17313,6 @@
 </file>
 
 <file path=customXml/itemProps2.xml><?xml version="1.0" encoding="utf-8"?>
-<ds:datastoreItem xmlns:ds="http://schemas.openxmlformats.org/officeDocument/2006/customXml" ds:itemID="{E512E803-4492-4E48-BC4A-33471278F446}">
-  <ds:schemaRefs>
-    <ds:schemaRef ds:uri="http://schemas.microsoft.com/office/2006/documentManagement/types"/>
-    <ds:schemaRef ds:uri="http://purl.org/dc/dcmitype/"/>
-    <ds:schemaRef ds:uri="http://www.w3.org/XML/1998/namespace"/>
-    <ds:schemaRef ds:uri="http://schemas.openxmlformats.org/package/2006/metadata/core-properties"/>
-    <ds:schemaRef ds:uri="http://schemas.microsoft.com/office/2006/metadata/properties"/>
-    <ds:schemaRef ds:uri="http://purl.org/dc/elements/1.1/"/>
-    <ds:schemaRef ds:uri="86ceb19f-6ae7-4f45-9291-f23dc7cad4a8"/>
-    <ds:schemaRef ds:uri="http://schemas.microsoft.com/office/infopath/2007/PartnerControls"/>
-    <ds:schemaRef ds:uri="d9ddec61-d553-4032-8214-836f20420e5b"/>
-    <ds:schemaRef ds:uri="http://purl.org/dc/terms/"/>
-  </ds:schemaRefs>
-</ds:datastoreItem>
-</file>
-
-<file path=customXml/itemProps3.xml><?xml version="1.0" encoding="utf-8"?>
 <ds:datastoreItem xmlns:ds="http://schemas.openxmlformats.org/officeDocument/2006/customXml" ds:itemID="{3088C02C-7DCC-44F5-9DB3-7F8495DDC635}">
   <ds:schemaRefs>
     <ds:schemaRef ds:uri="http://schemas.microsoft.com/office/2006/metadata/contentType"/>
@@ -16620,4 +17329,21 @@
     <ds:schemaRef ds:uri="http://schemas.microsoft.com/internal/obd"/>
   </ds:schemaRefs>
 </ds:datastoreItem>
+</file>
+
+<file path=customXml/itemProps3.xml><?xml version="1.0" encoding="utf-8"?>
+<ds:datastoreItem xmlns:ds="http://schemas.openxmlformats.org/officeDocument/2006/customXml" ds:itemID="{E512E803-4492-4E48-BC4A-33471278F446}">
+  <ds:schemaRefs>
+    <ds:schemaRef ds:uri="http://schemas.microsoft.com/office/2006/documentManagement/types"/>
+    <ds:schemaRef ds:uri="http://purl.org/dc/dcmitype/"/>
+    <ds:schemaRef ds:uri="http://www.w3.org/XML/1998/namespace"/>
+    <ds:schemaRef ds:uri="http://schemas.openxmlformats.org/package/2006/metadata/core-properties"/>
+    <ds:schemaRef ds:uri="http://schemas.microsoft.com/office/2006/metadata/properties"/>
+    <ds:schemaRef ds:uri="http://purl.org/dc/elements/1.1/"/>
+    <ds:schemaRef ds:uri="86ceb19f-6ae7-4f45-9291-f23dc7cad4a8"/>
+    <ds:schemaRef ds:uri="http://schemas.microsoft.com/office/infopath/2007/PartnerControls"/>
+    <ds:schemaRef ds:uri="d9ddec61-d553-4032-8214-836f20420e5b"/>
+    <ds:schemaRef ds:uri="http://purl.org/dc/terms/"/>
+  </ds:schemaRefs>
+</ds:datastoreItem>
 </file>
--- a/プレゼン資料.pptx
+++ b/プレゼン資料.pptx
@@ -1781,29 +1781,252 @@
           <a:p>
             <a:r>
               <a:rPr kumimoji="1" lang="en-US" altLang="ja-JP" dirty="0"/>
-              <a:t>==</a:t>
-            </a:r>
+              <a:t>---------</a:t>
+            </a:r>
+            <a:r>
+              <a:rPr kumimoji="1" lang="ja-JP" altLang="en-US"/>
+              <a:t>赤嶺</a:t>
+            </a:r>
+            <a:endParaRPr kumimoji="1" lang="en-US" altLang="ja-JP"/>
+          </a:p>
+          <a:p>
             <a:r>
               <a:rPr kumimoji="1" lang="ja-JP" altLang="en-US" dirty="0"/>
-              <a:t>画面を切り替える</a:t>
-            </a:r>
+              <a:t>それでは、私たちが開発しました管理システムの動作確認を行っていきたいと思います。</a:t>
+            </a:r>
+          </a:p>
+          <a:p>
+            <a:r>
+              <a:rPr kumimoji="1" lang="ja-JP" altLang="en-US" dirty="0"/>
+              <a:t>最初にログイン画面が表示されます。こちらの画面にデータベースに管理された</a:t>
+            </a:r>
+          </a:p>
+          <a:p>
             <a:r>
               <a:rPr kumimoji="1" lang="en-US" altLang="ja-JP" dirty="0"/>
-              <a:t>==</a:t>
-            </a:r>
-          </a:p>
-          <a:p>
+              <a:t>ID</a:t>
+            </a:r>
             <a:r>
               <a:rPr kumimoji="1" lang="ja-JP" altLang="en-US" dirty="0"/>
-              <a:t>現在、データベースには</a:t>
+              <a:t>とパスワードを入力してログインボタンをクリックするとログインができます。</a:t>
+            </a:r>
+          </a:p>
+          <a:p>
+            <a:endParaRPr kumimoji="1" lang="ja-JP" altLang="en-US" dirty="0"/>
+          </a:p>
+          <a:p>
+            <a:r>
+              <a:rPr kumimoji="1" lang="ja-JP" altLang="en-US" dirty="0"/>
+              <a:t>ログイン後、顧客管理、書籍管理、データ分析の選択項目が表示されます。</a:t>
+            </a:r>
+          </a:p>
+          <a:p>
+            <a:endParaRPr kumimoji="1" lang="ja-JP" altLang="en-US" dirty="0"/>
+          </a:p>
+          <a:p>
+            <a:r>
+              <a:rPr kumimoji="1" lang="ja-JP" altLang="en-US" dirty="0"/>
+              <a:t>●顧客管理を選択してみます。</a:t>
+            </a:r>
+          </a:p>
+          <a:p>
+            <a:r>
+              <a:rPr kumimoji="1" lang="ja-JP" altLang="en-US" dirty="0"/>
+              <a:t>顧客管理を選択すると、このような画面が表示されます。</a:t>
+            </a:r>
+          </a:p>
+          <a:p>
+            <a:r>
+              <a:rPr kumimoji="1" lang="ja-JP" altLang="en-US" dirty="0"/>
+              <a:t>表示されている一覧は、データベースに管理されているデータを抽出して表示しています。</a:t>
+            </a:r>
+          </a:p>
+          <a:p>
+            <a:endParaRPr kumimoji="1" lang="ja-JP" altLang="en-US" dirty="0"/>
+          </a:p>
+          <a:p>
+            <a:endParaRPr kumimoji="1" lang="ja-JP" altLang="en-US" dirty="0"/>
+          </a:p>
+          <a:p>
+            <a:r>
+              <a:rPr kumimoji="1" lang="ja-JP" altLang="en-US" dirty="0"/>
+              <a:t>・検索では、顧客</a:t>
             </a:r>
             <a:r>
               <a:rPr kumimoji="1" lang="en-US" altLang="ja-JP" dirty="0"/>
-              <a:t>4</a:t>
+              <a:t>ID</a:t>
             </a:r>
             <a:r>
               <a:rPr kumimoji="1" lang="ja-JP" altLang="en-US" dirty="0"/>
-              <a:t>万</a:t>
+              <a:t>と顧客名を検索できるようにしています。</a:t>
+            </a:r>
+          </a:p>
+          <a:p>
+            <a:r>
+              <a:rPr kumimoji="1" lang="ja-JP" altLang="en-US" dirty="0"/>
+              <a:t>・顧客</a:t>
+            </a:r>
+            <a:r>
+              <a:rPr kumimoji="1" lang="en-US" altLang="ja-JP" dirty="0"/>
+              <a:t>ID</a:t>
+            </a:r>
+            <a:r>
+              <a:rPr kumimoji="1" lang="ja-JP" altLang="en-US" dirty="0"/>
+              <a:t>の一致検索をしてみます</a:t>
+            </a:r>
+          </a:p>
+          <a:p>
+            <a:r>
+              <a:rPr kumimoji="1" lang="ja-JP" altLang="en-US" dirty="0"/>
+              <a:t>検索欄に</a:t>
+            </a:r>
+            <a:r>
+              <a:rPr kumimoji="1" lang="en-US" altLang="ja-JP" dirty="0"/>
+              <a:t>1101</a:t>
+            </a:r>
+            <a:r>
+              <a:rPr kumimoji="1" lang="ja-JP" altLang="en-US" dirty="0"/>
+              <a:t>と入力して、一致検索を選択して、検索ボタンをクリックすると顧客</a:t>
+            </a:r>
+            <a:r>
+              <a:rPr kumimoji="1" lang="en-US" altLang="ja-JP" dirty="0"/>
+              <a:t>ID1101</a:t>
+            </a:r>
+            <a:r>
+              <a:rPr kumimoji="1" lang="ja-JP" altLang="en-US" dirty="0"/>
+              <a:t>のコードが表示されます。</a:t>
+            </a:r>
+          </a:p>
+          <a:p>
+            <a:endParaRPr kumimoji="1" lang="ja-JP" altLang="en-US" dirty="0"/>
+          </a:p>
+          <a:p>
+            <a:r>
+              <a:rPr kumimoji="1" lang="ja-JP" altLang="en-US" dirty="0"/>
+              <a:t>・次に顧客名のあいまい検索をしてみます。</a:t>
+            </a:r>
+          </a:p>
+          <a:p>
+            <a:r>
+              <a:rPr kumimoji="1" lang="ja-JP" altLang="en-US" dirty="0" err="1"/>
+              <a:t>検索検索</a:t>
+            </a:r>
+            <a:r>
+              <a:rPr kumimoji="1" lang="ja-JP" altLang="en-US" dirty="0"/>
+              <a:t>欄に「赤」を入力して、あいまい検索を選択して、検索ボタンをクリックすると「赤」という文字が含まれているコードが表示されます。</a:t>
+            </a:r>
+          </a:p>
+          <a:p>
+            <a:endParaRPr kumimoji="1" lang="ja-JP" altLang="en-US" dirty="0"/>
+          </a:p>
+          <a:p>
+            <a:r>
+              <a:rPr kumimoji="1" lang="ja-JP" altLang="en-US" dirty="0"/>
+              <a:t>・次に新規登録をしてみます。</a:t>
+            </a:r>
+          </a:p>
+          <a:p>
+            <a:r>
+              <a:rPr kumimoji="1" lang="ja-JP" altLang="en-US" dirty="0"/>
+              <a:t>新規登録ボタンをクリックします。新規登録フォームが表示されるので</a:t>
+            </a:r>
+          </a:p>
+          <a:p>
+            <a:r>
+              <a:rPr kumimoji="1" lang="ja-JP" altLang="en-US" dirty="0"/>
+              <a:t>各項目に入力していきます。登録ボタンをクリックします。</a:t>
+            </a:r>
+          </a:p>
+          <a:p>
+            <a:r>
+              <a:rPr kumimoji="1" lang="ja-JP" altLang="en-US" dirty="0"/>
+              <a:t>登録すると、データベースに情報が登録されて、リストの一覧に表示されます。</a:t>
+            </a:r>
+          </a:p>
+          <a:p>
+            <a:endParaRPr kumimoji="1" lang="ja-JP" altLang="en-US" dirty="0"/>
+          </a:p>
+          <a:p>
+            <a:r>
+              <a:rPr kumimoji="1" lang="ja-JP" altLang="en-US" dirty="0"/>
+              <a:t>・次に編集をしてみます。</a:t>
+            </a:r>
+          </a:p>
+          <a:p>
+            <a:r>
+              <a:rPr kumimoji="1" lang="ja-JP" altLang="en-US" dirty="0"/>
+              <a:t>先ほど登録したコードの編集をクリックします。</a:t>
+            </a:r>
+          </a:p>
+          <a:p>
+            <a:r>
+              <a:rPr kumimoji="1" lang="ja-JP" altLang="en-US" dirty="0"/>
+              <a:t>編集画面が表示されますので、編集したい個所を編集していきます。</a:t>
+            </a:r>
+          </a:p>
+          <a:p>
+            <a:r>
+              <a:rPr kumimoji="1" lang="ja-JP" altLang="en-US" dirty="0"/>
+              <a:t>更新ボタンをクリックすると編集した内容がリストに表示されます。</a:t>
+            </a:r>
+          </a:p>
+          <a:p>
+            <a:endParaRPr kumimoji="1" lang="ja-JP" altLang="en-US" dirty="0"/>
+          </a:p>
+          <a:p>
+            <a:r>
+              <a:rPr kumimoji="1" lang="ja-JP" altLang="en-US" dirty="0"/>
+              <a:t>・次に削除をします。</a:t>
+            </a:r>
+          </a:p>
+          <a:p>
+            <a:r>
+              <a:rPr kumimoji="1" lang="ja-JP" altLang="en-US" dirty="0"/>
+              <a:t>先ほど編集したコードの削除をクリックすると、確認アラートが表示されますので</a:t>
+            </a:r>
+          </a:p>
+          <a:p>
+            <a:r>
+              <a:rPr kumimoji="1" lang="ja-JP" altLang="en-US" dirty="0"/>
+              <a:t>「</a:t>
+            </a:r>
+            <a:r>
+              <a:rPr kumimoji="1" lang="en-US" altLang="ja-JP" dirty="0"/>
+              <a:t>OK</a:t>
+            </a:r>
+            <a:r>
+              <a:rPr kumimoji="1" lang="ja-JP" altLang="en-US" dirty="0"/>
+              <a:t>」をクリックすると、対象のコードが削除されます。</a:t>
+            </a:r>
+          </a:p>
+          <a:p>
+            <a:endParaRPr kumimoji="1" lang="ja-JP" altLang="en-US" dirty="0"/>
+          </a:p>
+          <a:p>
+            <a:r>
+              <a:rPr kumimoji="1" lang="ja-JP" altLang="en-US" dirty="0"/>
+              <a:t>・顧客</a:t>
+            </a:r>
+            <a:r>
+              <a:rPr kumimoji="1" lang="en-US" altLang="ja-JP" dirty="0"/>
+              <a:t>ID</a:t>
+            </a:r>
+            <a:r>
+              <a:rPr kumimoji="1" lang="ja-JP" altLang="en-US" dirty="0" err="1"/>
+              <a:t>、</a:t>
+            </a:r>
+            <a:r>
+              <a:rPr kumimoji="1" lang="ja-JP" altLang="en-US" dirty="0"/>
+              <a:t>顧客名などの隣にある矢印ボタンをクリックすると昇順、降順に並び替えもできます。</a:t>
+            </a:r>
+          </a:p>
+          <a:p>
+            <a:endParaRPr kumimoji="1" lang="ja-JP" altLang="en-US" dirty="0"/>
+          </a:p>
+          <a:p>
+            <a:r>
+              <a:rPr kumimoji="1" lang="ja-JP" altLang="en-US" dirty="0"/>
+              <a:t>戻るボタンをクリックすると</a:t>
             </a:r>
             <a:r>
               <a:rPr kumimoji="1" lang="en-US" altLang="ja-JP" dirty="0"/>
@@ -1811,329 +2034,58 @@
             </a:r>
             <a:r>
               <a:rPr kumimoji="1" lang="ja-JP" altLang="en-US" dirty="0"/>
-              <a:t>千冊の本と１万人の顧客データ、</a:t>
+              <a:t>項目の選択画面に戻ります。</a:t>
+            </a:r>
+          </a:p>
+          <a:p>
+            <a:r>
+              <a:rPr kumimoji="1" lang="ja-JP" altLang="en-US" dirty="0"/>
+              <a:t>●書籍管理は、顧客管理と同じようなコードになりますので軽く流していきます。</a:t>
+            </a:r>
+          </a:p>
+          <a:p>
+            <a:endParaRPr kumimoji="1" lang="ja-JP" altLang="en-US" dirty="0"/>
+          </a:p>
+          <a:p>
+            <a:endParaRPr kumimoji="1" lang="ja-JP" altLang="en-US" dirty="0"/>
+          </a:p>
+          <a:p>
+            <a:r>
+              <a:rPr kumimoji="1" lang="ja-JP" altLang="en-US" dirty="0"/>
+              <a:t>●次にデータ分析です。</a:t>
+            </a:r>
+          </a:p>
+          <a:p>
+            <a:r>
+              <a:rPr kumimoji="1" lang="ja-JP" altLang="en-US" dirty="0"/>
+              <a:t>データ分析のボタンをクリックするとランキング画面に遷移し、データベースに登録されているデータから</a:t>
             </a:r>
             <a:r>
               <a:rPr kumimoji="1" lang="en-US" altLang="ja-JP" dirty="0"/>
-              <a:t>5</a:t>
+              <a:t>SQL</a:t>
             </a:r>
             <a:r>
               <a:rPr kumimoji="1" lang="ja-JP" altLang="en-US" dirty="0"/>
-              <a:t>万件のサブスクリプションデータが存在します。</a:t>
-            </a:r>
-            <a:endParaRPr kumimoji="1" lang="en-US" altLang="ja-JP" dirty="0"/>
-          </a:p>
-          <a:p>
-            <a:r>
-              <a:rPr kumimoji="1" lang="en-US" altLang="ja-JP" dirty="0"/>
-              <a:t>UI</a:t>
-            </a:r>
+              <a:t>文を実行して、それぞれ売上、年代別、地域別ランキングを表示しています。こちらも同様に項目ごとに昇順、降順に並べ替えることができます。</a:t>
+            </a:r>
+          </a:p>
+          <a:p>
+            <a:endParaRPr kumimoji="1" lang="ja-JP" altLang="en-US" dirty="0"/>
+          </a:p>
+          <a:p>
             <a:r>
               <a:rPr kumimoji="1" lang="ja-JP" altLang="en-US" dirty="0"/>
-              <a:t>はマテリアルデザイン</a:t>
-            </a:r>
-            <a:r>
-              <a:rPr kumimoji="1" lang="en-US" altLang="ja-JP" dirty="0"/>
-              <a:t>3</a:t>
-            </a:r>
+              <a:t>●最後にログインボタンをクリックすると、ログイン画面に戻ります。</a:t>
+            </a:r>
+          </a:p>
+          <a:p>
+            <a:endParaRPr kumimoji="1" lang="ja-JP" altLang="en-US" dirty="0"/>
+          </a:p>
+          <a:p>
             <a:r>
               <a:rPr kumimoji="1" lang="ja-JP" altLang="en-US" dirty="0"/>
-              <a:t>に従って実装されています。</a:t>
-            </a:r>
-            <a:endParaRPr kumimoji="1" lang="en-US" altLang="ja-JP" dirty="0"/>
-          </a:p>
-          <a:p>
-            <a:r>
-              <a:rPr kumimoji="1" lang="ja-JP" altLang="en-US" dirty="0"/>
-              <a:t>無限スクロールを導入しておりページ遷移を感じさせずに顧客データを表示しています。</a:t>
-            </a:r>
-            <a:endParaRPr kumimoji="1" lang="en-US" altLang="ja-JP" dirty="0"/>
-          </a:p>
-          <a:p>
-            <a:r>
-              <a:rPr kumimoji="1" lang="ja-JP" altLang="en-US" dirty="0"/>
-              <a:t>試しに「田中」と検索してみます。このようにちゃんと検索できます。氏名の他に電話番号や住所でも検索が可能です。</a:t>
-            </a:r>
-            <a:endParaRPr kumimoji="1" lang="en-US" altLang="ja-JP" dirty="0"/>
-          </a:p>
-          <a:p>
-            <a:endParaRPr kumimoji="1" lang="en-US" altLang="ja-JP" dirty="0"/>
-          </a:p>
-          <a:p>
-            <a:r>
-              <a:rPr kumimoji="1" lang="ja-JP" altLang="en-US" dirty="0"/>
-              <a:t>サーバーがローカル上に存在するのでロードが分かりづらいです。</a:t>
-            </a:r>
-            <a:endParaRPr kumimoji="1" lang="en-US" altLang="ja-JP" dirty="0"/>
-          </a:p>
-          <a:p>
-            <a:r>
-              <a:rPr kumimoji="1" lang="en-US" altLang="ja-JP" dirty="0"/>
-              <a:t>Chrome</a:t>
-            </a:r>
-            <a:r>
-              <a:rPr kumimoji="1" lang="ja-JP" altLang="en-US" dirty="0"/>
-              <a:t>のデベロッパーツールから</a:t>
-            </a:r>
-            <a:r>
-              <a:rPr kumimoji="1" lang="en-US" altLang="ja-JP" dirty="0"/>
-              <a:t>3G</a:t>
-            </a:r>
-            <a:r>
-              <a:rPr kumimoji="1" lang="ja-JP" altLang="en-US" dirty="0"/>
-              <a:t>通信をシュミレーションして動作させてみます。</a:t>
-            </a:r>
-            <a:endParaRPr kumimoji="1" lang="en-US" altLang="ja-JP" dirty="0"/>
-          </a:p>
-          <a:p>
-            <a:endParaRPr kumimoji="1" lang="en-US" altLang="ja-JP" dirty="0"/>
-          </a:p>
-          <a:p>
-            <a:r>
-              <a:rPr kumimoji="1" lang="en-US" altLang="ja-JP" dirty="0"/>
-              <a:t>==</a:t>
-            </a:r>
-            <a:r>
-              <a:rPr kumimoji="1" lang="ja-JP" altLang="en-US" dirty="0"/>
-              <a:t>デベロッパーツールを開きネットワークタブから「高速</a:t>
-            </a:r>
-            <a:r>
-              <a:rPr kumimoji="1" lang="en-US" altLang="ja-JP" dirty="0"/>
-              <a:t>3G</a:t>
-            </a:r>
-            <a:r>
-              <a:rPr kumimoji="1" lang="ja-JP" altLang="en-US" dirty="0"/>
-              <a:t>」に変更する</a:t>
-            </a:r>
-            <a:r>
-              <a:rPr kumimoji="1" lang="en-US" altLang="ja-JP" dirty="0"/>
-              <a:t>==</a:t>
-            </a:r>
-          </a:p>
-          <a:p>
-            <a:r>
-              <a:rPr kumimoji="1" lang="ja-JP" altLang="en-US" dirty="0"/>
-              <a:t>試しに「山田」と検索してみます。</a:t>
-            </a:r>
-            <a:r>
-              <a:rPr kumimoji="1" lang="en-US" altLang="ja-JP" dirty="0"/>
-              <a:t>3G</a:t>
-            </a:r>
-            <a:r>
-              <a:rPr kumimoji="1" lang="ja-JP" altLang="en-US" dirty="0"/>
-              <a:t>通信なので先程よりもロードが発生しましたが数秒で終わります。</a:t>
-            </a:r>
-            <a:endParaRPr kumimoji="1" lang="en-US" altLang="ja-JP" dirty="0"/>
-          </a:p>
-          <a:p>
-            <a:r>
-              <a:rPr kumimoji="1" lang="ja-JP" altLang="en-US" dirty="0"/>
-              <a:t>また、強力なキャッシュシステムが存在するので再度「山田」と検索するとロードが発生しません。</a:t>
-            </a:r>
-            <a:endParaRPr kumimoji="1" lang="en-US" altLang="ja-JP" dirty="0"/>
-          </a:p>
-          <a:p>
-            <a:r>
-              <a:rPr kumimoji="1" lang="ja-JP" altLang="en-US" dirty="0"/>
-              <a:t>このまま、</a:t>
-            </a:r>
-            <a:r>
-              <a:rPr kumimoji="1" lang="en-US" altLang="ja-JP" dirty="0"/>
-              <a:t>3G</a:t>
-            </a:r>
-            <a:r>
-              <a:rPr kumimoji="1" lang="ja-JP" altLang="en-US" dirty="0"/>
-              <a:t>通信のシュミレーションを維持したままデモを行います。</a:t>
-            </a:r>
-            <a:endParaRPr kumimoji="1" lang="en-US" altLang="ja-JP" dirty="0"/>
-          </a:p>
-          <a:p>
-            <a:endParaRPr kumimoji="1" lang="en-US" altLang="ja-JP" dirty="0"/>
-          </a:p>
-          <a:p>
-            <a:r>
-              <a:rPr kumimoji="1" lang="ja-JP" altLang="en-US" dirty="0"/>
-              <a:t>顧客を選択すると「顧客の詳細」と「購読中の顧客一覧」が表示されます。</a:t>
-            </a:r>
-            <a:endParaRPr kumimoji="1" lang="en-US" altLang="ja-JP" dirty="0"/>
-          </a:p>
-          <a:p>
-            <a:r>
-              <a:rPr kumimoji="1" lang="ja-JP" altLang="en-US" dirty="0"/>
-              <a:t>右下の鉛筆のアイコンから顧客データを編集することが可能です。</a:t>
-            </a:r>
-            <a:endParaRPr kumimoji="1" lang="en-US" altLang="ja-JP" dirty="0"/>
-          </a:p>
-          <a:p>
-            <a:endParaRPr kumimoji="1" lang="en-US" altLang="ja-JP" dirty="0"/>
-          </a:p>
-          <a:p>
-            <a:r>
-              <a:rPr kumimoji="1" lang="ja-JP" altLang="en-US" dirty="0"/>
-              <a:t>購読を削除する場合はここのゴミ箱のアイコンから、</a:t>
-            </a:r>
-            <a:endParaRPr kumimoji="1" lang="en-US" altLang="ja-JP" dirty="0"/>
-          </a:p>
-          <a:p>
-            <a:r>
-              <a:rPr kumimoji="1" lang="ja-JP" altLang="en-US" dirty="0"/>
-              <a:t>購読を追加する場合はタブから書籍を選んで追加できます。</a:t>
-            </a:r>
-            <a:endParaRPr kumimoji="1" lang="en-US" altLang="ja-JP" dirty="0"/>
-          </a:p>
-          <a:p>
-            <a:r>
-              <a:rPr kumimoji="1" lang="ja-JP" altLang="en-US" dirty="0"/>
-              <a:t>保存ボタンを押すと保存が完了します。</a:t>
-            </a:r>
-            <a:endParaRPr kumimoji="1" lang="en-US" altLang="ja-JP" dirty="0"/>
-          </a:p>
-          <a:p>
-            <a:r>
-              <a:rPr kumimoji="1" lang="ja-JP" altLang="en-US" dirty="0" err="1"/>
-              <a:t>ー</a:t>
-            </a:r>
-            <a:r>
-              <a:rPr kumimoji="1" lang="ja-JP" altLang="en-US" dirty="0"/>
-              <a:t>ーー</a:t>
-            </a:r>
-            <a:r>
-              <a:rPr kumimoji="1" lang="ja-JP" altLang="en-US" dirty="0" err="1"/>
-              <a:t>ーーーーーーーーーーーーーーーーーーーーーーーーーーーーーーーーーーー</a:t>
-            </a:r>
-            <a:r>
-              <a:rPr kumimoji="1" lang="ja-JP" altLang="en-US" dirty="0"/>
-              <a:t>↓松永</a:t>
-            </a:r>
-            <a:endParaRPr kumimoji="1" lang="en-US" altLang="ja-JP" dirty="0"/>
-          </a:p>
-          <a:p>
-            <a:r>
-              <a:rPr kumimoji="1" lang="ja-JP" altLang="en-US" dirty="0"/>
-              <a:t>顧客を追加するにはサイドメニューから「顧客追加」を選択します。</a:t>
-            </a:r>
-            <a:endParaRPr kumimoji="1" lang="en-US" altLang="ja-JP" dirty="0"/>
-          </a:p>
-          <a:p>
-            <a:r>
-              <a:rPr kumimoji="1" lang="ja-JP" altLang="en-US" dirty="0"/>
-              <a:t>今回は「のび太」として顧客を追加してみます。</a:t>
-            </a:r>
-            <a:endParaRPr kumimoji="1" lang="en-US" altLang="ja-JP" dirty="0"/>
-          </a:p>
-          <a:p>
-            <a:endParaRPr kumimoji="1" lang="en-US" altLang="ja-JP" dirty="0"/>
-          </a:p>
-          <a:p>
-            <a:r>
-              <a:rPr kumimoji="1" lang="ja-JP" altLang="en-US" dirty="0"/>
-              <a:t>顧客管理タブから先程追加した「のび太」を検索すると先程追加したデータが表示されました。</a:t>
-            </a:r>
-            <a:endParaRPr kumimoji="1" lang="en-US" altLang="ja-JP" dirty="0"/>
-          </a:p>
-          <a:p>
-            <a:r>
-              <a:rPr kumimoji="1" lang="ja-JP" altLang="en-US" dirty="0"/>
-              <a:t>削除するには顧客管理タブを開いた状態で右下の鉛筆のアイコンから顧客データを削除することが可能です。</a:t>
-            </a:r>
-            <a:endParaRPr kumimoji="1" lang="en-US" altLang="ja-JP" dirty="0"/>
-          </a:p>
-          <a:p>
-            <a:endParaRPr kumimoji="1" lang="en-US" altLang="ja-JP" dirty="0"/>
-          </a:p>
-          <a:p>
-            <a:r>
-              <a:rPr kumimoji="1" lang="ja-JP" altLang="en-US" dirty="0"/>
-              <a:t>同様に書籍管理と書籍追加も実装されています。</a:t>
-            </a:r>
-            <a:endParaRPr kumimoji="1" lang="en-US" altLang="ja-JP" dirty="0"/>
-          </a:p>
-          <a:p>
-            <a:endParaRPr kumimoji="1" lang="en-US" altLang="ja-JP" dirty="0"/>
-          </a:p>
-          <a:p>
-            <a:r>
-              <a:rPr kumimoji="1" lang="ja-JP" altLang="en-US" dirty="0"/>
-              <a:t>左下の太陽のマークを選択するとダークテーマに切り替えることができます。</a:t>
-            </a:r>
-            <a:endParaRPr kumimoji="1" lang="en-US" altLang="ja-JP" dirty="0"/>
-          </a:p>
-          <a:p>
-            <a:endParaRPr kumimoji="1" lang="en-US" altLang="ja-JP" dirty="0"/>
-          </a:p>
-          <a:p>
-            <a:r>
-              <a:rPr kumimoji="1" lang="ja-JP" altLang="en-US" dirty="0"/>
-              <a:t>また、レスポンシブデザインに対応しており、スマホで表示させた場合にデザインが変化します。</a:t>
-            </a:r>
-            <a:endParaRPr kumimoji="1" lang="en-US" altLang="ja-JP" dirty="0"/>
-          </a:p>
-          <a:p>
-            <a:pPr marL="0" marR="0" lvl="0" indent="0" algn="l" defTabSz="914400" rtl="0" eaLnBrk="1" fontAlgn="auto" latinLnBrk="0" hangingPunct="1">
-              <a:lnSpc>
-                <a:spcPct val="100000"/>
-              </a:lnSpc>
-              <a:spcBef>
-                <a:spcPts val="0"/>
-              </a:spcBef>
-              <a:spcAft>
-                <a:spcPts val="0"/>
-              </a:spcAft>
-              <a:buClrTx/>
-              <a:buSzTx/>
-              <a:buFontTx/>
-              <a:buNone/>
-              <a:tabLst/>
-              <a:defRPr/>
-            </a:pPr>
-            <a:r>
-              <a:rPr kumimoji="1" lang="en-US" altLang="ja-JP" dirty="0"/>
-              <a:t>Chrome</a:t>
-            </a:r>
-            <a:r>
-              <a:rPr kumimoji="1" lang="ja-JP" altLang="en-US" dirty="0"/>
-              <a:t>のデベロッパーツールからスマホ表示をシュミレーションして動作させてみます。</a:t>
-            </a:r>
-            <a:endParaRPr kumimoji="1" lang="en-US" altLang="ja-JP" dirty="0"/>
-          </a:p>
-          <a:p>
-            <a:endParaRPr kumimoji="1" lang="en-US" altLang="ja-JP" dirty="0"/>
-          </a:p>
-          <a:p>
-            <a:r>
-              <a:rPr kumimoji="1" lang="en-US" altLang="ja-JP" dirty="0"/>
-              <a:t>==</a:t>
-            </a:r>
-            <a:r>
-              <a:rPr kumimoji="1" lang="ja-JP" altLang="en-US" dirty="0"/>
-              <a:t>デベロッパーツールを開きデバイスツールの切り替えを行う</a:t>
-            </a:r>
-            <a:r>
-              <a:rPr kumimoji="1" lang="en-US" altLang="ja-JP" dirty="0"/>
-              <a:t>==</a:t>
-            </a:r>
-          </a:p>
-          <a:p>
-            <a:r>
-              <a:rPr kumimoji="1" lang="ja-JP" altLang="en-US" dirty="0"/>
-              <a:t>このようにサイドバーがボトムバーに変化し左右スクロールでの移動が行えるようになります。</a:t>
-            </a:r>
-            <a:endParaRPr kumimoji="1" lang="en-US" altLang="ja-JP" dirty="0"/>
-          </a:p>
-          <a:p>
-            <a:r>
-              <a:rPr kumimoji="1" lang="ja-JP" altLang="en-US" dirty="0"/>
-              <a:t>テーマ切り替えは画面右上のアイコンから行えます。</a:t>
-            </a:r>
-            <a:endParaRPr kumimoji="1" lang="en-US" altLang="ja-JP" dirty="0"/>
-          </a:p>
-          <a:p>
-            <a:endParaRPr kumimoji="1" lang="en-US" altLang="ja-JP" dirty="0"/>
-          </a:p>
-          <a:p>
-            <a:endParaRPr kumimoji="1" lang="en-US" altLang="ja-JP" dirty="0"/>
-          </a:p>
-          <a:p>
+              <a:t>以上で動作確認を終わります。</a:t>
+            </a:r>
             <a:endParaRPr kumimoji="1" lang="en-US" altLang="ja-JP" dirty="0"/>
           </a:p>
         </p:txBody>
@@ -17071,6 +17023,17 @@
 </file>
 
 <file path=customXml/item2.xml><?xml version="1.0" encoding="utf-8"?>
+<p:properties xmlns:p="http://schemas.microsoft.com/office/2006/metadata/properties" xmlns:xsi="http://www.w3.org/2001/XMLSchema-instance" xmlns:pc="http://schemas.microsoft.com/office/infopath/2007/PartnerControls">
+  <documentManagement>
+    <lcf76f155ced4ddcb4097134ff3c332f xmlns="86ceb19f-6ae7-4f45-9291-f23dc7cad4a8">
+      <Terms xmlns="http://schemas.microsoft.com/office/infopath/2007/PartnerControls"/>
+    </lcf76f155ced4ddcb4097134ff3c332f>
+    <TaxCatchAll xmlns="d9ddec61-d553-4032-8214-836f20420e5b" xsi:nil="true"/>
+  </documentManagement>
+</p:properties>
+</file>
+
+<file path=customXml/item3.xml><?xml version="1.0" encoding="utf-8"?>
 <ct:contentTypeSchema xmlns:ct="http://schemas.microsoft.com/office/2006/metadata/contentType" xmlns:ma="http://schemas.microsoft.com/office/2006/metadata/properties/metaAttributes" ct:_="" ma:_="" ma:contentTypeName="ドキュメント" ma:contentTypeID="0x010100E01490404992EE4E8DE75A84CE187D61" ma:contentTypeVersion="13" ma:contentTypeDescription="新しいドキュメントを作成します。" ma:contentTypeScope="" ma:versionID="4de2a10b987b0cd1cabba618634b4858">
   <xsd:schema xmlns:xsd="http://www.w3.org/2001/XMLSchema" xmlns:xs="http://www.w3.org/2001/XMLSchema" xmlns:p="http://schemas.microsoft.com/office/2006/metadata/properties" xmlns:ns2="86ceb19f-6ae7-4f45-9291-f23dc7cad4a8" xmlns:ns3="d9ddec61-d553-4032-8214-836f20420e5b" targetNamespace="http://schemas.microsoft.com/office/2006/metadata/properties" ma:root="true" ma:fieldsID="75a65fd2c3f672b3ff036140e68d3afc" ns2:_="" ns3:_="">
     <xsd:import namespace="86ceb19f-6ae7-4f45-9291-f23dc7cad4a8"/>
@@ -17293,17 +17256,6 @@
 </ct:contentTypeSchema>
 </file>
 
-<file path=customXml/item3.xml><?xml version="1.0" encoding="utf-8"?>
-<p:properties xmlns:p="http://schemas.microsoft.com/office/2006/metadata/properties" xmlns:xsi="http://www.w3.org/2001/XMLSchema-instance" xmlns:pc="http://schemas.microsoft.com/office/infopath/2007/PartnerControls">
-  <documentManagement>
-    <lcf76f155ced4ddcb4097134ff3c332f xmlns="86ceb19f-6ae7-4f45-9291-f23dc7cad4a8">
-      <Terms xmlns="http://schemas.microsoft.com/office/infopath/2007/PartnerControls"/>
-    </lcf76f155ced4ddcb4097134ff3c332f>
-    <TaxCatchAll xmlns="d9ddec61-d553-4032-8214-836f20420e5b" xsi:nil="true"/>
-  </documentManagement>
-</p:properties>
-</file>
-
 <file path=customXml/itemProps1.xml><?xml version="1.0" encoding="utf-8"?>
 <ds:datastoreItem xmlns:ds="http://schemas.openxmlformats.org/officeDocument/2006/customXml" ds:itemID="{D1CAAF56-E79E-46EC-85D8-FF1AC3B8584A}">
   <ds:schemaRefs>
@@ -17313,6 +17265,23 @@
 </file>
 
 <file path=customXml/itemProps2.xml><?xml version="1.0" encoding="utf-8"?>
+<ds:datastoreItem xmlns:ds="http://schemas.openxmlformats.org/officeDocument/2006/customXml" ds:itemID="{E512E803-4492-4E48-BC4A-33471278F446}">
+  <ds:schemaRefs>
+    <ds:schemaRef ds:uri="http://schemas.microsoft.com/office/2006/documentManagement/types"/>
+    <ds:schemaRef ds:uri="http://purl.org/dc/dcmitype/"/>
+    <ds:schemaRef ds:uri="http://www.w3.org/XML/1998/namespace"/>
+    <ds:schemaRef ds:uri="http://schemas.openxmlformats.org/package/2006/metadata/core-properties"/>
+    <ds:schemaRef ds:uri="http://schemas.microsoft.com/office/2006/metadata/properties"/>
+    <ds:schemaRef ds:uri="http://purl.org/dc/elements/1.1/"/>
+    <ds:schemaRef ds:uri="86ceb19f-6ae7-4f45-9291-f23dc7cad4a8"/>
+    <ds:schemaRef ds:uri="http://schemas.microsoft.com/office/infopath/2007/PartnerControls"/>
+    <ds:schemaRef ds:uri="d9ddec61-d553-4032-8214-836f20420e5b"/>
+    <ds:schemaRef ds:uri="http://purl.org/dc/terms/"/>
+  </ds:schemaRefs>
+</ds:datastoreItem>
+</file>
+
+<file path=customXml/itemProps3.xml><?xml version="1.0" encoding="utf-8"?>
 <ds:datastoreItem xmlns:ds="http://schemas.openxmlformats.org/officeDocument/2006/customXml" ds:itemID="{3088C02C-7DCC-44F5-9DB3-7F8495DDC635}">
   <ds:schemaRefs>
     <ds:schemaRef ds:uri="http://schemas.microsoft.com/office/2006/metadata/contentType"/>
@@ -17329,21 +17298,4 @@
     <ds:schemaRef ds:uri="http://schemas.microsoft.com/internal/obd"/>
   </ds:schemaRefs>
 </ds:datastoreItem>
-</file>
-
-<file path=customXml/itemProps3.xml><?xml version="1.0" encoding="utf-8"?>
-<ds:datastoreItem xmlns:ds="http://schemas.openxmlformats.org/officeDocument/2006/customXml" ds:itemID="{E512E803-4492-4E48-BC4A-33471278F446}">
-  <ds:schemaRefs>
-    <ds:schemaRef ds:uri="http://schemas.microsoft.com/office/2006/documentManagement/types"/>
-    <ds:schemaRef ds:uri="http://purl.org/dc/dcmitype/"/>
-    <ds:schemaRef ds:uri="http://www.w3.org/XML/1998/namespace"/>
-    <ds:schemaRef ds:uri="http://schemas.openxmlformats.org/package/2006/metadata/core-properties"/>
-    <ds:schemaRef ds:uri="http://schemas.microsoft.com/office/2006/metadata/properties"/>
-    <ds:schemaRef ds:uri="http://purl.org/dc/elements/1.1/"/>
-    <ds:schemaRef ds:uri="86ceb19f-6ae7-4f45-9291-f23dc7cad4a8"/>
-    <ds:schemaRef ds:uri="http://schemas.microsoft.com/office/infopath/2007/PartnerControls"/>
-    <ds:schemaRef ds:uri="d9ddec61-d553-4032-8214-836f20420e5b"/>
-    <ds:schemaRef ds:uri="http://purl.org/dc/terms/"/>
-  </ds:schemaRefs>
-</ds:datastoreItem>
 </file>